--- a/work/presentation/CP3402 Group 10.pptx
+++ b/work/presentation/CP3402 Group 10.pptx
@@ -1,36 +1,455 @@
 
 <file path=ppt/presentation.xml><?xml version="1.0" encoding="utf-8"?>
-<p:presentation xmlns:a="http://schemas.openxmlformats.org/drawingml/2006/main" xmlns:p="http://schemas.openxmlformats.org/presentationml/2006/main" xmlns:r="http://schemas.openxmlformats.org/officeDocument/2006/relationships" xmlns:p14="http://schemas.microsoft.com/office/powerpoint/2010/main" xmlns:p15="http://schemas.microsoft.com/office/powerpoint/2012/main" xmlns:mc="http://schemas.openxmlformats.org/markup-compatibility/2006">
+<p:presentation xmlns:a="http://schemas.openxmlformats.org/drawingml/2006/main" xmlns:r="http://schemas.openxmlformats.org/officeDocument/2006/relationships" xmlns:p="http://schemas.openxmlformats.org/presentationml/2006/main">
   <p:sldMasterIdLst>
-    <p:sldMasterId id="2147483648" r:id="rId2"/>
-    <p:sldMasterId id="2147483661" r:id="rId3"/>
+    <p:sldMasterId id="2147483648" r:id="rId1"/>
+    <p:sldMasterId id="2147483661" r:id="rId2"/>
   </p:sldMasterIdLst>
   <p:notesMasterIdLst>
-    <p:notesMasterId r:id="rId4"/>
+    <p:notesMasterId r:id="rId18"/>
   </p:notesMasterIdLst>
   <p:sldIdLst>
-    <p:sldId id="256" r:id="rId5"/>
-    <p:sldId id="257" r:id="rId6"/>
-    <p:sldId id="258" r:id="rId7"/>
-    <p:sldId id="259" r:id="rId8"/>
-    <p:sldId id="260" r:id="rId9"/>
-    <p:sldId id="261" r:id="rId10"/>
-    <p:sldId id="262" r:id="rId11"/>
-    <p:sldId id="263" r:id="rId12"/>
-    <p:sldId id="264" r:id="rId13"/>
-    <p:sldId id="265" r:id="rId14"/>
-    <p:sldId id="266" r:id="rId15"/>
-    <p:sldId id="267" r:id="rId16"/>
-    <p:sldId id="268" r:id="rId17"/>
-    <p:sldId id="269" r:id="rId18"/>
+    <p:sldId id="256" r:id="rId3"/>
+    <p:sldId id="257" r:id="rId4"/>
+    <p:sldId id="258" r:id="rId5"/>
+    <p:sldId id="259" r:id="rId6"/>
+    <p:sldId id="260" r:id="rId7"/>
+    <p:sldId id="261" r:id="rId8"/>
+    <p:sldId id="262" r:id="rId9"/>
+    <p:sldId id="263" r:id="rId10"/>
+    <p:sldId id="270" r:id="rId11"/>
+    <p:sldId id="264" r:id="rId12"/>
+    <p:sldId id="265" r:id="rId13"/>
+    <p:sldId id="266" r:id="rId14"/>
+    <p:sldId id="267" r:id="rId15"/>
+    <p:sldId id="268" r:id="rId16"/>
+    <p:sldId id="269" r:id="rId17"/>
   </p:sldIdLst>
   <p:sldSz cx="12192000" cy="6858000"/>
   <p:notesSz cx="6858000" cy="9144000"/>
+  <p:defaultTextStyle>
+    <a:defPPr>
+      <a:defRPr lang="en-US"/>
+    </a:defPPr>
+    <a:lvl1pPr marL="0" algn="l" defTabSz="914400" rtl="0" eaLnBrk="1" latinLnBrk="0" hangingPunct="1">
+      <a:defRPr sz="1800" kern="1200">
+        <a:solidFill>
+          <a:schemeClr val="tx1"/>
+        </a:solidFill>
+        <a:latin typeface="+mn-lt"/>
+        <a:ea typeface="+mn-ea"/>
+        <a:cs typeface="+mn-cs"/>
+      </a:defRPr>
+    </a:lvl1pPr>
+    <a:lvl2pPr marL="457200" algn="l" defTabSz="914400" rtl="0" eaLnBrk="1" latinLnBrk="0" hangingPunct="1">
+      <a:defRPr sz="1800" kern="1200">
+        <a:solidFill>
+          <a:schemeClr val="tx1"/>
+        </a:solidFill>
+        <a:latin typeface="+mn-lt"/>
+        <a:ea typeface="+mn-ea"/>
+        <a:cs typeface="+mn-cs"/>
+      </a:defRPr>
+    </a:lvl2pPr>
+    <a:lvl3pPr marL="914400" algn="l" defTabSz="914400" rtl="0" eaLnBrk="1" latinLnBrk="0" hangingPunct="1">
+      <a:defRPr sz="1800" kern="1200">
+        <a:solidFill>
+          <a:schemeClr val="tx1"/>
+        </a:solidFill>
+        <a:latin typeface="+mn-lt"/>
+        <a:ea typeface="+mn-ea"/>
+        <a:cs typeface="+mn-cs"/>
+      </a:defRPr>
+    </a:lvl3pPr>
+    <a:lvl4pPr marL="1371600" algn="l" defTabSz="914400" rtl="0" eaLnBrk="1" latinLnBrk="0" hangingPunct="1">
+      <a:defRPr sz="1800" kern="1200">
+        <a:solidFill>
+          <a:schemeClr val="tx1"/>
+        </a:solidFill>
+        <a:latin typeface="+mn-lt"/>
+        <a:ea typeface="+mn-ea"/>
+        <a:cs typeface="+mn-cs"/>
+      </a:defRPr>
+    </a:lvl4pPr>
+    <a:lvl5pPr marL="1828800" algn="l" defTabSz="914400" rtl="0" eaLnBrk="1" latinLnBrk="0" hangingPunct="1">
+      <a:defRPr sz="1800" kern="1200">
+        <a:solidFill>
+          <a:schemeClr val="tx1"/>
+        </a:solidFill>
+        <a:latin typeface="+mn-lt"/>
+        <a:ea typeface="+mn-ea"/>
+        <a:cs typeface="+mn-cs"/>
+      </a:defRPr>
+    </a:lvl5pPr>
+    <a:lvl6pPr marL="2286000" algn="l" defTabSz="914400" rtl="0" eaLnBrk="1" latinLnBrk="0" hangingPunct="1">
+      <a:defRPr sz="1800" kern="1200">
+        <a:solidFill>
+          <a:schemeClr val="tx1"/>
+        </a:solidFill>
+        <a:latin typeface="+mn-lt"/>
+        <a:ea typeface="+mn-ea"/>
+        <a:cs typeface="+mn-cs"/>
+      </a:defRPr>
+    </a:lvl6pPr>
+    <a:lvl7pPr marL="2743200" algn="l" defTabSz="914400" rtl="0" eaLnBrk="1" latinLnBrk="0" hangingPunct="1">
+      <a:defRPr sz="1800" kern="1200">
+        <a:solidFill>
+          <a:schemeClr val="tx1"/>
+        </a:solidFill>
+        <a:latin typeface="+mn-lt"/>
+        <a:ea typeface="+mn-ea"/>
+        <a:cs typeface="+mn-cs"/>
+      </a:defRPr>
+    </a:lvl7pPr>
+    <a:lvl8pPr marL="3200400" algn="l" defTabSz="914400" rtl="0" eaLnBrk="1" latinLnBrk="0" hangingPunct="1">
+      <a:defRPr sz="1800" kern="1200">
+        <a:solidFill>
+          <a:schemeClr val="tx1"/>
+        </a:solidFill>
+        <a:latin typeface="+mn-lt"/>
+        <a:ea typeface="+mn-ea"/>
+        <a:cs typeface="+mn-cs"/>
+      </a:defRPr>
+    </a:lvl8pPr>
+    <a:lvl9pPr marL="3657600" algn="l" defTabSz="914400" rtl="0" eaLnBrk="1" latinLnBrk="0" hangingPunct="1">
+      <a:defRPr sz="1800" kern="1200">
+        <a:solidFill>
+          <a:schemeClr val="tx1"/>
+        </a:solidFill>
+        <a:latin typeface="+mn-lt"/>
+        <a:ea typeface="+mn-ea"/>
+        <a:cs typeface="+mn-cs"/>
+      </a:defRPr>
+    </a:lvl9pPr>
+  </p:defaultTextStyle>
+  <p:extLst>
+    <p:ext uri="{EFAFB233-063F-42B5-8137-9DF3F51BA10A}">
+      <p15:sldGuideLst xmlns:p15="http://schemas.microsoft.com/office/powerpoint/2012/main"/>
+    </p:ext>
+  </p:extLst>
 </p:presentation>
 </file>
 
 <file path=ppt/notesMasters/notesMaster1.xml><?xml version="1.0" encoding="utf-8"?>
-<p:notesMaster xmlns:a="http://schemas.openxmlformats.org/drawingml/2006/main" xmlns:p="http://schemas.openxmlformats.org/presentationml/2006/main" xmlns:r="http://schemas.openxmlformats.org/officeDocument/2006/relationships" xmlns:p14="http://schemas.microsoft.com/office/powerpoint/2010/main" xmlns:p15="http://schemas.microsoft.com/office/powerpoint/2012/main" xmlns:mc="http://schemas.openxmlformats.org/markup-compatibility/2006">
+<p:notesMaster xmlns:a="http://schemas.openxmlformats.org/drawingml/2006/main" xmlns:r="http://schemas.openxmlformats.org/officeDocument/2006/relationships" xmlns:p="http://schemas.openxmlformats.org/presentationml/2006/main">
+  <p:cSld>
+    <p:bg>
+      <p:bgRef idx="1001">
+        <a:schemeClr val="bg1"/>
+      </p:bgRef>
+    </p:bg>
+    <p:spTree>
+      <p:nvGrpSpPr>
+        <p:cNvPr id="1" name=""/>
+        <p:cNvGrpSpPr/>
+        <p:nvPr/>
+      </p:nvGrpSpPr>
+      <p:grpSpPr>
+        <a:xfrm>
+          <a:off x="0" y="0"/>
+          <a:ext cx="0" cy="0"/>
+          <a:chOff x="0" y="0"/>
+          <a:chExt cx="0" cy="0"/>
+        </a:xfrm>
+      </p:grpSpPr>
+      <p:sp>
+        <p:nvSpPr>
+          <p:cNvPr id="76" name="PlaceHolder 1"/>
+          <p:cNvSpPr>
+            <a:spLocks noGrp="1" noRot="1" noChangeAspect="1"/>
+          </p:cNvSpPr>
+          <p:nvPr>
+            <p:ph type="sldImg"/>
+          </p:nvPr>
+        </p:nvSpPr>
+        <p:spPr>
+          <a:xfrm>
+            <a:off x="216000" y="812520"/>
+            <a:ext cx="7127280" cy="4008960"/>
+          </a:xfrm>
+          <a:prstGeom prst="rect">
+            <a:avLst/>
+          </a:prstGeom>
+        </p:spPr>
+        <p:txBody>
+          <a:bodyPr lIns="0" tIns="0" rIns="0" bIns="0" anchor="ctr"/>
+          <a:lstStyle/>
+          <a:p>
+            <a:pPr algn="ctr"/>
+            <a:r>
+              <a:rPr lang="en-AU" sz="4400" b="0" strike="noStrike" spc="-1">
+                <a:latin typeface="Arial"/>
+              </a:rPr>
+              <a:t>Click to move the slide</a:t>
+            </a:r>
+          </a:p>
+        </p:txBody>
+      </p:sp>
+      <p:sp>
+        <p:nvSpPr>
+          <p:cNvPr id="77" name="PlaceHolder 2"/>
+          <p:cNvSpPr>
+            <a:spLocks noGrp="1"/>
+          </p:cNvSpPr>
+          <p:nvPr>
+            <p:ph type="body"/>
+          </p:nvPr>
+        </p:nvSpPr>
+        <p:spPr>
+          <a:xfrm>
+            <a:off x="756000" y="5078520"/>
+            <a:ext cx="6047640" cy="4811040"/>
+          </a:xfrm>
+          <a:prstGeom prst="rect">
+            <a:avLst/>
+          </a:prstGeom>
+        </p:spPr>
+        <p:txBody>
+          <a:bodyPr lIns="0" tIns="0" rIns="0" bIns="0"/>
+          <a:lstStyle/>
+          <a:p>
+            <a:r>
+              <a:rPr lang="en-AU" sz="2000" b="0" strike="noStrike" spc="-1">
+                <a:latin typeface="Arial"/>
+              </a:rPr>
+              <a:t>Click to edit the notes format</a:t>
+            </a:r>
+          </a:p>
+        </p:txBody>
+      </p:sp>
+      <p:sp>
+        <p:nvSpPr>
+          <p:cNvPr id="78" name="PlaceHolder 3"/>
+          <p:cNvSpPr>
+            <a:spLocks noGrp="1"/>
+          </p:cNvSpPr>
+          <p:nvPr>
+            <p:ph type="hdr"/>
+          </p:nvPr>
+        </p:nvSpPr>
+        <p:spPr>
+          <a:xfrm>
+            <a:off x="0" y="0"/>
+            <a:ext cx="3280680" cy="534240"/>
+          </a:xfrm>
+          <a:prstGeom prst="rect">
+            <a:avLst/>
+          </a:prstGeom>
+        </p:spPr>
+        <p:txBody>
+          <a:bodyPr lIns="0" tIns="0" rIns="0" bIns="0"/>
+          <a:lstStyle/>
+          <a:p>
+            <a:r>
+              <a:rPr lang="en-AU" sz="1400" b="0" strike="noStrike" spc="-1">
+                <a:latin typeface="Times New Roman"/>
+              </a:rPr>
+              <a:t> </a:t>
+            </a:r>
+          </a:p>
+        </p:txBody>
+      </p:sp>
+      <p:sp>
+        <p:nvSpPr>
+          <p:cNvPr id="79" name="PlaceHolder 4"/>
+          <p:cNvSpPr>
+            <a:spLocks noGrp="1"/>
+          </p:cNvSpPr>
+          <p:nvPr>
+            <p:ph type="dt"/>
+          </p:nvPr>
+        </p:nvSpPr>
+        <p:spPr>
+          <a:xfrm>
+            <a:off x="4278960" y="0"/>
+            <a:ext cx="3280680" cy="534240"/>
+          </a:xfrm>
+          <a:prstGeom prst="rect">
+            <a:avLst/>
+          </a:prstGeom>
+        </p:spPr>
+        <p:txBody>
+          <a:bodyPr lIns="0" tIns="0" rIns="0" bIns="0"/>
+          <a:lstStyle/>
+          <a:p>
+            <a:pPr algn="r"/>
+            <a:r>
+              <a:rPr lang="en-AU" sz="1400" b="0" strike="noStrike" spc="-1">
+                <a:latin typeface="Times New Roman"/>
+              </a:rPr>
+              <a:t> </a:t>
+            </a:r>
+          </a:p>
+        </p:txBody>
+      </p:sp>
+      <p:sp>
+        <p:nvSpPr>
+          <p:cNvPr id="80" name="PlaceHolder 5"/>
+          <p:cNvSpPr>
+            <a:spLocks noGrp="1"/>
+          </p:cNvSpPr>
+          <p:nvPr>
+            <p:ph type="ftr"/>
+          </p:nvPr>
+        </p:nvSpPr>
+        <p:spPr>
+          <a:xfrm>
+            <a:off x="0" y="10157400"/>
+            <a:ext cx="3280680" cy="534240"/>
+          </a:xfrm>
+          <a:prstGeom prst="rect">
+            <a:avLst/>
+          </a:prstGeom>
+        </p:spPr>
+        <p:txBody>
+          <a:bodyPr lIns="0" tIns="0" rIns="0" bIns="0" anchor="b"/>
+          <a:lstStyle/>
+          <a:p>
+            <a:r>
+              <a:rPr lang="en-AU" sz="1400" b="0" strike="noStrike" spc="-1">
+                <a:latin typeface="Times New Roman"/>
+              </a:rPr>
+              <a:t> </a:t>
+            </a:r>
+          </a:p>
+        </p:txBody>
+      </p:sp>
+      <p:sp>
+        <p:nvSpPr>
+          <p:cNvPr id="81" name="PlaceHolder 6"/>
+          <p:cNvSpPr>
+            <a:spLocks noGrp="1"/>
+          </p:cNvSpPr>
+          <p:nvPr>
+            <p:ph type="sldNum"/>
+          </p:nvPr>
+        </p:nvSpPr>
+        <p:spPr>
+          <a:xfrm>
+            <a:off x="4278960" y="10157400"/>
+            <a:ext cx="3280680" cy="534240"/>
+          </a:xfrm>
+          <a:prstGeom prst="rect">
+            <a:avLst/>
+          </a:prstGeom>
+        </p:spPr>
+        <p:txBody>
+          <a:bodyPr lIns="0" tIns="0" rIns="0" bIns="0" anchor="b"/>
+          <a:lstStyle/>
+          <a:p>
+            <a:pPr algn="r"/>
+            <a:fld id="{2E2F32DE-801F-4797-8927-920582C9963B}" type="slidenum">
+              <a:rPr lang="en-AU" sz="1400" b="0" strike="noStrike" spc="-1">
+                <a:latin typeface="Times New Roman"/>
+              </a:rPr>
+              <a:t>‹#›</a:t>
+            </a:fld>
+            <a:endParaRPr lang="en-AU" sz="1400" b="0" strike="noStrike" spc="-1">
+              <a:latin typeface="Times New Roman"/>
+            </a:endParaRPr>
+          </a:p>
+        </p:txBody>
+      </p:sp>
+    </p:spTree>
+  </p:cSld>
+  <p:clrMap bg1="lt1" tx1="dk1" bg2="lt2" tx2="dk2" accent1="accent1" accent2="accent2" accent3="accent3" accent4="accent4" accent5="accent5" accent6="accent6" hlink="hlink" folHlink="folHlink"/>
+  <p:notesStyle>
+    <a:lvl1pPr marL="0" algn="l" defTabSz="914400" rtl="0" eaLnBrk="1" latinLnBrk="0" hangingPunct="1">
+      <a:defRPr sz="1200" kern="1200">
+        <a:solidFill>
+          <a:schemeClr val="tx1"/>
+        </a:solidFill>
+        <a:latin typeface="+mn-lt"/>
+        <a:ea typeface="+mn-ea"/>
+        <a:cs typeface="+mn-cs"/>
+      </a:defRPr>
+    </a:lvl1pPr>
+    <a:lvl2pPr marL="457200" algn="l" defTabSz="914400" rtl="0" eaLnBrk="1" latinLnBrk="0" hangingPunct="1">
+      <a:defRPr sz="1200" kern="1200">
+        <a:solidFill>
+          <a:schemeClr val="tx1"/>
+        </a:solidFill>
+        <a:latin typeface="+mn-lt"/>
+        <a:ea typeface="+mn-ea"/>
+        <a:cs typeface="+mn-cs"/>
+      </a:defRPr>
+    </a:lvl2pPr>
+    <a:lvl3pPr marL="914400" algn="l" defTabSz="914400" rtl="0" eaLnBrk="1" latinLnBrk="0" hangingPunct="1">
+      <a:defRPr sz="1200" kern="1200">
+        <a:solidFill>
+          <a:schemeClr val="tx1"/>
+        </a:solidFill>
+        <a:latin typeface="+mn-lt"/>
+        <a:ea typeface="+mn-ea"/>
+        <a:cs typeface="+mn-cs"/>
+      </a:defRPr>
+    </a:lvl3pPr>
+    <a:lvl4pPr marL="1371600" algn="l" defTabSz="914400" rtl="0" eaLnBrk="1" latinLnBrk="0" hangingPunct="1">
+      <a:defRPr sz="1200" kern="1200">
+        <a:solidFill>
+          <a:schemeClr val="tx1"/>
+        </a:solidFill>
+        <a:latin typeface="+mn-lt"/>
+        <a:ea typeface="+mn-ea"/>
+        <a:cs typeface="+mn-cs"/>
+      </a:defRPr>
+    </a:lvl4pPr>
+    <a:lvl5pPr marL="1828800" algn="l" defTabSz="914400" rtl="0" eaLnBrk="1" latinLnBrk="0" hangingPunct="1">
+      <a:defRPr sz="1200" kern="1200">
+        <a:solidFill>
+          <a:schemeClr val="tx1"/>
+        </a:solidFill>
+        <a:latin typeface="+mn-lt"/>
+        <a:ea typeface="+mn-ea"/>
+        <a:cs typeface="+mn-cs"/>
+      </a:defRPr>
+    </a:lvl5pPr>
+    <a:lvl6pPr marL="2286000" algn="l" defTabSz="914400" rtl="0" eaLnBrk="1" latinLnBrk="0" hangingPunct="1">
+      <a:defRPr sz="1200" kern="1200">
+        <a:solidFill>
+          <a:schemeClr val="tx1"/>
+        </a:solidFill>
+        <a:latin typeface="+mn-lt"/>
+        <a:ea typeface="+mn-ea"/>
+        <a:cs typeface="+mn-cs"/>
+      </a:defRPr>
+    </a:lvl6pPr>
+    <a:lvl7pPr marL="2743200" algn="l" defTabSz="914400" rtl="0" eaLnBrk="1" latinLnBrk="0" hangingPunct="1">
+      <a:defRPr sz="1200" kern="1200">
+        <a:solidFill>
+          <a:schemeClr val="tx1"/>
+        </a:solidFill>
+        <a:latin typeface="+mn-lt"/>
+        <a:ea typeface="+mn-ea"/>
+        <a:cs typeface="+mn-cs"/>
+      </a:defRPr>
+    </a:lvl7pPr>
+    <a:lvl8pPr marL="3200400" algn="l" defTabSz="914400" rtl="0" eaLnBrk="1" latinLnBrk="0" hangingPunct="1">
+      <a:defRPr sz="1200" kern="1200">
+        <a:solidFill>
+          <a:schemeClr val="tx1"/>
+        </a:solidFill>
+        <a:latin typeface="+mn-lt"/>
+        <a:ea typeface="+mn-ea"/>
+        <a:cs typeface="+mn-cs"/>
+      </a:defRPr>
+    </a:lvl8pPr>
+    <a:lvl9pPr marL="3657600" algn="l" defTabSz="914400" rtl="0" eaLnBrk="1" latinLnBrk="0" hangingPunct="1">
+      <a:defRPr sz="1200" kern="1200">
+        <a:solidFill>
+          <a:schemeClr val="tx1"/>
+        </a:solidFill>
+        <a:latin typeface="+mn-lt"/>
+        <a:ea typeface="+mn-ea"/>
+        <a:cs typeface="+mn-cs"/>
+      </a:defRPr>
+    </a:lvl9pPr>
+  </p:notesStyle>
+</p:notesMaster>
+</file>
+
+<file path=ppt/notesSlides/notesSlide1.xml><?xml version="1.0" encoding="utf-8"?>
+<p:notes xmlns:a="http://schemas.openxmlformats.org/drawingml/2006/main" xmlns:r="http://schemas.openxmlformats.org/officeDocument/2006/relationships" xmlns:p="http://schemas.openxmlformats.org/presentationml/2006/main">
   <p:cSld>
     <p:spTree>
       <p:nvGrpSpPr>
@@ -48,9 +467,9 @@
       </p:grpSpPr>
       <p:sp>
         <p:nvSpPr>
-          <p:cNvPr id="76" name="PlaceHolder 1"/>
+          <p:cNvPr id="181" name="PlaceHolder 1"/>
           <p:cNvSpPr>
-            <a:spLocks noGrp="1"/>
+            <a:spLocks noGrp="1" noRot="1" noChangeAspect="1"/>
           </p:cNvSpPr>
           <p:nvPr>
             <p:ph type="sldImg"/>
@@ -58,32 +477,17 @@
         </p:nvSpPr>
         <p:spPr>
           <a:xfrm>
-            <a:off x="216000" y="812520"/>
-            <a:ext cx="7127280" cy="4008960"/>
-          </a:xfrm>
-          <a:prstGeom prst="rect">
-            <a:avLst/>
-          </a:prstGeom>
-        </p:spPr>
-        <p:txBody>
-          <a:bodyPr lIns="0" rIns="0" tIns="0" bIns="0" anchor="ctr"/>
-          <a:p>
-            <a:pPr algn="ctr"/>
-            <a:r>
-              <a:rPr b="0" lang="en-AU" sz="4400" spc="-1" strike="noStrike">
-                <a:latin typeface="Arial"/>
-              </a:rPr>
-              <a:t>Click to move the slide</a:t>
-            </a:r>
-            <a:endParaRPr b="0" lang="en-AU" sz="4400" spc="-1" strike="noStrike">
-              <a:latin typeface="Arial"/>
-            </a:endParaRPr>
-          </a:p>
-        </p:txBody>
-      </p:sp>
-      <p:sp>
-        <p:nvSpPr>
-          <p:cNvPr id="77" name="PlaceHolder 2"/>
+            <a:off x="685800" y="1143000"/>
+            <a:ext cx="5485320" cy="3085200"/>
+          </a:xfrm>
+          <a:prstGeom prst="rect">
+            <a:avLst/>
+          </a:prstGeom>
+        </p:spPr>
+      </p:sp>
+      <p:sp>
+        <p:nvSpPr>
+          <p:cNvPr id="182" name="PlaceHolder 2"/>
           <p:cNvSpPr>
             <a:spLocks noGrp="1"/>
           </p:cNvSpPr>
@@ -93,174 +497,101 @@
         </p:nvSpPr>
         <p:spPr>
           <a:xfrm>
-            <a:off x="756000" y="5078520"/>
-            <a:ext cx="6047640" cy="4811040"/>
-          </a:xfrm>
-          <a:prstGeom prst="rect">
-            <a:avLst/>
-          </a:prstGeom>
-        </p:spPr>
-        <p:txBody>
-          <a:bodyPr lIns="0" rIns="0" tIns="0" bIns="0"/>
-          <a:p>
+            <a:off x="685800" y="4400640"/>
+            <a:ext cx="5485320" cy="3599280"/>
+          </a:xfrm>
+          <a:prstGeom prst="rect">
+            <a:avLst/>
+          </a:prstGeom>
+        </p:spPr>
+        <p:txBody>
+          <a:bodyPr lIns="0" tIns="0" rIns="0" bIns="0"/>
+          <a:lstStyle/>
+          <a:p>
+            <a:pPr marL="171360" indent="-170280">
+              <a:lnSpc>
+                <a:spcPct val="100000"/>
+              </a:lnSpc>
+              <a:buClr>
+                <a:srgbClr val="000000"/>
+              </a:buClr>
+              <a:buFont typeface="Arial"/>
+              <a:buChar char="•"/>
+            </a:pPr>
             <a:r>
-              <a:rPr b="0" lang="en-AU" sz="2000" spc="-1" strike="noStrike">
+              <a:rPr lang="en-AU" sz="2000" b="0" strike="noStrike" spc="-1">
                 <a:latin typeface="Arial"/>
               </a:rPr>
-              <a:t>Click to edit the notes format</a:t>
+              <a:t>The purpose of this presentation is to not only cover our workflow in the construction of our website but to also reflect upon what we did and to also suggest what we could have done to improve everything.</a:t>
             </a:r>
-            <a:endParaRPr b="0" lang="en-AU" sz="2000" spc="-1" strike="noStrike">
-              <a:latin typeface="Arial"/>
-            </a:endParaRPr>
-          </a:p>
-        </p:txBody>
-      </p:sp>
-      <p:sp>
-        <p:nvSpPr>
-          <p:cNvPr id="78" name="PlaceHolder 3"/>
-          <p:cNvSpPr>
-            <a:spLocks noGrp="1"/>
-          </p:cNvSpPr>
-          <p:nvPr>
-            <p:ph type="hdr"/>
-          </p:nvPr>
-        </p:nvSpPr>
-        <p:spPr>
-          <a:xfrm>
-            <a:off x="0" y="0"/>
-            <a:ext cx="3280680" cy="534240"/>
-          </a:xfrm>
-          <a:prstGeom prst="rect">
-            <a:avLst/>
-          </a:prstGeom>
-        </p:spPr>
-        <p:txBody>
-          <a:bodyPr lIns="0" rIns="0" tIns="0" bIns="0"/>
-          <a:p>
-            <a:r>
-              <a:rPr b="0" lang="en-AU" sz="1400" spc="-1" strike="noStrike">
+          </a:p>
+        </p:txBody>
+      </p:sp>
+      <p:sp>
+        <p:nvSpPr>
+          <p:cNvPr id="183" name="CustomShape 3"/>
+          <p:cNvSpPr/>
+          <p:nvPr/>
+        </p:nvSpPr>
+        <p:spPr>
+          <a:xfrm>
+            <a:off x="3884760" y="8685360"/>
+            <a:ext cx="2970720" cy="457560"/>
+          </a:xfrm>
+          <a:prstGeom prst="rect">
+            <a:avLst/>
+          </a:prstGeom>
+          <a:noFill/>
+          <a:ln>
+            <a:noFill/>
+          </a:ln>
+        </p:spPr>
+        <p:style>
+          <a:lnRef idx="0">
+            <a:scrgbClr r="0" g="0" b="0"/>
+          </a:lnRef>
+          <a:fillRef idx="0">
+            <a:scrgbClr r="0" g="0" b="0"/>
+          </a:fillRef>
+          <a:effectRef idx="0">
+            <a:scrgbClr r="0" g="0" b="0"/>
+          </a:effectRef>
+          <a:fontRef idx="minor"/>
+        </p:style>
+        <p:txBody>
+          <a:bodyPr lIns="90000" tIns="45000" rIns="90000" bIns="45000" anchor="b"/>
+          <a:lstStyle/>
+          <a:p>
+            <a:pPr algn="r">
+              <a:lnSpc>
+                <a:spcPct val="100000"/>
+              </a:lnSpc>
+            </a:pPr>
+            <a:fld id="{A0D83826-BC16-4839-BE48-49085EF8AFD9}" type="slidenum">
+              <a:rPr lang="en-AU" sz="1200" b="0" strike="noStrike" spc="-1">
+                <a:solidFill>
+                  <a:srgbClr val="000000"/>
+                </a:solidFill>
                 <a:latin typeface="Times New Roman"/>
               </a:rPr>
-              <a:t> </a:t>
-            </a:r>
-            <a:endParaRPr b="0" lang="en-AU" sz="1400" spc="-1" strike="noStrike">
-              <a:latin typeface="Times New Roman"/>
-            </a:endParaRPr>
-          </a:p>
-        </p:txBody>
-      </p:sp>
-      <p:sp>
-        <p:nvSpPr>
-          <p:cNvPr id="79" name="PlaceHolder 4"/>
-          <p:cNvSpPr>
-            <a:spLocks noGrp="1"/>
-          </p:cNvSpPr>
-          <p:nvPr>
-            <p:ph type="dt"/>
-          </p:nvPr>
-        </p:nvSpPr>
-        <p:spPr>
-          <a:xfrm>
-            <a:off x="4278960" y="0"/>
-            <a:ext cx="3280680" cy="534240"/>
-          </a:xfrm>
-          <a:prstGeom prst="rect">
-            <a:avLst/>
-          </a:prstGeom>
-        </p:spPr>
-        <p:txBody>
-          <a:bodyPr lIns="0" rIns="0" tIns="0" bIns="0"/>
-          <a:p>
-            <a:pPr algn="r"/>
-            <a:r>
-              <a:rPr b="0" lang="en-AU" sz="1400" spc="-1" strike="noStrike">
-                <a:latin typeface="Times New Roman"/>
-              </a:rPr>
-              <a:t> </a:t>
-            </a:r>
-            <a:endParaRPr b="0" lang="en-AU" sz="1400" spc="-1" strike="noStrike">
-              <a:latin typeface="Times New Roman"/>
-            </a:endParaRPr>
-          </a:p>
-        </p:txBody>
-      </p:sp>
-      <p:sp>
-        <p:nvSpPr>
-          <p:cNvPr id="80" name="PlaceHolder 5"/>
-          <p:cNvSpPr>
-            <a:spLocks noGrp="1"/>
-          </p:cNvSpPr>
-          <p:nvPr>
-            <p:ph type="ftr"/>
-          </p:nvPr>
-        </p:nvSpPr>
-        <p:spPr>
-          <a:xfrm>
-            <a:off x="0" y="10157400"/>
-            <a:ext cx="3280680" cy="534240"/>
-          </a:xfrm>
-          <a:prstGeom prst="rect">
-            <a:avLst/>
-          </a:prstGeom>
-        </p:spPr>
-        <p:txBody>
-          <a:bodyPr lIns="0" rIns="0" tIns="0" bIns="0" anchor="b"/>
-          <a:p>
-            <a:r>
-              <a:rPr b="0" lang="en-AU" sz="1400" spc="-1" strike="noStrike">
-                <a:latin typeface="Times New Roman"/>
-              </a:rPr>
-              <a:t> </a:t>
-            </a:r>
-            <a:endParaRPr b="0" lang="en-AU" sz="1400" spc="-1" strike="noStrike">
-              <a:latin typeface="Times New Roman"/>
-            </a:endParaRPr>
-          </a:p>
-        </p:txBody>
-      </p:sp>
-      <p:sp>
-        <p:nvSpPr>
-          <p:cNvPr id="81" name="PlaceHolder 6"/>
-          <p:cNvSpPr>
-            <a:spLocks noGrp="1"/>
-          </p:cNvSpPr>
-          <p:nvPr>
-            <p:ph type="sldNum"/>
-          </p:nvPr>
-        </p:nvSpPr>
-        <p:spPr>
-          <a:xfrm>
-            <a:off x="4278960" y="10157400"/>
-            <a:ext cx="3280680" cy="534240"/>
-          </a:xfrm>
-          <a:prstGeom prst="rect">
-            <a:avLst/>
-          </a:prstGeom>
-        </p:spPr>
-        <p:txBody>
-          <a:bodyPr lIns="0" rIns="0" tIns="0" bIns="0" anchor="b"/>
-          <a:p>
-            <a:pPr algn="r"/>
-            <a:fld id="{2E2F32DE-801F-4797-8927-920582C9963B}" type="slidenum">
-              <a:rPr b="0" lang="en-AU" sz="1400" spc="-1" strike="noStrike">
-                <a:latin typeface="Times New Roman"/>
-              </a:rPr>
-              <a:t>1</a:t>
+              <a:t>2</a:t>
             </a:fld>
-            <a:endParaRPr b="0" lang="en-AU" sz="1400" spc="-1" strike="noStrike">
-              <a:latin typeface="Times New Roman"/>
+            <a:endParaRPr lang="en-AU" sz="1200" b="0" strike="noStrike" spc="-1">
+              <a:latin typeface="Arial"/>
             </a:endParaRPr>
           </a:p>
         </p:txBody>
       </p:sp>
     </p:spTree>
   </p:cSld>
-  <p:clrMap bg1="lt1" bg2="lt2" tx1="dk1" tx2="dk2" accent1="accent1" accent2="accent2" accent3="accent3" accent4="accent4" accent5="accent5" accent6="accent6" hlink="hlink" folHlink="folHlink"/>
-</p:notesMaster>
+  <p:clrMapOvr>
+    <a:masterClrMapping/>
+  </p:clrMapOvr>
+</p:notes>
 </file>
 
-<file path=ppt/notesSlides/notesSlide10.xml><?xml version="1.0" encoding="utf-8"?>
-<p:notes xmlns:a="http://schemas.openxmlformats.org/drawingml/2006/main" xmlns:p="http://schemas.openxmlformats.org/presentationml/2006/main" xmlns:r="http://schemas.openxmlformats.org/officeDocument/2006/relationships" xmlns:p14="http://schemas.microsoft.com/office/powerpoint/2010/main" xmlns:p15="http://schemas.microsoft.com/office/powerpoint/2012/main" xmlns:mc="http://schemas.openxmlformats.org/markup-compatibility/2006">
+<file path=ppt/notesSlides/notesSlide2.xml><?xml version="1.0" encoding="utf-8"?>
+<p:notes xmlns:a="http://schemas.openxmlformats.org/drawingml/2006/main" xmlns:r="http://schemas.openxmlformats.org/officeDocument/2006/relationships" xmlns:p="http://schemas.openxmlformats.org/presentationml/2006/main">
   <p:cSld>
     <p:spTree>
       <p:nvGrpSpPr>
@@ -278,9 +609,9 @@
       </p:grpSpPr>
       <p:sp>
         <p:nvSpPr>
-          <p:cNvPr id="196" name="PlaceHolder 1"/>
+          <p:cNvPr id="184" name="PlaceHolder 1"/>
           <p:cNvSpPr>
-            <a:spLocks noGrp="1"/>
+            <a:spLocks noGrp="1" noRot="1" noChangeAspect="1"/>
           </p:cNvSpPr>
           <p:nvPr>
             <p:ph type="sldImg"/>
@@ -298,7 +629,7 @@
       </p:sp>
       <p:sp>
         <p:nvSpPr>
-          <p:cNvPr id="197" name="PlaceHolder 2"/>
+          <p:cNvPr id="185" name="PlaceHolder 2"/>
           <p:cNvSpPr>
             <a:spLocks noGrp="1"/>
           </p:cNvSpPr>
@@ -316,7 +647,8 @@
           </a:prstGeom>
         </p:spPr>
         <p:txBody>
-          <a:bodyPr lIns="0" rIns="0" tIns="0" bIns="0"/>
+          <a:bodyPr lIns="0" tIns="0" rIns="0" bIns="0"/>
+          <a:lstStyle/>
           <a:p>
             <a:pPr marL="171360" indent="-170280">
               <a:lnSpc>
@@ -329,20 +661,17 @@
               <a:buChar char="•"/>
             </a:pPr>
             <a:r>
-              <a:rPr b="0" lang="en-AU" sz="2000" spc="-1" strike="noStrike">
+              <a:rPr lang="en-AU" sz="2000" b="0" strike="noStrike" spc="-1">
                 <a:latin typeface="Arial"/>
               </a:rPr>
-              <a:t>We instead used a PHP utility that handles database importation or exportion.</a:t>
+              <a:t>Slack and Github integration.</a:t>
             </a:r>
-            <a:endParaRPr b="0" lang="en-AU" sz="2000" spc="-1" strike="noStrike">
-              <a:latin typeface="Arial"/>
-            </a:endParaRPr>
-          </a:p>
-        </p:txBody>
-      </p:sp>
-      <p:sp>
-        <p:nvSpPr>
-          <p:cNvPr id="198" name="CustomShape 3"/>
+          </a:p>
+        </p:txBody>
+      </p:sp>
+      <p:sp>
+        <p:nvSpPr>
+          <p:cNvPr id="186" name="CustomShape 3"/>
           <p:cNvSpPr/>
           <p:nvPr/>
         </p:nvSpPr>
@@ -360,29 +689,36 @@
           </a:ln>
         </p:spPr>
         <p:style>
-          <a:lnRef idx="0"/>
-          <a:fillRef idx="0"/>
-          <a:effectRef idx="0"/>
+          <a:lnRef idx="0">
+            <a:scrgbClr r="0" g="0" b="0"/>
+          </a:lnRef>
+          <a:fillRef idx="0">
+            <a:scrgbClr r="0" g="0" b="0"/>
+          </a:fillRef>
+          <a:effectRef idx="0">
+            <a:scrgbClr r="0" g="0" b="0"/>
+          </a:effectRef>
           <a:fontRef idx="minor"/>
         </p:style>
         <p:txBody>
-          <a:bodyPr lIns="90000" rIns="90000" tIns="45000" bIns="45000" anchor="b"/>
+          <a:bodyPr lIns="90000" tIns="45000" rIns="90000" bIns="45000" anchor="b"/>
+          <a:lstStyle/>
           <a:p>
             <a:pPr algn="r">
               <a:lnSpc>
                 <a:spcPct val="100000"/>
               </a:lnSpc>
             </a:pPr>
-            <a:fld id="{8CD7E55C-F6D2-4A55-8125-29BB42BF3169}" type="slidenum">
-              <a:rPr b="0" lang="en-AU" sz="1200" spc="-1" strike="noStrike">
+            <a:fld id="{22042AB4-B51D-469D-A8E9-716CCA047C7A}" type="slidenum">
+              <a:rPr lang="en-AU" sz="1200" b="0" strike="noStrike" spc="-1">
                 <a:solidFill>
                   <a:srgbClr val="000000"/>
                 </a:solidFill>
                 <a:latin typeface="Times New Roman"/>
               </a:rPr>
-              <a:t>1</a:t>
+              <a:t>3</a:t>
             </a:fld>
-            <a:endParaRPr b="0" lang="en-AU" sz="1200" spc="-1" strike="noStrike">
+            <a:endParaRPr lang="en-AU" sz="1200" b="0" strike="noStrike" spc="-1">
               <a:latin typeface="Arial"/>
             </a:endParaRPr>
           </a:p>
@@ -390,11 +726,14 @@
       </p:sp>
     </p:spTree>
   </p:cSld>
+  <p:clrMapOvr>
+    <a:masterClrMapping/>
+  </p:clrMapOvr>
 </p:notes>
 </file>
 
-<file path=ppt/notesSlides/notesSlide11.xml><?xml version="1.0" encoding="utf-8"?>
-<p:notes xmlns:a="http://schemas.openxmlformats.org/drawingml/2006/main" xmlns:p="http://schemas.openxmlformats.org/presentationml/2006/main" xmlns:r="http://schemas.openxmlformats.org/officeDocument/2006/relationships" xmlns:p14="http://schemas.microsoft.com/office/powerpoint/2010/main" xmlns:p15="http://schemas.microsoft.com/office/powerpoint/2012/main" xmlns:mc="http://schemas.openxmlformats.org/markup-compatibility/2006">
+<file path=ppt/notesSlides/notesSlide3.xml><?xml version="1.0" encoding="utf-8"?>
+<p:notes xmlns:a="http://schemas.openxmlformats.org/drawingml/2006/main" xmlns:r="http://schemas.openxmlformats.org/officeDocument/2006/relationships" xmlns:p="http://schemas.openxmlformats.org/presentationml/2006/main">
   <p:cSld>
     <p:spTree>
       <p:nvGrpSpPr>
@@ -412,9 +751,9 @@
       </p:grpSpPr>
       <p:sp>
         <p:nvSpPr>
-          <p:cNvPr id="199" name="PlaceHolder 1"/>
+          <p:cNvPr id="187" name="PlaceHolder 1"/>
           <p:cNvSpPr>
-            <a:spLocks noGrp="1"/>
+            <a:spLocks noGrp="1" noRot="1" noChangeAspect="1"/>
           </p:cNvSpPr>
           <p:nvPr>
             <p:ph type="sldImg"/>
@@ -432,7 +771,7 @@
       </p:sp>
       <p:sp>
         <p:nvSpPr>
-          <p:cNvPr id="200" name="PlaceHolder 2"/>
+          <p:cNvPr id="188" name="PlaceHolder 2"/>
           <p:cNvSpPr>
             <a:spLocks noGrp="1"/>
           </p:cNvSpPr>
@@ -450,17 +789,18 @@
           </a:prstGeom>
         </p:spPr>
         <p:txBody>
-          <a:bodyPr lIns="0" rIns="0" tIns="0" bIns="0"/>
-          <a:p>
-            <a:endParaRPr b="0" lang="en-AU" sz="2000" spc="-1" strike="noStrike">
-              <a:latin typeface="Arial"/>
-            </a:endParaRPr>
-          </a:p>
-        </p:txBody>
-      </p:sp>
-      <p:sp>
-        <p:nvSpPr>
-          <p:cNvPr id="201" name="CustomShape 3"/>
+          <a:bodyPr lIns="0" tIns="0" rIns="0" bIns="0"/>
+          <a:lstStyle/>
+          <a:p>
+            <a:endParaRPr lang="en-AU" sz="2000" b="0" strike="noStrike" spc="-1">
+              <a:latin typeface="Arial"/>
+            </a:endParaRPr>
+          </a:p>
+        </p:txBody>
+      </p:sp>
+      <p:sp>
+        <p:nvSpPr>
+          <p:cNvPr id="189" name="CustomShape 3"/>
           <p:cNvSpPr/>
           <p:nvPr/>
         </p:nvSpPr>
@@ -478,29 +818,36 @@
           </a:ln>
         </p:spPr>
         <p:style>
-          <a:lnRef idx="0"/>
-          <a:fillRef idx="0"/>
-          <a:effectRef idx="0"/>
+          <a:lnRef idx="0">
+            <a:scrgbClr r="0" g="0" b="0"/>
+          </a:lnRef>
+          <a:fillRef idx="0">
+            <a:scrgbClr r="0" g="0" b="0"/>
+          </a:fillRef>
+          <a:effectRef idx="0">
+            <a:scrgbClr r="0" g="0" b="0"/>
+          </a:effectRef>
           <a:fontRef idx="minor"/>
         </p:style>
         <p:txBody>
-          <a:bodyPr lIns="90000" rIns="90000" tIns="45000" bIns="45000" anchor="b"/>
+          <a:bodyPr lIns="90000" tIns="45000" rIns="90000" bIns="45000" anchor="b"/>
+          <a:lstStyle/>
           <a:p>
             <a:pPr algn="r">
               <a:lnSpc>
                 <a:spcPct val="100000"/>
               </a:lnSpc>
             </a:pPr>
-            <a:fld id="{49C8F126-2B0C-4AC5-B5D0-DD626872AA7E}" type="slidenum">
-              <a:rPr b="0" lang="en-AU" sz="1200" spc="-1" strike="noStrike">
+            <a:fld id="{1F0BF229-784D-4487-804B-ADCC0C9BACA9}" type="slidenum">
+              <a:rPr lang="en-AU" sz="1200" b="0" strike="noStrike" spc="-1">
                 <a:solidFill>
                   <a:srgbClr val="000000"/>
                 </a:solidFill>
                 <a:latin typeface="Times New Roman"/>
               </a:rPr>
-              <a:t>1</a:t>
+              <a:t>6</a:t>
             </a:fld>
-            <a:endParaRPr b="0" lang="en-AU" sz="1200" spc="-1" strike="noStrike">
+            <a:endParaRPr lang="en-AU" sz="1200" b="0" strike="noStrike" spc="-1">
               <a:latin typeface="Arial"/>
             </a:endParaRPr>
           </a:p>
@@ -508,11 +855,14 @@
       </p:sp>
     </p:spTree>
   </p:cSld>
+  <p:clrMapOvr>
+    <a:masterClrMapping/>
+  </p:clrMapOvr>
 </p:notes>
 </file>
 
-<file path=ppt/notesSlides/notesSlide2.xml><?xml version="1.0" encoding="utf-8"?>
-<p:notes xmlns:a="http://schemas.openxmlformats.org/drawingml/2006/main" xmlns:p="http://schemas.openxmlformats.org/presentationml/2006/main" xmlns:r="http://schemas.openxmlformats.org/officeDocument/2006/relationships" xmlns:p14="http://schemas.microsoft.com/office/powerpoint/2010/main" xmlns:p15="http://schemas.microsoft.com/office/powerpoint/2012/main" xmlns:mc="http://schemas.openxmlformats.org/markup-compatibility/2006">
+<file path=ppt/notesSlides/notesSlide4.xml><?xml version="1.0" encoding="utf-8"?>
+<p:notes xmlns:a="http://schemas.openxmlformats.org/drawingml/2006/main" xmlns:r="http://schemas.openxmlformats.org/officeDocument/2006/relationships" xmlns:p="http://schemas.openxmlformats.org/presentationml/2006/main">
   <p:cSld>
     <p:spTree>
       <p:nvGrpSpPr>
@@ -530,9 +880,9 @@
       </p:grpSpPr>
       <p:sp>
         <p:nvSpPr>
-          <p:cNvPr id="181" name="PlaceHolder 1"/>
+          <p:cNvPr id="190" name="PlaceHolder 1"/>
           <p:cNvSpPr>
-            <a:spLocks noGrp="1"/>
+            <a:spLocks noGrp="1" noRot="1" noChangeAspect="1"/>
           </p:cNvSpPr>
           <p:nvPr>
             <p:ph type="sldImg"/>
@@ -541,16 +891,16 @@
         <p:spPr>
           <a:xfrm>
             <a:off x="685800" y="1143000"/>
-            <a:ext cx="5485320" cy="3085200"/>
-          </a:xfrm>
-          <a:prstGeom prst="rect">
-            <a:avLst/>
-          </a:prstGeom>
-        </p:spPr>
-      </p:sp>
-      <p:sp>
-        <p:nvSpPr>
-          <p:cNvPr id="182" name="PlaceHolder 2"/>
+            <a:ext cx="5484813" cy="3084513"/>
+          </a:xfrm>
+          <a:prstGeom prst="rect">
+            <a:avLst/>
+          </a:prstGeom>
+        </p:spPr>
+      </p:sp>
+      <p:sp>
+        <p:nvSpPr>
+          <p:cNvPr id="191" name="PlaceHolder 2"/>
           <p:cNvSpPr>
             <a:spLocks noGrp="1"/>
           </p:cNvSpPr>
@@ -568,7 +918,8 @@
           </a:prstGeom>
         </p:spPr>
         <p:txBody>
-          <a:bodyPr lIns="0" rIns="0" tIns="0" bIns="0"/>
+          <a:bodyPr lIns="0" tIns="0" rIns="0" bIns="0"/>
+          <a:lstStyle/>
           <a:p>
             <a:pPr marL="171360" indent="-170280">
               <a:lnSpc>
@@ -581,20 +932,50 @@
               <a:buChar char="•"/>
             </a:pPr>
             <a:r>
-              <a:rPr b="0" lang="en-AU" sz="2000" spc="-1" strike="noStrike">
+              <a:rPr lang="en-AU" sz="2000" b="0" strike="noStrike" spc="-1" dirty="0">
                 <a:latin typeface="Arial"/>
               </a:rPr>
-              <a:t>The purpose of this presentation is to not only cover our workflow in the construction of our website but to also reflect upon what we did and to also suggest what we could have done to improve everything.</a:t>
+              <a:t>VPS instead of a limited hosting provider</a:t>
             </a:r>
-            <a:endParaRPr b="0" lang="en-AU" sz="2000" spc="-1" strike="noStrike">
-              <a:latin typeface="Arial"/>
-            </a:endParaRPr>
-          </a:p>
-        </p:txBody>
-      </p:sp>
-      <p:sp>
-        <p:nvSpPr>
-          <p:cNvPr id="183" name="CustomShape 3"/>
+          </a:p>
+          <a:p>
+            <a:pPr marL="171360" indent="-170280">
+              <a:lnSpc>
+                <a:spcPct val="100000"/>
+              </a:lnSpc>
+              <a:buClr>
+                <a:srgbClr val="000000"/>
+              </a:buClr>
+              <a:buFont typeface="Arial"/>
+              <a:buChar char="•"/>
+            </a:pPr>
+            <a:r>
+              <a:rPr lang="en-AU" sz="2000" b="0" strike="noStrike" spc="-1" dirty="0">
+                <a:latin typeface="Arial"/>
+              </a:rPr>
+              <a:t>Inexpensive DNS used for convenience</a:t>
+            </a:r>
+          </a:p>
+          <a:p>
+            <a:pPr marL="171360" indent="-170280">
+              <a:lnSpc>
+                <a:spcPct val="100000"/>
+              </a:lnSpc>
+              <a:buClr>
+                <a:srgbClr val="000000"/>
+              </a:buClr>
+              <a:buFont typeface="Arial"/>
+              <a:buChar char="•"/>
+            </a:pPr>
+            <a:endParaRPr lang="en-AU" sz="2000" b="0" strike="noStrike" spc="-1" dirty="0">
+              <a:latin typeface="Arial"/>
+            </a:endParaRPr>
+          </a:p>
+        </p:txBody>
+      </p:sp>
+      <p:sp>
+        <p:nvSpPr>
+          <p:cNvPr id="192" name="CustomShape 3"/>
           <p:cNvSpPr/>
           <p:nvPr/>
         </p:nvSpPr>
@@ -612,29 +993,36 @@
           </a:ln>
         </p:spPr>
         <p:style>
-          <a:lnRef idx="0"/>
-          <a:fillRef idx="0"/>
-          <a:effectRef idx="0"/>
+          <a:lnRef idx="0">
+            <a:scrgbClr r="0" g="0" b="0"/>
+          </a:lnRef>
+          <a:fillRef idx="0">
+            <a:scrgbClr r="0" g="0" b="0"/>
+          </a:fillRef>
+          <a:effectRef idx="0">
+            <a:scrgbClr r="0" g="0" b="0"/>
+          </a:effectRef>
           <a:fontRef idx="minor"/>
         </p:style>
         <p:txBody>
-          <a:bodyPr lIns="90000" rIns="90000" tIns="45000" bIns="45000" anchor="b"/>
+          <a:bodyPr lIns="90000" tIns="45000" rIns="90000" bIns="45000" anchor="b"/>
+          <a:lstStyle/>
           <a:p>
             <a:pPr algn="r">
               <a:lnSpc>
                 <a:spcPct val="100000"/>
               </a:lnSpc>
             </a:pPr>
-            <a:fld id="{A0D83826-BC16-4839-BE48-49085EF8AFD9}" type="slidenum">
-              <a:rPr b="0" lang="en-AU" sz="1200" spc="-1" strike="noStrike">
+            <a:fld id="{07AD1BFB-C294-439F-BE3C-97F924EE03FD}" type="slidenum">
+              <a:rPr lang="en-AU" sz="1200" b="0" strike="noStrike" spc="-1">
                 <a:solidFill>
                   <a:srgbClr val="000000"/>
                 </a:solidFill>
                 <a:latin typeface="Times New Roman"/>
               </a:rPr>
-              <a:t>1</a:t>
+              <a:t>7</a:t>
             </a:fld>
-            <a:endParaRPr b="0" lang="en-AU" sz="1200" spc="-1" strike="noStrike">
+            <a:endParaRPr lang="en-AU" sz="1200" b="0" strike="noStrike" spc="-1">
               <a:latin typeface="Arial"/>
             </a:endParaRPr>
           </a:p>
@@ -642,11 +1030,14 @@
       </p:sp>
     </p:spTree>
   </p:cSld>
+  <p:clrMapOvr>
+    <a:masterClrMapping/>
+  </p:clrMapOvr>
 </p:notes>
 </file>
 
-<file path=ppt/notesSlides/notesSlide3.xml><?xml version="1.0" encoding="utf-8"?>
-<p:notes xmlns:a="http://schemas.openxmlformats.org/drawingml/2006/main" xmlns:p="http://schemas.openxmlformats.org/presentationml/2006/main" xmlns:r="http://schemas.openxmlformats.org/officeDocument/2006/relationships" xmlns:p14="http://schemas.microsoft.com/office/powerpoint/2010/main" xmlns:p15="http://schemas.microsoft.com/office/powerpoint/2012/main" xmlns:mc="http://schemas.openxmlformats.org/markup-compatibility/2006">
+<file path=ppt/notesSlides/notesSlide5.xml><?xml version="1.0" encoding="utf-8"?>
+<p:notes xmlns:a="http://schemas.openxmlformats.org/drawingml/2006/main" xmlns:r="http://schemas.openxmlformats.org/officeDocument/2006/relationships" xmlns:p="http://schemas.openxmlformats.org/presentationml/2006/main">
   <p:cSld>
     <p:spTree>
       <p:nvGrpSpPr>
@@ -664,9 +1055,9 @@
       </p:grpSpPr>
       <p:sp>
         <p:nvSpPr>
-          <p:cNvPr id="184" name="PlaceHolder 1"/>
+          <p:cNvPr id="193" name="PlaceHolder 1"/>
           <p:cNvSpPr>
-            <a:spLocks noGrp="1"/>
+            <a:spLocks noGrp="1" noRot="1" noChangeAspect="1"/>
           </p:cNvSpPr>
           <p:nvPr>
             <p:ph type="sldImg"/>
@@ -684,7 +1075,7 @@
       </p:sp>
       <p:sp>
         <p:nvSpPr>
-          <p:cNvPr id="185" name="PlaceHolder 2"/>
+          <p:cNvPr id="194" name="PlaceHolder 2"/>
           <p:cNvSpPr>
             <a:spLocks noGrp="1"/>
           </p:cNvSpPr>
@@ -702,7 +1093,8 @@
           </a:prstGeom>
         </p:spPr>
         <p:txBody>
-          <a:bodyPr lIns="0" rIns="0" tIns="0" bIns="0"/>
+          <a:bodyPr lIns="0" tIns="0" rIns="0" bIns="0"/>
+          <a:lstStyle/>
           <a:p>
             <a:pPr marL="171360" indent="-170280">
               <a:lnSpc>
@@ -715,20 +1107,53 @@
               <a:buChar char="•"/>
             </a:pPr>
             <a:r>
-              <a:rPr b="0" lang="en-AU" sz="2000" spc="-1" strike="noStrike">
+              <a:rPr lang="en-AU" sz="2000" b="0" strike="noStrike" spc="-1">
                 <a:latin typeface="Arial"/>
               </a:rPr>
-              <a:t>Slack and Github integration.</a:t>
+              <a:t>Our initial means of exchanging databases.</a:t>
             </a:r>
-            <a:endParaRPr b="0" lang="en-AU" sz="2000" spc="-1" strike="noStrike">
-              <a:latin typeface="Arial"/>
-            </a:endParaRPr>
-          </a:p>
-        </p:txBody>
-      </p:sp>
-      <p:sp>
-        <p:nvSpPr>
-          <p:cNvPr id="186" name="CustomShape 3"/>
+          </a:p>
+          <a:p>
+            <a:pPr marL="171360" indent="-170280">
+              <a:lnSpc>
+                <a:spcPct val="100000"/>
+              </a:lnSpc>
+              <a:buClr>
+                <a:srgbClr val="000000"/>
+              </a:buClr>
+              <a:buFont typeface="Arial"/>
+              <a:buChar char="•"/>
+            </a:pPr>
+            <a:r>
+              <a:rPr lang="en-AU" sz="2000" b="0" strike="noStrike" spc="-1">
+                <a:latin typeface="Arial"/>
+              </a:rPr>
+              <a:t>We needed to manually export and import SQL files using PhpMyAdmin (or MySQL commands).</a:t>
+            </a:r>
+          </a:p>
+          <a:p>
+            <a:pPr marL="171360" indent="-170280">
+              <a:lnSpc>
+                <a:spcPct val="100000"/>
+              </a:lnSpc>
+              <a:buClr>
+                <a:srgbClr val="000000"/>
+              </a:buClr>
+              <a:buFont typeface="Arial"/>
+              <a:buChar char="•"/>
+            </a:pPr>
+            <a:r>
+              <a:rPr lang="en-AU" sz="2000" b="0" strike="noStrike" spc="-1">
+                <a:latin typeface="Arial"/>
+              </a:rPr>
+              <a:t>This method was unsystematic and timely.</a:t>
+            </a:r>
+          </a:p>
+        </p:txBody>
+      </p:sp>
+      <p:sp>
+        <p:nvSpPr>
+          <p:cNvPr id="195" name="CustomShape 3"/>
           <p:cNvSpPr/>
           <p:nvPr/>
         </p:nvSpPr>
@@ -746,29 +1171,36 @@
           </a:ln>
         </p:spPr>
         <p:style>
-          <a:lnRef idx="0"/>
-          <a:fillRef idx="0"/>
-          <a:effectRef idx="0"/>
+          <a:lnRef idx="0">
+            <a:scrgbClr r="0" g="0" b="0"/>
+          </a:lnRef>
+          <a:fillRef idx="0">
+            <a:scrgbClr r="0" g="0" b="0"/>
+          </a:fillRef>
+          <a:effectRef idx="0">
+            <a:scrgbClr r="0" g="0" b="0"/>
+          </a:effectRef>
           <a:fontRef idx="minor"/>
         </p:style>
         <p:txBody>
-          <a:bodyPr lIns="90000" rIns="90000" tIns="45000" bIns="45000" anchor="b"/>
+          <a:bodyPr lIns="90000" tIns="45000" rIns="90000" bIns="45000" anchor="b"/>
+          <a:lstStyle/>
           <a:p>
             <a:pPr algn="r">
               <a:lnSpc>
                 <a:spcPct val="100000"/>
               </a:lnSpc>
             </a:pPr>
-            <a:fld id="{22042AB4-B51D-469D-A8E9-716CCA047C7A}" type="slidenum">
-              <a:rPr b="0" lang="en-AU" sz="1200" spc="-1" strike="noStrike">
+            <a:fld id="{DC18EB9A-F27B-4EF7-A49B-039C3D44BBB1}" type="slidenum">
+              <a:rPr lang="en-AU" sz="1200" b="0" strike="noStrike" spc="-1">
                 <a:solidFill>
                   <a:srgbClr val="000000"/>
                 </a:solidFill>
                 <a:latin typeface="Times New Roman"/>
               </a:rPr>
-              <a:t>1</a:t>
+              <a:t>10</a:t>
             </a:fld>
-            <a:endParaRPr b="0" lang="en-AU" sz="1200" spc="-1" strike="noStrike">
+            <a:endParaRPr lang="en-AU" sz="1200" b="0" strike="noStrike" spc="-1">
               <a:latin typeface="Arial"/>
             </a:endParaRPr>
           </a:p>
@@ -776,11 +1208,14 @@
       </p:sp>
     </p:spTree>
   </p:cSld>
+  <p:clrMapOvr>
+    <a:masterClrMapping/>
+  </p:clrMapOvr>
 </p:notes>
 </file>
 
 <file path=ppt/notesSlides/notesSlide6.xml><?xml version="1.0" encoding="utf-8"?>
-<p:notes xmlns:a="http://schemas.openxmlformats.org/drawingml/2006/main" xmlns:p="http://schemas.openxmlformats.org/presentationml/2006/main" xmlns:r="http://schemas.openxmlformats.org/officeDocument/2006/relationships" xmlns:p14="http://schemas.microsoft.com/office/powerpoint/2010/main" xmlns:p15="http://schemas.microsoft.com/office/powerpoint/2012/main" xmlns:mc="http://schemas.openxmlformats.org/markup-compatibility/2006">
+<p:notes xmlns:a="http://schemas.openxmlformats.org/drawingml/2006/main" xmlns:r="http://schemas.openxmlformats.org/officeDocument/2006/relationships" xmlns:p="http://schemas.openxmlformats.org/presentationml/2006/main">
   <p:cSld>
     <p:spTree>
       <p:nvGrpSpPr>
@@ -798,9 +1233,9 @@
       </p:grpSpPr>
       <p:sp>
         <p:nvSpPr>
-          <p:cNvPr id="187" name="PlaceHolder 1"/>
+          <p:cNvPr id="196" name="PlaceHolder 1"/>
           <p:cNvSpPr>
-            <a:spLocks noGrp="1"/>
+            <a:spLocks noGrp="1" noRot="1" noChangeAspect="1"/>
           </p:cNvSpPr>
           <p:nvPr>
             <p:ph type="sldImg"/>
@@ -818,7 +1253,7 @@
       </p:sp>
       <p:sp>
         <p:nvSpPr>
-          <p:cNvPr id="188" name="PlaceHolder 2"/>
+          <p:cNvPr id="197" name="PlaceHolder 2"/>
           <p:cNvSpPr>
             <a:spLocks noGrp="1"/>
           </p:cNvSpPr>
@@ -836,17 +1271,31 @@
           </a:prstGeom>
         </p:spPr>
         <p:txBody>
-          <a:bodyPr lIns="0" rIns="0" tIns="0" bIns="0"/>
-          <a:p>
-            <a:endParaRPr b="0" lang="en-AU" sz="2000" spc="-1" strike="noStrike">
-              <a:latin typeface="Arial"/>
-            </a:endParaRPr>
-          </a:p>
-        </p:txBody>
-      </p:sp>
-      <p:sp>
-        <p:nvSpPr>
-          <p:cNvPr id="189" name="CustomShape 3"/>
+          <a:bodyPr lIns="0" tIns="0" rIns="0" bIns="0"/>
+          <a:lstStyle/>
+          <a:p>
+            <a:pPr marL="171360" indent="-170280">
+              <a:lnSpc>
+                <a:spcPct val="100000"/>
+              </a:lnSpc>
+              <a:buClr>
+                <a:srgbClr val="000000"/>
+              </a:buClr>
+              <a:buFont typeface="Arial"/>
+              <a:buChar char="•"/>
+            </a:pPr>
+            <a:r>
+              <a:rPr lang="en-AU" sz="2000" b="0" strike="noStrike" spc="-1">
+                <a:latin typeface="Arial"/>
+              </a:rPr>
+              <a:t>We instead used a PHP utility that handles database importation or exportion.</a:t>
+            </a:r>
+          </a:p>
+        </p:txBody>
+      </p:sp>
+      <p:sp>
+        <p:nvSpPr>
+          <p:cNvPr id="198" name="CustomShape 3"/>
           <p:cNvSpPr/>
           <p:nvPr/>
         </p:nvSpPr>
@@ -864,29 +1313,36 @@
           </a:ln>
         </p:spPr>
         <p:style>
-          <a:lnRef idx="0"/>
-          <a:fillRef idx="0"/>
-          <a:effectRef idx="0"/>
+          <a:lnRef idx="0">
+            <a:scrgbClr r="0" g="0" b="0"/>
+          </a:lnRef>
+          <a:fillRef idx="0">
+            <a:scrgbClr r="0" g="0" b="0"/>
+          </a:fillRef>
+          <a:effectRef idx="0">
+            <a:scrgbClr r="0" g="0" b="0"/>
+          </a:effectRef>
           <a:fontRef idx="minor"/>
         </p:style>
         <p:txBody>
-          <a:bodyPr lIns="90000" rIns="90000" tIns="45000" bIns="45000" anchor="b"/>
+          <a:bodyPr lIns="90000" tIns="45000" rIns="90000" bIns="45000" anchor="b"/>
+          <a:lstStyle/>
           <a:p>
             <a:pPr algn="r">
               <a:lnSpc>
                 <a:spcPct val="100000"/>
               </a:lnSpc>
             </a:pPr>
-            <a:fld id="{1F0BF229-784D-4487-804B-ADCC0C9BACA9}" type="slidenum">
-              <a:rPr b="0" lang="en-AU" sz="1200" spc="-1" strike="noStrike">
+            <a:fld id="{8CD7E55C-F6D2-4A55-8125-29BB42BF3169}" type="slidenum">
+              <a:rPr lang="en-AU" sz="1200" b="0" strike="noStrike" spc="-1">
                 <a:solidFill>
                   <a:srgbClr val="000000"/>
                 </a:solidFill>
                 <a:latin typeface="Times New Roman"/>
               </a:rPr>
-              <a:t>1</a:t>
+              <a:t>11</a:t>
             </a:fld>
-            <a:endParaRPr b="0" lang="en-AU" sz="1200" spc="-1" strike="noStrike">
+            <a:endParaRPr lang="en-AU" sz="1200" b="0" strike="noStrike" spc="-1">
               <a:latin typeface="Arial"/>
             </a:endParaRPr>
           </a:p>
@@ -894,11 +1350,14 @@
       </p:sp>
     </p:spTree>
   </p:cSld>
+  <p:clrMapOvr>
+    <a:masterClrMapping/>
+  </p:clrMapOvr>
 </p:notes>
 </file>
 
 <file path=ppt/notesSlides/notesSlide7.xml><?xml version="1.0" encoding="utf-8"?>
-<p:notes xmlns:a="http://schemas.openxmlformats.org/drawingml/2006/main" xmlns:p="http://schemas.openxmlformats.org/presentationml/2006/main" xmlns:r="http://schemas.openxmlformats.org/officeDocument/2006/relationships" xmlns:p14="http://schemas.microsoft.com/office/powerpoint/2010/main" xmlns:p15="http://schemas.microsoft.com/office/powerpoint/2012/main" xmlns:mc="http://schemas.openxmlformats.org/markup-compatibility/2006">
+<p:notes xmlns:a="http://schemas.openxmlformats.org/drawingml/2006/main" xmlns:r="http://schemas.openxmlformats.org/officeDocument/2006/relationships" xmlns:p="http://schemas.openxmlformats.org/presentationml/2006/main">
   <p:cSld>
     <p:spTree>
       <p:nvGrpSpPr>
@@ -916,9 +1375,9 @@
       </p:grpSpPr>
       <p:sp>
         <p:nvSpPr>
-          <p:cNvPr id="190" name="PlaceHolder 1"/>
+          <p:cNvPr id="199" name="PlaceHolder 1"/>
           <p:cNvSpPr>
-            <a:spLocks noGrp="1"/>
+            <a:spLocks noGrp="1" noRot="1" noChangeAspect="1"/>
           </p:cNvSpPr>
           <p:nvPr>
             <p:ph type="sldImg"/>
@@ -936,7 +1395,7 @@
       </p:sp>
       <p:sp>
         <p:nvSpPr>
-          <p:cNvPr id="191" name="PlaceHolder 2"/>
+          <p:cNvPr id="200" name="PlaceHolder 2"/>
           <p:cNvSpPr>
             <a:spLocks noGrp="1"/>
           </p:cNvSpPr>
@@ -954,54 +1413,18 @@
           </a:prstGeom>
         </p:spPr>
         <p:txBody>
-          <a:bodyPr lIns="0" rIns="0" tIns="0" bIns="0"/>
-          <a:p>
-            <a:pPr marL="171360" indent="-170280">
-              <a:lnSpc>
-                <a:spcPct val="100000"/>
-              </a:lnSpc>
-              <a:buClr>
-                <a:srgbClr val="000000"/>
-              </a:buClr>
-              <a:buFont typeface="Arial"/>
-              <a:buChar char="•"/>
-            </a:pPr>
-            <a:r>
-              <a:rPr b="0" lang="en-AU" sz="2000" spc="-1" strike="noStrike">
-                <a:latin typeface="Arial"/>
-              </a:rPr>
-              <a:t>Trello was a single Kanban project board.</a:t>
-            </a:r>
-            <a:endParaRPr b="0" lang="en-AU" sz="2000" spc="-1" strike="noStrike">
-              <a:latin typeface="Arial"/>
-            </a:endParaRPr>
-          </a:p>
-          <a:p>
-            <a:pPr marL="171360" indent="-170280">
-              <a:lnSpc>
-                <a:spcPct val="100000"/>
-              </a:lnSpc>
-              <a:buClr>
-                <a:srgbClr val="000000"/>
-              </a:buClr>
-              <a:buFont typeface="Arial"/>
-              <a:buChar char="•"/>
-            </a:pPr>
-            <a:r>
-              <a:rPr b="0" lang="en-AU" sz="2000" spc="-1" strike="noStrike">
-                <a:latin typeface="Arial"/>
-              </a:rPr>
-              <a:t>Trello was too distant to our communication and collaboration means.</a:t>
-            </a:r>
-            <a:endParaRPr b="0" lang="en-AU" sz="2000" spc="-1" strike="noStrike">
-              <a:latin typeface="Arial"/>
-            </a:endParaRPr>
-          </a:p>
-        </p:txBody>
-      </p:sp>
-      <p:sp>
-        <p:nvSpPr>
-          <p:cNvPr id="192" name="CustomShape 3"/>
+          <a:bodyPr lIns="0" tIns="0" rIns="0" bIns="0"/>
+          <a:lstStyle/>
+          <a:p>
+            <a:endParaRPr lang="en-AU" sz="2000" b="0" strike="noStrike" spc="-1">
+              <a:latin typeface="Arial"/>
+            </a:endParaRPr>
+          </a:p>
+        </p:txBody>
+      </p:sp>
+      <p:sp>
+        <p:nvSpPr>
+          <p:cNvPr id="201" name="CustomShape 3"/>
           <p:cNvSpPr/>
           <p:nvPr/>
         </p:nvSpPr>
@@ -1019,29 +1442,36 @@
           </a:ln>
         </p:spPr>
         <p:style>
-          <a:lnRef idx="0"/>
-          <a:fillRef idx="0"/>
-          <a:effectRef idx="0"/>
+          <a:lnRef idx="0">
+            <a:scrgbClr r="0" g="0" b="0"/>
+          </a:lnRef>
+          <a:fillRef idx="0">
+            <a:scrgbClr r="0" g="0" b="0"/>
+          </a:fillRef>
+          <a:effectRef idx="0">
+            <a:scrgbClr r="0" g="0" b="0"/>
+          </a:effectRef>
           <a:fontRef idx="minor"/>
         </p:style>
         <p:txBody>
-          <a:bodyPr lIns="90000" rIns="90000" tIns="45000" bIns="45000" anchor="b"/>
+          <a:bodyPr lIns="90000" tIns="45000" rIns="90000" bIns="45000" anchor="b"/>
+          <a:lstStyle/>
           <a:p>
             <a:pPr algn="r">
               <a:lnSpc>
                 <a:spcPct val="100000"/>
               </a:lnSpc>
             </a:pPr>
-            <a:fld id="{07AD1BFB-C294-439F-BE3C-97F924EE03FD}" type="slidenum">
-              <a:rPr b="0" lang="en-AU" sz="1200" spc="-1" strike="noStrike">
+            <a:fld id="{49C8F126-2B0C-4AC5-B5D0-DD626872AA7E}" type="slidenum">
+              <a:rPr lang="en-AU" sz="1200" b="0" strike="noStrike" spc="-1">
                 <a:solidFill>
                   <a:srgbClr val="000000"/>
                 </a:solidFill>
                 <a:latin typeface="Times New Roman"/>
               </a:rPr>
-              <a:t>1</a:t>
+              <a:t>12</a:t>
             </a:fld>
-            <a:endParaRPr b="0" lang="en-AU" sz="1200" spc="-1" strike="noStrike">
+            <a:endParaRPr lang="en-AU" sz="1200" b="0" strike="noStrike" spc="-1">
               <a:latin typeface="Arial"/>
             </a:endParaRPr>
           </a:p>
@@ -1049,187 +1479,14 @@
       </p:sp>
     </p:spTree>
   </p:cSld>
-</p:notes>
-</file>
-
-<file path=ppt/notesSlides/notesSlide9.xml><?xml version="1.0" encoding="utf-8"?>
-<p:notes xmlns:a="http://schemas.openxmlformats.org/drawingml/2006/main" xmlns:p="http://schemas.openxmlformats.org/presentationml/2006/main" xmlns:r="http://schemas.openxmlformats.org/officeDocument/2006/relationships" xmlns:p14="http://schemas.microsoft.com/office/powerpoint/2010/main" xmlns:p15="http://schemas.microsoft.com/office/powerpoint/2012/main" xmlns:mc="http://schemas.openxmlformats.org/markup-compatibility/2006">
-  <p:cSld>
-    <p:spTree>
-      <p:nvGrpSpPr>
-        <p:cNvPr id="1" name=""/>
-        <p:cNvGrpSpPr/>
-        <p:nvPr/>
-      </p:nvGrpSpPr>
-      <p:grpSpPr>
-        <a:xfrm>
-          <a:off x="0" y="0"/>
-          <a:ext cx="0" cy="0"/>
-          <a:chOff x="0" y="0"/>
-          <a:chExt cx="0" cy="0"/>
-        </a:xfrm>
-      </p:grpSpPr>
-      <p:sp>
-        <p:nvSpPr>
-          <p:cNvPr id="193" name="PlaceHolder 1"/>
-          <p:cNvSpPr>
-            <a:spLocks noGrp="1"/>
-          </p:cNvSpPr>
-          <p:nvPr>
-            <p:ph type="sldImg"/>
-          </p:nvPr>
-        </p:nvSpPr>
-        <p:spPr>
-          <a:xfrm>
-            <a:off x="685800" y="1143000"/>
-            <a:ext cx="5485320" cy="3085200"/>
-          </a:xfrm>
-          <a:prstGeom prst="rect">
-            <a:avLst/>
-          </a:prstGeom>
-        </p:spPr>
-      </p:sp>
-      <p:sp>
-        <p:nvSpPr>
-          <p:cNvPr id="194" name="PlaceHolder 2"/>
-          <p:cNvSpPr>
-            <a:spLocks noGrp="1"/>
-          </p:cNvSpPr>
-          <p:nvPr>
-            <p:ph type="body"/>
-          </p:nvPr>
-        </p:nvSpPr>
-        <p:spPr>
-          <a:xfrm>
-            <a:off x="685800" y="4400640"/>
-            <a:ext cx="5485320" cy="3599280"/>
-          </a:xfrm>
-          <a:prstGeom prst="rect">
-            <a:avLst/>
-          </a:prstGeom>
-        </p:spPr>
-        <p:txBody>
-          <a:bodyPr lIns="0" rIns="0" tIns="0" bIns="0"/>
-          <a:p>
-            <a:pPr marL="171360" indent="-170280">
-              <a:lnSpc>
-                <a:spcPct val="100000"/>
-              </a:lnSpc>
-              <a:buClr>
-                <a:srgbClr val="000000"/>
-              </a:buClr>
-              <a:buFont typeface="Arial"/>
-              <a:buChar char="•"/>
-            </a:pPr>
-            <a:r>
-              <a:rPr b="0" lang="en-AU" sz="2000" spc="-1" strike="noStrike">
-                <a:latin typeface="Arial"/>
-              </a:rPr>
-              <a:t>Our initial means of exchanging databases.</a:t>
-            </a:r>
-            <a:endParaRPr b="0" lang="en-AU" sz="2000" spc="-1" strike="noStrike">
-              <a:latin typeface="Arial"/>
-            </a:endParaRPr>
-          </a:p>
-          <a:p>
-            <a:pPr marL="171360" indent="-170280">
-              <a:lnSpc>
-                <a:spcPct val="100000"/>
-              </a:lnSpc>
-              <a:buClr>
-                <a:srgbClr val="000000"/>
-              </a:buClr>
-              <a:buFont typeface="Arial"/>
-              <a:buChar char="•"/>
-            </a:pPr>
-            <a:r>
-              <a:rPr b="0" lang="en-AU" sz="2000" spc="-1" strike="noStrike">
-                <a:latin typeface="Arial"/>
-              </a:rPr>
-              <a:t>We needed to manually export and import SQL files using PhpMyAdmin (or MySQL commands).</a:t>
-            </a:r>
-            <a:endParaRPr b="0" lang="en-AU" sz="2000" spc="-1" strike="noStrike">
-              <a:latin typeface="Arial"/>
-            </a:endParaRPr>
-          </a:p>
-          <a:p>
-            <a:pPr marL="171360" indent="-170280">
-              <a:lnSpc>
-                <a:spcPct val="100000"/>
-              </a:lnSpc>
-              <a:buClr>
-                <a:srgbClr val="000000"/>
-              </a:buClr>
-              <a:buFont typeface="Arial"/>
-              <a:buChar char="•"/>
-            </a:pPr>
-            <a:r>
-              <a:rPr b="0" lang="en-AU" sz="2000" spc="-1" strike="noStrike">
-                <a:latin typeface="Arial"/>
-              </a:rPr>
-              <a:t>This method was unsystematic and timely.</a:t>
-            </a:r>
-            <a:endParaRPr b="0" lang="en-AU" sz="2000" spc="-1" strike="noStrike">
-              <a:latin typeface="Arial"/>
-            </a:endParaRPr>
-          </a:p>
-        </p:txBody>
-      </p:sp>
-      <p:sp>
-        <p:nvSpPr>
-          <p:cNvPr id="195" name="CustomShape 3"/>
-          <p:cNvSpPr/>
-          <p:nvPr/>
-        </p:nvSpPr>
-        <p:spPr>
-          <a:xfrm>
-            <a:off x="3884760" y="8685360"/>
-            <a:ext cx="2970720" cy="457560"/>
-          </a:xfrm>
-          <a:prstGeom prst="rect">
-            <a:avLst/>
-          </a:prstGeom>
-          <a:noFill/>
-          <a:ln>
-            <a:noFill/>
-          </a:ln>
-        </p:spPr>
-        <p:style>
-          <a:lnRef idx="0"/>
-          <a:fillRef idx="0"/>
-          <a:effectRef idx="0"/>
-          <a:fontRef idx="minor"/>
-        </p:style>
-        <p:txBody>
-          <a:bodyPr lIns="90000" rIns="90000" tIns="45000" bIns="45000" anchor="b"/>
-          <a:p>
-            <a:pPr algn="r">
-              <a:lnSpc>
-                <a:spcPct val="100000"/>
-              </a:lnSpc>
-            </a:pPr>
-            <a:fld id="{DC18EB9A-F27B-4EF7-A49B-039C3D44BBB1}" type="slidenum">
-              <a:rPr b="0" lang="en-AU" sz="1200" spc="-1" strike="noStrike">
-                <a:solidFill>
-                  <a:srgbClr val="000000"/>
-                </a:solidFill>
-                <a:latin typeface="Times New Roman"/>
-              </a:rPr>
-              <a:t>1</a:t>
-            </a:fld>
-            <a:endParaRPr b="0" lang="en-AU" sz="1200" spc="-1" strike="noStrike">
-              <a:latin typeface="Arial"/>
-            </a:endParaRPr>
-          </a:p>
-        </p:txBody>
-      </p:sp>
-    </p:spTree>
-  </p:cSld>
+  <p:clrMapOvr>
+    <a:masterClrMapping/>
+  </p:clrMapOvr>
 </p:notes>
 </file>
 
 <file path=ppt/slideLayouts/slideLayout1.xml><?xml version="1.0" encoding="utf-8"?>
-<p:sldLayout xmlns:a="http://schemas.openxmlformats.org/drawingml/2006/main" xmlns:p="http://schemas.openxmlformats.org/presentationml/2006/main" xmlns:r="http://schemas.openxmlformats.org/officeDocument/2006/relationships" xmlns:p14="http://schemas.microsoft.com/office/powerpoint/2010/main" xmlns:p15="http://schemas.microsoft.com/office/powerpoint/2012/main" xmlns:mc="http://schemas.openxmlformats.org/markup-compatibility/2006" type="blank" preserve="1">
+<p:sldLayout xmlns:a="http://schemas.openxmlformats.org/drawingml/2006/main" xmlns:r="http://schemas.openxmlformats.org/officeDocument/2006/relationships" xmlns:p="http://schemas.openxmlformats.org/presentationml/2006/main" type="blank" preserve="1">
   <p:cSld name="Blank Slide">
     <p:spTree>
       <p:nvGrpSpPr>
@@ -1247,11 +1504,14 @@
       </p:grpSpPr>
     </p:spTree>
   </p:cSld>
+  <p:clrMapOvr>
+    <a:masterClrMapping/>
+  </p:clrMapOvr>
 </p:sldLayout>
 </file>
 
 <file path=ppt/slideLayouts/slideLayout10.xml><?xml version="1.0" encoding="utf-8"?>
-<p:sldLayout xmlns:a="http://schemas.openxmlformats.org/drawingml/2006/main" xmlns:p="http://schemas.openxmlformats.org/presentationml/2006/main" xmlns:r="http://schemas.openxmlformats.org/officeDocument/2006/relationships" xmlns:p14="http://schemas.microsoft.com/office/powerpoint/2010/main" xmlns:p15="http://schemas.microsoft.com/office/powerpoint/2012/main" xmlns:mc="http://schemas.openxmlformats.org/markup-compatibility/2006" type="objOverTx" preserve="1">
+<p:sldLayout xmlns:a="http://schemas.openxmlformats.org/drawingml/2006/main" xmlns:r="http://schemas.openxmlformats.org/officeDocument/2006/relationships" xmlns:p="http://schemas.openxmlformats.org/presentationml/2006/main" type="objOverTx" preserve="1">
   <p:cSld name="Title, Content over Content">
     <p:spTree>
       <p:nvGrpSpPr>
@@ -1287,10 +1547,11 @@
           </a:prstGeom>
         </p:spPr>
         <p:txBody>
-          <a:bodyPr lIns="0" rIns="0" tIns="0" bIns="0" anchor="ctr"/>
+          <a:bodyPr lIns="0" tIns="0" rIns="0" bIns="0" anchor="ctr"/>
+          <a:lstStyle/>
           <a:p>
             <a:pPr algn="ctr"/>
-            <a:endParaRPr b="0" lang="en-AU" sz="4400" spc="-1" strike="noStrike">
+            <a:endParaRPr lang="en-AU" sz="4400" b="0" strike="noStrike" spc="-1">
               <a:latin typeface="Arial"/>
             </a:endParaRPr>
           </a:p>
@@ -1316,11 +1577,12 @@
           </a:prstGeom>
         </p:spPr>
         <p:txBody>
-          <a:bodyPr lIns="0" rIns="0" tIns="0" bIns="0">
+          <a:bodyPr lIns="0" tIns="0" rIns="0" bIns="0">
             <a:normAutofit/>
           </a:bodyPr>
-          <a:p>
-            <a:endParaRPr b="0" lang="en-AU" sz="3200" spc="-1" strike="noStrike">
+          <a:lstStyle/>
+          <a:p>
+            <a:endParaRPr lang="en-AU" sz="3200" b="0" strike="noStrike" spc="-1">
               <a:latin typeface="Arial"/>
             </a:endParaRPr>
           </a:p>
@@ -1346,11 +1608,12 @@
           </a:prstGeom>
         </p:spPr>
         <p:txBody>
-          <a:bodyPr lIns="0" rIns="0" tIns="0" bIns="0">
+          <a:bodyPr lIns="0" tIns="0" rIns="0" bIns="0">
             <a:normAutofit/>
           </a:bodyPr>
-          <a:p>
-            <a:endParaRPr b="0" lang="en-AU" sz="3200" spc="-1" strike="noStrike">
+          <a:lstStyle/>
+          <a:p>
+            <a:endParaRPr lang="en-AU" sz="3200" b="0" strike="noStrike" spc="-1">
               <a:latin typeface="Arial"/>
             </a:endParaRPr>
           </a:p>
@@ -1358,11 +1621,14 @@
       </p:sp>
     </p:spTree>
   </p:cSld>
+  <p:clrMapOvr>
+    <a:masterClrMapping/>
+  </p:clrMapOvr>
 </p:sldLayout>
 </file>
 
 <file path=ppt/slideLayouts/slideLayout11.xml><?xml version="1.0" encoding="utf-8"?>
-<p:sldLayout xmlns:a="http://schemas.openxmlformats.org/drawingml/2006/main" xmlns:p="http://schemas.openxmlformats.org/presentationml/2006/main" xmlns:r="http://schemas.openxmlformats.org/officeDocument/2006/relationships" xmlns:p14="http://schemas.microsoft.com/office/powerpoint/2010/main" xmlns:p15="http://schemas.microsoft.com/office/powerpoint/2012/main" xmlns:mc="http://schemas.openxmlformats.org/markup-compatibility/2006" type="fourObj" preserve="1">
+<p:sldLayout xmlns:a="http://schemas.openxmlformats.org/drawingml/2006/main" xmlns:r="http://schemas.openxmlformats.org/officeDocument/2006/relationships" xmlns:p="http://schemas.openxmlformats.org/presentationml/2006/main" type="fourObj" preserve="1">
   <p:cSld name="Title, 4 Content">
     <p:spTree>
       <p:nvGrpSpPr>
@@ -1398,10 +1664,11 @@
           </a:prstGeom>
         </p:spPr>
         <p:txBody>
-          <a:bodyPr lIns="0" rIns="0" tIns="0" bIns="0" anchor="ctr"/>
+          <a:bodyPr lIns="0" tIns="0" rIns="0" bIns="0" anchor="ctr"/>
+          <a:lstStyle/>
           <a:p>
             <a:pPr algn="ctr"/>
-            <a:endParaRPr b="0" lang="en-AU" sz="4400" spc="-1" strike="noStrike">
+            <a:endParaRPr lang="en-AU" sz="4400" b="0" strike="noStrike" spc="-1">
               <a:latin typeface="Arial"/>
             </a:endParaRPr>
           </a:p>
@@ -1427,11 +1694,12 @@
           </a:prstGeom>
         </p:spPr>
         <p:txBody>
-          <a:bodyPr lIns="0" rIns="0" tIns="0" bIns="0">
+          <a:bodyPr lIns="0" tIns="0" rIns="0" bIns="0">
             <a:normAutofit/>
           </a:bodyPr>
-          <a:p>
-            <a:endParaRPr b="0" lang="en-AU" sz="3200" spc="-1" strike="noStrike">
+          <a:lstStyle/>
+          <a:p>
+            <a:endParaRPr lang="en-AU" sz="3200" b="0" strike="noStrike" spc="-1">
               <a:latin typeface="Arial"/>
             </a:endParaRPr>
           </a:p>
@@ -1457,11 +1725,12 @@
           </a:prstGeom>
         </p:spPr>
         <p:txBody>
-          <a:bodyPr lIns="0" rIns="0" tIns="0" bIns="0">
+          <a:bodyPr lIns="0" tIns="0" rIns="0" bIns="0">
             <a:normAutofit/>
           </a:bodyPr>
-          <a:p>
-            <a:endParaRPr b="0" lang="en-AU" sz="3200" spc="-1" strike="noStrike">
+          <a:lstStyle/>
+          <a:p>
+            <a:endParaRPr lang="en-AU" sz="3200" b="0" strike="noStrike" spc="-1">
               <a:latin typeface="Arial"/>
             </a:endParaRPr>
           </a:p>
@@ -1487,11 +1756,12 @@
           </a:prstGeom>
         </p:spPr>
         <p:txBody>
-          <a:bodyPr lIns="0" rIns="0" tIns="0" bIns="0">
+          <a:bodyPr lIns="0" tIns="0" rIns="0" bIns="0">
             <a:normAutofit/>
           </a:bodyPr>
-          <a:p>
-            <a:endParaRPr b="0" lang="en-AU" sz="3200" spc="-1" strike="noStrike">
+          <a:lstStyle/>
+          <a:p>
+            <a:endParaRPr lang="en-AU" sz="3200" b="0" strike="noStrike" spc="-1">
               <a:latin typeface="Arial"/>
             </a:endParaRPr>
           </a:p>
@@ -1517,11 +1787,12 @@
           </a:prstGeom>
         </p:spPr>
         <p:txBody>
-          <a:bodyPr lIns="0" rIns="0" tIns="0" bIns="0">
+          <a:bodyPr lIns="0" tIns="0" rIns="0" bIns="0">
             <a:normAutofit/>
           </a:bodyPr>
-          <a:p>
-            <a:endParaRPr b="0" lang="en-AU" sz="3200" spc="-1" strike="noStrike">
+          <a:lstStyle/>
+          <a:p>
+            <a:endParaRPr lang="en-AU" sz="3200" b="0" strike="noStrike" spc="-1">
               <a:latin typeface="Arial"/>
             </a:endParaRPr>
           </a:p>
@@ -1529,11 +1800,14 @@
       </p:sp>
     </p:spTree>
   </p:cSld>
+  <p:clrMapOvr>
+    <a:masterClrMapping/>
+  </p:clrMapOvr>
 </p:sldLayout>
 </file>
 
 <file path=ppt/slideLayouts/slideLayout12.xml><?xml version="1.0" encoding="utf-8"?>
-<p:sldLayout xmlns:a="http://schemas.openxmlformats.org/drawingml/2006/main" xmlns:p="http://schemas.openxmlformats.org/presentationml/2006/main" xmlns:r="http://schemas.openxmlformats.org/officeDocument/2006/relationships" xmlns:p14="http://schemas.microsoft.com/office/powerpoint/2010/main" xmlns:p15="http://schemas.microsoft.com/office/powerpoint/2012/main" xmlns:mc="http://schemas.openxmlformats.org/markup-compatibility/2006" type="blank" preserve="1">
+<p:sldLayout xmlns:a="http://schemas.openxmlformats.org/drawingml/2006/main" xmlns:r="http://schemas.openxmlformats.org/officeDocument/2006/relationships" xmlns:p="http://schemas.openxmlformats.org/presentationml/2006/main" type="blank" preserve="1">
   <p:cSld name="Title, 6 Content">
     <p:spTree>
       <p:nvGrpSpPr>
@@ -1569,10 +1843,11 @@
           </a:prstGeom>
         </p:spPr>
         <p:txBody>
-          <a:bodyPr lIns="0" rIns="0" tIns="0" bIns="0" anchor="ctr"/>
+          <a:bodyPr lIns="0" tIns="0" rIns="0" bIns="0" anchor="ctr"/>
+          <a:lstStyle/>
           <a:p>
             <a:pPr algn="ctr"/>
-            <a:endParaRPr b="0" lang="en-AU" sz="4400" spc="-1" strike="noStrike">
+            <a:endParaRPr lang="en-AU" sz="4400" b="0" strike="noStrike" spc="-1">
               <a:latin typeface="Arial"/>
             </a:endParaRPr>
           </a:p>
@@ -1598,11 +1873,12 @@
           </a:prstGeom>
         </p:spPr>
         <p:txBody>
-          <a:bodyPr lIns="0" rIns="0" tIns="0" bIns="0">
+          <a:bodyPr lIns="0" tIns="0" rIns="0" bIns="0">
             <a:normAutofit/>
           </a:bodyPr>
-          <a:p>
-            <a:endParaRPr b="0" lang="en-AU" sz="3200" spc="-1" strike="noStrike">
+          <a:lstStyle/>
+          <a:p>
+            <a:endParaRPr lang="en-AU" sz="3200" b="0" strike="noStrike" spc="-1">
               <a:latin typeface="Arial"/>
             </a:endParaRPr>
           </a:p>
@@ -1628,11 +1904,12 @@
           </a:prstGeom>
         </p:spPr>
         <p:txBody>
-          <a:bodyPr lIns="0" rIns="0" tIns="0" bIns="0">
+          <a:bodyPr lIns="0" tIns="0" rIns="0" bIns="0">
             <a:normAutofit/>
           </a:bodyPr>
-          <a:p>
-            <a:endParaRPr b="0" lang="en-AU" sz="3200" spc="-1" strike="noStrike">
+          <a:lstStyle/>
+          <a:p>
+            <a:endParaRPr lang="en-AU" sz="3200" b="0" strike="noStrike" spc="-1">
               <a:latin typeface="Arial"/>
             </a:endParaRPr>
           </a:p>
@@ -1658,11 +1935,12 @@
           </a:prstGeom>
         </p:spPr>
         <p:txBody>
-          <a:bodyPr lIns="0" rIns="0" tIns="0" bIns="0">
+          <a:bodyPr lIns="0" tIns="0" rIns="0" bIns="0">
             <a:normAutofit/>
           </a:bodyPr>
-          <a:p>
-            <a:endParaRPr b="0" lang="en-AU" sz="3200" spc="-1" strike="noStrike">
+          <a:lstStyle/>
+          <a:p>
+            <a:endParaRPr lang="en-AU" sz="3200" b="0" strike="noStrike" spc="-1">
               <a:latin typeface="Arial"/>
             </a:endParaRPr>
           </a:p>
@@ -1688,11 +1966,12 @@
           </a:prstGeom>
         </p:spPr>
         <p:txBody>
-          <a:bodyPr lIns="0" rIns="0" tIns="0" bIns="0">
+          <a:bodyPr lIns="0" tIns="0" rIns="0" bIns="0">
             <a:normAutofit/>
           </a:bodyPr>
-          <a:p>
-            <a:endParaRPr b="0" lang="en-AU" sz="3200" spc="-1" strike="noStrike">
+          <a:lstStyle/>
+          <a:p>
+            <a:endParaRPr lang="en-AU" sz="3200" b="0" strike="noStrike" spc="-1">
               <a:latin typeface="Arial"/>
             </a:endParaRPr>
           </a:p>
@@ -1718,11 +1997,12 @@
           </a:prstGeom>
         </p:spPr>
         <p:txBody>
-          <a:bodyPr lIns="0" rIns="0" tIns="0" bIns="0">
+          <a:bodyPr lIns="0" tIns="0" rIns="0" bIns="0">
             <a:normAutofit/>
           </a:bodyPr>
-          <a:p>
-            <a:endParaRPr b="0" lang="en-AU" sz="3200" spc="-1" strike="noStrike">
+          <a:lstStyle/>
+          <a:p>
+            <a:endParaRPr lang="en-AU" sz="3200" b="0" strike="noStrike" spc="-1">
               <a:latin typeface="Arial"/>
             </a:endParaRPr>
           </a:p>
@@ -1748,11 +2028,12 @@
           </a:prstGeom>
         </p:spPr>
         <p:txBody>
-          <a:bodyPr lIns="0" rIns="0" tIns="0" bIns="0">
+          <a:bodyPr lIns="0" tIns="0" rIns="0" bIns="0">
             <a:normAutofit/>
           </a:bodyPr>
-          <a:p>
-            <a:endParaRPr b="0" lang="en-AU" sz="3200" spc="-1" strike="noStrike">
+          <a:lstStyle/>
+          <a:p>
+            <a:endParaRPr lang="en-AU" sz="3200" b="0" strike="noStrike" spc="-1">
               <a:latin typeface="Arial"/>
             </a:endParaRPr>
           </a:p>
@@ -1760,11 +2041,14 @@
       </p:sp>
     </p:spTree>
   </p:cSld>
+  <p:clrMapOvr>
+    <a:masterClrMapping/>
+  </p:clrMapOvr>
 </p:sldLayout>
 </file>
 
 <file path=ppt/slideLayouts/slideLayout13.xml><?xml version="1.0" encoding="utf-8"?>
-<p:sldLayout xmlns:a="http://schemas.openxmlformats.org/drawingml/2006/main" xmlns:p="http://schemas.openxmlformats.org/presentationml/2006/main" xmlns:r="http://schemas.openxmlformats.org/officeDocument/2006/relationships" xmlns:p14="http://schemas.microsoft.com/office/powerpoint/2010/main" xmlns:p15="http://schemas.microsoft.com/office/powerpoint/2012/main" xmlns:mc="http://schemas.openxmlformats.org/markup-compatibility/2006" type="blank" preserve="1">
+<p:sldLayout xmlns:a="http://schemas.openxmlformats.org/drawingml/2006/main" xmlns:r="http://schemas.openxmlformats.org/officeDocument/2006/relationships" xmlns:p="http://schemas.openxmlformats.org/presentationml/2006/main" type="blank" preserve="1">
   <p:cSld name="Blank Slide">
     <p:spTree>
       <p:nvGrpSpPr>
@@ -1782,11 +2066,14 @@
       </p:grpSpPr>
     </p:spTree>
   </p:cSld>
+  <p:clrMapOvr>
+    <a:masterClrMapping/>
+  </p:clrMapOvr>
 </p:sldLayout>
 </file>
 
 <file path=ppt/slideLayouts/slideLayout14.xml><?xml version="1.0" encoding="utf-8"?>
-<p:sldLayout xmlns:a="http://schemas.openxmlformats.org/drawingml/2006/main" xmlns:p="http://schemas.openxmlformats.org/presentationml/2006/main" xmlns:r="http://schemas.openxmlformats.org/officeDocument/2006/relationships" xmlns:p14="http://schemas.microsoft.com/office/powerpoint/2010/main" xmlns:p15="http://schemas.microsoft.com/office/powerpoint/2012/main" xmlns:mc="http://schemas.openxmlformats.org/markup-compatibility/2006" type="tx" preserve="1">
+<p:sldLayout xmlns:a="http://schemas.openxmlformats.org/drawingml/2006/main" xmlns:r="http://schemas.openxmlformats.org/officeDocument/2006/relationships" xmlns:p="http://schemas.openxmlformats.org/presentationml/2006/main" type="tx" preserve="1">
   <p:cSld name="Title Slide">
     <p:spTree>
       <p:nvGrpSpPr>
@@ -1822,10 +2109,11 @@
           </a:prstGeom>
         </p:spPr>
         <p:txBody>
-          <a:bodyPr lIns="0" rIns="0" tIns="0" bIns="0" anchor="ctr"/>
+          <a:bodyPr lIns="0" tIns="0" rIns="0" bIns="0" anchor="ctr"/>
+          <a:lstStyle/>
           <a:p>
             <a:pPr algn="ctr"/>
-            <a:endParaRPr b="0" lang="en-AU" sz="4400" spc="-1" strike="noStrike">
+            <a:endParaRPr lang="en-AU" sz="4400" b="0" strike="noStrike" spc="-1">
               <a:latin typeface="Arial"/>
             </a:endParaRPr>
           </a:p>
@@ -1851,10 +2139,11 @@
           </a:prstGeom>
         </p:spPr>
         <p:txBody>
-          <a:bodyPr lIns="0" rIns="0" tIns="0" bIns="0" anchor="ctr"/>
+          <a:bodyPr lIns="0" tIns="0" rIns="0" bIns="0" anchor="ctr"/>
+          <a:lstStyle/>
           <a:p>
             <a:pPr algn="ctr"/>
-            <a:endParaRPr b="0" lang="en-AU" sz="3200" spc="-1" strike="noStrike">
+            <a:endParaRPr lang="en-AU" sz="3200" b="0" strike="noStrike" spc="-1">
               <a:latin typeface="Arial"/>
             </a:endParaRPr>
           </a:p>
@@ -1862,11 +2151,14 @@
       </p:sp>
     </p:spTree>
   </p:cSld>
+  <p:clrMapOvr>
+    <a:masterClrMapping/>
+  </p:clrMapOvr>
 </p:sldLayout>
 </file>
 
 <file path=ppt/slideLayouts/slideLayout15.xml><?xml version="1.0" encoding="utf-8"?>
-<p:sldLayout xmlns:a="http://schemas.openxmlformats.org/drawingml/2006/main" xmlns:p="http://schemas.openxmlformats.org/presentationml/2006/main" xmlns:r="http://schemas.openxmlformats.org/officeDocument/2006/relationships" xmlns:p14="http://schemas.microsoft.com/office/powerpoint/2010/main" xmlns:p15="http://schemas.microsoft.com/office/powerpoint/2012/main" xmlns:mc="http://schemas.openxmlformats.org/markup-compatibility/2006" type="obj" preserve="1">
+<p:sldLayout xmlns:a="http://schemas.openxmlformats.org/drawingml/2006/main" xmlns:r="http://schemas.openxmlformats.org/officeDocument/2006/relationships" xmlns:p="http://schemas.openxmlformats.org/presentationml/2006/main" type="obj" preserve="1">
   <p:cSld name="Title, Content">
     <p:spTree>
       <p:nvGrpSpPr>
@@ -1902,10 +2194,11 @@
           </a:prstGeom>
         </p:spPr>
         <p:txBody>
-          <a:bodyPr lIns="0" rIns="0" tIns="0" bIns="0" anchor="ctr"/>
+          <a:bodyPr lIns="0" tIns="0" rIns="0" bIns="0" anchor="ctr"/>
+          <a:lstStyle/>
           <a:p>
             <a:pPr algn="ctr"/>
-            <a:endParaRPr b="0" lang="en-AU" sz="4400" spc="-1" strike="noStrike">
+            <a:endParaRPr lang="en-AU" sz="4400" b="0" strike="noStrike" spc="-1">
               <a:latin typeface="Arial"/>
             </a:endParaRPr>
           </a:p>
@@ -1931,11 +2224,12 @@
           </a:prstGeom>
         </p:spPr>
         <p:txBody>
-          <a:bodyPr lIns="0" rIns="0" tIns="0" bIns="0">
+          <a:bodyPr lIns="0" tIns="0" rIns="0" bIns="0">
             <a:normAutofit/>
           </a:bodyPr>
-          <a:p>
-            <a:endParaRPr b="0" lang="en-AU" sz="3200" spc="-1" strike="noStrike">
+          <a:lstStyle/>
+          <a:p>
+            <a:endParaRPr lang="en-AU" sz="3200" b="0" strike="noStrike" spc="-1">
               <a:latin typeface="Arial"/>
             </a:endParaRPr>
           </a:p>
@@ -1943,11 +2237,14 @@
       </p:sp>
     </p:spTree>
   </p:cSld>
+  <p:clrMapOvr>
+    <a:masterClrMapping/>
+  </p:clrMapOvr>
 </p:sldLayout>
 </file>
 
 <file path=ppt/slideLayouts/slideLayout16.xml><?xml version="1.0" encoding="utf-8"?>
-<p:sldLayout xmlns:a="http://schemas.openxmlformats.org/drawingml/2006/main" xmlns:p="http://schemas.openxmlformats.org/presentationml/2006/main" xmlns:r="http://schemas.openxmlformats.org/officeDocument/2006/relationships" xmlns:p14="http://schemas.microsoft.com/office/powerpoint/2010/main" xmlns:p15="http://schemas.microsoft.com/office/powerpoint/2012/main" xmlns:mc="http://schemas.openxmlformats.org/markup-compatibility/2006" type="twoObj" preserve="1">
+<p:sldLayout xmlns:a="http://schemas.openxmlformats.org/drawingml/2006/main" xmlns:r="http://schemas.openxmlformats.org/officeDocument/2006/relationships" xmlns:p="http://schemas.openxmlformats.org/presentationml/2006/main" type="twoObj" preserve="1">
   <p:cSld name="Title, 2 Content">
     <p:spTree>
       <p:nvGrpSpPr>
@@ -1983,10 +2280,11 @@
           </a:prstGeom>
         </p:spPr>
         <p:txBody>
-          <a:bodyPr lIns="0" rIns="0" tIns="0" bIns="0" anchor="ctr"/>
+          <a:bodyPr lIns="0" tIns="0" rIns="0" bIns="0" anchor="ctr"/>
+          <a:lstStyle/>
           <a:p>
             <a:pPr algn="ctr"/>
-            <a:endParaRPr b="0" lang="en-AU" sz="4400" spc="-1" strike="noStrike">
+            <a:endParaRPr lang="en-AU" sz="4400" b="0" strike="noStrike" spc="-1">
               <a:latin typeface="Arial"/>
             </a:endParaRPr>
           </a:p>
@@ -2012,11 +2310,12 @@
           </a:prstGeom>
         </p:spPr>
         <p:txBody>
-          <a:bodyPr lIns="0" rIns="0" tIns="0" bIns="0">
+          <a:bodyPr lIns="0" tIns="0" rIns="0" bIns="0">
             <a:normAutofit/>
           </a:bodyPr>
-          <a:p>
-            <a:endParaRPr b="0" lang="en-AU" sz="3200" spc="-1" strike="noStrike">
+          <a:lstStyle/>
+          <a:p>
+            <a:endParaRPr lang="en-AU" sz="3200" b="0" strike="noStrike" spc="-1">
               <a:latin typeface="Arial"/>
             </a:endParaRPr>
           </a:p>
@@ -2042,11 +2341,12 @@
           </a:prstGeom>
         </p:spPr>
         <p:txBody>
-          <a:bodyPr lIns="0" rIns="0" tIns="0" bIns="0">
+          <a:bodyPr lIns="0" tIns="0" rIns="0" bIns="0">
             <a:normAutofit/>
           </a:bodyPr>
-          <a:p>
-            <a:endParaRPr b="0" lang="en-AU" sz="3200" spc="-1" strike="noStrike">
+          <a:lstStyle/>
+          <a:p>
+            <a:endParaRPr lang="en-AU" sz="3200" b="0" strike="noStrike" spc="-1">
               <a:latin typeface="Arial"/>
             </a:endParaRPr>
           </a:p>
@@ -2054,11 +2354,14 @@
       </p:sp>
     </p:spTree>
   </p:cSld>
+  <p:clrMapOvr>
+    <a:masterClrMapping/>
+  </p:clrMapOvr>
 </p:sldLayout>
 </file>
 
 <file path=ppt/slideLayouts/slideLayout17.xml><?xml version="1.0" encoding="utf-8"?>
-<p:sldLayout xmlns:a="http://schemas.openxmlformats.org/drawingml/2006/main" xmlns:p="http://schemas.openxmlformats.org/presentationml/2006/main" xmlns:r="http://schemas.openxmlformats.org/officeDocument/2006/relationships" xmlns:p14="http://schemas.microsoft.com/office/powerpoint/2010/main" xmlns:p15="http://schemas.microsoft.com/office/powerpoint/2012/main" xmlns:mc="http://schemas.openxmlformats.org/markup-compatibility/2006" type="titleOnly" preserve="1">
+<p:sldLayout xmlns:a="http://schemas.openxmlformats.org/drawingml/2006/main" xmlns:r="http://schemas.openxmlformats.org/officeDocument/2006/relationships" xmlns:p="http://schemas.openxmlformats.org/presentationml/2006/main" type="titleOnly" preserve="1">
   <p:cSld name="Title Only">
     <p:spTree>
       <p:nvGrpSpPr>
@@ -2094,10 +2397,11 @@
           </a:prstGeom>
         </p:spPr>
         <p:txBody>
-          <a:bodyPr lIns="0" rIns="0" tIns="0" bIns="0" anchor="ctr"/>
+          <a:bodyPr lIns="0" tIns="0" rIns="0" bIns="0" anchor="ctr"/>
+          <a:lstStyle/>
           <a:p>
             <a:pPr algn="ctr"/>
-            <a:endParaRPr b="0" lang="en-AU" sz="4400" spc="-1" strike="noStrike">
+            <a:endParaRPr lang="en-AU" sz="4400" b="0" strike="noStrike" spc="-1">
               <a:latin typeface="Arial"/>
             </a:endParaRPr>
           </a:p>
@@ -2105,11 +2409,14 @@
       </p:sp>
     </p:spTree>
   </p:cSld>
+  <p:clrMapOvr>
+    <a:masterClrMapping/>
+  </p:clrMapOvr>
 </p:sldLayout>
 </file>
 
 <file path=ppt/slideLayouts/slideLayout18.xml><?xml version="1.0" encoding="utf-8"?>
-<p:sldLayout xmlns:a="http://schemas.openxmlformats.org/drawingml/2006/main" xmlns:p="http://schemas.openxmlformats.org/presentationml/2006/main" xmlns:r="http://schemas.openxmlformats.org/officeDocument/2006/relationships" xmlns:p14="http://schemas.microsoft.com/office/powerpoint/2010/main" xmlns:p15="http://schemas.microsoft.com/office/powerpoint/2012/main" xmlns:mc="http://schemas.openxmlformats.org/markup-compatibility/2006" type="objOnly" preserve="1">
+<p:sldLayout xmlns:a="http://schemas.openxmlformats.org/drawingml/2006/main" xmlns:r="http://schemas.openxmlformats.org/officeDocument/2006/relationships" xmlns:p="http://schemas.openxmlformats.org/presentationml/2006/main" type="objOnly" preserve="1">
   <p:cSld name="Centered Text">
     <p:spTree>
       <p:nvGrpSpPr>
@@ -2145,10 +2452,11 @@
           </a:prstGeom>
         </p:spPr>
         <p:txBody>
-          <a:bodyPr lIns="0" rIns="0" tIns="0" bIns="0" anchor="ctr"/>
+          <a:bodyPr lIns="0" tIns="0" rIns="0" bIns="0" anchor="ctr"/>
+          <a:lstStyle/>
           <a:p>
             <a:pPr algn="ctr"/>
-            <a:endParaRPr b="0" lang="en-AU" sz="3200" spc="-1" strike="noStrike">
+            <a:endParaRPr lang="en-AU" sz="3200" b="0" strike="noStrike" spc="-1">
               <a:latin typeface="Arial"/>
             </a:endParaRPr>
           </a:p>
@@ -2156,11 +2464,14 @@
       </p:sp>
     </p:spTree>
   </p:cSld>
+  <p:clrMapOvr>
+    <a:masterClrMapping/>
+  </p:clrMapOvr>
 </p:sldLayout>
 </file>
 
 <file path=ppt/slideLayouts/slideLayout19.xml><?xml version="1.0" encoding="utf-8"?>
-<p:sldLayout xmlns:a="http://schemas.openxmlformats.org/drawingml/2006/main" xmlns:p="http://schemas.openxmlformats.org/presentationml/2006/main" xmlns:r="http://schemas.openxmlformats.org/officeDocument/2006/relationships" xmlns:p14="http://schemas.microsoft.com/office/powerpoint/2010/main" xmlns:p15="http://schemas.microsoft.com/office/powerpoint/2012/main" xmlns:mc="http://schemas.openxmlformats.org/markup-compatibility/2006" type="twoObjAndObj" preserve="1">
+<p:sldLayout xmlns:a="http://schemas.openxmlformats.org/drawingml/2006/main" xmlns:r="http://schemas.openxmlformats.org/officeDocument/2006/relationships" xmlns:p="http://schemas.openxmlformats.org/presentationml/2006/main" type="twoObjAndObj" preserve="1">
   <p:cSld name="Title, 2 Content and Content">
     <p:spTree>
       <p:nvGrpSpPr>
@@ -2196,10 +2507,11 @@
           </a:prstGeom>
         </p:spPr>
         <p:txBody>
-          <a:bodyPr lIns="0" rIns="0" tIns="0" bIns="0" anchor="ctr"/>
+          <a:bodyPr lIns="0" tIns="0" rIns="0" bIns="0" anchor="ctr"/>
+          <a:lstStyle/>
           <a:p>
             <a:pPr algn="ctr"/>
-            <a:endParaRPr b="0" lang="en-AU" sz="4400" spc="-1" strike="noStrike">
+            <a:endParaRPr lang="en-AU" sz="4400" b="0" strike="noStrike" spc="-1">
               <a:latin typeface="Arial"/>
             </a:endParaRPr>
           </a:p>
@@ -2225,11 +2537,12 @@
           </a:prstGeom>
         </p:spPr>
         <p:txBody>
-          <a:bodyPr lIns="0" rIns="0" tIns="0" bIns="0">
+          <a:bodyPr lIns="0" tIns="0" rIns="0" bIns="0">
             <a:normAutofit/>
           </a:bodyPr>
-          <a:p>
-            <a:endParaRPr b="0" lang="en-AU" sz="3200" spc="-1" strike="noStrike">
+          <a:lstStyle/>
+          <a:p>
+            <a:endParaRPr lang="en-AU" sz="3200" b="0" strike="noStrike" spc="-1">
               <a:latin typeface="Arial"/>
             </a:endParaRPr>
           </a:p>
@@ -2255,11 +2568,12 @@
           </a:prstGeom>
         </p:spPr>
         <p:txBody>
-          <a:bodyPr lIns="0" rIns="0" tIns="0" bIns="0">
+          <a:bodyPr lIns="0" tIns="0" rIns="0" bIns="0">
             <a:normAutofit/>
           </a:bodyPr>
-          <a:p>
-            <a:endParaRPr b="0" lang="en-AU" sz="3200" spc="-1" strike="noStrike">
+          <a:lstStyle/>
+          <a:p>
+            <a:endParaRPr lang="en-AU" sz="3200" b="0" strike="noStrike" spc="-1">
               <a:latin typeface="Arial"/>
             </a:endParaRPr>
           </a:p>
@@ -2285,11 +2599,12 @@
           </a:prstGeom>
         </p:spPr>
         <p:txBody>
-          <a:bodyPr lIns="0" rIns="0" tIns="0" bIns="0">
+          <a:bodyPr lIns="0" tIns="0" rIns="0" bIns="0">
             <a:normAutofit/>
           </a:bodyPr>
-          <a:p>
-            <a:endParaRPr b="0" lang="en-AU" sz="3200" spc="-1" strike="noStrike">
+          <a:lstStyle/>
+          <a:p>
+            <a:endParaRPr lang="en-AU" sz="3200" b="0" strike="noStrike" spc="-1">
               <a:latin typeface="Arial"/>
             </a:endParaRPr>
           </a:p>
@@ -2297,11 +2612,14 @@
       </p:sp>
     </p:spTree>
   </p:cSld>
+  <p:clrMapOvr>
+    <a:masterClrMapping/>
+  </p:clrMapOvr>
 </p:sldLayout>
 </file>
 
 <file path=ppt/slideLayouts/slideLayout2.xml><?xml version="1.0" encoding="utf-8"?>
-<p:sldLayout xmlns:a="http://schemas.openxmlformats.org/drawingml/2006/main" xmlns:p="http://schemas.openxmlformats.org/presentationml/2006/main" xmlns:r="http://schemas.openxmlformats.org/officeDocument/2006/relationships" xmlns:p14="http://schemas.microsoft.com/office/powerpoint/2010/main" xmlns:p15="http://schemas.microsoft.com/office/powerpoint/2012/main" xmlns:mc="http://schemas.openxmlformats.org/markup-compatibility/2006" type="tx" preserve="1">
+<p:sldLayout xmlns:a="http://schemas.openxmlformats.org/drawingml/2006/main" xmlns:r="http://schemas.openxmlformats.org/officeDocument/2006/relationships" xmlns:p="http://schemas.openxmlformats.org/presentationml/2006/main" type="tx" preserve="1">
   <p:cSld name="Title Slide">
     <p:spTree>
       <p:nvGrpSpPr>
@@ -2337,10 +2655,11 @@
           </a:prstGeom>
         </p:spPr>
         <p:txBody>
-          <a:bodyPr lIns="0" rIns="0" tIns="0" bIns="0" anchor="ctr"/>
+          <a:bodyPr lIns="0" tIns="0" rIns="0" bIns="0" anchor="ctr"/>
+          <a:lstStyle/>
           <a:p>
             <a:pPr algn="ctr"/>
-            <a:endParaRPr b="0" lang="en-AU" sz="4400" spc="-1" strike="noStrike">
+            <a:endParaRPr lang="en-AU" sz="4400" b="0" strike="noStrike" spc="-1">
               <a:latin typeface="Arial"/>
             </a:endParaRPr>
           </a:p>
@@ -2366,10 +2685,11 @@
           </a:prstGeom>
         </p:spPr>
         <p:txBody>
-          <a:bodyPr lIns="0" rIns="0" tIns="0" bIns="0" anchor="ctr"/>
+          <a:bodyPr lIns="0" tIns="0" rIns="0" bIns="0" anchor="ctr"/>
+          <a:lstStyle/>
           <a:p>
             <a:pPr algn="ctr"/>
-            <a:endParaRPr b="0" lang="en-AU" sz="3200" spc="-1" strike="noStrike">
+            <a:endParaRPr lang="en-AU" sz="3200" b="0" strike="noStrike" spc="-1">
               <a:latin typeface="Arial"/>
             </a:endParaRPr>
           </a:p>
@@ -2377,11 +2697,14 @@
       </p:sp>
     </p:spTree>
   </p:cSld>
+  <p:clrMapOvr>
+    <a:masterClrMapping/>
+  </p:clrMapOvr>
 </p:sldLayout>
 </file>
 
 <file path=ppt/slideLayouts/slideLayout20.xml><?xml version="1.0" encoding="utf-8"?>
-<p:sldLayout xmlns:a="http://schemas.openxmlformats.org/drawingml/2006/main" xmlns:p="http://schemas.openxmlformats.org/presentationml/2006/main" xmlns:r="http://schemas.openxmlformats.org/officeDocument/2006/relationships" xmlns:p14="http://schemas.microsoft.com/office/powerpoint/2010/main" xmlns:p15="http://schemas.microsoft.com/office/powerpoint/2012/main" xmlns:mc="http://schemas.openxmlformats.org/markup-compatibility/2006" type="objAndTwoObj" preserve="1">
+<p:sldLayout xmlns:a="http://schemas.openxmlformats.org/drawingml/2006/main" xmlns:r="http://schemas.openxmlformats.org/officeDocument/2006/relationships" xmlns:p="http://schemas.openxmlformats.org/presentationml/2006/main" type="objAndTwoObj" preserve="1">
   <p:cSld name="Title Content and 2 Content">
     <p:spTree>
       <p:nvGrpSpPr>
@@ -2417,10 +2740,11 @@
           </a:prstGeom>
         </p:spPr>
         <p:txBody>
-          <a:bodyPr lIns="0" rIns="0" tIns="0" bIns="0" anchor="ctr"/>
+          <a:bodyPr lIns="0" tIns="0" rIns="0" bIns="0" anchor="ctr"/>
+          <a:lstStyle/>
           <a:p>
             <a:pPr algn="ctr"/>
-            <a:endParaRPr b="0" lang="en-AU" sz="4400" spc="-1" strike="noStrike">
+            <a:endParaRPr lang="en-AU" sz="4400" b="0" strike="noStrike" spc="-1">
               <a:latin typeface="Arial"/>
             </a:endParaRPr>
           </a:p>
@@ -2446,11 +2770,12 @@
           </a:prstGeom>
         </p:spPr>
         <p:txBody>
-          <a:bodyPr lIns="0" rIns="0" tIns="0" bIns="0">
+          <a:bodyPr lIns="0" tIns="0" rIns="0" bIns="0">
             <a:normAutofit/>
           </a:bodyPr>
-          <a:p>
-            <a:endParaRPr b="0" lang="en-AU" sz="3200" spc="-1" strike="noStrike">
+          <a:lstStyle/>
+          <a:p>
+            <a:endParaRPr lang="en-AU" sz="3200" b="0" strike="noStrike" spc="-1">
               <a:latin typeface="Arial"/>
             </a:endParaRPr>
           </a:p>
@@ -2476,11 +2801,12 @@
           </a:prstGeom>
         </p:spPr>
         <p:txBody>
-          <a:bodyPr lIns="0" rIns="0" tIns="0" bIns="0">
+          <a:bodyPr lIns="0" tIns="0" rIns="0" bIns="0">
             <a:normAutofit/>
           </a:bodyPr>
-          <a:p>
-            <a:endParaRPr b="0" lang="en-AU" sz="3200" spc="-1" strike="noStrike">
+          <a:lstStyle/>
+          <a:p>
+            <a:endParaRPr lang="en-AU" sz="3200" b="0" strike="noStrike" spc="-1">
               <a:latin typeface="Arial"/>
             </a:endParaRPr>
           </a:p>
@@ -2506,11 +2832,12 @@
           </a:prstGeom>
         </p:spPr>
         <p:txBody>
-          <a:bodyPr lIns="0" rIns="0" tIns="0" bIns="0">
+          <a:bodyPr lIns="0" tIns="0" rIns="0" bIns="0">
             <a:normAutofit/>
           </a:bodyPr>
-          <a:p>
-            <a:endParaRPr b="0" lang="en-AU" sz="3200" spc="-1" strike="noStrike">
+          <a:lstStyle/>
+          <a:p>
+            <a:endParaRPr lang="en-AU" sz="3200" b="0" strike="noStrike" spc="-1">
               <a:latin typeface="Arial"/>
             </a:endParaRPr>
           </a:p>
@@ -2518,11 +2845,14 @@
       </p:sp>
     </p:spTree>
   </p:cSld>
+  <p:clrMapOvr>
+    <a:masterClrMapping/>
+  </p:clrMapOvr>
 </p:sldLayout>
 </file>
 
 <file path=ppt/slideLayouts/slideLayout21.xml><?xml version="1.0" encoding="utf-8"?>
-<p:sldLayout xmlns:a="http://schemas.openxmlformats.org/drawingml/2006/main" xmlns:p="http://schemas.openxmlformats.org/presentationml/2006/main" xmlns:r="http://schemas.openxmlformats.org/officeDocument/2006/relationships" xmlns:p14="http://schemas.microsoft.com/office/powerpoint/2010/main" xmlns:p15="http://schemas.microsoft.com/office/powerpoint/2012/main" xmlns:mc="http://schemas.openxmlformats.org/markup-compatibility/2006" type="twoObjOverTx" preserve="1">
+<p:sldLayout xmlns:a="http://schemas.openxmlformats.org/drawingml/2006/main" xmlns:r="http://schemas.openxmlformats.org/officeDocument/2006/relationships" xmlns:p="http://schemas.openxmlformats.org/presentationml/2006/main" type="twoObjOverTx" preserve="1">
   <p:cSld name="Title, 2 Content over Content">
     <p:spTree>
       <p:nvGrpSpPr>
@@ -2558,10 +2888,11 @@
           </a:prstGeom>
         </p:spPr>
         <p:txBody>
-          <a:bodyPr lIns="0" rIns="0" tIns="0" bIns="0" anchor="ctr"/>
+          <a:bodyPr lIns="0" tIns="0" rIns="0" bIns="0" anchor="ctr"/>
+          <a:lstStyle/>
           <a:p>
             <a:pPr algn="ctr"/>
-            <a:endParaRPr b="0" lang="en-AU" sz="4400" spc="-1" strike="noStrike">
+            <a:endParaRPr lang="en-AU" sz="4400" b="0" strike="noStrike" spc="-1">
               <a:latin typeface="Arial"/>
             </a:endParaRPr>
           </a:p>
@@ -2587,11 +2918,12 @@
           </a:prstGeom>
         </p:spPr>
         <p:txBody>
-          <a:bodyPr lIns="0" rIns="0" tIns="0" bIns="0">
+          <a:bodyPr lIns="0" tIns="0" rIns="0" bIns="0">
             <a:normAutofit/>
           </a:bodyPr>
-          <a:p>
-            <a:endParaRPr b="0" lang="en-AU" sz="3200" spc="-1" strike="noStrike">
+          <a:lstStyle/>
+          <a:p>
+            <a:endParaRPr lang="en-AU" sz="3200" b="0" strike="noStrike" spc="-1">
               <a:latin typeface="Arial"/>
             </a:endParaRPr>
           </a:p>
@@ -2617,11 +2949,12 @@
           </a:prstGeom>
         </p:spPr>
         <p:txBody>
-          <a:bodyPr lIns="0" rIns="0" tIns="0" bIns="0">
+          <a:bodyPr lIns="0" tIns="0" rIns="0" bIns="0">
             <a:normAutofit/>
           </a:bodyPr>
-          <a:p>
-            <a:endParaRPr b="0" lang="en-AU" sz="3200" spc="-1" strike="noStrike">
+          <a:lstStyle/>
+          <a:p>
+            <a:endParaRPr lang="en-AU" sz="3200" b="0" strike="noStrike" spc="-1">
               <a:latin typeface="Arial"/>
             </a:endParaRPr>
           </a:p>
@@ -2647,11 +2980,12 @@
           </a:prstGeom>
         </p:spPr>
         <p:txBody>
-          <a:bodyPr lIns="0" rIns="0" tIns="0" bIns="0">
+          <a:bodyPr lIns="0" tIns="0" rIns="0" bIns="0">
             <a:normAutofit/>
           </a:bodyPr>
-          <a:p>
-            <a:endParaRPr b="0" lang="en-AU" sz="3200" spc="-1" strike="noStrike">
+          <a:lstStyle/>
+          <a:p>
+            <a:endParaRPr lang="en-AU" sz="3200" b="0" strike="noStrike" spc="-1">
               <a:latin typeface="Arial"/>
             </a:endParaRPr>
           </a:p>
@@ -2659,11 +2993,14 @@
       </p:sp>
     </p:spTree>
   </p:cSld>
+  <p:clrMapOvr>
+    <a:masterClrMapping/>
+  </p:clrMapOvr>
 </p:sldLayout>
 </file>
 
 <file path=ppt/slideLayouts/slideLayout22.xml><?xml version="1.0" encoding="utf-8"?>
-<p:sldLayout xmlns:a="http://schemas.openxmlformats.org/drawingml/2006/main" xmlns:p="http://schemas.openxmlformats.org/presentationml/2006/main" xmlns:r="http://schemas.openxmlformats.org/officeDocument/2006/relationships" xmlns:p14="http://schemas.microsoft.com/office/powerpoint/2010/main" xmlns:p15="http://schemas.microsoft.com/office/powerpoint/2012/main" xmlns:mc="http://schemas.openxmlformats.org/markup-compatibility/2006" type="objOverTx" preserve="1">
+<p:sldLayout xmlns:a="http://schemas.openxmlformats.org/drawingml/2006/main" xmlns:r="http://schemas.openxmlformats.org/officeDocument/2006/relationships" xmlns:p="http://schemas.openxmlformats.org/presentationml/2006/main" type="objOverTx" preserve="1">
   <p:cSld name="Title, Content over Content">
     <p:spTree>
       <p:nvGrpSpPr>
@@ -2699,10 +3036,11 @@
           </a:prstGeom>
         </p:spPr>
         <p:txBody>
-          <a:bodyPr lIns="0" rIns="0" tIns="0" bIns="0" anchor="ctr"/>
+          <a:bodyPr lIns="0" tIns="0" rIns="0" bIns="0" anchor="ctr"/>
+          <a:lstStyle/>
           <a:p>
             <a:pPr algn="ctr"/>
-            <a:endParaRPr b="0" lang="en-AU" sz="4400" spc="-1" strike="noStrike">
+            <a:endParaRPr lang="en-AU" sz="4400" b="0" strike="noStrike" spc="-1">
               <a:latin typeface="Arial"/>
             </a:endParaRPr>
           </a:p>
@@ -2728,11 +3066,12 @@
           </a:prstGeom>
         </p:spPr>
         <p:txBody>
-          <a:bodyPr lIns="0" rIns="0" tIns="0" bIns="0">
+          <a:bodyPr lIns="0" tIns="0" rIns="0" bIns="0">
             <a:normAutofit/>
           </a:bodyPr>
-          <a:p>
-            <a:endParaRPr b="0" lang="en-AU" sz="3200" spc="-1" strike="noStrike">
+          <a:lstStyle/>
+          <a:p>
+            <a:endParaRPr lang="en-AU" sz="3200" b="0" strike="noStrike" spc="-1">
               <a:latin typeface="Arial"/>
             </a:endParaRPr>
           </a:p>
@@ -2758,11 +3097,12 @@
           </a:prstGeom>
         </p:spPr>
         <p:txBody>
-          <a:bodyPr lIns="0" rIns="0" tIns="0" bIns="0">
+          <a:bodyPr lIns="0" tIns="0" rIns="0" bIns="0">
             <a:normAutofit/>
           </a:bodyPr>
-          <a:p>
-            <a:endParaRPr b="0" lang="en-AU" sz="3200" spc="-1" strike="noStrike">
+          <a:lstStyle/>
+          <a:p>
+            <a:endParaRPr lang="en-AU" sz="3200" b="0" strike="noStrike" spc="-1">
               <a:latin typeface="Arial"/>
             </a:endParaRPr>
           </a:p>
@@ -2770,11 +3110,14 @@
       </p:sp>
     </p:spTree>
   </p:cSld>
+  <p:clrMapOvr>
+    <a:masterClrMapping/>
+  </p:clrMapOvr>
 </p:sldLayout>
 </file>
 
 <file path=ppt/slideLayouts/slideLayout23.xml><?xml version="1.0" encoding="utf-8"?>
-<p:sldLayout xmlns:a="http://schemas.openxmlformats.org/drawingml/2006/main" xmlns:p="http://schemas.openxmlformats.org/presentationml/2006/main" xmlns:r="http://schemas.openxmlformats.org/officeDocument/2006/relationships" xmlns:p14="http://schemas.microsoft.com/office/powerpoint/2010/main" xmlns:p15="http://schemas.microsoft.com/office/powerpoint/2012/main" xmlns:mc="http://schemas.openxmlformats.org/markup-compatibility/2006" type="fourObj" preserve="1">
+<p:sldLayout xmlns:a="http://schemas.openxmlformats.org/drawingml/2006/main" xmlns:r="http://schemas.openxmlformats.org/officeDocument/2006/relationships" xmlns:p="http://schemas.openxmlformats.org/presentationml/2006/main" type="fourObj" preserve="1">
   <p:cSld name="Title, 4 Content">
     <p:spTree>
       <p:nvGrpSpPr>
@@ -2810,10 +3153,11 @@
           </a:prstGeom>
         </p:spPr>
         <p:txBody>
-          <a:bodyPr lIns="0" rIns="0" tIns="0" bIns="0" anchor="ctr"/>
+          <a:bodyPr lIns="0" tIns="0" rIns="0" bIns="0" anchor="ctr"/>
+          <a:lstStyle/>
           <a:p>
             <a:pPr algn="ctr"/>
-            <a:endParaRPr b="0" lang="en-AU" sz="4400" spc="-1" strike="noStrike">
+            <a:endParaRPr lang="en-AU" sz="4400" b="0" strike="noStrike" spc="-1">
               <a:latin typeface="Arial"/>
             </a:endParaRPr>
           </a:p>
@@ -2839,11 +3183,12 @@
           </a:prstGeom>
         </p:spPr>
         <p:txBody>
-          <a:bodyPr lIns="0" rIns="0" tIns="0" bIns="0">
+          <a:bodyPr lIns="0" tIns="0" rIns="0" bIns="0">
             <a:normAutofit/>
           </a:bodyPr>
-          <a:p>
-            <a:endParaRPr b="0" lang="en-AU" sz="3200" spc="-1" strike="noStrike">
+          <a:lstStyle/>
+          <a:p>
+            <a:endParaRPr lang="en-AU" sz="3200" b="0" strike="noStrike" spc="-1">
               <a:latin typeface="Arial"/>
             </a:endParaRPr>
           </a:p>
@@ -2869,11 +3214,12 @@
           </a:prstGeom>
         </p:spPr>
         <p:txBody>
-          <a:bodyPr lIns="0" rIns="0" tIns="0" bIns="0">
+          <a:bodyPr lIns="0" tIns="0" rIns="0" bIns="0">
             <a:normAutofit/>
           </a:bodyPr>
-          <a:p>
-            <a:endParaRPr b="0" lang="en-AU" sz="3200" spc="-1" strike="noStrike">
+          <a:lstStyle/>
+          <a:p>
+            <a:endParaRPr lang="en-AU" sz="3200" b="0" strike="noStrike" spc="-1">
               <a:latin typeface="Arial"/>
             </a:endParaRPr>
           </a:p>
@@ -2899,11 +3245,12 @@
           </a:prstGeom>
         </p:spPr>
         <p:txBody>
-          <a:bodyPr lIns="0" rIns="0" tIns="0" bIns="0">
+          <a:bodyPr lIns="0" tIns="0" rIns="0" bIns="0">
             <a:normAutofit/>
           </a:bodyPr>
-          <a:p>
-            <a:endParaRPr b="0" lang="en-AU" sz="3200" spc="-1" strike="noStrike">
+          <a:lstStyle/>
+          <a:p>
+            <a:endParaRPr lang="en-AU" sz="3200" b="0" strike="noStrike" spc="-1">
               <a:latin typeface="Arial"/>
             </a:endParaRPr>
           </a:p>
@@ -2929,11 +3276,12 @@
           </a:prstGeom>
         </p:spPr>
         <p:txBody>
-          <a:bodyPr lIns="0" rIns="0" tIns="0" bIns="0">
+          <a:bodyPr lIns="0" tIns="0" rIns="0" bIns="0">
             <a:normAutofit/>
           </a:bodyPr>
-          <a:p>
-            <a:endParaRPr b="0" lang="en-AU" sz="3200" spc="-1" strike="noStrike">
+          <a:lstStyle/>
+          <a:p>
+            <a:endParaRPr lang="en-AU" sz="3200" b="0" strike="noStrike" spc="-1">
               <a:latin typeface="Arial"/>
             </a:endParaRPr>
           </a:p>
@@ -2941,11 +3289,14 @@
       </p:sp>
     </p:spTree>
   </p:cSld>
+  <p:clrMapOvr>
+    <a:masterClrMapping/>
+  </p:clrMapOvr>
 </p:sldLayout>
 </file>
 
 <file path=ppt/slideLayouts/slideLayout24.xml><?xml version="1.0" encoding="utf-8"?>
-<p:sldLayout xmlns:a="http://schemas.openxmlformats.org/drawingml/2006/main" xmlns:p="http://schemas.openxmlformats.org/presentationml/2006/main" xmlns:r="http://schemas.openxmlformats.org/officeDocument/2006/relationships" xmlns:p14="http://schemas.microsoft.com/office/powerpoint/2010/main" xmlns:p15="http://schemas.microsoft.com/office/powerpoint/2012/main" xmlns:mc="http://schemas.openxmlformats.org/markup-compatibility/2006" type="blank" preserve="1">
+<p:sldLayout xmlns:a="http://schemas.openxmlformats.org/drawingml/2006/main" xmlns:r="http://schemas.openxmlformats.org/officeDocument/2006/relationships" xmlns:p="http://schemas.openxmlformats.org/presentationml/2006/main" type="blank" preserve="1">
   <p:cSld name="Title, 6 Content">
     <p:spTree>
       <p:nvGrpSpPr>
@@ -2981,10 +3332,11 @@
           </a:prstGeom>
         </p:spPr>
         <p:txBody>
-          <a:bodyPr lIns="0" rIns="0" tIns="0" bIns="0" anchor="ctr"/>
+          <a:bodyPr lIns="0" tIns="0" rIns="0" bIns="0" anchor="ctr"/>
+          <a:lstStyle/>
           <a:p>
             <a:pPr algn="ctr"/>
-            <a:endParaRPr b="0" lang="en-AU" sz="4400" spc="-1" strike="noStrike">
+            <a:endParaRPr lang="en-AU" sz="4400" b="0" strike="noStrike" spc="-1">
               <a:latin typeface="Arial"/>
             </a:endParaRPr>
           </a:p>
@@ -3010,11 +3362,12 @@
           </a:prstGeom>
         </p:spPr>
         <p:txBody>
-          <a:bodyPr lIns="0" rIns="0" tIns="0" bIns="0">
+          <a:bodyPr lIns="0" tIns="0" rIns="0" bIns="0">
             <a:normAutofit/>
           </a:bodyPr>
-          <a:p>
-            <a:endParaRPr b="0" lang="en-AU" sz="3200" spc="-1" strike="noStrike">
+          <a:lstStyle/>
+          <a:p>
+            <a:endParaRPr lang="en-AU" sz="3200" b="0" strike="noStrike" spc="-1">
               <a:latin typeface="Arial"/>
             </a:endParaRPr>
           </a:p>
@@ -3040,11 +3393,12 @@
           </a:prstGeom>
         </p:spPr>
         <p:txBody>
-          <a:bodyPr lIns="0" rIns="0" tIns="0" bIns="0">
+          <a:bodyPr lIns="0" tIns="0" rIns="0" bIns="0">
             <a:normAutofit/>
           </a:bodyPr>
-          <a:p>
-            <a:endParaRPr b="0" lang="en-AU" sz="3200" spc="-1" strike="noStrike">
+          <a:lstStyle/>
+          <a:p>
+            <a:endParaRPr lang="en-AU" sz="3200" b="0" strike="noStrike" spc="-1">
               <a:latin typeface="Arial"/>
             </a:endParaRPr>
           </a:p>
@@ -3070,11 +3424,12 @@
           </a:prstGeom>
         </p:spPr>
         <p:txBody>
-          <a:bodyPr lIns="0" rIns="0" tIns="0" bIns="0">
+          <a:bodyPr lIns="0" tIns="0" rIns="0" bIns="0">
             <a:normAutofit/>
           </a:bodyPr>
-          <a:p>
-            <a:endParaRPr b="0" lang="en-AU" sz="3200" spc="-1" strike="noStrike">
+          <a:lstStyle/>
+          <a:p>
+            <a:endParaRPr lang="en-AU" sz="3200" b="0" strike="noStrike" spc="-1">
               <a:latin typeface="Arial"/>
             </a:endParaRPr>
           </a:p>
@@ -3100,11 +3455,12 @@
           </a:prstGeom>
         </p:spPr>
         <p:txBody>
-          <a:bodyPr lIns="0" rIns="0" tIns="0" bIns="0">
+          <a:bodyPr lIns="0" tIns="0" rIns="0" bIns="0">
             <a:normAutofit/>
           </a:bodyPr>
-          <a:p>
-            <a:endParaRPr b="0" lang="en-AU" sz="3200" spc="-1" strike="noStrike">
+          <a:lstStyle/>
+          <a:p>
+            <a:endParaRPr lang="en-AU" sz="3200" b="0" strike="noStrike" spc="-1">
               <a:latin typeface="Arial"/>
             </a:endParaRPr>
           </a:p>
@@ -3130,11 +3486,12 @@
           </a:prstGeom>
         </p:spPr>
         <p:txBody>
-          <a:bodyPr lIns="0" rIns="0" tIns="0" bIns="0">
+          <a:bodyPr lIns="0" tIns="0" rIns="0" bIns="0">
             <a:normAutofit/>
           </a:bodyPr>
-          <a:p>
-            <a:endParaRPr b="0" lang="en-AU" sz="3200" spc="-1" strike="noStrike">
+          <a:lstStyle/>
+          <a:p>
+            <a:endParaRPr lang="en-AU" sz="3200" b="0" strike="noStrike" spc="-1">
               <a:latin typeface="Arial"/>
             </a:endParaRPr>
           </a:p>
@@ -3160,11 +3517,12 @@
           </a:prstGeom>
         </p:spPr>
         <p:txBody>
-          <a:bodyPr lIns="0" rIns="0" tIns="0" bIns="0">
+          <a:bodyPr lIns="0" tIns="0" rIns="0" bIns="0">
             <a:normAutofit/>
           </a:bodyPr>
-          <a:p>
-            <a:endParaRPr b="0" lang="en-AU" sz="3200" spc="-1" strike="noStrike">
+          <a:lstStyle/>
+          <a:p>
+            <a:endParaRPr lang="en-AU" sz="3200" b="0" strike="noStrike" spc="-1">
               <a:latin typeface="Arial"/>
             </a:endParaRPr>
           </a:p>
@@ -3172,11 +3530,14 @@
       </p:sp>
     </p:spTree>
   </p:cSld>
+  <p:clrMapOvr>
+    <a:masterClrMapping/>
+  </p:clrMapOvr>
 </p:sldLayout>
 </file>
 
 <file path=ppt/slideLayouts/slideLayout3.xml><?xml version="1.0" encoding="utf-8"?>
-<p:sldLayout xmlns:a="http://schemas.openxmlformats.org/drawingml/2006/main" xmlns:p="http://schemas.openxmlformats.org/presentationml/2006/main" xmlns:r="http://schemas.openxmlformats.org/officeDocument/2006/relationships" xmlns:p14="http://schemas.microsoft.com/office/powerpoint/2010/main" xmlns:p15="http://schemas.microsoft.com/office/powerpoint/2012/main" xmlns:mc="http://schemas.openxmlformats.org/markup-compatibility/2006" type="obj" preserve="1">
+<p:sldLayout xmlns:a="http://schemas.openxmlformats.org/drawingml/2006/main" xmlns:r="http://schemas.openxmlformats.org/officeDocument/2006/relationships" xmlns:p="http://schemas.openxmlformats.org/presentationml/2006/main" type="obj" preserve="1">
   <p:cSld name="Title, Content">
     <p:spTree>
       <p:nvGrpSpPr>
@@ -3212,10 +3573,11 @@
           </a:prstGeom>
         </p:spPr>
         <p:txBody>
-          <a:bodyPr lIns="0" rIns="0" tIns="0" bIns="0" anchor="ctr"/>
+          <a:bodyPr lIns="0" tIns="0" rIns="0" bIns="0" anchor="ctr"/>
+          <a:lstStyle/>
           <a:p>
             <a:pPr algn="ctr"/>
-            <a:endParaRPr b="0" lang="en-AU" sz="4400" spc="-1" strike="noStrike">
+            <a:endParaRPr lang="en-AU" sz="4400" b="0" strike="noStrike" spc="-1">
               <a:latin typeface="Arial"/>
             </a:endParaRPr>
           </a:p>
@@ -3241,11 +3603,12 @@
           </a:prstGeom>
         </p:spPr>
         <p:txBody>
-          <a:bodyPr lIns="0" rIns="0" tIns="0" bIns="0">
+          <a:bodyPr lIns="0" tIns="0" rIns="0" bIns="0">
             <a:normAutofit/>
           </a:bodyPr>
-          <a:p>
-            <a:endParaRPr b="0" lang="en-AU" sz="3200" spc="-1" strike="noStrike">
+          <a:lstStyle/>
+          <a:p>
+            <a:endParaRPr lang="en-AU" sz="3200" b="0" strike="noStrike" spc="-1">
               <a:latin typeface="Arial"/>
             </a:endParaRPr>
           </a:p>
@@ -3253,11 +3616,14 @@
       </p:sp>
     </p:spTree>
   </p:cSld>
+  <p:clrMapOvr>
+    <a:masterClrMapping/>
+  </p:clrMapOvr>
 </p:sldLayout>
 </file>
 
 <file path=ppt/slideLayouts/slideLayout4.xml><?xml version="1.0" encoding="utf-8"?>
-<p:sldLayout xmlns:a="http://schemas.openxmlformats.org/drawingml/2006/main" xmlns:p="http://schemas.openxmlformats.org/presentationml/2006/main" xmlns:r="http://schemas.openxmlformats.org/officeDocument/2006/relationships" xmlns:p14="http://schemas.microsoft.com/office/powerpoint/2010/main" xmlns:p15="http://schemas.microsoft.com/office/powerpoint/2012/main" xmlns:mc="http://schemas.openxmlformats.org/markup-compatibility/2006" type="twoObj" preserve="1">
+<p:sldLayout xmlns:a="http://schemas.openxmlformats.org/drawingml/2006/main" xmlns:r="http://schemas.openxmlformats.org/officeDocument/2006/relationships" xmlns:p="http://schemas.openxmlformats.org/presentationml/2006/main" type="twoObj" preserve="1">
   <p:cSld name="Title, 2 Content">
     <p:spTree>
       <p:nvGrpSpPr>
@@ -3293,10 +3659,11 @@
           </a:prstGeom>
         </p:spPr>
         <p:txBody>
-          <a:bodyPr lIns="0" rIns="0" tIns="0" bIns="0" anchor="ctr"/>
+          <a:bodyPr lIns="0" tIns="0" rIns="0" bIns="0" anchor="ctr"/>
+          <a:lstStyle/>
           <a:p>
             <a:pPr algn="ctr"/>
-            <a:endParaRPr b="0" lang="en-AU" sz="4400" spc="-1" strike="noStrike">
+            <a:endParaRPr lang="en-AU" sz="4400" b="0" strike="noStrike" spc="-1">
               <a:latin typeface="Arial"/>
             </a:endParaRPr>
           </a:p>
@@ -3322,11 +3689,12 @@
           </a:prstGeom>
         </p:spPr>
         <p:txBody>
-          <a:bodyPr lIns="0" rIns="0" tIns="0" bIns="0">
+          <a:bodyPr lIns="0" tIns="0" rIns="0" bIns="0">
             <a:normAutofit/>
           </a:bodyPr>
-          <a:p>
-            <a:endParaRPr b="0" lang="en-AU" sz="3200" spc="-1" strike="noStrike">
+          <a:lstStyle/>
+          <a:p>
+            <a:endParaRPr lang="en-AU" sz="3200" b="0" strike="noStrike" spc="-1">
               <a:latin typeface="Arial"/>
             </a:endParaRPr>
           </a:p>
@@ -3352,11 +3720,12 @@
           </a:prstGeom>
         </p:spPr>
         <p:txBody>
-          <a:bodyPr lIns="0" rIns="0" tIns="0" bIns="0">
+          <a:bodyPr lIns="0" tIns="0" rIns="0" bIns="0">
             <a:normAutofit/>
           </a:bodyPr>
-          <a:p>
-            <a:endParaRPr b="0" lang="en-AU" sz="3200" spc="-1" strike="noStrike">
+          <a:lstStyle/>
+          <a:p>
+            <a:endParaRPr lang="en-AU" sz="3200" b="0" strike="noStrike" spc="-1">
               <a:latin typeface="Arial"/>
             </a:endParaRPr>
           </a:p>
@@ -3364,11 +3733,14 @@
       </p:sp>
     </p:spTree>
   </p:cSld>
+  <p:clrMapOvr>
+    <a:masterClrMapping/>
+  </p:clrMapOvr>
 </p:sldLayout>
 </file>
 
 <file path=ppt/slideLayouts/slideLayout5.xml><?xml version="1.0" encoding="utf-8"?>
-<p:sldLayout xmlns:a="http://schemas.openxmlformats.org/drawingml/2006/main" xmlns:p="http://schemas.openxmlformats.org/presentationml/2006/main" xmlns:r="http://schemas.openxmlformats.org/officeDocument/2006/relationships" xmlns:p14="http://schemas.microsoft.com/office/powerpoint/2010/main" xmlns:p15="http://schemas.microsoft.com/office/powerpoint/2012/main" xmlns:mc="http://schemas.openxmlformats.org/markup-compatibility/2006" type="titleOnly" preserve="1">
+<p:sldLayout xmlns:a="http://schemas.openxmlformats.org/drawingml/2006/main" xmlns:r="http://schemas.openxmlformats.org/officeDocument/2006/relationships" xmlns:p="http://schemas.openxmlformats.org/presentationml/2006/main" type="titleOnly" preserve="1">
   <p:cSld name="Title Only">
     <p:spTree>
       <p:nvGrpSpPr>
@@ -3404,10 +3776,11 @@
           </a:prstGeom>
         </p:spPr>
         <p:txBody>
-          <a:bodyPr lIns="0" rIns="0" tIns="0" bIns="0" anchor="ctr"/>
+          <a:bodyPr lIns="0" tIns="0" rIns="0" bIns="0" anchor="ctr"/>
+          <a:lstStyle/>
           <a:p>
             <a:pPr algn="ctr"/>
-            <a:endParaRPr b="0" lang="en-AU" sz="4400" spc="-1" strike="noStrike">
+            <a:endParaRPr lang="en-AU" sz="4400" b="0" strike="noStrike" spc="-1">
               <a:latin typeface="Arial"/>
             </a:endParaRPr>
           </a:p>
@@ -3415,11 +3788,14 @@
       </p:sp>
     </p:spTree>
   </p:cSld>
+  <p:clrMapOvr>
+    <a:masterClrMapping/>
+  </p:clrMapOvr>
 </p:sldLayout>
 </file>
 
 <file path=ppt/slideLayouts/slideLayout6.xml><?xml version="1.0" encoding="utf-8"?>
-<p:sldLayout xmlns:a="http://schemas.openxmlformats.org/drawingml/2006/main" xmlns:p="http://schemas.openxmlformats.org/presentationml/2006/main" xmlns:r="http://schemas.openxmlformats.org/officeDocument/2006/relationships" xmlns:p14="http://schemas.microsoft.com/office/powerpoint/2010/main" xmlns:p15="http://schemas.microsoft.com/office/powerpoint/2012/main" xmlns:mc="http://schemas.openxmlformats.org/markup-compatibility/2006" type="objOnly" preserve="1">
+<p:sldLayout xmlns:a="http://schemas.openxmlformats.org/drawingml/2006/main" xmlns:r="http://schemas.openxmlformats.org/officeDocument/2006/relationships" xmlns:p="http://schemas.openxmlformats.org/presentationml/2006/main" type="objOnly" preserve="1">
   <p:cSld name="Centered Text">
     <p:spTree>
       <p:nvGrpSpPr>
@@ -3455,10 +3831,11 @@
           </a:prstGeom>
         </p:spPr>
         <p:txBody>
-          <a:bodyPr lIns="0" rIns="0" tIns="0" bIns="0" anchor="ctr"/>
+          <a:bodyPr lIns="0" tIns="0" rIns="0" bIns="0" anchor="ctr"/>
+          <a:lstStyle/>
           <a:p>
             <a:pPr algn="ctr"/>
-            <a:endParaRPr b="0" lang="en-AU" sz="3200" spc="-1" strike="noStrike">
+            <a:endParaRPr lang="en-AU" sz="3200" b="0" strike="noStrike" spc="-1">
               <a:latin typeface="Arial"/>
             </a:endParaRPr>
           </a:p>
@@ -3466,11 +3843,14 @@
       </p:sp>
     </p:spTree>
   </p:cSld>
+  <p:clrMapOvr>
+    <a:masterClrMapping/>
+  </p:clrMapOvr>
 </p:sldLayout>
 </file>
 
 <file path=ppt/slideLayouts/slideLayout7.xml><?xml version="1.0" encoding="utf-8"?>
-<p:sldLayout xmlns:a="http://schemas.openxmlformats.org/drawingml/2006/main" xmlns:p="http://schemas.openxmlformats.org/presentationml/2006/main" xmlns:r="http://schemas.openxmlformats.org/officeDocument/2006/relationships" xmlns:p14="http://schemas.microsoft.com/office/powerpoint/2010/main" xmlns:p15="http://schemas.microsoft.com/office/powerpoint/2012/main" xmlns:mc="http://schemas.openxmlformats.org/markup-compatibility/2006" type="twoObjAndObj" preserve="1">
+<p:sldLayout xmlns:a="http://schemas.openxmlformats.org/drawingml/2006/main" xmlns:r="http://schemas.openxmlformats.org/officeDocument/2006/relationships" xmlns:p="http://schemas.openxmlformats.org/presentationml/2006/main" type="twoObjAndObj" preserve="1">
   <p:cSld name="Title, 2 Content and Content">
     <p:spTree>
       <p:nvGrpSpPr>
@@ -3506,10 +3886,11 @@
           </a:prstGeom>
         </p:spPr>
         <p:txBody>
-          <a:bodyPr lIns="0" rIns="0" tIns="0" bIns="0" anchor="ctr"/>
+          <a:bodyPr lIns="0" tIns="0" rIns="0" bIns="0" anchor="ctr"/>
+          <a:lstStyle/>
           <a:p>
             <a:pPr algn="ctr"/>
-            <a:endParaRPr b="0" lang="en-AU" sz="4400" spc="-1" strike="noStrike">
+            <a:endParaRPr lang="en-AU" sz="4400" b="0" strike="noStrike" spc="-1">
               <a:latin typeface="Arial"/>
             </a:endParaRPr>
           </a:p>
@@ -3535,11 +3916,12 @@
           </a:prstGeom>
         </p:spPr>
         <p:txBody>
-          <a:bodyPr lIns="0" rIns="0" tIns="0" bIns="0">
+          <a:bodyPr lIns="0" tIns="0" rIns="0" bIns="0">
             <a:normAutofit/>
           </a:bodyPr>
-          <a:p>
-            <a:endParaRPr b="0" lang="en-AU" sz="3200" spc="-1" strike="noStrike">
+          <a:lstStyle/>
+          <a:p>
+            <a:endParaRPr lang="en-AU" sz="3200" b="0" strike="noStrike" spc="-1">
               <a:latin typeface="Arial"/>
             </a:endParaRPr>
           </a:p>
@@ -3565,11 +3947,12 @@
           </a:prstGeom>
         </p:spPr>
         <p:txBody>
-          <a:bodyPr lIns="0" rIns="0" tIns="0" bIns="0">
+          <a:bodyPr lIns="0" tIns="0" rIns="0" bIns="0">
             <a:normAutofit/>
           </a:bodyPr>
-          <a:p>
-            <a:endParaRPr b="0" lang="en-AU" sz="3200" spc="-1" strike="noStrike">
+          <a:lstStyle/>
+          <a:p>
+            <a:endParaRPr lang="en-AU" sz="3200" b="0" strike="noStrike" spc="-1">
               <a:latin typeface="Arial"/>
             </a:endParaRPr>
           </a:p>
@@ -3595,11 +3978,12 @@
           </a:prstGeom>
         </p:spPr>
         <p:txBody>
-          <a:bodyPr lIns="0" rIns="0" tIns="0" bIns="0">
+          <a:bodyPr lIns="0" tIns="0" rIns="0" bIns="0">
             <a:normAutofit/>
           </a:bodyPr>
-          <a:p>
-            <a:endParaRPr b="0" lang="en-AU" sz="3200" spc="-1" strike="noStrike">
+          <a:lstStyle/>
+          <a:p>
+            <a:endParaRPr lang="en-AU" sz="3200" b="0" strike="noStrike" spc="-1">
               <a:latin typeface="Arial"/>
             </a:endParaRPr>
           </a:p>
@@ -3607,11 +3991,14 @@
       </p:sp>
     </p:spTree>
   </p:cSld>
+  <p:clrMapOvr>
+    <a:masterClrMapping/>
+  </p:clrMapOvr>
 </p:sldLayout>
 </file>
 
 <file path=ppt/slideLayouts/slideLayout8.xml><?xml version="1.0" encoding="utf-8"?>
-<p:sldLayout xmlns:a="http://schemas.openxmlformats.org/drawingml/2006/main" xmlns:p="http://schemas.openxmlformats.org/presentationml/2006/main" xmlns:r="http://schemas.openxmlformats.org/officeDocument/2006/relationships" xmlns:p14="http://schemas.microsoft.com/office/powerpoint/2010/main" xmlns:p15="http://schemas.microsoft.com/office/powerpoint/2012/main" xmlns:mc="http://schemas.openxmlformats.org/markup-compatibility/2006" type="objAndTwoObj" preserve="1">
+<p:sldLayout xmlns:a="http://schemas.openxmlformats.org/drawingml/2006/main" xmlns:r="http://schemas.openxmlformats.org/officeDocument/2006/relationships" xmlns:p="http://schemas.openxmlformats.org/presentationml/2006/main" type="objAndTwoObj" preserve="1">
   <p:cSld name="Title Content and 2 Content">
     <p:spTree>
       <p:nvGrpSpPr>
@@ -3647,10 +4034,11 @@
           </a:prstGeom>
         </p:spPr>
         <p:txBody>
-          <a:bodyPr lIns="0" rIns="0" tIns="0" bIns="0" anchor="ctr"/>
+          <a:bodyPr lIns="0" tIns="0" rIns="0" bIns="0" anchor="ctr"/>
+          <a:lstStyle/>
           <a:p>
             <a:pPr algn="ctr"/>
-            <a:endParaRPr b="0" lang="en-AU" sz="4400" spc="-1" strike="noStrike">
+            <a:endParaRPr lang="en-AU" sz="4400" b="0" strike="noStrike" spc="-1">
               <a:latin typeface="Arial"/>
             </a:endParaRPr>
           </a:p>
@@ -3676,11 +4064,12 @@
           </a:prstGeom>
         </p:spPr>
         <p:txBody>
-          <a:bodyPr lIns="0" rIns="0" tIns="0" bIns="0">
+          <a:bodyPr lIns="0" tIns="0" rIns="0" bIns="0">
             <a:normAutofit/>
           </a:bodyPr>
-          <a:p>
-            <a:endParaRPr b="0" lang="en-AU" sz="3200" spc="-1" strike="noStrike">
+          <a:lstStyle/>
+          <a:p>
+            <a:endParaRPr lang="en-AU" sz="3200" b="0" strike="noStrike" spc="-1">
               <a:latin typeface="Arial"/>
             </a:endParaRPr>
           </a:p>
@@ -3706,11 +4095,12 @@
           </a:prstGeom>
         </p:spPr>
         <p:txBody>
-          <a:bodyPr lIns="0" rIns="0" tIns="0" bIns="0">
+          <a:bodyPr lIns="0" tIns="0" rIns="0" bIns="0">
             <a:normAutofit/>
           </a:bodyPr>
-          <a:p>
-            <a:endParaRPr b="0" lang="en-AU" sz="3200" spc="-1" strike="noStrike">
+          <a:lstStyle/>
+          <a:p>
+            <a:endParaRPr lang="en-AU" sz="3200" b="0" strike="noStrike" spc="-1">
               <a:latin typeface="Arial"/>
             </a:endParaRPr>
           </a:p>
@@ -3736,11 +4126,12 @@
           </a:prstGeom>
         </p:spPr>
         <p:txBody>
-          <a:bodyPr lIns="0" rIns="0" tIns="0" bIns="0">
+          <a:bodyPr lIns="0" tIns="0" rIns="0" bIns="0">
             <a:normAutofit/>
           </a:bodyPr>
-          <a:p>
-            <a:endParaRPr b="0" lang="en-AU" sz="3200" spc="-1" strike="noStrike">
+          <a:lstStyle/>
+          <a:p>
+            <a:endParaRPr lang="en-AU" sz="3200" b="0" strike="noStrike" spc="-1">
               <a:latin typeface="Arial"/>
             </a:endParaRPr>
           </a:p>
@@ -3748,11 +4139,14 @@
       </p:sp>
     </p:spTree>
   </p:cSld>
+  <p:clrMapOvr>
+    <a:masterClrMapping/>
+  </p:clrMapOvr>
 </p:sldLayout>
 </file>
 
 <file path=ppt/slideLayouts/slideLayout9.xml><?xml version="1.0" encoding="utf-8"?>
-<p:sldLayout xmlns:a="http://schemas.openxmlformats.org/drawingml/2006/main" xmlns:p="http://schemas.openxmlformats.org/presentationml/2006/main" xmlns:r="http://schemas.openxmlformats.org/officeDocument/2006/relationships" xmlns:p14="http://schemas.microsoft.com/office/powerpoint/2010/main" xmlns:p15="http://schemas.microsoft.com/office/powerpoint/2012/main" xmlns:mc="http://schemas.openxmlformats.org/markup-compatibility/2006" type="twoObjOverTx" preserve="1">
+<p:sldLayout xmlns:a="http://schemas.openxmlformats.org/drawingml/2006/main" xmlns:r="http://schemas.openxmlformats.org/officeDocument/2006/relationships" xmlns:p="http://schemas.openxmlformats.org/presentationml/2006/main" type="twoObjOverTx" preserve="1">
   <p:cSld name="Title, 2 Content over Content">
     <p:spTree>
       <p:nvGrpSpPr>
@@ -3788,10 +4182,11 @@
           </a:prstGeom>
         </p:spPr>
         <p:txBody>
-          <a:bodyPr lIns="0" rIns="0" tIns="0" bIns="0" anchor="ctr"/>
+          <a:bodyPr lIns="0" tIns="0" rIns="0" bIns="0" anchor="ctr"/>
+          <a:lstStyle/>
           <a:p>
             <a:pPr algn="ctr"/>
-            <a:endParaRPr b="0" lang="en-AU" sz="4400" spc="-1" strike="noStrike">
+            <a:endParaRPr lang="en-AU" sz="4400" b="0" strike="noStrike" spc="-1">
               <a:latin typeface="Arial"/>
             </a:endParaRPr>
           </a:p>
@@ -3817,11 +4212,12 @@
           </a:prstGeom>
         </p:spPr>
         <p:txBody>
-          <a:bodyPr lIns="0" rIns="0" tIns="0" bIns="0">
+          <a:bodyPr lIns="0" tIns="0" rIns="0" bIns="0">
             <a:normAutofit/>
           </a:bodyPr>
-          <a:p>
-            <a:endParaRPr b="0" lang="en-AU" sz="3200" spc="-1" strike="noStrike">
+          <a:lstStyle/>
+          <a:p>
+            <a:endParaRPr lang="en-AU" sz="3200" b="0" strike="noStrike" spc="-1">
               <a:latin typeface="Arial"/>
             </a:endParaRPr>
           </a:p>
@@ -3847,11 +4243,12 @@
           </a:prstGeom>
         </p:spPr>
         <p:txBody>
-          <a:bodyPr lIns="0" rIns="0" tIns="0" bIns="0">
+          <a:bodyPr lIns="0" tIns="0" rIns="0" bIns="0">
             <a:normAutofit/>
           </a:bodyPr>
-          <a:p>
-            <a:endParaRPr b="0" lang="en-AU" sz="3200" spc="-1" strike="noStrike">
+          <a:lstStyle/>
+          <a:p>
+            <a:endParaRPr lang="en-AU" sz="3200" b="0" strike="noStrike" spc="-1">
               <a:latin typeface="Arial"/>
             </a:endParaRPr>
           </a:p>
@@ -3877,11 +4274,12 @@
           </a:prstGeom>
         </p:spPr>
         <p:txBody>
-          <a:bodyPr lIns="0" rIns="0" tIns="0" bIns="0">
+          <a:bodyPr lIns="0" tIns="0" rIns="0" bIns="0">
             <a:normAutofit/>
           </a:bodyPr>
-          <a:p>
-            <a:endParaRPr b="0" lang="en-AU" sz="3200" spc="-1" strike="noStrike">
+          <a:lstStyle/>
+          <a:p>
+            <a:endParaRPr lang="en-AU" sz="3200" b="0" strike="noStrike" spc="-1">
               <a:latin typeface="Arial"/>
             </a:endParaRPr>
           </a:p>
@@ -3889,17 +4287,21 @@
       </p:sp>
     </p:spTree>
   </p:cSld>
+  <p:clrMapOvr>
+    <a:masterClrMapping/>
+  </p:clrMapOvr>
 </p:sldLayout>
 </file>
 
 <file path=ppt/slideMasters/slideMaster1.xml><?xml version="1.0" encoding="utf-8"?>
-<p:sldMaster xmlns:a="http://schemas.openxmlformats.org/drawingml/2006/main" xmlns:p="http://schemas.openxmlformats.org/presentationml/2006/main" xmlns:r="http://schemas.openxmlformats.org/officeDocument/2006/relationships" xmlns:p14="http://schemas.microsoft.com/office/powerpoint/2010/main" xmlns:p15="http://schemas.microsoft.com/office/powerpoint/2012/main" xmlns:mc="http://schemas.openxmlformats.org/markup-compatibility/2006">
+<p:sldMaster xmlns:a="http://schemas.openxmlformats.org/drawingml/2006/main" xmlns:r="http://schemas.openxmlformats.org/officeDocument/2006/relationships" xmlns:p="http://schemas.openxmlformats.org/presentationml/2006/main">
   <p:cSld>
     <p:bg>
       <p:bgPr>
         <a:solidFill>
-          <a:srgbClr val="ffffff"/>
+          <a:srgbClr val="FFFFFF"/>
         </a:solidFill>
+        <a:effectLst/>
       </p:bgPr>
     </p:bg>
     <p:spTree>
@@ -3918,7 +4320,7 @@
       </p:grpSpPr>
       <p:sp>
         <p:nvSpPr>
-          <p:cNvPr id="0" name="PlaceHolder 1"/>
+          <p:cNvPr id="2" name="PlaceHolder 1"/>
           <p:cNvSpPr>
             <a:spLocks noGrp="1"/>
           </p:cNvSpPr>
@@ -3936,23 +4338,21 @@
           </a:prstGeom>
         </p:spPr>
         <p:txBody>
-          <a:bodyPr lIns="0" rIns="0" tIns="0" bIns="0" anchor="ctr"/>
+          <a:bodyPr lIns="0" tIns="0" rIns="0" bIns="0" anchor="ctr"/>
+          <a:lstStyle/>
           <a:p>
             <a:r>
-              <a:rPr b="0" lang="en-AU" sz="1800" spc="-1" strike="noStrike">
+              <a:rPr lang="en-AU" sz="1800" b="0" strike="noStrike" spc="-1">
                 <a:latin typeface="Arial"/>
               </a:rPr>
               <a:t>Click to edit the title text format</a:t>
             </a:r>
-            <a:endParaRPr b="0" lang="en-AU" sz="1800" spc="-1" strike="noStrike">
-              <a:latin typeface="Arial"/>
-            </a:endParaRPr>
-          </a:p>
-        </p:txBody>
-      </p:sp>
-      <p:sp>
-        <p:nvSpPr>
-          <p:cNvPr id="1" name="PlaceHolder 2"/>
+          </a:p>
+        </p:txBody>
+      </p:sp>
+      <p:sp>
+        <p:nvSpPr>
+          <p:cNvPr id="3" name="PlaceHolder 2"/>
           <p:cNvSpPr>
             <a:spLocks noGrp="1"/>
           </p:cNvSpPr>
@@ -3970,9 +4370,10 @@
           </a:prstGeom>
         </p:spPr>
         <p:txBody>
-          <a:bodyPr lIns="0" rIns="0" tIns="0" bIns="0">
+          <a:bodyPr lIns="0" tIns="0" rIns="0" bIns="0">
             <a:normAutofit/>
           </a:bodyPr>
+          <a:lstStyle/>
           <a:p>
             <a:pPr marL="432000" indent="-324000">
               <a:spcBef>
@@ -3986,17 +4387,14 @@
               <a:buChar char=""/>
             </a:pPr>
             <a:r>
-              <a:rPr b="0" lang="en-AU" sz="1800" spc="-1" strike="noStrike">
+              <a:rPr lang="en-AU" sz="1800" b="0" strike="noStrike" spc="-1">
                 <a:latin typeface="Arial"/>
               </a:rPr>
               <a:t>Click to edit the outline text format</a:t>
             </a:r>
-            <a:endParaRPr b="0" lang="en-AU" sz="1800" spc="-1" strike="noStrike">
-              <a:latin typeface="Arial"/>
-            </a:endParaRPr>
-          </a:p>
-          <a:p>
-            <a:pPr lvl="1" marL="864000" indent="-324000">
+          </a:p>
+          <a:p>
+            <a:pPr marL="864000" lvl="1" indent="-324000">
               <a:spcBef>
                 <a:spcPts val="1134"/>
               </a:spcBef>
@@ -4008,17 +4406,14 @@
               <a:buChar char=""/>
             </a:pPr>
             <a:r>
-              <a:rPr b="0" lang="en-AU" sz="1800" spc="-1" strike="noStrike">
+              <a:rPr lang="en-AU" sz="1800" b="0" strike="noStrike" spc="-1">
                 <a:latin typeface="Arial"/>
               </a:rPr>
               <a:t>Second Outline Level</a:t>
             </a:r>
-            <a:endParaRPr b="0" lang="en-AU" sz="1800" spc="-1" strike="noStrike">
-              <a:latin typeface="Arial"/>
-            </a:endParaRPr>
-          </a:p>
-          <a:p>
-            <a:pPr lvl="2" marL="1296000" indent="-288000">
+          </a:p>
+          <a:p>
+            <a:pPr marL="1296000" lvl="2" indent="-288000">
               <a:spcBef>
                 <a:spcPts val="850"/>
               </a:spcBef>
@@ -4030,17 +4425,14 @@
               <a:buChar char=""/>
             </a:pPr>
             <a:r>
-              <a:rPr b="0" lang="en-AU" sz="1800" spc="-1" strike="noStrike">
+              <a:rPr lang="en-AU" sz="1800" b="0" strike="noStrike" spc="-1">
                 <a:latin typeface="Arial"/>
               </a:rPr>
               <a:t>Third Outline Level</a:t>
             </a:r>
-            <a:endParaRPr b="0" lang="en-AU" sz="1800" spc="-1" strike="noStrike">
-              <a:latin typeface="Arial"/>
-            </a:endParaRPr>
-          </a:p>
-          <a:p>
-            <a:pPr lvl="3" marL="1728000" indent="-216000">
+          </a:p>
+          <a:p>
+            <a:pPr marL="1728000" lvl="3" indent="-216000">
               <a:spcBef>
                 <a:spcPts val="567"/>
               </a:spcBef>
@@ -4052,17 +4444,14 @@
               <a:buChar char=""/>
             </a:pPr>
             <a:r>
-              <a:rPr b="0" lang="en-AU" sz="1800" spc="-1" strike="noStrike">
+              <a:rPr lang="en-AU" sz="1800" b="0" strike="noStrike" spc="-1">
                 <a:latin typeface="Arial"/>
               </a:rPr>
               <a:t>Fourth Outline Level</a:t>
             </a:r>
-            <a:endParaRPr b="0" lang="en-AU" sz="1800" spc="-1" strike="noStrike">
-              <a:latin typeface="Arial"/>
-            </a:endParaRPr>
-          </a:p>
-          <a:p>
-            <a:pPr lvl="4" marL="2160000" indent="-216000">
+          </a:p>
+          <a:p>
+            <a:pPr marL="2160000" lvl="4" indent="-216000">
               <a:spcBef>
                 <a:spcPts val="283"/>
               </a:spcBef>
@@ -4074,17 +4463,14 @@
               <a:buChar char=""/>
             </a:pPr>
             <a:r>
-              <a:rPr b="0" lang="en-AU" sz="1800" spc="-1" strike="noStrike">
+              <a:rPr lang="en-AU" sz="1800" b="0" strike="noStrike" spc="-1">
                 <a:latin typeface="Arial"/>
               </a:rPr>
               <a:t>Fifth Outline Level</a:t>
             </a:r>
-            <a:endParaRPr b="0" lang="en-AU" sz="1800" spc="-1" strike="noStrike">
-              <a:latin typeface="Arial"/>
-            </a:endParaRPr>
-          </a:p>
-          <a:p>
-            <a:pPr lvl="5" marL="2592000" indent="-216000">
+          </a:p>
+          <a:p>
+            <a:pPr marL="2592000" lvl="5" indent="-216000">
               <a:spcBef>
                 <a:spcPts val="283"/>
               </a:spcBef>
@@ -4096,17 +4482,14 @@
               <a:buChar char=""/>
             </a:pPr>
             <a:r>
-              <a:rPr b="0" lang="en-AU" sz="1800" spc="-1" strike="noStrike">
+              <a:rPr lang="en-AU" sz="1800" b="0" strike="noStrike" spc="-1">
                 <a:latin typeface="Arial"/>
               </a:rPr>
               <a:t>Sixth Outline Level</a:t>
             </a:r>
-            <a:endParaRPr b="0" lang="en-AU" sz="1800" spc="-1" strike="noStrike">
-              <a:latin typeface="Arial"/>
-            </a:endParaRPr>
-          </a:p>
-          <a:p>
-            <a:pPr lvl="6" marL="3024000" indent="-216000">
+          </a:p>
+          <a:p>
+            <a:pPr marL="3024000" lvl="6" indent="-216000">
               <a:spcBef>
                 <a:spcPts val="283"/>
               </a:spcBef>
@@ -4118,45 +4501,323 @@
               <a:buChar char=""/>
             </a:pPr>
             <a:r>
-              <a:rPr b="0" lang="en-AU" sz="1800" spc="-1" strike="noStrike">
+              <a:rPr lang="en-AU" sz="1800" b="0" strike="noStrike" spc="-1">
                 <a:latin typeface="Arial"/>
               </a:rPr>
               <a:t>Seventh Outline Level</a:t>
             </a:r>
-            <a:endParaRPr b="0" lang="en-AU" sz="1800" spc="-1" strike="noStrike">
-              <a:latin typeface="Arial"/>
-            </a:endParaRPr>
           </a:p>
         </p:txBody>
       </p:sp>
     </p:spTree>
   </p:cSld>
-  <p:clrMap bg1="lt1" bg2="lt2" tx1="dk1" tx2="dk2" accent1="accent1" accent2="accent2" accent3="accent3" accent4="accent4" accent5="accent5" accent6="accent6" hlink="hlink" folHlink="folHlink"/>
+  <p:clrMap bg1="lt1" tx1="dk1" bg2="lt2" tx2="dk2" accent1="accent1" accent2="accent2" accent3="accent3" accent4="accent4" accent5="accent5" accent6="accent6" hlink="hlink" folHlink="folHlink"/>
   <p:sldLayoutIdLst>
-    <p:sldLayoutId id="2147483649" r:id="rId2"/>
-    <p:sldLayoutId id="2147483650" r:id="rId3"/>
-    <p:sldLayoutId id="2147483651" r:id="rId4"/>
-    <p:sldLayoutId id="2147483652" r:id="rId5"/>
-    <p:sldLayoutId id="2147483653" r:id="rId6"/>
-    <p:sldLayoutId id="2147483654" r:id="rId7"/>
-    <p:sldLayoutId id="2147483655" r:id="rId8"/>
-    <p:sldLayoutId id="2147483656" r:id="rId9"/>
-    <p:sldLayoutId id="2147483657" r:id="rId10"/>
-    <p:sldLayoutId id="2147483658" r:id="rId11"/>
-    <p:sldLayoutId id="2147483659" r:id="rId12"/>
-    <p:sldLayoutId id="2147483660" r:id="rId13"/>
+    <p:sldLayoutId id="2147483649" r:id="rId1"/>
+    <p:sldLayoutId id="2147483650" r:id="rId2"/>
+    <p:sldLayoutId id="2147483651" r:id="rId3"/>
+    <p:sldLayoutId id="2147483652" r:id="rId4"/>
+    <p:sldLayoutId id="2147483653" r:id="rId5"/>
+    <p:sldLayoutId id="2147483654" r:id="rId6"/>
+    <p:sldLayoutId id="2147483655" r:id="rId7"/>
+    <p:sldLayoutId id="2147483656" r:id="rId8"/>
+    <p:sldLayoutId id="2147483657" r:id="rId9"/>
+    <p:sldLayoutId id="2147483658" r:id="rId10"/>
+    <p:sldLayoutId id="2147483659" r:id="rId11"/>
+    <p:sldLayoutId id="2147483660" r:id="rId12"/>
   </p:sldLayoutIdLst>
+  <p:txStyles>
+    <p:titleStyle>
+      <a:lvl1pPr algn="l" defTabSz="914400" rtl="0" eaLnBrk="1" latinLnBrk="0" hangingPunct="1">
+        <a:lnSpc>
+          <a:spcPct val="90000"/>
+        </a:lnSpc>
+        <a:spcBef>
+          <a:spcPct val="0"/>
+        </a:spcBef>
+        <a:buNone/>
+        <a:defRPr sz="4400" kern="1200">
+          <a:solidFill>
+            <a:schemeClr val="tx1"/>
+          </a:solidFill>
+          <a:latin typeface="+mj-lt"/>
+          <a:ea typeface="+mj-ea"/>
+          <a:cs typeface="+mj-cs"/>
+        </a:defRPr>
+      </a:lvl1pPr>
+    </p:titleStyle>
+    <p:bodyStyle>
+      <a:lvl1pPr marL="228600" indent="-228600" algn="l" defTabSz="914400" rtl="0" eaLnBrk="1" latinLnBrk="0" hangingPunct="1">
+        <a:lnSpc>
+          <a:spcPct val="90000"/>
+        </a:lnSpc>
+        <a:spcBef>
+          <a:spcPts val="1000"/>
+        </a:spcBef>
+        <a:buFont typeface="Arial" panose="020B0604020202020204" pitchFamily="34" charset="0"/>
+        <a:buChar char="•"/>
+        <a:defRPr sz="2800" kern="1200">
+          <a:solidFill>
+            <a:schemeClr val="tx1"/>
+          </a:solidFill>
+          <a:latin typeface="+mn-lt"/>
+          <a:ea typeface="+mn-ea"/>
+          <a:cs typeface="+mn-cs"/>
+        </a:defRPr>
+      </a:lvl1pPr>
+      <a:lvl2pPr marL="685800" indent="-228600" algn="l" defTabSz="914400" rtl="0" eaLnBrk="1" latinLnBrk="0" hangingPunct="1">
+        <a:lnSpc>
+          <a:spcPct val="90000"/>
+        </a:lnSpc>
+        <a:spcBef>
+          <a:spcPts val="500"/>
+        </a:spcBef>
+        <a:buFont typeface="Arial" panose="020B0604020202020204" pitchFamily="34" charset="0"/>
+        <a:buChar char="•"/>
+        <a:defRPr sz="2400" kern="1200">
+          <a:solidFill>
+            <a:schemeClr val="tx1"/>
+          </a:solidFill>
+          <a:latin typeface="+mn-lt"/>
+          <a:ea typeface="+mn-ea"/>
+          <a:cs typeface="+mn-cs"/>
+        </a:defRPr>
+      </a:lvl2pPr>
+      <a:lvl3pPr marL="1143000" indent="-228600" algn="l" defTabSz="914400" rtl="0" eaLnBrk="1" latinLnBrk="0" hangingPunct="1">
+        <a:lnSpc>
+          <a:spcPct val="90000"/>
+        </a:lnSpc>
+        <a:spcBef>
+          <a:spcPts val="500"/>
+        </a:spcBef>
+        <a:buFont typeface="Arial" panose="020B0604020202020204" pitchFamily="34" charset="0"/>
+        <a:buChar char="•"/>
+        <a:defRPr sz="2000" kern="1200">
+          <a:solidFill>
+            <a:schemeClr val="tx1"/>
+          </a:solidFill>
+          <a:latin typeface="+mn-lt"/>
+          <a:ea typeface="+mn-ea"/>
+          <a:cs typeface="+mn-cs"/>
+        </a:defRPr>
+      </a:lvl3pPr>
+      <a:lvl4pPr marL="1600200" indent="-228600" algn="l" defTabSz="914400" rtl="0" eaLnBrk="1" latinLnBrk="0" hangingPunct="1">
+        <a:lnSpc>
+          <a:spcPct val="90000"/>
+        </a:lnSpc>
+        <a:spcBef>
+          <a:spcPts val="500"/>
+        </a:spcBef>
+        <a:buFont typeface="Arial" panose="020B0604020202020204" pitchFamily="34" charset="0"/>
+        <a:buChar char="•"/>
+        <a:defRPr sz="1800" kern="1200">
+          <a:solidFill>
+            <a:schemeClr val="tx1"/>
+          </a:solidFill>
+          <a:latin typeface="+mn-lt"/>
+          <a:ea typeface="+mn-ea"/>
+          <a:cs typeface="+mn-cs"/>
+        </a:defRPr>
+      </a:lvl4pPr>
+      <a:lvl5pPr marL="2057400" indent="-228600" algn="l" defTabSz="914400" rtl="0" eaLnBrk="1" latinLnBrk="0" hangingPunct="1">
+        <a:lnSpc>
+          <a:spcPct val="90000"/>
+        </a:lnSpc>
+        <a:spcBef>
+          <a:spcPts val="500"/>
+        </a:spcBef>
+        <a:buFont typeface="Arial" panose="020B0604020202020204" pitchFamily="34" charset="0"/>
+        <a:buChar char="•"/>
+        <a:defRPr sz="1800" kern="1200">
+          <a:solidFill>
+            <a:schemeClr val="tx1"/>
+          </a:solidFill>
+          <a:latin typeface="+mn-lt"/>
+          <a:ea typeface="+mn-ea"/>
+          <a:cs typeface="+mn-cs"/>
+        </a:defRPr>
+      </a:lvl5pPr>
+      <a:lvl6pPr marL="2514600" indent="-228600" algn="l" defTabSz="914400" rtl="0" eaLnBrk="1" latinLnBrk="0" hangingPunct="1">
+        <a:lnSpc>
+          <a:spcPct val="90000"/>
+        </a:lnSpc>
+        <a:spcBef>
+          <a:spcPts val="500"/>
+        </a:spcBef>
+        <a:buFont typeface="Arial" panose="020B0604020202020204" pitchFamily="34" charset="0"/>
+        <a:buChar char="•"/>
+        <a:defRPr sz="1800" kern="1200">
+          <a:solidFill>
+            <a:schemeClr val="tx1"/>
+          </a:solidFill>
+          <a:latin typeface="+mn-lt"/>
+          <a:ea typeface="+mn-ea"/>
+          <a:cs typeface="+mn-cs"/>
+        </a:defRPr>
+      </a:lvl6pPr>
+      <a:lvl7pPr marL="2971800" indent="-228600" algn="l" defTabSz="914400" rtl="0" eaLnBrk="1" latinLnBrk="0" hangingPunct="1">
+        <a:lnSpc>
+          <a:spcPct val="90000"/>
+        </a:lnSpc>
+        <a:spcBef>
+          <a:spcPts val="500"/>
+        </a:spcBef>
+        <a:buFont typeface="Arial" panose="020B0604020202020204" pitchFamily="34" charset="0"/>
+        <a:buChar char="•"/>
+        <a:defRPr sz="1800" kern="1200">
+          <a:solidFill>
+            <a:schemeClr val="tx1"/>
+          </a:solidFill>
+          <a:latin typeface="+mn-lt"/>
+          <a:ea typeface="+mn-ea"/>
+          <a:cs typeface="+mn-cs"/>
+        </a:defRPr>
+      </a:lvl7pPr>
+      <a:lvl8pPr marL="3429000" indent="-228600" algn="l" defTabSz="914400" rtl="0" eaLnBrk="1" latinLnBrk="0" hangingPunct="1">
+        <a:lnSpc>
+          <a:spcPct val="90000"/>
+        </a:lnSpc>
+        <a:spcBef>
+          <a:spcPts val="500"/>
+        </a:spcBef>
+        <a:buFont typeface="Arial" panose="020B0604020202020204" pitchFamily="34" charset="0"/>
+        <a:buChar char="•"/>
+        <a:defRPr sz="1800" kern="1200">
+          <a:solidFill>
+            <a:schemeClr val="tx1"/>
+          </a:solidFill>
+          <a:latin typeface="+mn-lt"/>
+          <a:ea typeface="+mn-ea"/>
+          <a:cs typeface="+mn-cs"/>
+        </a:defRPr>
+      </a:lvl8pPr>
+      <a:lvl9pPr marL="3886200" indent="-228600" algn="l" defTabSz="914400" rtl="0" eaLnBrk="1" latinLnBrk="0" hangingPunct="1">
+        <a:lnSpc>
+          <a:spcPct val="90000"/>
+        </a:lnSpc>
+        <a:spcBef>
+          <a:spcPts val="500"/>
+        </a:spcBef>
+        <a:buFont typeface="Arial" panose="020B0604020202020204" pitchFamily="34" charset="0"/>
+        <a:buChar char="•"/>
+        <a:defRPr sz="1800" kern="1200">
+          <a:solidFill>
+            <a:schemeClr val="tx1"/>
+          </a:solidFill>
+          <a:latin typeface="+mn-lt"/>
+          <a:ea typeface="+mn-ea"/>
+          <a:cs typeface="+mn-cs"/>
+        </a:defRPr>
+      </a:lvl9pPr>
+    </p:bodyStyle>
+    <p:otherStyle>
+      <a:defPPr>
+        <a:defRPr lang="en-US"/>
+      </a:defPPr>
+      <a:lvl1pPr marL="0" algn="l" defTabSz="914400" rtl="0" eaLnBrk="1" latinLnBrk="0" hangingPunct="1">
+        <a:defRPr sz="1800" kern="1200">
+          <a:solidFill>
+            <a:schemeClr val="tx1"/>
+          </a:solidFill>
+          <a:latin typeface="+mn-lt"/>
+          <a:ea typeface="+mn-ea"/>
+          <a:cs typeface="+mn-cs"/>
+        </a:defRPr>
+      </a:lvl1pPr>
+      <a:lvl2pPr marL="457200" algn="l" defTabSz="914400" rtl="0" eaLnBrk="1" latinLnBrk="0" hangingPunct="1">
+        <a:defRPr sz="1800" kern="1200">
+          <a:solidFill>
+            <a:schemeClr val="tx1"/>
+          </a:solidFill>
+          <a:latin typeface="+mn-lt"/>
+          <a:ea typeface="+mn-ea"/>
+          <a:cs typeface="+mn-cs"/>
+        </a:defRPr>
+      </a:lvl2pPr>
+      <a:lvl3pPr marL="914400" algn="l" defTabSz="914400" rtl="0" eaLnBrk="1" latinLnBrk="0" hangingPunct="1">
+        <a:defRPr sz="1800" kern="1200">
+          <a:solidFill>
+            <a:schemeClr val="tx1"/>
+          </a:solidFill>
+          <a:latin typeface="+mn-lt"/>
+          <a:ea typeface="+mn-ea"/>
+          <a:cs typeface="+mn-cs"/>
+        </a:defRPr>
+      </a:lvl3pPr>
+      <a:lvl4pPr marL="1371600" algn="l" defTabSz="914400" rtl="0" eaLnBrk="1" latinLnBrk="0" hangingPunct="1">
+        <a:defRPr sz="1800" kern="1200">
+          <a:solidFill>
+            <a:schemeClr val="tx1"/>
+          </a:solidFill>
+          <a:latin typeface="+mn-lt"/>
+          <a:ea typeface="+mn-ea"/>
+          <a:cs typeface="+mn-cs"/>
+        </a:defRPr>
+      </a:lvl4pPr>
+      <a:lvl5pPr marL="1828800" algn="l" defTabSz="914400" rtl="0" eaLnBrk="1" latinLnBrk="0" hangingPunct="1">
+        <a:defRPr sz="1800" kern="1200">
+          <a:solidFill>
+            <a:schemeClr val="tx1"/>
+          </a:solidFill>
+          <a:latin typeface="+mn-lt"/>
+          <a:ea typeface="+mn-ea"/>
+          <a:cs typeface="+mn-cs"/>
+        </a:defRPr>
+      </a:lvl5pPr>
+      <a:lvl6pPr marL="2286000" algn="l" defTabSz="914400" rtl="0" eaLnBrk="1" latinLnBrk="0" hangingPunct="1">
+        <a:defRPr sz="1800" kern="1200">
+          <a:solidFill>
+            <a:schemeClr val="tx1"/>
+          </a:solidFill>
+          <a:latin typeface="+mn-lt"/>
+          <a:ea typeface="+mn-ea"/>
+          <a:cs typeface="+mn-cs"/>
+        </a:defRPr>
+      </a:lvl6pPr>
+      <a:lvl7pPr marL="2743200" algn="l" defTabSz="914400" rtl="0" eaLnBrk="1" latinLnBrk="0" hangingPunct="1">
+        <a:defRPr sz="1800" kern="1200">
+          <a:solidFill>
+            <a:schemeClr val="tx1"/>
+          </a:solidFill>
+          <a:latin typeface="+mn-lt"/>
+          <a:ea typeface="+mn-ea"/>
+          <a:cs typeface="+mn-cs"/>
+        </a:defRPr>
+      </a:lvl7pPr>
+      <a:lvl8pPr marL="3200400" algn="l" defTabSz="914400" rtl="0" eaLnBrk="1" latinLnBrk="0" hangingPunct="1">
+        <a:defRPr sz="1800" kern="1200">
+          <a:solidFill>
+            <a:schemeClr val="tx1"/>
+          </a:solidFill>
+          <a:latin typeface="+mn-lt"/>
+          <a:ea typeface="+mn-ea"/>
+          <a:cs typeface="+mn-cs"/>
+        </a:defRPr>
+      </a:lvl8pPr>
+      <a:lvl9pPr marL="3657600" algn="l" defTabSz="914400" rtl="0" eaLnBrk="1" latinLnBrk="0" hangingPunct="1">
+        <a:defRPr sz="1800" kern="1200">
+          <a:solidFill>
+            <a:schemeClr val="tx1"/>
+          </a:solidFill>
+          <a:latin typeface="+mn-lt"/>
+          <a:ea typeface="+mn-ea"/>
+          <a:cs typeface="+mn-cs"/>
+        </a:defRPr>
+      </a:lvl9pPr>
+    </p:otherStyle>
+  </p:txStyles>
 </p:sldMaster>
 </file>
 
 <file path=ppt/slideMasters/slideMaster2.xml><?xml version="1.0" encoding="utf-8"?>
-<p:sldMaster xmlns:a="http://schemas.openxmlformats.org/drawingml/2006/main" xmlns:p="http://schemas.openxmlformats.org/presentationml/2006/main" xmlns:r="http://schemas.openxmlformats.org/officeDocument/2006/relationships" xmlns:p14="http://schemas.microsoft.com/office/powerpoint/2010/main" xmlns:p15="http://schemas.microsoft.com/office/powerpoint/2012/main" xmlns:mc="http://schemas.openxmlformats.org/markup-compatibility/2006">
+<p:sldMaster xmlns:a="http://schemas.openxmlformats.org/drawingml/2006/main" xmlns:r="http://schemas.openxmlformats.org/officeDocument/2006/relationships" xmlns:p="http://schemas.openxmlformats.org/presentationml/2006/main">
   <p:cSld>
     <p:bg>
       <p:bgPr>
         <a:solidFill>
-          <a:srgbClr val="ffffff"/>
+          <a:srgbClr val="FFFFFF"/>
         </a:solidFill>
+        <a:effectLst/>
       </p:bgPr>
     </p:bg>
     <p:spTree>
@@ -4193,18 +4854,16 @@
           </a:prstGeom>
         </p:spPr>
         <p:txBody>
-          <a:bodyPr lIns="0" rIns="0" tIns="0" bIns="0" anchor="ctr"/>
+          <a:bodyPr lIns="0" tIns="0" rIns="0" bIns="0" anchor="ctr"/>
+          <a:lstStyle/>
           <a:p>
             <a:pPr algn="ctr"/>
             <a:r>
-              <a:rPr b="0" lang="en-AU" sz="4400" spc="-1" strike="noStrike">
+              <a:rPr lang="en-AU" sz="4400" b="0" strike="noStrike" spc="-1">
                 <a:latin typeface="Arial"/>
               </a:rPr>
               <a:t>Click to edit the title text format</a:t>
             </a:r>
-            <a:endParaRPr b="0" lang="en-AU" sz="4400" spc="-1" strike="noStrike">
-              <a:latin typeface="Arial"/>
-            </a:endParaRPr>
           </a:p>
         </p:txBody>
       </p:sp>
@@ -4228,9 +4887,10 @@
           </a:prstGeom>
         </p:spPr>
         <p:txBody>
-          <a:bodyPr lIns="0" rIns="0" tIns="0" bIns="0">
+          <a:bodyPr lIns="0" tIns="0" rIns="0" bIns="0">
             <a:normAutofit/>
           </a:bodyPr>
+          <a:lstStyle/>
           <a:p>
             <a:pPr marL="432000" indent="-324000">
               <a:spcBef>
@@ -4244,17 +4904,14 @@
               <a:buChar char=""/>
             </a:pPr>
             <a:r>
-              <a:rPr b="0" lang="en-AU" sz="3200" spc="-1" strike="noStrike">
+              <a:rPr lang="en-AU" sz="3200" b="0" strike="noStrike" spc="-1">
                 <a:latin typeface="Arial"/>
               </a:rPr>
               <a:t>Click to edit the outline text format</a:t>
             </a:r>
-            <a:endParaRPr b="0" lang="en-AU" sz="3200" spc="-1" strike="noStrike">
-              <a:latin typeface="Arial"/>
-            </a:endParaRPr>
-          </a:p>
-          <a:p>
-            <a:pPr lvl="1" marL="864000" indent="-324000">
+          </a:p>
+          <a:p>
+            <a:pPr marL="864000" lvl="1" indent="-324000">
               <a:spcBef>
                 <a:spcPts val="1134"/>
               </a:spcBef>
@@ -4266,17 +4923,14 @@
               <a:buChar char=""/>
             </a:pPr>
             <a:r>
-              <a:rPr b="0" lang="en-AU" sz="2800" spc="-1" strike="noStrike">
+              <a:rPr lang="en-AU" sz="2800" b="0" strike="noStrike" spc="-1">
                 <a:latin typeface="Arial"/>
               </a:rPr>
               <a:t>Second Outline Level</a:t>
             </a:r>
-            <a:endParaRPr b="0" lang="en-AU" sz="2800" spc="-1" strike="noStrike">
-              <a:latin typeface="Arial"/>
-            </a:endParaRPr>
-          </a:p>
-          <a:p>
-            <a:pPr lvl="2" marL="1296000" indent="-288000">
+          </a:p>
+          <a:p>
+            <a:pPr marL="1296000" lvl="2" indent="-288000">
               <a:spcBef>
                 <a:spcPts val="850"/>
               </a:spcBef>
@@ -4288,17 +4942,14 @@
               <a:buChar char=""/>
             </a:pPr>
             <a:r>
-              <a:rPr b="0" lang="en-AU" sz="2400" spc="-1" strike="noStrike">
+              <a:rPr lang="en-AU" sz="2400" b="0" strike="noStrike" spc="-1">
                 <a:latin typeface="Arial"/>
               </a:rPr>
               <a:t>Third Outline Level</a:t>
             </a:r>
-            <a:endParaRPr b="0" lang="en-AU" sz="2400" spc="-1" strike="noStrike">
-              <a:latin typeface="Arial"/>
-            </a:endParaRPr>
-          </a:p>
-          <a:p>
-            <a:pPr lvl="3" marL="1728000" indent="-216000">
+          </a:p>
+          <a:p>
+            <a:pPr marL="1728000" lvl="3" indent="-216000">
               <a:spcBef>
                 <a:spcPts val="567"/>
               </a:spcBef>
@@ -4310,17 +4961,14 @@
               <a:buChar char=""/>
             </a:pPr>
             <a:r>
-              <a:rPr b="0" lang="en-AU" sz="2000" spc="-1" strike="noStrike">
+              <a:rPr lang="en-AU" sz="2000" b="0" strike="noStrike" spc="-1">
                 <a:latin typeface="Arial"/>
               </a:rPr>
               <a:t>Fourth Outline Level</a:t>
             </a:r>
-            <a:endParaRPr b="0" lang="en-AU" sz="2000" spc="-1" strike="noStrike">
-              <a:latin typeface="Arial"/>
-            </a:endParaRPr>
-          </a:p>
-          <a:p>
-            <a:pPr lvl="4" marL="2160000" indent="-216000">
+          </a:p>
+          <a:p>
+            <a:pPr marL="2160000" lvl="4" indent="-216000">
               <a:spcBef>
                 <a:spcPts val="283"/>
               </a:spcBef>
@@ -4332,17 +4980,14 @@
               <a:buChar char=""/>
             </a:pPr>
             <a:r>
-              <a:rPr b="0" lang="en-AU" sz="2000" spc="-1" strike="noStrike">
+              <a:rPr lang="en-AU" sz="2000" b="0" strike="noStrike" spc="-1">
                 <a:latin typeface="Arial"/>
               </a:rPr>
               <a:t>Fifth Outline Level</a:t>
             </a:r>
-            <a:endParaRPr b="0" lang="en-AU" sz="2000" spc="-1" strike="noStrike">
-              <a:latin typeface="Arial"/>
-            </a:endParaRPr>
-          </a:p>
-          <a:p>
-            <a:pPr lvl="5" marL="2592000" indent="-216000">
+          </a:p>
+          <a:p>
+            <a:pPr marL="2592000" lvl="5" indent="-216000">
               <a:spcBef>
                 <a:spcPts val="283"/>
               </a:spcBef>
@@ -4354,17 +4999,14 @@
               <a:buChar char=""/>
             </a:pPr>
             <a:r>
-              <a:rPr b="0" lang="en-AU" sz="2000" spc="-1" strike="noStrike">
+              <a:rPr lang="en-AU" sz="2000" b="0" strike="noStrike" spc="-1">
                 <a:latin typeface="Arial"/>
               </a:rPr>
               <a:t>Sixth Outline Level</a:t>
             </a:r>
-            <a:endParaRPr b="0" lang="en-AU" sz="2000" spc="-1" strike="noStrike">
-              <a:latin typeface="Arial"/>
-            </a:endParaRPr>
-          </a:p>
-          <a:p>
-            <a:pPr lvl="6" marL="3024000" indent="-216000">
+          </a:p>
+          <a:p>
+            <a:pPr marL="3024000" lvl="6" indent="-216000">
               <a:spcBef>
                 <a:spcPts val="283"/>
               </a:spcBef>
@@ -4376,45 +5018,323 @@
               <a:buChar char=""/>
             </a:pPr>
             <a:r>
-              <a:rPr b="0" lang="en-AU" sz="2000" spc="-1" strike="noStrike">
+              <a:rPr lang="en-AU" sz="2000" b="0" strike="noStrike" spc="-1">
                 <a:latin typeface="Arial"/>
               </a:rPr>
               <a:t>Seventh Outline Level</a:t>
             </a:r>
-            <a:endParaRPr b="0" lang="en-AU" sz="2000" spc="-1" strike="noStrike">
-              <a:latin typeface="Arial"/>
-            </a:endParaRPr>
           </a:p>
         </p:txBody>
       </p:sp>
     </p:spTree>
   </p:cSld>
-  <p:clrMap bg1="lt1" bg2="lt2" tx1="dk1" tx2="dk2" accent1="accent1" accent2="accent2" accent3="accent3" accent4="accent4" accent5="accent5" accent6="accent6" hlink="hlink" folHlink="folHlink"/>
+  <p:clrMap bg1="lt1" tx1="dk1" bg2="lt2" tx2="dk2" accent1="accent1" accent2="accent2" accent3="accent3" accent4="accent4" accent5="accent5" accent6="accent6" hlink="hlink" folHlink="folHlink"/>
   <p:sldLayoutIdLst>
-    <p:sldLayoutId id="2147483662" r:id="rId2"/>
-    <p:sldLayoutId id="2147483663" r:id="rId3"/>
-    <p:sldLayoutId id="2147483664" r:id="rId4"/>
-    <p:sldLayoutId id="2147483665" r:id="rId5"/>
-    <p:sldLayoutId id="2147483666" r:id="rId6"/>
-    <p:sldLayoutId id="2147483667" r:id="rId7"/>
-    <p:sldLayoutId id="2147483668" r:id="rId8"/>
-    <p:sldLayoutId id="2147483669" r:id="rId9"/>
-    <p:sldLayoutId id="2147483670" r:id="rId10"/>
-    <p:sldLayoutId id="2147483671" r:id="rId11"/>
-    <p:sldLayoutId id="2147483672" r:id="rId12"/>
-    <p:sldLayoutId id="2147483673" r:id="rId13"/>
+    <p:sldLayoutId id="2147483662" r:id="rId1"/>
+    <p:sldLayoutId id="2147483663" r:id="rId2"/>
+    <p:sldLayoutId id="2147483664" r:id="rId3"/>
+    <p:sldLayoutId id="2147483665" r:id="rId4"/>
+    <p:sldLayoutId id="2147483666" r:id="rId5"/>
+    <p:sldLayoutId id="2147483667" r:id="rId6"/>
+    <p:sldLayoutId id="2147483668" r:id="rId7"/>
+    <p:sldLayoutId id="2147483669" r:id="rId8"/>
+    <p:sldLayoutId id="2147483670" r:id="rId9"/>
+    <p:sldLayoutId id="2147483671" r:id="rId10"/>
+    <p:sldLayoutId id="2147483672" r:id="rId11"/>
+    <p:sldLayoutId id="2147483673" r:id="rId12"/>
   </p:sldLayoutIdLst>
+  <p:txStyles>
+    <p:titleStyle>
+      <a:lvl1pPr algn="l" defTabSz="914400" rtl="0" eaLnBrk="1" latinLnBrk="0" hangingPunct="1">
+        <a:lnSpc>
+          <a:spcPct val="90000"/>
+        </a:lnSpc>
+        <a:spcBef>
+          <a:spcPct val="0"/>
+        </a:spcBef>
+        <a:buNone/>
+        <a:defRPr sz="4400" kern="1200">
+          <a:solidFill>
+            <a:schemeClr val="tx1"/>
+          </a:solidFill>
+          <a:latin typeface="+mj-lt"/>
+          <a:ea typeface="+mj-ea"/>
+          <a:cs typeface="+mj-cs"/>
+        </a:defRPr>
+      </a:lvl1pPr>
+    </p:titleStyle>
+    <p:bodyStyle>
+      <a:lvl1pPr marL="228600" indent="-228600" algn="l" defTabSz="914400" rtl="0" eaLnBrk="1" latinLnBrk="0" hangingPunct="1">
+        <a:lnSpc>
+          <a:spcPct val="90000"/>
+        </a:lnSpc>
+        <a:spcBef>
+          <a:spcPts val="1000"/>
+        </a:spcBef>
+        <a:buFont typeface="Arial" panose="020B0604020202020204" pitchFamily="34" charset="0"/>
+        <a:buChar char="•"/>
+        <a:defRPr sz="2800" kern="1200">
+          <a:solidFill>
+            <a:schemeClr val="tx1"/>
+          </a:solidFill>
+          <a:latin typeface="+mn-lt"/>
+          <a:ea typeface="+mn-ea"/>
+          <a:cs typeface="+mn-cs"/>
+        </a:defRPr>
+      </a:lvl1pPr>
+      <a:lvl2pPr marL="685800" indent="-228600" algn="l" defTabSz="914400" rtl="0" eaLnBrk="1" latinLnBrk="0" hangingPunct="1">
+        <a:lnSpc>
+          <a:spcPct val="90000"/>
+        </a:lnSpc>
+        <a:spcBef>
+          <a:spcPts val="500"/>
+        </a:spcBef>
+        <a:buFont typeface="Arial" panose="020B0604020202020204" pitchFamily="34" charset="0"/>
+        <a:buChar char="•"/>
+        <a:defRPr sz="2400" kern="1200">
+          <a:solidFill>
+            <a:schemeClr val="tx1"/>
+          </a:solidFill>
+          <a:latin typeface="+mn-lt"/>
+          <a:ea typeface="+mn-ea"/>
+          <a:cs typeface="+mn-cs"/>
+        </a:defRPr>
+      </a:lvl2pPr>
+      <a:lvl3pPr marL="1143000" indent="-228600" algn="l" defTabSz="914400" rtl="0" eaLnBrk="1" latinLnBrk="0" hangingPunct="1">
+        <a:lnSpc>
+          <a:spcPct val="90000"/>
+        </a:lnSpc>
+        <a:spcBef>
+          <a:spcPts val="500"/>
+        </a:spcBef>
+        <a:buFont typeface="Arial" panose="020B0604020202020204" pitchFamily="34" charset="0"/>
+        <a:buChar char="•"/>
+        <a:defRPr sz="2000" kern="1200">
+          <a:solidFill>
+            <a:schemeClr val="tx1"/>
+          </a:solidFill>
+          <a:latin typeface="+mn-lt"/>
+          <a:ea typeface="+mn-ea"/>
+          <a:cs typeface="+mn-cs"/>
+        </a:defRPr>
+      </a:lvl3pPr>
+      <a:lvl4pPr marL="1600200" indent="-228600" algn="l" defTabSz="914400" rtl="0" eaLnBrk="1" latinLnBrk="0" hangingPunct="1">
+        <a:lnSpc>
+          <a:spcPct val="90000"/>
+        </a:lnSpc>
+        <a:spcBef>
+          <a:spcPts val="500"/>
+        </a:spcBef>
+        <a:buFont typeface="Arial" panose="020B0604020202020204" pitchFamily="34" charset="0"/>
+        <a:buChar char="•"/>
+        <a:defRPr sz="1800" kern="1200">
+          <a:solidFill>
+            <a:schemeClr val="tx1"/>
+          </a:solidFill>
+          <a:latin typeface="+mn-lt"/>
+          <a:ea typeface="+mn-ea"/>
+          <a:cs typeface="+mn-cs"/>
+        </a:defRPr>
+      </a:lvl4pPr>
+      <a:lvl5pPr marL="2057400" indent="-228600" algn="l" defTabSz="914400" rtl="0" eaLnBrk="1" latinLnBrk="0" hangingPunct="1">
+        <a:lnSpc>
+          <a:spcPct val="90000"/>
+        </a:lnSpc>
+        <a:spcBef>
+          <a:spcPts val="500"/>
+        </a:spcBef>
+        <a:buFont typeface="Arial" panose="020B0604020202020204" pitchFamily="34" charset="0"/>
+        <a:buChar char="•"/>
+        <a:defRPr sz="1800" kern="1200">
+          <a:solidFill>
+            <a:schemeClr val="tx1"/>
+          </a:solidFill>
+          <a:latin typeface="+mn-lt"/>
+          <a:ea typeface="+mn-ea"/>
+          <a:cs typeface="+mn-cs"/>
+        </a:defRPr>
+      </a:lvl5pPr>
+      <a:lvl6pPr marL="2514600" indent="-228600" algn="l" defTabSz="914400" rtl="0" eaLnBrk="1" latinLnBrk="0" hangingPunct="1">
+        <a:lnSpc>
+          <a:spcPct val="90000"/>
+        </a:lnSpc>
+        <a:spcBef>
+          <a:spcPts val="500"/>
+        </a:spcBef>
+        <a:buFont typeface="Arial" panose="020B0604020202020204" pitchFamily="34" charset="0"/>
+        <a:buChar char="•"/>
+        <a:defRPr sz="1800" kern="1200">
+          <a:solidFill>
+            <a:schemeClr val="tx1"/>
+          </a:solidFill>
+          <a:latin typeface="+mn-lt"/>
+          <a:ea typeface="+mn-ea"/>
+          <a:cs typeface="+mn-cs"/>
+        </a:defRPr>
+      </a:lvl6pPr>
+      <a:lvl7pPr marL="2971800" indent="-228600" algn="l" defTabSz="914400" rtl="0" eaLnBrk="1" latinLnBrk="0" hangingPunct="1">
+        <a:lnSpc>
+          <a:spcPct val="90000"/>
+        </a:lnSpc>
+        <a:spcBef>
+          <a:spcPts val="500"/>
+        </a:spcBef>
+        <a:buFont typeface="Arial" panose="020B0604020202020204" pitchFamily="34" charset="0"/>
+        <a:buChar char="•"/>
+        <a:defRPr sz="1800" kern="1200">
+          <a:solidFill>
+            <a:schemeClr val="tx1"/>
+          </a:solidFill>
+          <a:latin typeface="+mn-lt"/>
+          <a:ea typeface="+mn-ea"/>
+          <a:cs typeface="+mn-cs"/>
+        </a:defRPr>
+      </a:lvl7pPr>
+      <a:lvl8pPr marL="3429000" indent="-228600" algn="l" defTabSz="914400" rtl="0" eaLnBrk="1" latinLnBrk="0" hangingPunct="1">
+        <a:lnSpc>
+          <a:spcPct val="90000"/>
+        </a:lnSpc>
+        <a:spcBef>
+          <a:spcPts val="500"/>
+        </a:spcBef>
+        <a:buFont typeface="Arial" panose="020B0604020202020204" pitchFamily="34" charset="0"/>
+        <a:buChar char="•"/>
+        <a:defRPr sz="1800" kern="1200">
+          <a:solidFill>
+            <a:schemeClr val="tx1"/>
+          </a:solidFill>
+          <a:latin typeface="+mn-lt"/>
+          <a:ea typeface="+mn-ea"/>
+          <a:cs typeface="+mn-cs"/>
+        </a:defRPr>
+      </a:lvl8pPr>
+      <a:lvl9pPr marL="3886200" indent="-228600" algn="l" defTabSz="914400" rtl="0" eaLnBrk="1" latinLnBrk="0" hangingPunct="1">
+        <a:lnSpc>
+          <a:spcPct val="90000"/>
+        </a:lnSpc>
+        <a:spcBef>
+          <a:spcPts val="500"/>
+        </a:spcBef>
+        <a:buFont typeface="Arial" panose="020B0604020202020204" pitchFamily="34" charset="0"/>
+        <a:buChar char="•"/>
+        <a:defRPr sz="1800" kern="1200">
+          <a:solidFill>
+            <a:schemeClr val="tx1"/>
+          </a:solidFill>
+          <a:latin typeface="+mn-lt"/>
+          <a:ea typeface="+mn-ea"/>
+          <a:cs typeface="+mn-cs"/>
+        </a:defRPr>
+      </a:lvl9pPr>
+    </p:bodyStyle>
+    <p:otherStyle>
+      <a:defPPr>
+        <a:defRPr lang="en-US"/>
+      </a:defPPr>
+      <a:lvl1pPr marL="0" algn="l" defTabSz="914400" rtl="0" eaLnBrk="1" latinLnBrk="0" hangingPunct="1">
+        <a:defRPr sz="1800" kern="1200">
+          <a:solidFill>
+            <a:schemeClr val="tx1"/>
+          </a:solidFill>
+          <a:latin typeface="+mn-lt"/>
+          <a:ea typeface="+mn-ea"/>
+          <a:cs typeface="+mn-cs"/>
+        </a:defRPr>
+      </a:lvl1pPr>
+      <a:lvl2pPr marL="457200" algn="l" defTabSz="914400" rtl="0" eaLnBrk="1" latinLnBrk="0" hangingPunct="1">
+        <a:defRPr sz="1800" kern="1200">
+          <a:solidFill>
+            <a:schemeClr val="tx1"/>
+          </a:solidFill>
+          <a:latin typeface="+mn-lt"/>
+          <a:ea typeface="+mn-ea"/>
+          <a:cs typeface="+mn-cs"/>
+        </a:defRPr>
+      </a:lvl2pPr>
+      <a:lvl3pPr marL="914400" algn="l" defTabSz="914400" rtl="0" eaLnBrk="1" latinLnBrk="0" hangingPunct="1">
+        <a:defRPr sz="1800" kern="1200">
+          <a:solidFill>
+            <a:schemeClr val="tx1"/>
+          </a:solidFill>
+          <a:latin typeface="+mn-lt"/>
+          <a:ea typeface="+mn-ea"/>
+          <a:cs typeface="+mn-cs"/>
+        </a:defRPr>
+      </a:lvl3pPr>
+      <a:lvl4pPr marL="1371600" algn="l" defTabSz="914400" rtl="0" eaLnBrk="1" latinLnBrk="0" hangingPunct="1">
+        <a:defRPr sz="1800" kern="1200">
+          <a:solidFill>
+            <a:schemeClr val="tx1"/>
+          </a:solidFill>
+          <a:latin typeface="+mn-lt"/>
+          <a:ea typeface="+mn-ea"/>
+          <a:cs typeface="+mn-cs"/>
+        </a:defRPr>
+      </a:lvl4pPr>
+      <a:lvl5pPr marL="1828800" algn="l" defTabSz="914400" rtl="0" eaLnBrk="1" latinLnBrk="0" hangingPunct="1">
+        <a:defRPr sz="1800" kern="1200">
+          <a:solidFill>
+            <a:schemeClr val="tx1"/>
+          </a:solidFill>
+          <a:latin typeface="+mn-lt"/>
+          <a:ea typeface="+mn-ea"/>
+          <a:cs typeface="+mn-cs"/>
+        </a:defRPr>
+      </a:lvl5pPr>
+      <a:lvl6pPr marL="2286000" algn="l" defTabSz="914400" rtl="0" eaLnBrk="1" latinLnBrk="0" hangingPunct="1">
+        <a:defRPr sz="1800" kern="1200">
+          <a:solidFill>
+            <a:schemeClr val="tx1"/>
+          </a:solidFill>
+          <a:latin typeface="+mn-lt"/>
+          <a:ea typeface="+mn-ea"/>
+          <a:cs typeface="+mn-cs"/>
+        </a:defRPr>
+      </a:lvl6pPr>
+      <a:lvl7pPr marL="2743200" algn="l" defTabSz="914400" rtl="0" eaLnBrk="1" latinLnBrk="0" hangingPunct="1">
+        <a:defRPr sz="1800" kern="1200">
+          <a:solidFill>
+            <a:schemeClr val="tx1"/>
+          </a:solidFill>
+          <a:latin typeface="+mn-lt"/>
+          <a:ea typeface="+mn-ea"/>
+          <a:cs typeface="+mn-cs"/>
+        </a:defRPr>
+      </a:lvl7pPr>
+      <a:lvl8pPr marL="3200400" algn="l" defTabSz="914400" rtl="0" eaLnBrk="1" latinLnBrk="0" hangingPunct="1">
+        <a:defRPr sz="1800" kern="1200">
+          <a:solidFill>
+            <a:schemeClr val="tx1"/>
+          </a:solidFill>
+          <a:latin typeface="+mn-lt"/>
+          <a:ea typeface="+mn-ea"/>
+          <a:cs typeface="+mn-cs"/>
+        </a:defRPr>
+      </a:lvl8pPr>
+      <a:lvl9pPr marL="3657600" algn="l" defTabSz="914400" rtl="0" eaLnBrk="1" latinLnBrk="0" hangingPunct="1">
+        <a:defRPr sz="1800" kern="1200">
+          <a:solidFill>
+            <a:schemeClr val="tx1"/>
+          </a:solidFill>
+          <a:latin typeface="+mn-lt"/>
+          <a:ea typeface="+mn-ea"/>
+          <a:cs typeface="+mn-cs"/>
+        </a:defRPr>
+      </a:lvl9pPr>
+    </p:otherStyle>
+  </p:txStyles>
 </p:sldMaster>
 </file>
 
 <file path=ppt/slides/slide1.xml><?xml version="1.0" encoding="utf-8"?>
-<p:sld xmlns:a="http://schemas.openxmlformats.org/drawingml/2006/main" xmlns:p="http://schemas.openxmlformats.org/presentationml/2006/main" xmlns:r="http://schemas.openxmlformats.org/officeDocument/2006/relationships" xmlns:p14="http://schemas.microsoft.com/office/powerpoint/2010/main" xmlns:p15="http://schemas.microsoft.com/office/powerpoint/2012/main" xmlns:mc="http://schemas.openxmlformats.org/markup-compatibility/2006">
+<p:sld xmlns:a="http://schemas.openxmlformats.org/drawingml/2006/main" xmlns:r="http://schemas.openxmlformats.org/officeDocument/2006/relationships" xmlns:p="http://schemas.openxmlformats.org/presentationml/2006/main">
   <p:cSld>
     <p:bg>
       <p:bgPr>
         <a:solidFill>
-          <a:srgbClr val="ffffff"/>
+          <a:srgbClr val="FFFFFF"/>
         </a:solidFill>
+        <a:effectLst/>
       </p:bgPr>
     </p:bg>
     <p:spTree>
@@ -4446,6 +5366,7 @@
             <a:avLst/>
             <a:gdLst/>
             <a:ahLst/>
+            <a:cxnLst/>
             <a:rect l="l" t="t" r="r" b="b"/>
             <a:pathLst>
               <a:path w="4381009" h="5892104">
@@ -4636,15 +5557,22 @@
           </a:ln>
         </p:spPr>
         <p:style>
-          <a:lnRef idx="0"/>
-          <a:fillRef idx="0"/>
-          <a:effectRef idx="0"/>
+          <a:lnRef idx="0">
+            <a:scrgbClr r="0" g="0" b="0"/>
+          </a:lnRef>
+          <a:fillRef idx="0">
+            <a:scrgbClr r="0" g="0" b="0"/>
+          </a:fillRef>
+          <a:effectRef idx="0">
+            <a:scrgbClr r="0" g="0" b="0"/>
+          </a:effectRef>
           <a:fontRef idx="minor"/>
         </p:style>
         <p:txBody>
-          <a:bodyPr lIns="90000" rIns="90000" tIns="45000" bIns="45000" anchor="ctr">
+          <a:bodyPr lIns="90000" tIns="45000" rIns="90000" bIns="45000" anchor="ctr">
             <a:normAutofit/>
           </a:bodyPr>
+          <a:lstStyle/>
           <a:p>
             <a:pPr>
               <a:lnSpc>
@@ -4655,16 +5583,16 @@
               </a:spcAft>
             </a:pPr>
             <a:r>
-              <a:rPr b="1" lang="en-AU" sz="4400" spc="-1" strike="noStrike">
+              <a:rPr lang="en-AU" sz="4400" b="1" strike="noStrike" spc="-1">
                 <a:solidFill>
-                  <a:srgbClr val="ffffff"/>
+                  <a:srgbClr val="FFFFFF"/>
                 </a:solidFill>
                 <a:latin typeface="Calibri Light"/>
                 <a:ea typeface="DejaVu Sans"/>
               </a:rPr>
               <a:t>Team 10</a:t>
             </a:r>
-            <a:endParaRPr b="0" lang="en-AU" sz="4400" spc="-1" strike="noStrike">
+            <a:endParaRPr lang="en-AU" sz="4400" b="0" strike="noStrike" spc="-1">
               <a:latin typeface="Arial"/>
             </a:endParaRPr>
           </a:p>
@@ -4721,13 +5649,20 @@
             </a:ln>
           </p:spPr>
           <p:style>
-            <a:lnRef idx="2"/>
-            <a:fillRef idx="0"/>
-            <a:effectRef idx="0"/>
+            <a:lnRef idx="2">
+              <a:scrgbClr r="0" g="0" b="0"/>
+            </a:lnRef>
+            <a:fillRef idx="0">
+              <a:scrgbClr r="0" g="0" b="0"/>
+            </a:fillRef>
+            <a:effectRef idx="0">
+              <a:scrgbClr r="0" g="0" b="0"/>
+            </a:effectRef>
             <a:fontRef idx="minor"/>
           </p:style>
           <p:txBody>
-            <a:bodyPr lIns="219240" rIns="167760" tIns="219240" bIns="219240" anchor="ctr"/>
+            <a:bodyPr lIns="219240" tIns="219240" rIns="167760" bIns="219240" anchor="ctr"/>
+            <a:lstStyle/>
             <a:p>
               <a:pPr>
                 <a:lnSpc>
@@ -4738,16 +5673,16 @@
                 </a:spcAft>
               </a:pPr>
               <a:r>
-                <a:rPr b="0" lang="en-AU" sz="4400" spc="-1" strike="noStrike">
+                <a:rPr lang="en-AU" sz="4400" b="0" strike="noStrike" spc="-1">
                   <a:solidFill>
-                    <a:srgbClr val="ffffff"/>
+                    <a:srgbClr val="FFFFFF"/>
                   </a:solidFill>
                   <a:latin typeface="Calibri"/>
                   <a:ea typeface="DejaVu Sans"/>
                 </a:rPr>
                 <a:t>Matthew Livingston</a:t>
               </a:r>
-              <a:endParaRPr b="0" lang="en-AU" sz="4400" spc="-1" strike="noStrike">
+              <a:endParaRPr lang="en-AU" sz="4400" b="0" strike="noStrike" spc="-1">
                 <a:latin typeface="Arial"/>
               </a:endParaRPr>
             </a:p>
@@ -4790,13 +5725,20 @@
             </a:ln>
           </p:spPr>
           <p:style>
-            <a:lnRef idx="2"/>
-            <a:fillRef idx="0"/>
-            <a:effectRef idx="0"/>
+            <a:lnRef idx="2">
+              <a:scrgbClr r="0" g="0" b="0"/>
+            </a:lnRef>
+            <a:fillRef idx="0">
+              <a:scrgbClr r="0" g="0" b="0"/>
+            </a:fillRef>
+            <a:effectRef idx="0">
+              <a:scrgbClr r="0" g="0" b="0"/>
+            </a:effectRef>
             <a:fontRef idx="minor"/>
           </p:style>
           <p:txBody>
-            <a:bodyPr lIns="219240" rIns="167760" tIns="219240" bIns="219240" anchor="ctr"/>
+            <a:bodyPr lIns="219240" tIns="219240" rIns="167760" bIns="219240" anchor="ctr"/>
+            <a:lstStyle/>
             <a:p>
               <a:pPr>
                 <a:lnSpc>
@@ -4807,16 +5749,16 @@
                 </a:spcAft>
               </a:pPr>
               <a:r>
-                <a:rPr b="0" lang="en-AU" sz="4400" spc="-1" strike="noStrike">
+                <a:rPr lang="en-AU" sz="4400" b="0" strike="noStrike" spc="-1">
                   <a:solidFill>
-                    <a:srgbClr val="ffffff"/>
+                    <a:srgbClr val="FFFFFF"/>
                   </a:solidFill>
                   <a:latin typeface="Calibri"/>
                   <a:ea typeface="DejaVu Sans"/>
                 </a:rPr>
                 <a:t>Ady (Ye Thiha Aung)</a:t>
               </a:r>
-              <a:endParaRPr b="0" lang="en-AU" sz="4400" spc="-1" strike="noStrike">
+              <a:endParaRPr lang="en-AU" sz="4400" b="0" strike="noStrike" spc="-1">
                 <a:latin typeface="Arial"/>
               </a:endParaRPr>
             </a:p>
@@ -4859,13 +5801,20 @@
             </a:ln>
           </p:spPr>
           <p:style>
-            <a:lnRef idx="2"/>
-            <a:fillRef idx="0"/>
-            <a:effectRef idx="0"/>
+            <a:lnRef idx="2">
+              <a:scrgbClr r="0" g="0" b="0"/>
+            </a:lnRef>
+            <a:fillRef idx="0">
+              <a:scrgbClr r="0" g="0" b="0"/>
+            </a:fillRef>
+            <a:effectRef idx="0">
+              <a:scrgbClr r="0" g="0" b="0"/>
+            </a:effectRef>
             <a:fontRef idx="minor"/>
           </p:style>
           <p:txBody>
-            <a:bodyPr lIns="219240" rIns="167760" tIns="219240" bIns="219240" anchor="ctr"/>
+            <a:bodyPr lIns="219240" tIns="219240" rIns="167760" bIns="219240" anchor="ctr"/>
+            <a:lstStyle/>
             <a:p>
               <a:pPr>
                 <a:lnSpc>
@@ -4876,16 +5825,16 @@
                 </a:spcAft>
               </a:pPr>
               <a:r>
-                <a:rPr b="0" lang="en-AU" sz="4400" spc="-1" strike="noStrike">
+                <a:rPr lang="en-AU" sz="4400" b="0" strike="noStrike" spc="-1">
                   <a:solidFill>
-                    <a:srgbClr val="ffffff"/>
+                    <a:srgbClr val="FFFFFF"/>
                   </a:solidFill>
                   <a:latin typeface="Calibri"/>
                   <a:ea typeface="DejaVu Sans"/>
                 </a:rPr>
                 <a:t>Yvan Burrie</a:t>
               </a:r>
-              <a:endParaRPr b="0" lang="en-AU" sz="4400" spc="-1" strike="noStrike">
+              <a:endParaRPr lang="en-AU" sz="4400" b="0" strike="noStrike" spc="-1">
                 <a:latin typeface="Arial"/>
               </a:endParaRPr>
             </a:p>
@@ -4928,13 +5877,20 @@
             </a:ln>
           </p:spPr>
           <p:style>
-            <a:lnRef idx="2"/>
-            <a:fillRef idx="0"/>
-            <a:effectRef idx="0"/>
+            <a:lnRef idx="2">
+              <a:scrgbClr r="0" g="0" b="0"/>
+            </a:lnRef>
+            <a:fillRef idx="0">
+              <a:scrgbClr r="0" g="0" b="0"/>
+            </a:fillRef>
+            <a:effectRef idx="0">
+              <a:scrgbClr r="0" g="0" b="0"/>
+            </a:effectRef>
             <a:fontRef idx="minor"/>
           </p:style>
           <p:txBody>
-            <a:bodyPr lIns="219240" rIns="167760" tIns="219240" bIns="219240" anchor="ctr"/>
+            <a:bodyPr lIns="219240" tIns="219240" rIns="167760" bIns="219240" anchor="ctr"/>
+            <a:lstStyle/>
             <a:p>
               <a:pPr>
                 <a:lnSpc>
@@ -4945,16 +5901,16 @@
                 </a:spcAft>
               </a:pPr>
               <a:r>
-                <a:rPr b="0" lang="en-AU" sz="4400" spc="-1" strike="noStrike">
+                <a:rPr lang="en-AU" sz="4400" b="0" strike="noStrike" spc="-1">
                   <a:solidFill>
-                    <a:srgbClr val="ffffff"/>
+                    <a:srgbClr val="FFFFFF"/>
                   </a:solidFill>
                   <a:latin typeface="Calibri"/>
                   <a:ea typeface="DejaVu Sans"/>
                 </a:rPr>
                 <a:t>Anthony Vincin</a:t>
               </a:r>
-              <a:endParaRPr b="0" lang="en-AU" sz="4400" spc="-1" strike="noStrike">
+              <a:endParaRPr lang="en-AU" sz="4400" b="0" strike="noStrike" spc="-1">
                 <a:latin typeface="Arial"/>
               </a:endParaRPr>
             </a:p>
@@ -4997,13 +5953,20 @@
             </a:ln>
           </p:spPr>
           <p:style>
-            <a:lnRef idx="2"/>
-            <a:fillRef idx="0"/>
-            <a:effectRef idx="0"/>
+            <a:lnRef idx="2">
+              <a:scrgbClr r="0" g="0" b="0"/>
+            </a:lnRef>
+            <a:fillRef idx="0">
+              <a:scrgbClr r="0" g="0" b="0"/>
+            </a:fillRef>
+            <a:effectRef idx="0">
+              <a:scrgbClr r="0" g="0" b="0"/>
+            </a:effectRef>
             <a:fontRef idx="minor"/>
           </p:style>
           <p:txBody>
-            <a:bodyPr lIns="219240" rIns="167760" tIns="219240" bIns="219240" anchor="ctr"/>
+            <a:bodyPr lIns="219240" tIns="219240" rIns="167760" bIns="219240" anchor="ctr"/>
+            <a:lstStyle/>
             <a:p>
               <a:pPr>
                 <a:lnSpc>
@@ -5014,16 +5977,16 @@
                 </a:spcAft>
               </a:pPr>
               <a:r>
-                <a:rPr b="0" lang="en-AU" sz="4400" spc="-1" strike="noStrike">
+                <a:rPr lang="en-AU" sz="4400" b="0" strike="noStrike" spc="-1">
                   <a:solidFill>
-                    <a:srgbClr val="ffffff"/>
+                    <a:srgbClr val="FFFFFF"/>
                   </a:solidFill>
                   <a:latin typeface="Calibri"/>
                   <a:ea typeface="DejaVu Sans"/>
                 </a:rPr>
                 <a:t>Stephen Ohl</a:t>
               </a:r>
-              <a:endParaRPr b="0" lang="en-AU" sz="4400" spc="-1" strike="noStrike">
+              <a:endParaRPr lang="en-AU" sz="4400" b="0" strike="noStrike" spc="-1">
                 <a:latin typeface="Arial"/>
               </a:endParaRPr>
             </a:p>
@@ -5047,6 +6010,9 @@
       </p:grpSp>
     </p:spTree>
   </p:cSld>
+  <p:clrMapOvr>
+    <a:masterClrMapping/>
+  </p:clrMapOvr>
   <p:timing>
     <p:tnLst>
       <p:par>
@@ -5055,14 +6021,14 @@
             <p:seq>
               <p:cTn id="2" dur="indefinite" nodeType="mainSeq"/>
               <p:prevCondLst>
-                <p:cond delay="0" evt="onPrev">
+                <p:cond evt="onPrev" delay="0">
                   <p:tgtEl>
                     <p:sldTgt/>
                   </p:tgtEl>
                 </p:cond>
               </p:prevCondLst>
               <p:nextCondLst>
-                <p:cond delay="0" evt="onNext">
+                <p:cond evt="onNext" delay="0">
                   <p:tgtEl>
                     <p:sldTgt/>
                   </p:tgtEl>
@@ -5078,7 +6044,7 @@
 </file>
 
 <file path=ppt/slides/slide10.xml><?xml version="1.0" encoding="utf-8"?>
-<p:sld xmlns:a="http://schemas.openxmlformats.org/drawingml/2006/main" xmlns:p="http://schemas.openxmlformats.org/presentationml/2006/main" xmlns:r="http://schemas.openxmlformats.org/officeDocument/2006/relationships" xmlns:p14="http://schemas.microsoft.com/office/powerpoint/2010/main" xmlns:p15="http://schemas.microsoft.com/office/powerpoint/2012/main" xmlns:mc="http://schemas.openxmlformats.org/markup-compatibility/2006">
+<p:sld xmlns:a="http://schemas.openxmlformats.org/drawingml/2006/main" xmlns:r="http://schemas.openxmlformats.org/officeDocument/2006/relationships" xmlns:p="http://schemas.openxmlformats.org/presentationml/2006/main">
   <p:cSld>
     <p:spTree>
       <p:nvGrpSpPr>
@@ -5094,9 +6060,32 @@
           <a:chExt cx="0" cy="0"/>
         </a:xfrm>
       </p:grpSpPr>
-      <p:sp>
-        <p:nvSpPr>
-          <p:cNvPr id="165" name="CustomShape 1"/>
+      <p:pic>
+        <p:nvPicPr>
+          <p:cNvPr id="150" name="Picture 3"/>
+          <p:cNvPicPr/>
+          <p:nvPr/>
+        </p:nvPicPr>
+        <p:blipFill>
+          <a:blip r:embed="rId3"/>
+          <a:stretch/>
+        </p:blipFill>
+        <p:spPr>
+          <a:xfrm>
+            <a:off x="1622880" y="5211720"/>
+            <a:ext cx="1312200" cy="762480"/>
+          </a:xfrm>
+          <a:prstGeom prst="rect">
+            <a:avLst/>
+          </a:prstGeom>
+          <a:ln>
+            <a:noFill/>
+          </a:ln>
+        </p:spPr>
+      </p:pic>
+      <p:sp>
+        <p:nvSpPr>
+          <p:cNvPr id="151" name="CustomShape 1"/>
           <p:cNvSpPr/>
           <p:nvPr/>
         </p:nvSpPr>
@@ -5114,13 +6103,20 @@
           </a:ln>
         </p:spPr>
         <p:style>
-          <a:lnRef idx="0"/>
-          <a:fillRef idx="0"/>
-          <a:effectRef idx="0"/>
+          <a:lnRef idx="0">
+            <a:scrgbClr r="0" g="0" b="0"/>
+          </a:lnRef>
+          <a:fillRef idx="0">
+            <a:scrgbClr r="0" g="0" b="0"/>
+          </a:fillRef>
+          <a:effectRef idx="0">
+            <a:scrgbClr r="0" g="0" b="0"/>
+          </a:effectRef>
           <a:fontRef idx="minor"/>
         </p:style>
         <p:txBody>
-          <a:bodyPr lIns="90000" rIns="90000" tIns="45000" bIns="45000"/>
+          <a:bodyPr lIns="90000" tIns="45000" rIns="90000" bIns="45000"/>
+          <a:lstStyle/>
           <a:p>
             <a:pPr algn="ctr">
               <a:lnSpc>
@@ -5128,7 +6124,7 @@
               </a:lnSpc>
             </a:pPr>
             <a:r>
-              <a:rPr b="1" lang="en-AU" sz="3600" spc="-1" strike="noStrike">
+              <a:rPr lang="en-AU" sz="3600" b="1" strike="noStrike" spc="-1">
                 <a:solidFill>
                   <a:srgbClr val="000000"/>
                 </a:solidFill>
@@ -5137,7 +6133,7 @@
               </a:rPr>
               <a:t>Database Migration</a:t>
             </a:r>
-            <a:endParaRPr b="0" lang="en-AU" sz="3600" spc="-1" strike="noStrike">
+            <a:endParaRPr lang="en-AU" sz="3600" b="0" strike="noStrike" spc="-1">
               <a:latin typeface="Arial"/>
             </a:endParaRPr>
           </a:p>
@@ -5148,16 +6144,16 @@
               </a:lnSpc>
             </a:pPr>
             <a:r>
-              <a:rPr b="1" lang="en-AU" sz="2400" spc="-1" strike="noStrike">
+              <a:rPr lang="en-AU" sz="2400" b="1" strike="noStrike" spc="-1">
                 <a:solidFill>
                   <a:srgbClr val="000000"/>
                 </a:solidFill>
                 <a:latin typeface="Calibri"/>
                 <a:ea typeface="DejaVu Sans"/>
               </a:rPr>
-              <a:t>(new strategy)</a:t>
+              <a:t>(old method)</a:t>
             </a:r>
-            <a:endParaRPr b="0" lang="en-AU" sz="2400" spc="-1" strike="noStrike">
+            <a:endParaRPr lang="en-AU" sz="2400" b="0" strike="noStrike" spc="-1">
               <a:latin typeface="Arial"/>
             </a:endParaRPr>
           </a:p>
@@ -5165,18 +6161,18 @@
       </p:sp>
       <p:pic>
         <p:nvPicPr>
-          <p:cNvPr id="166" name="Picture 5" descr=""/>
+          <p:cNvPr id="152" name="Picture 26"/>
           <p:cNvPicPr/>
           <p:nvPr/>
         </p:nvPicPr>
         <p:blipFill>
-          <a:blip r:embed="rId1"/>
+          <a:blip r:embed="rId4"/>
           <a:stretch/>
         </p:blipFill>
         <p:spPr>
           <a:xfrm>
-            <a:off x="4807440" y="1830240"/>
-            <a:ext cx="2576520" cy="3196080"/>
+            <a:off x="1551600" y="4165200"/>
+            <a:ext cx="1461600" cy="825480"/>
           </a:xfrm>
           <a:prstGeom prst="rect">
             <a:avLst/>
@@ -5186,20 +6182,150 @@
           </a:ln>
         </p:spPr>
       </p:pic>
+      <p:sp>
+        <p:nvSpPr>
+          <p:cNvPr id="153" name="CustomShape 2"/>
+          <p:cNvSpPr/>
+          <p:nvPr/>
+        </p:nvSpPr>
+        <p:spPr>
+          <a:xfrm>
+            <a:off x="1015560" y="3867840"/>
+            <a:ext cx="2467800" cy="2467800"/>
+          </a:xfrm>
+          <a:prstGeom prst="ellipse">
+            <a:avLst/>
+          </a:prstGeom>
+          <a:noFill/>
+          <a:ln w="57240">
+            <a:solidFill>
+              <a:schemeClr val="tx1"/>
+            </a:solidFill>
+            <a:round/>
+          </a:ln>
+        </p:spPr>
+        <p:style>
+          <a:lnRef idx="2">
+            <a:schemeClr val="accent1">
+              <a:shade val="50000"/>
+            </a:schemeClr>
+          </a:lnRef>
+          <a:fillRef idx="1">
+            <a:schemeClr val="accent1"/>
+          </a:fillRef>
+          <a:effectRef idx="0">
+            <a:schemeClr val="accent1"/>
+          </a:effectRef>
+          <a:fontRef idx="minor"/>
+        </p:style>
+      </p:sp>
+      <p:sp>
+        <p:nvSpPr>
+          <p:cNvPr id="154" name="Line 3"/>
+          <p:cNvSpPr/>
+          <p:nvPr/>
+        </p:nvSpPr>
+        <p:spPr>
+          <a:xfrm>
+            <a:off x="1041840" y="5102280"/>
+            <a:ext cx="2468880" cy="360"/>
+          </a:xfrm>
+          <a:prstGeom prst="line">
+            <a:avLst/>
+          </a:prstGeom>
+          <a:ln w="9360" cap="rnd">
+            <a:solidFill>
+              <a:schemeClr val="dk1"/>
+            </a:solidFill>
+            <a:custDash>
+              <a:ds d="800000" sp="600000"/>
+            </a:custDash>
+            <a:round/>
+          </a:ln>
+        </p:spPr>
+        <p:style>
+          <a:lnRef idx="0">
+            <a:scrgbClr r="0" g="0" b="0"/>
+          </a:lnRef>
+          <a:fillRef idx="0">
+            <a:scrgbClr r="0" g="0" b="0"/>
+          </a:fillRef>
+          <a:effectRef idx="0">
+            <a:scrgbClr r="0" g="0" b="0"/>
+          </a:effectRef>
+          <a:fontRef idx="minor"/>
+        </p:style>
+      </p:sp>
+      <p:sp>
+        <p:nvSpPr>
+          <p:cNvPr id="155" name="CustomShape 4"/>
+          <p:cNvSpPr/>
+          <p:nvPr/>
+        </p:nvSpPr>
+        <p:spPr>
+          <a:xfrm>
+            <a:off x="72000" y="3531240"/>
+            <a:ext cx="1797480" cy="363960"/>
+          </a:xfrm>
+          <a:prstGeom prst="rect">
+            <a:avLst/>
+          </a:prstGeom>
+          <a:noFill/>
+          <a:ln>
+            <a:noFill/>
+          </a:ln>
+        </p:spPr>
+        <p:style>
+          <a:lnRef idx="0">
+            <a:scrgbClr r="0" g="0" b="0"/>
+          </a:lnRef>
+          <a:fillRef idx="0">
+            <a:scrgbClr r="0" g="0" b="0"/>
+          </a:fillRef>
+          <a:effectRef idx="0">
+            <a:scrgbClr r="0" g="0" b="0"/>
+          </a:effectRef>
+          <a:fontRef idx="minor"/>
+        </p:style>
+        <p:txBody>
+          <a:bodyPr wrap="none" lIns="90000" tIns="45000" rIns="90000" bIns="45000"/>
+          <a:lstStyle/>
+          <a:p>
+            <a:pPr>
+              <a:lnSpc>
+                <a:spcPct val="100000"/>
+              </a:lnSpc>
+            </a:pPr>
+            <a:r>
+              <a:rPr lang="en-AU" sz="1800" b="1" strike="noStrike" spc="-1">
+                <a:solidFill>
+                  <a:srgbClr val="000000"/>
+                </a:solidFill>
+                <a:latin typeface="Calibri"/>
+                <a:ea typeface="DejaVu Sans"/>
+              </a:rPr>
+              <a:t>Interface (1)</a:t>
+            </a:r>
+            <a:endParaRPr lang="en-AU" sz="1800" b="0" strike="noStrike" spc="-1">
+              <a:latin typeface="Arial"/>
+            </a:endParaRPr>
+          </a:p>
+        </p:txBody>
+      </p:sp>
       <p:pic>
         <p:nvPicPr>
-          <p:cNvPr id="167" name="Picture 6" descr=""/>
+          <p:cNvPr id="156" name="Picture 59"/>
           <p:cNvPicPr/>
           <p:nvPr/>
         </p:nvPicPr>
         <p:blipFill>
-          <a:blip r:embed="rId2"/>
+          <a:blip r:embed="rId5"/>
           <a:stretch/>
         </p:blipFill>
         <p:spPr>
           <a:xfrm>
-            <a:off x="685800" y="560160"/>
-            <a:ext cx="1269360" cy="1269360"/>
+            <a:off x="260280" y="4462200"/>
+            <a:ext cx="1111320" cy="1279080"/>
           </a:xfrm>
           <a:prstGeom prst="rect">
             <a:avLst/>
@@ -5211,18 +6337,18 @@
       </p:pic>
       <p:pic>
         <p:nvPicPr>
-          <p:cNvPr id="168" name="Picture 2" descr=""/>
+          <p:cNvPr id="157" name="Picture 61"/>
           <p:cNvPicPr/>
           <p:nvPr/>
         </p:nvPicPr>
         <p:blipFill>
-          <a:blip r:embed="rId3"/>
+          <a:blip r:embed="rId6"/>
           <a:stretch/>
         </p:blipFill>
         <p:spPr>
           <a:xfrm>
-            <a:off x="1320840" y="2656440"/>
-            <a:ext cx="2437200" cy="2437200"/>
+            <a:off x="5187240" y="1389960"/>
+            <a:ext cx="1436400" cy="1849680"/>
           </a:xfrm>
           <a:prstGeom prst="rect">
             <a:avLst/>
@@ -5232,24 +6358,363 @@
           </a:ln>
         </p:spPr>
       </p:pic>
+      <p:sp>
+        <p:nvSpPr>
+          <p:cNvPr id="158" name="CustomShape 5"/>
+          <p:cNvSpPr/>
+          <p:nvPr/>
+        </p:nvSpPr>
+        <p:spPr>
+          <a:xfrm>
+            <a:off x="8114760" y="3744000"/>
+            <a:ext cx="1797480" cy="363960"/>
+          </a:xfrm>
+          <a:prstGeom prst="rect">
+            <a:avLst/>
+          </a:prstGeom>
+          <a:noFill/>
+          <a:ln>
+            <a:noFill/>
+          </a:ln>
+        </p:spPr>
+        <p:style>
+          <a:lnRef idx="0">
+            <a:scrgbClr r="0" g="0" b="0"/>
+          </a:lnRef>
+          <a:fillRef idx="0">
+            <a:scrgbClr r="0" g="0" b="0"/>
+          </a:fillRef>
+          <a:effectRef idx="0">
+            <a:scrgbClr r="0" g="0" b="0"/>
+          </a:effectRef>
+          <a:fontRef idx="minor"/>
+        </p:style>
+        <p:txBody>
+          <a:bodyPr wrap="none" lIns="90000" tIns="45000" rIns="90000" bIns="45000"/>
+          <a:lstStyle/>
+          <a:p>
+            <a:pPr>
+              <a:lnSpc>
+                <a:spcPct val="100000"/>
+              </a:lnSpc>
+            </a:pPr>
+            <a:r>
+              <a:rPr lang="en-AU" sz="1800" b="1" strike="noStrike" spc="-1">
+                <a:solidFill>
+                  <a:srgbClr val="000000"/>
+                </a:solidFill>
+                <a:latin typeface="Calibri"/>
+                <a:ea typeface="DejaVu Sans"/>
+              </a:rPr>
+              <a:t>Interface (2)</a:t>
+            </a:r>
+            <a:endParaRPr lang="en-AU" sz="1800" b="0" strike="noStrike" spc="-1">
+              <a:latin typeface="Arial"/>
+            </a:endParaRPr>
+          </a:p>
+        </p:txBody>
+      </p:sp>
+      <p:sp>
+        <p:nvSpPr>
+          <p:cNvPr id="159" name="CustomShape 6"/>
+          <p:cNvSpPr/>
+          <p:nvPr/>
+        </p:nvSpPr>
+        <p:spPr>
+          <a:xfrm>
+            <a:off x="9248760" y="3982320"/>
+            <a:ext cx="2467800" cy="2467800"/>
+          </a:xfrm>
+          <a:prstGeom prst="ellipse">
+            <a:avLst/>
+          </a:prstGeom>
+          <a:noFill/>
+          <a:ln w="57240">
+            <a:solidFill>
+              <a:schemeClr val="tx1"/>
+            </a:solidFill>
+            <a:round/>
+          </a:ln>
+        </p:spPr>
+        <p:style>
+          <a:lnRef idx="2">
+            <a:schemeClr val="accent1">
+              <a:shade val="50000"/>
+            </a:schemeClr>
+          </a:lnRef>
+          <a:fillRef idx="1">
+            <a:schemeClr val="accent1"/>
+          </a:fillRef>
+          <a:effectRef idx="0">
+            <a:schemeClr val="accent1"/>
+          </a:effectRef>
+          <a:fontRef idx="minor"/>
+        </p:style>
+      </p:sp>
+      <p:pic>
+        <p:nvPicPr>
+          <p:cNvPr id="160" name="Picture 66"/>
+          <p:cNvPicPr/>
+          <p:nvPr/>
+        </p:nvPicPr>
+        <p:blipFill>
+          <a:blip r:embed="rId5"/>
+          <a:stretch/>
+        </p:blipFill>
+        <p:spPr>
+          <a:xfrm>
+            <a:off x="8526960" y="4582800"/>
+            <a:ext cx="1111320" cy="1279080"/>
+          </a:xfrm>
+          <a:prstGeom prst="rect">
+            <a:avLst/>
+          </a:prstGeom>
+          <a:ln>
+            <a:noFill/>
+          </a:ln>
+        </p:spPr>
+      </p:pic>
+      <p:sp>
+        <p:nvSpPr>
+          <p:cNvPr id="161" name="CustomShape 7"/>
+          <p:cNvSpPr/>
+          <p:nvPr/>
+        </p:nvSpPr>
+        <p:spPr>
+          <a:xfrm>
+            <a:off x="5259240" y="1967040"/>
+            <a:ext cx="1248120" cy="912600"/>
+          </a:xfrm>
+          <a:prstGeom prst="rect">
+            <a:avLst/>
+          </a:prstGeom>
+          <a:noFill/>
+          <a:ln>
+            <a:noFill/>
+          </a:ln>
+        </p:spPr>
+        <p:style>
+          <a:lnRef idx="0">
+            <a:scrgbClr r="0" g="0" b="0"/>
+          </a:lnRef>
+          <a:fillRef idx="0">
+            <a:scrgbClr r="0" g="0" b="0"/>
+          </a:fillRef>
+          <a:effectRef idx="0">
+            <a:scrgbClr r="0" g="0" b="0"/>
+          </a:effectRef>
+          <a:fontRef idx="minor"/>
+        </p:style>
+        <p:txBody>
+          <a:bodyPr lIns="90000" tIns="45000" rIns="90000" bIns="45000"/>
+          <a:lstStyle/>
+          <a:p>
+            <a:pPr algn="ctr">
+              <a:lnSpc>
+                <a:spcPct val="100000"/>
+              </a:lnSpc>
+            </a:pPr>
+            <a:r>
+              <a:rPr lang="en-AU" sz="1800" b="1" strike="noStrike" spc="-1">
+                <a:solidFill>
+                  <a:srgbClr val="000000"/>
+                </a:solidFill>
+                <a:latin typeface="Calibri"/>
+                <a:ea typeface="DejaVu Sans"/>
+              </a:rPr>
+              <a:t>SQL</a:t>
+            </a:r>
+            <a:endParaRPr lang="en-AU" sz="1800" b="0" strike="noStrike" spc="-1">
+              <a:latin typeface="Arial"/>
+            </a:endParaRPr>
+          </a:p>
+          <a:p>
+            <a:pPr algn="ctr">
+              <a:lnSpc>
+                <a:spcPct val="100000"/>
+              </a:lnSpc>
+            </a:pPr>
+            <a:r>
+              <a:rPr lang="en-AU" sz="1800" b="1" strike="noStrike" spc="-1">
+                <a:solidFill>
+                  <a:srgbClr val="000000"/>
+                </a:solidFill>
+                <a:latin typeface="Calibri"/>
+                <a:ea typeface="DejaVu Sans"/>
+              </a:rPr>
+              <a:t>Dump</a:t>
+            </a:r>
+            <a:endParaRPr lang="en-AU" sz="1800" b="0" strike="noStrike" spc="-1">
+              <a:latin typeface="Arial"/>
+            </a:endParaRPr>
+          </a:p>
+          <a:p>
+            <a:pPr algn="ctr">
+              <a:lnSpc>
+                <a:spcPct val="100000"/>
+              </a:lnSpc>
+            </a:pPr>
+            <a:r>
+              <a:rPr lang="en-AU" sz="1800" b="1" strike="noStrike" spc="-1">
+                <a:solidFill>
+                  <a:srgbClr val="000000"/>
+                </a:solidFill>
+                <a:latin typeface="Calibri"/>
+                <a:ea typeface="DejaVu Sans"/>
+              </a:rPr>
+              <a:t>File</a:t>
+            </a:r>
+            <a:endParaRPr lang="en-AU" sz="1800" b="0" strike="noStrike" spc="-1">
+              <a:latin typeface="Arial"/>
+            </a:endParaRPr>
+          </a:p>
+        </p:txBody>
+      </p:sp>
+      <p:sp>
+        <p:nvSpPr>
+          <p:cNvPr id="162" name="Line 8"/>
+          <p:cNvSpPr/>
+          <p:nvPr/>
+        </p:nvSpPr>
+        <p:spPr>
+          <a:xfrm>
+            <a:off x="0" y="0"/>
+            <a:ext cx="360" cy="360"/>
+          </a:xfrm>
+          <a:prstGeom prst="line">
+            <a:avLst/>
+          </a:prstGeom>
+          <a:ln w="36000">
+            <a:solidFill>
+              <a:srgbClr val="000000"/>
+            </a:solidFill>
+            <a:round/>
+            <a:headEnd type="triangle" w="med" len="med"/>
+            <a:tailEnd type="triangle" w="med" len="med"/>
+          </a:ln>
+        </p:spPr>
+        <p:style>
+          <a:lnRef idx="0">
+            <a:scrgbClr r="0" g="0" b="0"/>
+          </a:lnRef>
+          <a:fillRef idx="0">
+            <a:scrgbClr r="0" g="0" b="0"/>
+          </a:fillRef>
+          <a:effectRef idx="0">
+            <a:scrgbClr r="0" g="0" b="0"/>
+          </a:effectRef>
+          <a:fontRef idx="minor"/>
+        </p:style>
+      </p:sp>
+      <p:sp>
+        <p:nvSpPr>
+          <p:cNvPr id="163" name="Line 9"/>
+          <p:cNvSpPr/>
+          <p:nvPr/>
+        </p:nvSpPr>
+        <p:spPr>
+          <a:xfrm>
+            <a:off x="0" y="0"/>
+            <a:ext cx="360" cy="360"/>
+          </a:xfrm>
+          <a:prstGeom prst="line">
+            <a:avLst/>
+          </a:prstGeom>
+          <a:ln w="36000">
+            <a:solidFill>
+              <a:srgbClr val="000000"/>
+            </a:solidFill>
+            <a:round/>
+            <a:headEnd type="triangle" w="med" len="med"/>
+            <a:tailEnd type="triangle" w="med" len="med"/>
+          </a:ln>
+        </p:spPr>
+        <p:style>
+          <a:lnRef idx="0">
+            <a:scrgbClr r="0" g="0" b="0"/>
+          </a:lnRef>
+          <a:fillRef idx="0">
+            <a:scrgbClr r="0" g="0" b="0"/>
+          </a:fillRef>
+          <a:effectRef idx="0">
+            <a:scrgbClr r="0" g="0" b="0"/>
+          </a:effectRef>
+          <a:fontRef idx="minor"/>
+        </p:style>
+      </p:sp>
+      <p:sp>
+        <p:nvSpPr>
+          <p:cNvPr id="164" name="CustomShape 10"/>
+          <p:cNvSpPr/>
+          <p:nvPr/>
+        </p:nvSpPr>
+        <p:spPr>
+          <a:xfrm>
+            <a:off x="4320000" y="4869720"/>
+            <a:ext cx="3311640" cy="673920"/>
+          </a:xfrm>
+          <a:prstGeom prst="rect">
+            <a:avLst/>
+          </a:prstGeom>
+          <a:noFill/>
+          <a:ln>
+            <a:noFill/>
+          </a:ln>
+        </p:spPr>
+        <p:style>
+          <a:lnRef idx="0">
+            <a:scrgbClr r="0" g="0" b="0"/>
+          </a:lnRef>
+          <a:fillRef idx="0">
+            <a:scrgbClr r="0" g="0" b="0"/>
+          </a:fillRef>
+          <a:effectRef idx="0">
+            <a:scrgbClr r="0" g="0" b="0"/>
+          </a:effectRef>
+          <a:fontRef idx="minor"/>
+        </p:style>
+        <p:txBody>
+          <a:bodyPr lIns="90000" tIns="45000" rIns="90000" bIns="45000"/>
+          <a:lstStyle/>
+          <a:p>
+            <a:pPr algn="ctr">
+              <a:lnSpc>
+                <a:spcPct val="100000"/>
+              </a:lnSpc>
+            </a:pPr>
+            <a:r>
+              <a:rPr lang="en-AU" sz="1800" b="1" strike="noStrike" spc="-1">
+                <a:latin typeface="Arial"/>
+              </a:rPr>
+              <a:t>(Database imports &amp; exports may go in either direction)</a:t>
+            </a:r>
+            <a:endParaRPr lang="en-AU" sz="1800" b="0" strike="noStrike" spc="-1">
+              <a:latin typeface="Arial"/>
+            </a:endParaRPr>
+          </a:p>
+        </p:txBody>
+      </p:sp>
     </p:spTree>
   </p:cSld>
+  <p:clrMapOvr>
+    <a:masterClrMapping/>
+  </p:clrMapOvr>
   <p:timing>
     <p:tnLst>
       <p:par>
-        <p:cTn id="28" dur="indefinite" restart="never" nodeType="tmRoot">
+        <p:cTn id="1" dur="indefinite" restart="never" nodeType="tmRoot">
           <p:childTnLst>
             <p:seq>
-              <p:cTn id="29" dur="indefinite" nodeType="mainSeq"/>
+              <p:cTn id="2" dur="indefinite" nodeType="mainSeq"/>
               <p:prevCondLst>
-                <p:cond delay="0" evt="onPrev">
+                <p:cond evt="onPrev" delay="0">
                   <p:tgtEl>
                     <p:sldTgt/>
                   </p:tgtEl>
                 </p:cond>
               </p:prevCondLst>
               <p:nextCondLst>
-                <p:cond delay="0" evt="onNext">
+                <p:cond evt="onNext" delay="0">
                   <p:tgtEl>
                     <p:sldTgt/>
                   </p:tgtEl>
@@ -5265,7 +6730,7 @@
 </file>
 
 <file path=ppt/slides/slide11.xml><?xml version="1.0" encoding="utf-8"?>
-<p:sld xmlns:a="http://schemas.openxmlformats.org/drawingml/2006/main" xmlns:p="http://schemas.openxmlformats.org/presentationml/2006/main" xmlns:r="http://schemas.openxmlformats.org/officeDocument/2006/relationships" xmlns:p14="http://schemas.microsoft.com/office/powerpoint/2010/main" xmlns:p15="http://schemas.microsoft.com/office/powerpoint/2012/main" xmlns:mc="http://schemas.openxmlformats.org/markup-compatibility/2006">
+<p:sld xmlns:a="http://schemas.openxmlformats.org/drawingml/2006/main" xmlns:r="http://schemas.openxmlformats.org/officeDocument/2006/relationships" xmlns:p="http://schemas.openxmlformats.org/presentationml/2006/main">
   <p:cSld>
     <p:spTree>
       <p:nvGrpSpPr>
@@ -5283,7 +6748,7 @@
       </p:grpSpPr>
       <p:sp>
         <p:nvSpPr>
-          <p:cNvPr id="169" name="CustomShape 1"/>
+          <p:cNvPr id="165" name="CustomShape 1"/>
           <p:cNvSpPr/>
           <p:nvPr/>
         </p:nvSpPr>
@@ -5301,13 +6766,20 @@
           </a:ln>
         </p:spPr>
         <p:style>
-          <a:lnRef idx="0"/>
-          <a:fillRef idx="0"/>
-          <a:effectRef idx="0"/>
+          <a:lnRef idx="0">
+            <a:scrgbClr r="0" g="0" b="0"/>
+          </a:lnRef>
+          <a:fillRef idx="0">
+            <a:scrgbClr r="0" g="0" b="0"/>
+          </a:fillRef>
+          <a:effectRef idx="0">
+            <a:scrgbClr r="0" g="0" b="0"/>
+          </a:effectRef>
           <a:fontRef idx="minor"/>
         </p:style>
         <p:txBody>
-          <a:bodyPr lIns="90000" rIns="90000" tIns="45000" bIns="45000"/>
+          <a:bodyPr lIns="90000" tIns="45000" rIns="90000" bIns="45000"/>
+          <a:lstStyle/>
           <a:p>
             <a:pPr algn="ctr">
               <a:lnSpc>
@@ -5315,7 +6787,7 @@
               </a:lnSpc>
             </a:pPr>
             <a:r>
-              <a:rPr b="1" lang="en-AU" sz="3600" spc="-1" strike="noStrike">
+              <a:rPr lang="en-AU" sz="3600" b="1" strike="noStrike" spc="-1">
                 <a:solidFill>
                   <a:srgbClr val="000000"/>
                 </a:solidFill>
@@ -5324,7 +6796,7 @@
               </a:rPr>
               <a:t>Database Migration</a:t>
             </a:r>
-            <a:endParaRPr b="0" lang="en-AU" sz="3600" spc="-1" strike="noStrike">
+            <a:endParaRPr lang="en-AU" sz="3600" b="0" strike="noStrike" spc="-1">
               <a:latin typeface="Arial"/>
             </a:endParaRPr>
           </a:p>
@@ -5335,7 +6807,204 @@
               </a:lnSpc>
             </a:pPr>
             <a:r>
-              <a:rPr b="1" lang="en-AU" sz="2400" spc="-1" strike="noStrike">
+              <a:rPr lang="en-AU" sz="2400" b="1" strike="noStrike" spc="-1">
+                <a:solidFill>
+                  <a:srgbClr val="000000"/>
+                </a:solidFill>
+                <a:latin typeface="Calibri"/>
+                <a:ea typeface="DejaVu Sans"/>
+              </a:rPr>
+              <a:t>(new strategy)</a:t>
+            </a:r>
+            <a:endParaRPr lang="en-AU" sz="2400" b="0" strike="noStrike" spc="-1">
+              <a:latin typeface="Arial"/>
+            </a:endParaRPr>
+          </a:p>
+        </p:txBody>
+      </p:sp>
+      <p:pic>
+        <p:nvPicPr>
+          <p:cNvPr id="166" name="Picture 5"/>
+          <p:cNvPicPr/>
+          <p:nvPr/>
+        </p:nvPicPr>
+        <p:blipFill>
+          <a:blip r:embed="rId3"/>
+          <a:stretch/>
+        </p:blipFill>
+        <p:spPr>
+          <a:xfrm>
+            <a:off x="4807440" y="1830240"/>
+            <a:ext cx="2576520" cy="3196080"/>
+          </a:xfrm>
+          <a:prstGeom prst="rect">
+            <a:avLst/>
+          </a:prstGeom>
+          <a:ln>
+            <a:noFill/>
+          </a:ln>
+        </p:spPr>
+      </p:pic>
+      <p:pic>
+        <p:nvPicPr>
+          <p:cNvPr id="167" name="Picture 6"/>
+          <p:cNvPicPr/>
+          <p:nvPr/>
+        </p:nvPicPr>
+        <p:blipFill>
+          <a:blip r:embed="rId4"/>
+          <a:stretch/>
+        </p:blipFill>
+        <p:spPr>
+          <a:xfrm>
+            <a:off x="685800" y="560160"/>
+            <a:ext cx="1269360" cy="1269360"/>
+          </a:xfrm>
+          <a:prstGeom prst="rect">
+            <a:avLst/>
+          </a:prstGeom>
+          <a:ln>
+            <a:noFill/>
+          </a:ln>
+        </p:spPr>
+      </p:pic>
+      <p:pic>
+        <p:nvPicPr>
+          <p:cNvPr id="168" name="Picture 2"/>
+          <p:cNvPicPr/>
+          <p:nvPr/>
+        </p:nvPicPr>
+        <p:blipFill>
+          <a:blip r:embed="rId5"/>
+          <a:stretch/>
+        </p:blipFill>
+        <p:spPr>
+          <a:xfrm>
+            <a:off x="1320840" y="2656440"/>
+            <a:ext cx="2437200" cy="2437200"/>
+          </a:xfrm>
+          <a:prstGeom prst="rect">
+            <a:avLst/>
+          </a:prstGeom>
+          <a:ln>
+            <a:noFill/>
+          </a:ln>
+        </p:spPr>
+      </p:pic>
+    </p:spTree>
+  </p:cSld>
+  <p:clrMapOvr>
+    <a:masterClrMapping/>
+  </p:clrMapOvr>
+  <p:timing>
+    <p:tnLst>
+      <p:par>
+        <p:cTn id="1" dur="indefinite" restart="never" nodeType="tmRoot">
+          <p:childTnLst>
+            <p:seq>
+              <p:cTn id="2" dur="indefinite" nodeType="mainSeq"/>
+              <p:prevCondLst>
+                <p:cond evt="onPrev" delay="0">
+                  <p:tgtEl>
+                    <p:sldTgt/>
+                  </p:tgtEl>
+                </p:cond>
+              </p:prevCondLst>
+              <p:nextCondLst>
+                <p:cond evt="onNext" delay="0">
+                  <p:tgtEl>
+                    <p:sldTgt/>
+                  </p:tgtEl>
+                </p:cond>
+              </p:nextCondLst>
+            </p:seq>
+          </p:childTnLst>
+        </p:cTn>
+      </p:par>
+    </p:tnLst>
+  </p:timing>
+</p:sld>
+</file>
+
+<file path=ppt/slides/slide12.xml><?xml version="1.0" encoding="utf-8"?>
+<p:sld xmlns:a="http://schemas.openxmlformats.org/drawingml/2006/main" xmlns:r="http://schemas.openxmlformats.org/officeDocument/2006/relationships" xmlns:p="http://schemas.openxmlformats.org/presentationml/2006/main">
+  <p:cSld>
+    <p:spTree>
+      <p:nvGrpSpPr>
+        <p:cNvPr id="1" name=""/>
+        <p:cNvGrpSpPr/>
+        <p:nvPr/>
+      </p:nvGrpSpPr>
+      <p:grpSpPr>
+        <a:xfrm>
+          <a:off x="0" y="0"/>
+          <a:ext cx="0" cy="0"/>
+          <a:chOff x="0" y="0"/>
+          <a:chExt cx="0" cy="0"/>
+        </a:xfrm>
+      </p:grpSpPr>
+      <p:sp>
+        <p:nvSpPr>
+          <p:cNvPr id="169" name="CustomShape 1"/>
+          <p:cNvSpPr/>
+          <p:nvPr/>
+        </p:nvSpPr>
+        <p:spPr>
+          <a:xfrm>
+            <a:off x="0" y="169920"/>
+            <a:ext cx="12191040" cy="1004040"/>
+          </a:xfrm>
+          <a:prstGeom prst="rect">
+            <a:avLst/>
+          </a:prstGeom>
+          <a:noFill/>
+          <a:ln>
+            <a:noFill/>
+          </a:ln>
+        </p:spPr>
+        <p:style>
+          <a:lnRef idx="0">
+            <a:scrgbClr r="0" g="0" b="0"/>
+          </a:lnRef>
+          <a:fillRef idx="0">
+            <a:scrgbClr r="0" g="0" b="0"/>
+          </a:fillRef>
+          <a:effectRef idx="0">
+            <a:scrgbClr r="0" g="0" b="0"/>
+          </a:effectRef>
+          <a:fontRef idx="minor"/>
+        </p:style>
+        <p:txBody>
+          <a:bodyPr lIns="90000" tIns="45000" rIns="90000" bIns="45000"/>
+          <a:lstStyle/>
+          <a:p>
+            <a:pPr algn="ctr">
+              <a:lnSpc>
+                <a:spcPct val="100000"/>
+              </a:lnSpc>
+            </a:pPr>
+            <a:r>
+              <a:rPr lang="en-AU" sz="3600" b="1" strike="noStrike" spc="-1">
+                <a:solidFill>
+                  <a:srgbClr val="000000"/>
+                </a:solidFill>
+                <a:latin typeface="Calibri"/>
+                <a:ea typeface="DejaVu Sans"/>
+              </a:rPr>
+              <a:t>Database Migration</a:t>
+            </a:r>
+            <a:endParaRPr lang="en-AU" sz="3600" b="0" strike="noStrike" spc="-1">
+              <a:latin typeface="Arial"/>
+            </a:endParaRPr>
+          </a:p>
+          <a:p>
+            <a:pPr algn="ctr">
+              <a:lnSpc>
+                <a:spcPct val="100000"/>
+              </a:lnSpc>
+            </a:pPr>
+            <a:r>
+              <a:rPr lang="en-AU" sz="2400" b="1" strike="noStrike" spc="-1">
                 <a:solidFill>
                   <a:srgbClr val="000000"/>
                 </a:solidFill>
@@ -5344,7 +7013,7 @@
               </a:rPr>
               <a:t>(after-thoughts)</a:t>
             </a:r>
-            <a:endParaRPr b="0" lang="en-AU" sz="2400" spc="-1" strike="noStrike">
+            <a:endParaRPr lang="en-AU" sz="2400" b="0" strike="noStrike" spc="-1">
               <a:latin typeface="Arial"/>
             </a:endParaRPr>
           </a:p>
@@ -5370,13 +7039,20 @@
           </a:ln>
         </p:spPr>
         <p:style>
-          <a:lnRef idx="0"/>
-          <a:fillRef idx="0"/>
-          <a:effectRef idx="0"/>
+          <a:lnRef idx="0">
+            <a:scrgbClr r="0" g="0" b="0"/>
+          </a:lnRef>
+          <a:fillRef idx="0">
+            <a:scrgbClr r="0" g="0" b="0"/>
+          </a:fillRef>
+          <a:effectRef idx="0">
+            <a:scrgbClr r="0" g="0" b="0"/>
+          </a:effectRef>
           <a:fontRef idx="minor"/>
         </p:style>
         <p:txBody>
-          <a:bodyPr lIns="90000" rIns="90000" tIns="45000" bIns="45000"/>
+          <a:bodyPr lIns="90000" tIns="45000" rIns="90000" bIns="45000"/>
+          <a:lstStyle/>
           <a:p>
             <a:pPr algn="ctr">
               <a:lnSpc>
@@ -5384,7 +7060,7 @@
               </a:lnSpc>
             </a:pPr>
             <a:r>
-              <a:rPr b="1" lang="en-AU" sz="1800" spc="-1" strike="noStrike">
+              <a:rPr lang="en-AU" sz="1800" b="1" strike="noStrike" spc="-1">
                 <a:solidFill>
                   <a:srgbClr val="000000"/>
                 </a:solidFill>
@@ -5393,7 +7069,7 @@
               </a:rPr>
               <a:t>Problem?</a:t>
             </a:r>
-            <a:endParaRPr b="0" lang="en-AU" sz="1800" spc="-1" strike="noStrike">
+            <a:endParaRPr lang="en-AU" sz="1800" b="0" strike="noStrike" spc="-1">
               <a:latin typeface="Arial"/>
             </a:endParaRPr>
           </a:p>
@@ -5404,7 +7080,7 @@
               </a:lnSpc>
             </a:pPr>
             <a:r>
-              <a:rPr b="0" lang="en-AU" sz="1800" spc="-1" strike="noStrike">
+              <a:rPr lang="en-AU" sz="1800" b="0" strike="noStrike" spc="-1">
                 <a:solidFill>
                   <a:srgbClr val="000000"/>
                 </a:solidFill>
@@ -5414,7 +7090,7 @@
               <a:t>SQL dump file is a </a:t>
             </a:r>
             <a:r>
-              <a:rPr b="0" lang="en-AU" sz="1800" spc="-1" strike="noStrike" u="sng">
+              <a:rPr lang="en-AU" sz="1800" b="0" u="sng" strike="noStrike" spc="-1">
                 <a:solidFill>
                   <a:srgbClr val="000000"/>
                 </a:solidFill>
@@ -5425,7 +7101,7 @@
               <a:t>monolithic</a:t>
             </a:r>
             <a:r>
-              <a:rPr b="0" lang="en-AU" sz="1800" spc="-1" strike="noStrike">
+              <a:rPr lang="en-AU" sz="1800" b="0" strike="noStrike" spc="-1">
                 <a:solidFill>
                   <a:srgbClr val="000000"/>
                 </a:solidFill>
@@ -5435,7 +7111,7 @@
               <a:t> approach that can disrupt </a:t>
             </a:r>
             <a:r>
-              <a:rPr b="0" lang="en-AU" sz="1800" spc="-1" strike="noStrike" u="sng">
+              <a:rPr lang="en-AU" sz="1800" b="0" u="sng" strike="noStrike" spc="-1">
                 <a:solidFill>
                   <a:srgbClr val="000000"/>
                 </a:solidFill>
@@ -5446,7 +7122,7 @@
               <a:t>data integrity</a:t>
             </a:r>
             <a:r>
-              <a:rPr b="0" lang="en-AU" sz="1800" spc="-1" strike="noStrike">
+              <a:rPr lang="en-AU" sz="1800" b="0" strike="noStrike" spc="-1">
                 <a:solidFill>
                   <a:srgbClr val="000000"/>
                 </a:solidFill>
@@ -5455,7 +7131,7 @@
               </a:rPr>
               <a:t> since .</a:t>
             </a:r>
-            <a:endParaRPr b="0" lang="en-AU" sz="1800" spc="-1" strike="noStrike">
+            <a:endParaRPr lang="en-AU" sz="1800" b="0" strike="noStrike" spc="-1">
               <a:latin typeface="Arial"/>
             </a:endParaRPr>
           </a:p>
@@ -5481,13 +7157,20 @@
           </a:ln>
         </p:spPr>
         <p:style>
-          <a:lnRef idx="0"/>
-          <a:fillRef idx="0"/>
-          <a:effectRef idx="0"/>
+          <a:lnRef idx="0">
+            <a:scrgbClr r="0" g="0" b="0"/>
+          </a:lnRef>
+          <a:fillRef idx="0">
+            <a:scrgbClr r="0" g="0" b="0"/>
+          </a:fillRef>
+          <a:effectRef idx="0">
+            <a:scrgbClr r="0" g="0" b="0"/>
+          </a:effectRef>
           <a:fontRef idx="minor"/>
         </p:style>
         <p:txBody>
-          <a:bodyPr lIns="90000" rIns="90000" tIns="45000" bIns="45000"/>
+          <a:bodyPr lIns="90000" tIns="45000" rIns="90000" bIns="45000"/>
+          <a:lstStyle/>
           <a:p>
             <a:pPr algn="ctr">
               <a:lnSpc>
@@ -5495,7 +7178,7 @@
               </a:lnSpc>
             </a:pPr>
             <a:r>
-              <a:rPr b="1" lang="en-AU" sz="1800" spc="-1" strike="noStrike">
+              <a:rPr lang="en-AU" sz="1800" b="1" strike="noStrike" spc="-1">
                 <a:solidFill>
                   <a:srgbClr val="000000"/>
                 </a:solidFill>
@@ -5504,7 +7187,7 @@
               </a:rPr>
               <a:t>Solution?</a:t>
             </a:r>
-            <a:endParaRPr b="0" lang="en-AU" sz="1800" spc="-1" strike="noStrike">
+            <a:endParaRPr lang="en-AU" sz="1800" b="0" strike="noStrike" spc="-1">
               <a:latin typeface="Arial"/>
             </a:endParaRPr>
           </a:p>
@@ -5515,7 +7198,7 @@
               </a:lnSpc>
             </a:pPr>
             <a:r>
-              <a:rPr b="0" lang="en-AU" sz="1800" spc="-1" strike="noStrike">
+              <a:rPr lang="en-AU" sz="1800" b="0" strike="noStrike" spc="-1">
                 <a:solidFill>
                   <a:srgbClr val="000000"/>
                 </a:solidFill>
@@ -5525,7 +7208,7 @@
               <a:t>Use </a:t>
             </a:r>
             <a:r>
-              <a:rPr b="0" lang="en-AU" sz="1800" spc="-1" strike="noStrike" u="sng">
+              <a:rPr lang="en-AU" sz="1800" b="0" u="sng" strike="noStrike" spc="-1">
                 <a:solidFill>
                   <a:srgbClr val="000000"/>
                 </a:solidFill>
@@ -5536,7 +7219,7 @@
               <a:t>rollback</a:t>
             </a:r>
             <a:r>
-              <a:rPr b="0" lang="en-AU" sz="1800" spc="-1" strike="noStrike">
+              <a:rPr lang="en-AU" sz="1800" b="0" strike="noStrike" spc="-1">
                 <a:solidFill>
                   <a:srgbClr val="000000"/>
                 </a:solidFill>
@@ -5545,7 +7228,7 @@
               </a:rPr>
               <a:t> approach such as version-controlled queries.</a:t>
             </a:r>
-            <a:endParaRPr b="0" lang="en-AU" sz="1800" spc="-1" strike="noStrike">
+            <a:endParaRPr lang="en-AU" sz="1800" b="0" strike="noStrike" spc="-1">
               <a:latin typeface="Arial"/>
             </a:endParaRPr>
           </a:p>
@@ -5567,12 +7250,12 @@
         </p:grpSpPr>
         <p:pic>
           <p:nvPicPr>
-            <p:cNvPr id="173" name="Picture 9" descr=""/>
+            <p:cNvPr id="173" name="Picture 9"/>
             <p:cNvPicPr/>
             <p:nvPr/>
           </p:nvPicPr>
           <p:blipFill>
-            <a:blip r:embed="rId1"/>
+            <a:blip r:embed="rId3"/>
             <a:stretch/>
           </p:blipFill>
           <p:spPr>
@@ -5590,12 +7273,12 @@
         </p:pic>
         <p:pic>
           <p:nvPicPr>
-            <p:cNvPr id="174" name="Picture 6" descr=""/>
+            <p:cNvPr id="174" name="Picture 6"/>
             <p:cNvPicPr/>
             <p:nvPr/>
           </p:nvPicPr>
           <p:blipFill>
-            <a:blip r:embed="rId2"/>
+            <a:blip r:embed="rId4"/>
             <a:stretch/>
           </p:blipFill>
           <p:spPr>
@@ -5613,7 +7296,7 @@
         </p:pic>
         <p:pic>
           <p:nvPicPr>
-            <p:cNvPr id="175" name="Picture 8" descr=""/>
+            <p:cNvPr id="175" name="Picture 8"/>
             <p:cNvPicPr/>
             <p:nvPr/>
           </p:nvPicPr>
@@ -5637,22 +7320,25 @@
       </p:grpSp>
     </p:spTree>
   </p:cSld>
+  <p:clrMapOvr>
+    <a:masterClrMapping/>
+  </p:clrMapOvr>
   <p:timing>
     <p:tnLst>
       <p:par>
-        <p:cTn id="30" dur="indefinite" restart="never" nodeType="tmRoot">
+        <p:cTn id="1" dur="indefinite" restart="never" nodeType="tmRoot">
           <p:childTnLst>
             <p:seq>
-              <p:cTn id="31" dur="indefinite" nodeType="mainSeq"/>
+              <p:cTn id="2" dur="indefinite" nodeType="mainSeq"/>
               <p:prevCondLst>
-                <p:cond delay="0" evt="onPrev">
+                <p:cond evt="onPrev" delay="0">
                   <p:tgtEl>
                     <p:sldTgt/>
                   </p:tgtEl>
                 </p:cond>
               </p:prevCondLst>
               <p:nextCondLst>
-                <p:cond delay="0" evt="onNext">
+                <p:cond evt="onNext" delay="0">
                   <p:tgtEl>
                     <p:sldTgt/>
                   </p:tgtEl>
@@ -5667,8 +7353,8 @@
 </p:sld>
 </file>
 
-<file path=ppt/slides/slide12.xml><?xml version="1.0" encoding="utf-8"?>
-<p:sld xmlns:a="http://schemas.openxmlformats.org/drawingml/2006/main" xmlns:p="http://schemas.openxmlformats.org/presentationml/2006/main" xmlns:r="http://schemas.openxmlformats.org/officeDocument/2006/relationships" xmlns:p14="http://schemas.microsoft.com/office/powerpoint/2010/main" xmlns:p15="http://schemas.microsoft.com/office/powerpoint/2012/main" xmlns:mc="http://schemas.openxmlformats.org/markup-compatibility/2006">
+<file path=ppt/slides/slide13.xml><?xml version="1.0" encoding="utf-8"?>
+<p:sld xmlns:a="http://schemas.openxmlformats.org/drawingml/2006/main" xmlns:r="http://schemas.openxmlformats.org/officeDocument/2006/relationships" xmlns:p="http://schemas.openxmlformats.org/presentationml/2006/main">
   <p:cSld>
     <p:spTree>
       <p:nvGrpSpPr>
@@ -5686,12 +7372,12 @@
       </p:grpSpPr>
       <p:pic>
         <p:nvPicPr>
-          <p:cNvPr id="176" name="Picture 3" descr=""/>
+          <p:cNvPr id="176" name="Picture 3"/>
           <p:cNvPicPr/>
           <p:nvPr/>
         </p:nvPicPr>
         <p:blipFill>
-          <a:blip r:embed="rId1"/>
+          <a:blip r:embed="rId2"/>
           <a:stretch/>
         </p:blipFill>
         <p:spPr>
@@ -5727,13 +7413,20 @@
           </a:ln>
         </p:spPr>
         <p:style>
-          <a:lnRef idx="0"/>
-          <a:fillRef idx="0"/>
-          <a:effectRef idx="0"/>
+          <a:lnRef idx="0">
+            <a:scrgbClr r="0" g="0" b="0"/>
+          </a:lnRef>
+          <a:fillRef idx="0">
+            <a:scrgbClr r="0" g="0" b="0"/>
+          </a:fillRef>
+          <a:effectRef idx="0">
+            <a:scrgbClr r="0" g="0" b="0"/>
+          </a:effectRef>
           <a:fontRef idx="minor"/>
         </p:style>
         <p:txBody>
-          <a:bodyPr lIns="90000" rIns="90000" tIns="45000" bIns="45000"/>
+          <a:bodyPr lIns="90000" tIns="45000" rIns="90000" bIns="45000"/>
+          <a:lstStyle/>
           <a:p>
             <a:pPr algn="ctr">
               <a:lnSpc>
@@ -5741,7 +7434,7 @@
               </a:lnSpc>
             </a:pPr>
             <a:r>
-              <a:rPr b="1" lang="en-AU" sz="3600" spc="-1" strike="noStrike">
+              <a:rPr lang="en-AU" sz="3600" b="1" strike="noStrike" spc="-1">
                 <a:solidFill>
                   <a:srgbClr val="000000"/>
                 </a:solidFill>
@@ -5750,7 +7443,7 @@
               </a:rPr>
               <a:t>Deployment</a:t>
             </a:r>
-            <a:endParaRPr b="0" lang="en-AU" sz="3600" spc="-1" strike="noStrike">
+            <a:endParaRPr lang="en-AU" sz="3600" b="0" strike="noStrike" spc="-1">
               <a:latin typeface="Arial"/>
             </a:endParaRPr>
           </a:p>
@@ -5758,22 +7451,25 @@
       </p:sp>
     </p:spTree>
   </p:cSld>
+  <p:clrMapOvr>
+    <a:masterClrMapping/>
+  </p:clrMapOvr>
   <p:timing>
     <p:tnLst>
       <p:par>
-        <p:cTn id="32" dur="indefinite" restart="never" nodeType="tmRoot">
+        <p:cTn id="1" dur="indefinite" restart="never" nodeType="tmRoot">
           <p:childTnLst>
             <p:seq>
-              <p:cTn id="33" dur="indefinite" nodeType="mainSeq"/>
+              <p:cTn id="2" dur="indefinite" nodeType="mainSeq"/>
               <p:prevCondLst>
-                <p:cond delay="0" evt="onPrev">
+                <p:cond evt="onPrev" delay="0">
                   <p:tgtEl>
                     <p:sldTgt/>
                   </p:tgtEl>
                 </p:cond>
               </p:prevCondLst>
               <p:nextCondLst>
-                <p:cond delay="0" evt="onNext">
+                <p:cond evt="onNext" delay="0">
                   <p:tgtEl>
                     <p:sldTgt/>
                   </p:tgtEl>
@@ -5788,8 +7484,8 @@
 </p:sld>
 </file>
 
-<file path=ppt/slides/slide13.xml><?xml version="1.0" encoding="utf-8"?>
-<p:sld xmlns:a="http://schemas.openxmlformats.org/drawingml/2006/main" xmlns:p="http://schemas.openxmlformats.org/presentationml/2006/main" xmlns:r="http://schemas.openxmlformats.org/officeDocument/2006/relationships" xmlns:p14="http://schemas.microsoft.com/office/powerpoint/2010/main" xmlns:p15="http://schemas.microsoft.com/office/powerpoint/2012/main" xmlns:mc="http://schemas.openxmlformats.org/markup-compatibility/2006">
+<file path=ppt/slides/slide14.xml><?xml version="1.0" encoding="utf-8"?>
+<p:sld xmlns:a="http://schemas.openxmlformats.org/drawingml/2006/main" xmlns:r="http://schemas.openxmlformats.org/officeDocument/2006/relationships" xmlns:p="http://schemas.openxmlformats.org/presentationml/2006/main">
   <p:cSld>
     <p:spTree>
       <p:nvGrpSpPr>
@@ -5825,13 +7521,20 @@
           </a:ln>
         </p:spPr>
         <p:style>
-          <a:lnRef idx="0"/>
-          <a:fillRef idx="0"/>
-          <a:effectRef idx="0"/>
+          <a:lnRef idx="0">
+            <a:scrgbClr r="0" g="0" b="0"/>
+          </a:lnRef>
+          <a:fillRef idx="0">
+            <a:scrgbClr r="0" g="0" b="0"/>
+          </a:fillRef>
+          <a:effectRef idx="0">
+            <a:scrgbClr r="0" g="0" b="0"/>
+          </a:effectRef>
           <a:fontRef idx="minor"/>
         </p:style>
         <p:txBody>
-          <a:bodyPr lIns="90000" rIns="90000" tIns="45000" bIns="45000"/>
+          <a:bodyPr lIns="90000" tIns="45000" rIns="90000" bIns="45000"/>
+          <a:lstStyle/>
           <a:p>
             <a:pPr algn="ctr">
               <a:lnSpc>
@@ -5839,7 +7542,7 @@
               </a:lnSpc>
             </a:pPr>
             <a:r>
-              <a:rPr b="1" lang="en-AU" sz="3600" spc="-1" strike="noStrike">
+              <a:rPr lang="en-AU" sz="3600" b="1" strike="noStrike" spc="-1">
                 <a:solidFill>
                   <a:srgbClr val="000000"/>
                 </a:solidFill>
@@ -5848,7 +7551,7 @@
               </a:rPr>
               <a:t>Security</a:t>
             </a:r>
-            <a:endParaRPr b="0" lang="en-AU" sz="3600" spc="-1" strike="noStrike">
+            <a:endParaRPr lang="en-AU" sz="3600" b="0" strike="noStrike" spc="-1">
               <a:latin typeface="Arial"/>
             </a:endParaRPr>
           </a:p>
@@ -5856,22 +7559,25 @@
       </p:sp>
     </p:spTree>
   </p:cSld>
+  <p:clrMapOvr>
+    <a:masterClrMapping/>
+  </p:clrMapOvr>
   <p:timing>
     <p:tnLst>
       <p:par>
-        <p:cTn id="34" dur="indefinite" restart="never" nodeType="tmRoot">
+        <p:cTn id="1" dur="indefinite" restart="never" nodeType="tmRoot">
           <p:childTnLst>
             <p:seq>
-              <p:cTn id="35" dur="indefinite" nodeType="mainSeq"/>
+              <p:cTn id="2" dur="indefinite" nodeType="mainSeq"/>
               <p:prevCondLst>
-                <p:cond delay="0" evt="onPrev">
+                <p:cond evt="onPrev" delay="0">
                   <p:tgtEl>
                     <p:sldTgt/>
                   </p:tgtEl>
                 </p:cond>
               </p:prevCondLst>
               <p:nextCondLst>
-                <p:cond delay="0" evt="onNext">
+                <p:cond evt="onNext" delay="0">
                   <p:tgtEl>
                     <p:sldTgt/>
                   </p:tgtEl>
@@ -5886,8 +7592,8 @@
 </p:sld>
 </file>
 
-<file path=ppt/slides/slide14.xml><?xml version="1.0" encoding="utf-8"?>
-<p:sld xmlns:a="http://schemas.openxmlformats.org/drawingml/2006/main" xmlns:p="http://schemas.openxmlformats.org/presentationml/2006/main" xmlns:r="http://schemas.openxmlformats.org/officeDocument/2006/relationships" xmlns:p14="http://schemas.microsoft.com/office/powerpoint/2010/main" xmlns:p15="http://schemas.microsoft.com/office/powerpoint/2012/main" xmlns:mc="http://schemas.openxmlformats.org/markup-compatibility/2006">
+<file path=ppt/slides/slide15.xml><?xml version="1.0" encoding="utf-8"?>
+<p:sld xmlns:a="http://schemas.openxmlformats.org/drawingml/2006/main" xmlns:r="http://schemas.openxmlformats.org/officeDocument/2006/relationships" xmlns:p="http://schemas.openxmlformats.org/presentationml/2006/main">
   <p:cSld>
     <p:spTree>
       <p:nvGrpSpPr>
@@ -5923,13 +7629,20 @@
           </a:ln>
         </p:spPr>
         <p:style>
-          <a:lnRef idx="0"/>
-          <a:fillRef idx="0"/>
-          <a:effectRef idx="0"/>
+          <a:lnRef idx="0">
+            <a:scrgbClr r="0" g="0" b="0"/>
+          </a:lnRef>
+          <a:fillRef idx="0">
+            <a:scrgbClr r="0" g="0" b="0"/>
+          </a:fillRef>
+          <a:effectRef idx="0">
+            <a:scrgbClr r="0" g="0" b="0"/>
+          </a:effectRef>
           <a:fontRef idx="minor"/>
         </p:style>
         <p:txBody>
-          <a:bodyPr lIns="90000" rIns="90000" tIns="45000" bIns="45000"/>
+          <a:bodyPr lIns="90000" tIns="45000" rIns="90000" bIns="45000"/>
+          <a:lstStyle/>
           <a:p>
             <a:pPr algn="ctr">
               <a:lnSpc>
@@ -5937,7 +7650,7 @@
               </a:lnSpc>
             </a:pPr>
             <a:r>
-              <a:rPr b="1" lang="en-AU" sz="3600" spc="-1" strike="noStrike">
+              <a:rPr lang="en-AU" sz="3600" b="1" strike="noStrike" spc="-1">
                 <a:solidFill>
                   <a:srgbClr val="000000"/>
                 </a:solidFill>
@@ -5946,7 +7659,7 @@
               </a:rPr>
               <a:t>Any Questions ???</a:t>
             </a:r>
-            <a:endParaRPr b="0" lang="en-AU" sz="3600" spc="-1" strike="noStrike">
+            <a:endParaRPr lang="en-AU" sz="3600" b="0" strike="noStrike" spc="-1">
               <a:latin typeface="Arial"/>
             </a:endParaRPr>
           </a:p>
@@ -5954,12 +7667,12 @@
       </p:sp>
       <p:pic>
         <p:nvPicPr>
-          <p:cNvPr id="180" name="Picture 4" descr=""/>
+          <p:cNvPr id="180" name="Picture 4"/>
           <p:cNvPicPr/>
           <p:nvPr/>
         </p:nvPicPr>
         <p:blipFill>
-          <a:blip r:embed="rId1"/>
+          <a:blip r:embed="rId2"/>
           <a:stretch/>
         </p:blipFill>
         <p:spPr>
@@ -5977,22 +7690,25 @@
       </p:pic>
     </p:spTree>
   </p:cSld>
+  <p:clrMapOvr>
+    <a:masterClrMapping/>
+  </p:clrMapOvr>
   <p:timing>
     <p:tnLst>
       <p:par>
-        <p:cTn id="36" dur="indefinite" restart="never" nodeType="tmRoot">
+        <p:cTn id="1" dur="indefinite" restart="never" nodeType="tmRoot">
           <p:childTnLst>
             <p:seq>
-              <p:cTn id="37" dur="indefinite" nodeType="mainSeq"/>
+              <p:cTn id="2" dur="indefinite" nodeType="mainSeq"/>
               <p:prevCondLst>
-                <p:cond delay="0" evt="onPrev">
+                <p:cond evt="onPrev" delay="0">
                   <p:tgtEl>
                     <p:sldTgt/>
                   </p:tgtEl>
                 </p:cond>
               </p:prevCondLst>
               <p:nextCondLst>
-                <p:cond delay="0" evt="onNext">
+                <p:cond evt="onNext" delay="0">
                   <p:tgtEl>
                     <p:sldTgt/>
                   </p:tgtEl>
@@ -6008,7 +7724,7 @@
 </file>
 
 <file path=ppt/slides/slide2.xml><?xml version="1.0" encoding="utf-8"?>
-<p:sld xmlns:a="http://schemas.openxmlformats.org/drawingml/2006/main" xmlns:p="http://schemas.openxmlformats.org/presentationml/2006/main" xmlns:r="http://schemas.openxmlformats.org/officeDocument/2006/relationships" xmlns:p14="http://schemas.microsoft.com/office/powerpoint/2010/main" xmlns:p15="http://schemas.microsoft.com/office/powerpoint/2012/main" xmlns:mc="http://schemas.openxmlformats.org/markup-compatibility/2006">
+<p:sld xmlns:a="http://schemas.openxmlformats.org/drawingml/2006/main" xmlns:r="http://schemas.openxmlformats.org/officeDocument/2006/relationships" xmlns:p="http://schemas.openxmlformats.org/presentationml/2006/main">
   <p:cSld>
     <p:spTree>
       <p:nvGrpSpPr>
@@ -6044,13 +7760,20 @@
           </a:ln>
         </p:spPr>
         <p:style>
-          <a:lnRef idx="0"/>
-          <a:fillRef idx="0"/>
-          <a:effectRef idx="0"/>
+          <a:lnRef idx="0">
+            <a:scrgbClr r="0" g="0" b="0"/>
+          </a:lnRef>
+          <a:fillRef idx="0">
+            <a:scrgbClr r="0" g="0" b="0"/>
+          </a:fillRef>
+          <a:effectRef idx="0">
+            <a:scrgbClr r="0" g="0" b="0"/>
+          </a:effectRef>
           <a:fontRef idx="minor"/>
         </p:style>
         <p:txBody>
-          <a:bodyPr lIns="90000" rIns="90000" tIns="45000" bIns="45000"/>
+          <a:bodyPr lIns="90000" tIns="45000" rIns="90000" bIns="45000"/>
+          <a:lstStyle/>
           <a:p>
             <a:pPr algn="ctr">
               <a:lnSpc>
@@ -6058,7 +7781,7 @@
               </a:lnSpc>
             </a:pPr>
             <a:r>
-              <a:rPr b="1" lang="en-AU" sz="3600" spc="-1" strike="noStrike">
+              <a:rPr lang="en-AU" sz="3600" b="1" strike="noStrike" spc="-1">
                 <a:solidFill>
                   <a:srgbClr val="000000"/>
                 </a:solidFill>
@@ -6067,7 +7790,7 @@
               </a:rPr>
               <a:t>Introduction</a:t>
             </a:r>
-            <a:endParaRPr b="0" lang="en-AU" sz="3600" spc="-1" strike="noStrike">
+            <a:endParaRPr lang="en-AU" sz="3600" b="0" strike="noStrike" spc="-1">
               <a:latin typeface="Arial"/>
             </a:endParaRPr>
           </a:p>
@@ -6093,13 +7816,20 @@
           </a:ln>
         </p:spPr>
         <p:style>
-          <a:lnRef idx="0"/>
-          <a:fillRef idx="0"/>
-          <a:effectRef idx="0"/>
+          <a:lnRef idx="0">
+            <a:scrgbClr r="0" g="0" b="0"/>
+          </a:lnRef>
+          <a:fillRef idx="0">
+            <a:scrgbClr r="0" g="0" b="0"/>
+          </a:fillRef>
+          <a:effectRef idx="0">
+            <a:scrgbClr r="0" g="0" b="0"/>
+          </a:effectRef>
           <a:fontRef idx="minor"/>
         </p:style>
         <p:txBody>
-          <a:bodyPr lIns="90000" rIns="90000" tIns="45000" bIns="45000"/>
+          <a:bodyPr lIns="90000" tIns="45000" rIns="90000" bIns="45000"/>
+          <a:lstStyle/>
           <a:p>
             <a:pPr algn="ctr">
               <a:lnSpc>
@@ -6107,7 +7837,7 @@
               </a:lnSpc>
             </a:pPr>
             <a:r>
-              <a:rPr b="1" lang="en-AU" sz="1800" spc="-1" strike="noStrike">
+              <a:rPr lang="en-AU" sz="1800" b="1" strike="noStrike" spc="-1">
                 <a:solidFill>
                   <a:srgbClr val="000000"/>
                 </a:solidFill>
@@ -6116,7 +7846,7 @@
               </a:rPr>
               <a:t>Let us cover our workflow.</a:t>
             </a:r>
-            <a:endParaRPr b="0" lang="en-AU" sz="1800" spc="-1" strike="noStrike">
+            <a:endParaRPr lang="en-AU" sz="1800" b="0" strike="noStrike" spc="-1">
               <a:latin typeface="Arial"/>
             </a:endParaRPr>
           </a:p>
@@ -6126,7 +7856,7 @@
                 <a:spcPct val="100000"/>
               </a:lnSpc>
             </a:pPr>
-            <a:endParaRPr b="0" lang="en-AU" sz="1800" spc="-1" strike="noStrike">
+            <a:endParaRPr lang="en-AU" sz="1800" b="0" strike="noStrike" spc="-1">
               <a:latin typeface="Arial"/>
             </a:endParaRPr>
           </a:p>
@@ -6137,7 +7867,7 @@
               </a:lnSpc>
             </a:pPr>
             <a:r>
-              <a:rPr b="1" lang="en-AU" sz="1800" spc="-1" strike="noStrike">
+              <a:rPr lang="en-AU" sz="1800" b="1" strike="noStrike" spc="-1">
                 <a:solidFill>
                   <a:srgbClr val="000000"/>
                 </a:solidFill>
@@ -6146,7 +7876,7 @@
               </a:rPr>
               <a:t>Let us reflect on what we did.</a:t>
             </a:r>
-            <a:endParaRPr b="0" lang="en-AU" sz="1800" spc="-1" strike="noStrike">
+            <a:endParaRPr lang="en-AU" sz="1800" b="0" strike="noStrike" spc="-1">
               <a:latin typeface="Arial"/>
             </a:endParaRPr>
           </a:p>
@@ -6156,7 +7886,7 @@
                 <a:spcPct val="100000"/>
               </a:lnSpc>
             </a:pPr>
-            <a:endParaRPr b="0" lang="en-AU" sz="1800" spc="-1" strike="noStrike">
+            <a:endParaRPr lang="en-AU" sz="1800" b="0" strike="noStrike" spc="-1">
               <a:latin typeface="Arial"/>
             </a:endParaRPr>
           </a:p>
@@ -6167,7 +7897,7 @@
               </a:lnSpc>
             </a:pPr>
             <a:r>
-              <a:rPr b="1" lang="en-AU" sz="1800" spc="-1" strike="noStrike">
+              <a:rPr lang="en-AU" sz="1800" b="1" strike="noStrike" spc="-1">
                 <a:solidFill>
                   <a:srgbClr val="000000"/>
                 </a:solidFill>
@@ -6176,7 +7906,7 @@
               </a:rPr>
               <a:t>Let us suggest any improvements.</a:t>
             </a:r>
-            <a:endParaRPr b="0" lang="en-AU" sz="1800" spc="-1" strike="noStrike">
+            <a:endParaRPr lang="en-AU" sz="1800" b="0" strike="noStrike" spc="-1">
               <a:latin typeface="Arial"/>
             </a:endParaRPr>
           </a:p>
@@ -6184,22 +7914,25 @@
       </p:sp>
     </p:spTree>
   </p:cSld>
+  <p:clrMapOvr>
+    <a:masterClrMapping/>
+  </p:clrMapOvr>
   <p:timing>
     <p:tnLst>
       <p:par>
-        <p:cTn id="3" dur="indefinite" restart="never" nodeType="tmRoot">
+        <p:cTn id="1" dur="indefinite" restart="never" nodeType="tmRoot">
           <p:childTnLst>
             <p:seq>
-              <p:cTn id="4" dur="indefinite" nodeType="mainSeq"/>
+              <p:cTn id="2" dur="indefinite" nodeType="mainSeq"/>
               <p:prevCondLst>
-                <p:cond delay="0" evt="onPrev">
+                <p:cond evt="onPrev" delay="0">
                   <p:tgtEl>
                     <p:sldTgt/>
                   </p:tgtEl>
                 </p:cond>
               </p:prevCondLst>
               <p:nextCondLst>
-                <p:cond delay="0" evt="onNext">
+                <p:cond evt="onNext" delay="0">
                   <p:tgtEl>
                     <p:sldTgt/>
                   </p:tgtEl>
@@ -6215,7 +7948,7 @@
 </file>
 
 <file path=ppt/slides/slide3.xml><?xml version="1.0" encoding="utf-8"?>
-<p:sld xmlns:a="http://schemas.openxmlformats.org/drawingml/2006/main" xmlns:p="http://schemas.openxmlformats.org/presentationml/2006/main" xmlns:r="http://schemas.openxmlformats.org/officeDocument/2006/relationships" xmlns:p14="http://schemas.microsoft.com/office/powerpoint/2010/main" xmlns:p15="http://schemas.microsoft.com/office/powerpoint/2012/main" xmlns:mc="http://schemas.openxmlformats.org/markup-compatibility/2006">
+<p:sld xmlns:a="http://schemas.openxmlformats.org/drawingml/2006/main" xmlns:r="http://schemas.openxmlformats.org/officeDocument/2006/relationships" xmlns:p="http://schemas.openxmlformats.org/presentationml/2006/main">
   <p:cSld>
     <p:spTree>
       <p:nvGrpSpPr>
@@ -6251,13 +7984,20 @@
           </a:ln>
         </p:spPr>
         <p:style>
-          <a:lnRef idx="0"/>
-          <a:fillRef idx="0"/>
-          <a:effectRef idx="0"/>
+          <a:lnRef idx="0">
+            <a:scrgbClr r="0" g="0" b="0"/>
+          </a:lnRef>
+          <a:fillRef idx="0">
+            <a:scrgbClr r="0" g="0" b="0"/>
+          </a:fillRef>
+          <a:effectRef idx="0">
+            <a:scrgbClr r="0" g="0" b="0"/>
+          </a:effectRef>
           <a:fontRef idx="minor"/>
         </p:style>
         <p:txBody>
-          <a:bodyPr lIns="90000" rIns="90000" tIns="45000" bIns="45000"/>
+          <a:bodyPr lIns="90000" tIns="45000" rIns="90000" bIns="45000"/>
+          <a:lstStyle/>
           <a:p>
             <a:pPr algn="ctr">
               <a:lnSpc>
@@ -6265,7 +8005,7 @@
               </a:lnSpc>
             </a:pPr>
             <a:r>
-              <a:rPr b="1" lang="en-AU" sz="3600" spc="-1" strike="noStrike">
+              <a:rPr lang="en-AU" sz="3600" b="1" strike="noStrike" spc="-1">
                 <a:solidFill>
                   <a:srgbClr val="000000"/>
                 </a:solidFill>
@@ -6274,7 +8014,7 @@
               </a:rPr>
               <a:t>Communication</a:t>
             </a:r>
-            <a:endParaRPr b="0" lang="en-AU" sz="3600" spc="-1" strike="noStrike">
+            <a:endParaRPr lang="en-AU" sz="3600" b="0" strike="noStrike" spc="-1">
               <a:latin typeface="Arial"/>
             </a:endParaRPr>
           </a:p>
@@ -6282,12 +8022,12 @@
       </p:sp>
       <p:pic>
         <p:nvPicPr>
-          <p:cNvPr id="94" name="Picture 8" descr=""/>
+          <p:cNvPr id="94" name="Picture 8"/>
           <p:cNvPicPr/>
           <p:nvPr/>
         </p:nvPicPr>
         <p:blipFill>
-          <a:blip r:embed="rId1"/>
+          <a:blip r:embed="rId3"/>
           <a:stretch/>
         </p:blipFill>
         <p:spPr>
@@ -6300,12 +8040,12 @@
           </a:prstGeom>
           <a:ln w="88920">
             <a:solidFill>
-              <a:srgbClr val="ffffff"/>
+              <a:srgbClr val="FFFFFF"/>
             </a:solidFill>
             <a:miter/>
           </a:ln>
           <a:effectLst>
-            <a:outerShdw algn="tl" blurRad="88900" rotWithShape="0">
+            <a:outerShdw blurRad="88900" algn="tl" rotWithShape="0">
               <a:srgbClr val="000000">
                 <a:alpha val="45000"/>
               </a:srgbClr>
@@ -6313,26 +8053,26 @@
           </a:effectLst>
           <a:scene3d>
             <a:camera prst="orthographicFront"/>
-            <a:lightRig dir="t" rig="twoPt">
+            <a:lightRig rig="twoPt" dir="t">
               <a:rot lat="0" lon="0" rev="7200000"/>
             </a:lightRig>
           </a:scene3d>
           <a:sp3d>
             <a:bevelT w="25400" h="19050"/>
             <a:contourClr>
-              <a:srgbClr val="ffffff"/>
+              <a:srgbClr val="FFFFFF"/>
             </a:contourClr>
           </a:sp3d>
         </p:spPr>
       </p:pic>
       <p:pic>
         <p:nvPicPr>
-          <p:cNvPr id="95" name="Picture 9" descr=""/>
+          <p:cNvPr id="95" name="Picture 9"/>
           <p:cNvPicPr/>
           <p:nvPr/>
         </p:nvPicPr>
         <p:blipFill>
-          <a:blip r:embed="rId2"/>
+          <a:blip r:embed="rId4"/>
           <a:stretch/>
         </p:blipFill>
         <p:spPr>
@@ -6345,12 +8085,12 @@
           </a:prstGeom>
           <a:ln w="88920">
             <a:solidFill>
-              <a:srgbClr val="ffffff"/>
+              <a:srgbClr val="FFFFFF"/>
             </a:solidFill>
             <a:miter/>
           </a:ln>
           <a:effectLst>
-            <a:outerShdw algn="tl" blurRad="88900" rotWithShape="0">
+            <a:outerShdw blurRad="88900" algn="tl" rotWithShape="0">
               <a:srgbClr val="000000">
                 <a:alpha val="45000"/>
               </a:srgbClr>
@@ -6358,14 +8098,14 @@
           </a:effectLst>
           <a:scene3d>
             <a:camera prst="orthographicFront"/>
-            <a:lightRig dir="t" rig="twoPt">
+            <a:lightRig rig="twoPt" dir="t">
               <a:rot lat="0" lon="0" rev="7200000"/>
             </a:lightRig>
           </a:scene3d>
           <a:sp3d>
             <a:bevelT w="25400" h="19050"/>
             <a:contourClr>
-              <a:srgbClr val="ffffff"/>
+              <a:srgbClr val="FFFFFF"/>
             </a:contourClr>
           </a:sp3d>
         </p:spPr>
@@ -6390,13 +8130,20 @@
           </a:ln>
         </p:spPr>
         <p:style>
-          <a:lnRef idx="0"/>
-          <a:fillRef idx="0"/>
-          <a:effectRef idx="0"/>
+          <a:lnRef idx="0">
+            <a:scrgbClr r="0" g="0" b="0"/>
+          </a:lnRef>
+          <a:fillRef idx="0">
+            <a:scrgbClr r="0" g="0" b="0"/>
+          </a:fillRef>
+          <a:effectRef idx="0">
+            <a:scrgbClr r="0" g="0" b="0"/>
+          </a:effectRef>
           <a:fontRef idx="minor"/>
         </p:style>
         <p:txBody>
-          <a:bodyPr lIns="90000" rIns="90000" tIns="45000" bIns="45000"/>
+          <a:bodyPr lIns="90000" tIns="45000" rIns="90000" bIns="45000"/>
+          <a:lstStyle/>
           <a:p>
             <a:pPr algn="ctr">
               <a:lnSpc>
@@ -6404,7 +8151,7 @@
               </a:lnSpc>
             </a:pPr>
             <a:r>
-              <a:rPr b="1" lang="en-AU" sz="1800" spc="-1" strike="noStrike">
+              <a:rPr lang="en-AU" sz="1800" b="1" strike="noStrike" spc="-1">
                 <a:solidFill>
                   <a:srgbClr val="000000"/>
                 </a:solidFill>
@@ -6413,7 +8160,7 @@
               </a:rPr>
               <a:t>Slack</a:t>
             </a:r>
-            <a:endParaRPr b="0" lang="en-AU" sz="1800" spc="-1" strike="noStrike">
+            <a:endParaRPr lang="en-AU" sz="1800" b="0" strike="noStrike" spc="-1">
               <a:latin typeface="Arial"/>
             </a:endParaRPr>
           </a:p>
@@ -6439,13 +8186,20 @@
           </a:ln>
         </p:spPr>
         <p:style>
-          <a:lnRef idx="0"/>
-          <a:fillRef idx="0"/>
-          <a:effectRef idx="0"/>
+          <a:lnRef idx="0">
+            <a:scrgbClr r="0" g="0" b="0"/>
+          </a:lnRef>
+          <a:fillRef idx="0">
+            <a:scrgbClr r="0" g="0" b="0"/>
+          </a:fillRef>
+          <a:effectRef idx="0">
+            <a:scrgbClr r="0" g="0" b="0"/>
+          </a:effectRef>
           <a:fontRef idx="minor"/>
         </p:style>
         <p:txBody>
-          <a:bodyPr lIns="90000" rIns="90000" tIns="45000" bIns="45000"/>
+          <a:bodyPr lIns="90000" tIns="45000" rIns="90000" bIns="45000"/>
+          <a:lstStyle/>
           <a:p>
             <a:pPr algn="ctr">
               <a:lnSpc>
@@ -6453,7 +8207,7 @@
               </a:lnSpc>
             </a:pPr>
             <a:r>
-              <a:rPr b="1" lang="en-AU" sz="1800" spc="-1" strike="noStrike">
+              <a:rPr lang="en-AU" sz="1800" b="1" strike="noStrike" spc="-1">
                 <a:solidFill>
                   <a:srgbClr val="000000"/>
                 </a:solidFill>
@@ -6462,7 +8216,7 @@
               </a:rPr>
               <a:t>Github</a:t>
             </a:r>
-            <a:endParaRPr b="0" lang="en-AU" sz="1800" spc="-1" strike="noStrike">
+            <a:endParaRPr lang="en-AU" sz="1800" b="0" strike="noStrike" spc="-1">
               <a:latin typeface="Arial"/>
             </a:endParaRPr>
           </a:p>
@@ -6470,12 +8224,12 @@
       </p:sp>
       <p:pic>
         <p:nvPicPr>
-          <p:cNvPr id="98" name="Picture 6" descr=""/>
+          <p:cNvPr id="98" name="Picture 6"/>
           <p:cNvPicPr/>
           <p:nvPr/>
         </p:nvPicPr>
         <p:blipFill>
-          <a:blip r:embed="rId3"/>
+          <a:blip r:embed="rId5"/>
           <a:stretch/>
         </p:blipFill>
         <p:spPr>
@@ -6488,23 +8242,23 @@
           </a:prstGeom>
           <a:ln w="76320">
             <a:solidFill>
-              <a:srgbClr val="eaeaea"/>
+              <a:srgbClr val="EAEAEA"/>
             </a:solidFill>
             <a:miter/>
           </a:ln>
           <a:effectLst>
-            <a:reflection algn="bl" blurRad="12700" dir="5400000" dist="5000" endPos="28000" rotWithShape="0" stA="33000" sy="-100000"/>
+            <a:reflection blurRad="12700" stA="33000" endPos="28000" dist="5000" dir="5400000" sy="-100000" algn="bl" rotWithShape="0"/>
           </a:effectLst>
           <a:scene3d>
             <a:camera prst="orthographicFront"/>
-            <a:lightRig dir="t" rig="threePt">
+            <a:lightRig rig="threePt" dir="t">
               <a:rot lat="0" lon="0" rev="2700000"/>
             </a:lightRig>
           </a:scene3d>
           <a:sp3d contourW="6350">
             <a:bevelT h="38100"/>
             <a:contourClr>
-              <a:srgbClr val="c0c0c0"/>
+              <a:srgbClr val="C0C0C0"/>
             </a:contourClr>
           </a:sp3d>
         </p:spPr>
@@ -6531,7 +8285,7 @@
               <a:schemeClr val="tx1"/>
             </a:solidFill>
             <a:round/>
-            <a:tailEnd len="med" type="triangle" w="med"/>
+            <a:tailEnd type="triangle" w="med" len="med"/>
           </a:ln>
         </p:spPr>
         <p:style>
@@ -6567,13 +8321,20 @@
           </a:ln>
         </p:spPr>
         <p:style>
-          <a:lnRef idx="0"/>
-          <a:fillRef idx="0"/>
-          <a:effectRef idx="0"/>
+          <a:lnRef idx="0">
+            <a:scrgbClr r="0" g="0" b="0"/>
+          </a:lnRef>
+          <a:fillRef idx="0">
+            <a:scrgbClr r="0" g="0" b="0"/>
+          </a:fillRef>
+          <a:effectRef idx="0">
+            <a:scrgbClr r="0" g="0" b="0"/>
+          </a:effectRef>
           <a:fontRef idx="minor"/>
         </p:style>
         <p:txBody>
-          <a:bodyPr lIns="90000" rIns="90000" tIns="45000" bIns="45000"/>
+          <a:bodyPr lIns="90000" tIns="45000" rIns="90000" bIns="45000"/>
+          <a:lstStyle/>
           <a:p>
             <a:pPr algn="ctr">
               <a:lnSpc>
@@ -6581,7 +8342,7 @@
               </a:lnSpc>
             </a:pPr>
             <a:r>
-              <a:rPr b="0" lang="en-AU" sz="1800" spc="-1" strike="noStrike">
+              <a:rPr lang="en-AU" sz="1800" b="0" strike="noStrike" spc="-1">
                 <a:solidFill>
                   <a:srgbClr val="000000"/>
                 </a:solidFill>
@@ -6590,7 +8351,7 @@
               </a:rPr>
               <a:t>Slack’s Github app</a:t>
             </a:r>
-            <a:endParaRPr b="0" lang="en-AU" sz="1800" spc="-1" strike="noStrike">
+            <a:endParaRPr lang="en-AU" sz="1800" b="0" strike="noStrike" spc="-1">
               <a:latin typeface="Arial"/>
             </a:endParaRPr>
           </a:p>
@@ -6616,13 +8377,20 @@
           </a:ln>
         </p:spPr>
         <p:style>
-          <a:lnRef idx="0"/>
-          <a:fillRef idx="0"/>
-          <a:effectRef idx="0"/>
+          <a:lnRef idx="0">
+            <a:scrgbClr r="0" g="0" b="0"/>
+          </a:lnRef>
+          <a:fillRef idx="0">
+            <a:scrgbClr r="0" g="0" b="0"/>
+          </a:fillRef>
+          <a:effectRef idx="0">
+            <a:scrgbClr r="0" g="0" b="0"/>
+          </a:effectRef>
           <a:fontRef idx="minor"/>
         </p:style>
         <p:txBody>
-          <a:bodyPr lIns="90000" rIns="90000" tIns="45000" bIns="45000"/>
+          <a:bodyPr lIns="90000" tIns="45000" rIns="90000" bIns="45000"/>
+          <a:lstStyle/>
           <a:p>
             <a:pPr algn="r">
               <a:lnSpc>
@@ -6630,7 +8398,7 @@
               </a:lnSpc>
             </a:pPr>
             <a:r>
-              <a:rPr b="1" lang="en-AU" sz="1800" spc="-1" strike="noStrike">
+              <a:rPr lang="en-AU" sz="1800" b="1" strike="noStrike" spc="-1">
                 <a:solidFill>
                   <a:srgbClr val="000000"/>
                 </a:solidFill>
@@ -6639,7 +8407,7 @@
               </a:rPr>
               <a:t>Meetings</a:t>
             </a:r>
-            <a:endParaRPr b="0" lang="en-AU" sz="1800" spc="-1" strike="noStrike">
+            <a:endParaRPr lang="en-AU" sz="1800" b="0" strike="noStrike" spc="-1">
               <a:latin typeface="Arial"/>
             </a:endParaRPr>
           </a:p>
@@ -6647,12 +8415,12 @@
       </p:sp>
       <p:pic>
         <p:nvPicPr>
-          <p:cNvPr id="102" name="Picture 2" descr=""/>
+          <p:cNvPr id="102" name="Picture 2"/>
           <p:cNvPicPr/>
           <p:nvPr/>
         </p:nvPicPr>
         <p:blipFill>
-          <a:blip r:embed="rId4"/>
+          <a:blip r:embed="rId6"/>
           <a:stretch/>
         </p:blipFill>
         <p:spPr>
@@ -6670,22 +8438,25 @@
       </p:pic>
     </p:spTree>
   </p:cSld>
+  <p:clrMapOvr>
+    <a:masterClrMapping/>
+  </p:clrMapOvr>
   <p:timing>
     <p:tnLst>
       <p:par>
-        <p:cTn id="5" dur="indefinite" restart="never" nodeType="tmRoot">
+        <p:cTn id="1" dur="indefinite" restart="never" nodeType="tmRoot">
           <p:childTnLst>
             <p:seq>
-              <p:cTn id="6" dur="indefinite" nodeType="mainSeq"/>
+              <p:cTn id="2" dur="indefinite" nodeType="mainSeq"/>
               <p:prevCondLst>
-                <p:cond delay="0" evt="onPrev">
+                <p:cond evt="onPrev" delay="0">
                   <p:tgtEl>
                     <p:sldTgt/>
                   </p:tgtEl>
                 </p:cond>
               </p:prevCondLst>
               <p:nextCondLst>
-                <p:cond delay="0" evt="onNext">
+                <p:cond evt="onNext" delay="0">
                   <p:tgtEl>
                     <p:sldTgt/>
                   </p:tgtEl>
@@ -6701,7 +8472,7 @@
 </file>
 
 <file path=ppt/slides/slide4.xml><?xml version="1.0" encoding="utf-8"?>
-<p:sld xmlns:a="http://schemas.openxmlformats.org/drawingml/2006/main" xmlns:p="http://schemas.openxmlformats.org/presentationml/2006/main" xmlns:r="http://schemas.openxmlformats.org/officeDocument/2006/relationships" xmlns:p14="http://schemas.microsoft.com/office/powerpoint/2010/main" xmlns:p15="http://schemas.microsoft.com/office/powerpoint/2012/main" xmlns:mc="http://schemas.openxmlformats.org/markup-compatibility/2006">
+<p:sld xmlns:a="http://schemas.openxmlformats.org/drawingml/2006/main" xmlns:r="http://schemas.openxmlformats.org/officeDocument/2006/relationships" xmlns:p="http://schemas.openxmlformats.org/presentationml/2006/main">
   <p:cSld>
     <p:spTree>
       <p:nvGrpSpPr>
@@ -6719,12 +8490,12 @@
       </p:grpSpPr>
       <p:pic>
         <p:nvPicPr>
-          <p:cNvPr id="103" name="Picture 3" descr=""/>
+          <p:cNvPr id="103" name="Picture 3"/>
           <p:cNvPicPr/>
           <p:nvPr/>
         </p:nvPicPr>
         <p:blipFill>
-          <a:blip r:embed="rId1"/>
+          <a:blip r:embed="rId2"/>
           <a:stretch/>
         </p:blipFill>
         <p:spPr>
@@ -6760,13 +8531,20 @@
           </a:ln>
         </p:spPr>
         <p:style>
-          <a:lnRef idx="0"/>
-          <a:fillRef idx="0"/>
-          <a:effectRef idx="0"/>
+          <a:lnRef idx="0">
+            <a:scrgbClr r="0" g="0" b="0"/>
+          </a:lnRef>
+          <a:fillRef idx="0">
+            <a:scrgbClr r="0" g="0" b="0"/>
+          </a:fillRef>
+          <a:effectRef idx="0">
+            <a:scrgbClr r="0" g="0" b="0"/>
+          </a:effectRef>
           <a:fontRef idx="minor"/>
         </p:style>
         <p:txBody>
-          <a:bodyPr lIns="90000" rIns="90000" tIns="45000" bIns="45000"/>
+          <a:bodyPr lIns="90000" tIns="45000" rIns="90000" bIns="45000"/>
+          <a:lstStyle/>
           <a:p>
             <a:pPr algn="ctr">
               <a:lnSpc>
@@ -6774,7 +8552,7 @@
               </a:lnSpc>
             </a:pPr>
             <a:r>
-              <a:rPr b="1" lang="en-AU" sz="3600" spc="-1" strike="noStrike">
+              <a:rPr lang="en-AU" sz="3600" b="1" strike="noStrike" spc="-1">
                 <a:solidFill>
                   <a:srgbClr val="000000"/>
                 </a:solidFill>
@@ -6783,7 +8561,7 @@
               </a:rPr>
               <a:t>Collaboration</a:t>
             </a:r>
-            <a:endParaRPr b="0" lang="en-AU" sz="3600" spc="-1" strike="noStrike">
+            <a:endParaRPr lang="en-AU" sz="3600" b="0" strike="noStrike" spc="-1">
               <a:latin typeface="Arial"/>
             </a:endParaRPr>
           </a:p>
@@ -6791,12 +8569,12 @@
       </p:sp>
       <p:pic>
         <p:nvPicPr>
-          <p:cNvPr id="105" name="Picture 9" descr=""/>
+          <p:cNvPr id="105" name="Picture 9"/>
           <p:cNvPicPr/>
           <p:nvPr/>
         </p:nvPicPr>
         <p:blipFill>
-          <a:blip r:embed="rId2"/>
+          <a:blip r:embed="rId3"/>
           <a:stretch/>
         </p:blipFill>
         <p:spPr>
@@ -6814,22 +8592,25 @@
       </p:pic>
     </p:spTree>
   </p:cSld>
+  <p:clrMapOvr>
+    <a:masterClrMapping/>
+  </p:clrMapOvr>
   <p:timing>
     <p:tnLst>
       <p:par>
-        <p:cTn id="7" dur="indefinite" restart="never" nodeType="tmRoot">
+        <p:cTn id="1" dur="indefinite" restart="never" nodeType="tmRoot">
           <p:childTnLst>
             <p:seq>
-              <p:cTn id="8" dur="indefinite" nodeType="mainSeq"/>
+              <p:cTn id="2" dur="indefinite" nodeType="mainSeq"/>
               <p:prevCondLst>
-                <p:cond delay="0" evt="onPrev">
+                <p:cond evt="onPrev" delay="0">
                   <p:tgtEl>
                     <p:sldTgt/>
                   </p:tgtEl>
                 </p:cond>
               </p:prevCondLst>
               <p:nextCondLst>
-                <p:cond delay="0" evt="onNext">
+                <p:cond evt="onNext" delay="0">
                   <p:tgtEl>
                     <p:sldTgt/>
                   </p:tgtEl>
@@ -6845,7 +8626,7 @@
 </file>
 
 <file path=ppt/slides/slide5.xml><?xml version="1.0" encoding="utf-8"?>
-<p:sld xmlns:a="http://schemas.openxmlformats.org/drawingml/2006/main" xmlns:p="http://schemas.openxmlformats.org/presentationml/2006/main" xmlns:r="http://schemas.openxmlformats.org/officeDocument/2006/relationships" xmlns:p14="http://schemas.microsoft.com/office/powerpoint/2010/main" xmlns:p15="http://schemas.microsoft.com/office/powerpoint/2012/main" xmlns:mc="http://schemas.openxmlformats.org/markup-compatibility/2006" show="0">
+<p:sld xmlns:a="http://schemas.openxmlformats.org/drawingml/2006/main" xmlns:r="http://schemas.openxmlformats.org/officeDocument/2006/relationships" xmlns:p="http://schemas.openxmlformats.org/presentationml/2006/main" show="0">
   <p:cSld>
     <p:spTree>
       <p:nvGrpSpPr>
@@ -6863,30 +8644,7 @@
       </p:grpSpPr>
       <p:pic>
         <p:nvPicPr>
-          <p:cNvPr id="106" name="Picture 5" descr=""/>
-          <p:cNvPicPr/>
-          <p:nvPr/>
-        </p:nvPicPr>
-        <p:blipFill>
-          <a:blip r:embed="rId1"/>
-          <a:stretch/>
-        </p:blipFill>
-        <p:spPr>
-          <a:xfrm>
-            <a:off x="1742040" y="1513800"/>
-            <a:ext cx="8903520" cy="5067360"/>
-          </a:xfrm>
-          <a:prstGeom prst="rect">
-            <a:avLst/>
-          </a:prstGeom>
-          <a:ln>
-            <a:noFill/>
-          </a:ln>
-        </p:spPr>
-      </p:pic>
-      <p:pic>
-        <p:nvPicPr>
-          <p:cNvPr id="107" name="Picture 7" descr=""/>
+          <p:cNvPr id="106" name="Picture 5"/>
           <p:cNvPicPr/>
           <p:nvPr/>
         </p:nvPicPr>
@@ -6896,8 +8654,8 @@
         </p:blipFill>
         <p:spPr>
           <a:xfrm>
-            <a:off x="5102280" y="1541880"/>
-            <a:ext cx="1662840" cy="672120"/>
+            <a:off x="1742040" y="1513800"/>
+            <a:ext cx="8903520" cy="5067360"/>
           </a:xfrm>
           <a:prstGeom prst="rect">
             <a:avLst/>
@@ -6909,7 +8667,7 @@
       </p:pic>
       <p:pic>
         <p:nvPicPr>
-          <p:cNvPr id="108" name="Picture 8" descr=""/>
+          <p:cNvPr id="107" name="Picture 7"/>
           <p:cNvPicPr/>
           <p:nvPr/>
         </p:nvPicPr>
@@ -6919,8 +8677,8 @@
         </p:blipFill>
         <p:spPr>
           <a:xfrm>
-            <a:off x="4963680" y="3645000"/>
-            <a:ext cx="1967760" cy="710280"/>
+            <a:off x="5102280" y="1541880"/>
+            <a:ext cx="1662840" cy="672120"/>
           </a:xfrm>
           <a:prstGeom prst="rect">
             <a:avLst/>
@@ -6930,6 +8688,29 @@
           </a:ln>
         </p:spPr>
       </p:pic>
+      <p:pic>
+        <p:nvPicPr>
+          <p:cNvPr id="108" name="Picture 8"/>
+          <p:cNvPicPr/>
+          <p:nvPr/>
+        </p:nvPicPr>
+        <p:blipFill>
+          <a:blip r:embed="rId4"/>
+          <a:stretch/>
+        </p:blipFill>
+        <p:spPr>
+          <a:xfrm>
+            <a:off x="4963680" y="3645000"/>
+            <a:ext cx="1967760" cy="710280"/>
+          </a:xfrm>
+          <a:prstGeom prst="rect">
+            <a:avLst/>
+          </a:prstGeom>
+          <a:ln>
+            <a:noFill/>
+          </a:ln>
+        </p:spPr>
+      </p:pic>
       <p:sp>
         <p:nvSpPr>
           <p:cNvPr id="109" name="CustomShape 1"/>
@@ -6947,7 +8728,7 @@
           <a:noFill/>
           <a:ln w="38160">
             <a:solidFill>
-              <a:srgbClr val="ff0000"/>
+              <a:srgbClr val="FF0000"/>
             </a:solidFill>
             <a:round/>
           </a:ln>
@@ -6984,7 +8765,7 @@
           <a:noFill/>
           <a:ln w="38160">
             <a:solidFill>
-              <a:srgbClr val="ff0000"/>
+              <a:srgbClr val="FF0000"/>
             </a:solidFill>
             <a:round/>
           </a:ln>
@@ -7024,13 +8805,20 @@
           </a:ln>
         </p:spPr>
         <p:style>
-          <a:lnRef idx="0"/>
-          <a:fillRef idx="0"/>
-          <a:effectRef idx="0"/>
+          <a:lnRef idx="0">
+            <a:scrgbClr r="0" g="0" b="0"/>
+          </a:lnRef>
+          <a:fillRef idx="0">
+            <a:scrgbClr r="0" g="0" b="0"/>
+          </a:fillRef>
+          <a:effectRef idx="0">
+            <a:scrgbClr r="0" g="0" b="0"/>
+          </a:effectRef>
           <a:fontRef idx="minor"/>
         </p:style>
         <p:txBody>
-          <a:bodyPr lIns="90000" rIns="90000" tIns="45000" bIns="45000"/>
+          <a:bodyPr lIns="90000" tIns="45000" rIns="90000" bIns="45000"/>
+          <a:lstStyle/>
           <a:p>
             <a:pPr algn="ctr">
               <a:lnSpc>
@@ -7038,7 +8826,7 @@
               </a:lnSpc>
             </a:pPr>
             <a:r>
-              <a:rPr b="1" lang="en-AU" sz="3600" spc="-1" strike="noStrike">
+              <a:rPr lang="en-AU" sz="3600" b="1" strike="noStrike" spc="-1">
                 <a:solidFill>
                   <a:srgbClr val="000000"/>
                 </a:solidFill>
@@ -7047,7 +8835,7 @@
               </a:rPr>
               <a:t>Repo Folder Layout</a:t>
             </a:r>
-            <a:endParaRPr b="0" lang="en-AU" sz="3600" spc="-1" strike="noStrike">
+            <a:endParaRPr lang="en-AU" sz="3600" b="0" strike="noStrike" spc="-1">
               <a:latin typeface="Arial"/>
             </a:endParaRPr>
           </a:p>
@@ -7055,35 +8843,38 @@
       </p:sp>
     </p:spTree>
   </p:cSld>
+  <p:clrMapOvr>
+    <a:masterClrMapping/>
+  </p:clrMapOvr>
   <p:timing>
     <p:tnLst>
       <p:par>
-        <p:cTn id="9" dur="indefinite" restart="never" nodeType="tmRoot">
+        <p:cTn id="1" dur="indefinite" restart="never" nodeType="tmRoot">
           <p:childTnLst>
             <p:seq>
-              <p:cTn id="10" dur="indefinite" nodeType="mainSeq">
+              <p:cTn id="2" dur="indefinite" nodeType="mainSeq">
                 <p:childTnLst>
                   <p:par>
-                    <p:cTn id="11" fill="hold">
+                    <p:cTn id="3" fill="hold">
                       <p:stCondLst>
                         <p:cond delay="indefinite"/>
                       </p:stCondLst>
                       <p:childTnLst>
                         <p:par>
-                          <p:cTn id="12" fill="hold">
+                          <p:cTn id="4" fill="hold">
                             <p:stCondLst>
                               <p:cond delay="0"/>
                             </p:stCondLst>
                             <p:childTnLst>
                               <p:par>
-                                <p:cTn id="13" nodeType="clickEffect" fill="hold" presetClass="emph" presetID="9">
+                                <p:cTn id="5" presetID="9" presetClass="emph" fill="hold" nodeType="clickEffect">
                                   <p:stCondLst>
                                     <p:cond delay="0"/>
                                   </p:stCondLst>
                                   <p:childTnLst>
                                     <p:set>
                                       <p:cBhvr>
-                                        <p:cTn id="14" dur="indefinite"/>
+                                        <p:cTn id="6" dur="indefinite"/>
                                         <p:tgtEl>
                                           <p:spTgt spid="106"/>
                                         </p:tgtEl>
@@ -7092,9 +8883,9 @@
                                         </p:attrNameLst>
                                       </p:cBhvr>
                                     </p:set>
-                                    <p:animEffect filter="dissolve" transition="in">
+                                    <p:animEffect transition="in" filter="dissolve">
                                       <p:cBhvr additive="repl">
-                                        <p:cTn id="15" dur="indefinite"/>
+                                        <p:cTn id="7" dur="indefinite"/>
                                         <p:tgtEl>
                                           <p:spTgt spid="106"/>
                                         </p:tgtEl>
@@ -7112,14 +8903,14 @@
                 </p:childTnLst>
               </p:cTn>
               <p:prevCondLst>
-                <p:cond delay="0" evt="onPrev">
+                <p:cond evt="onPrev" delay="0">
                   <p:tgtEl>
                     <p:sldTgt/>
                   </p:tgtEl>
                 </p:cond>
               </p:prevCondLst>
               <p:nextCondLst>
-                <p:cond delay="0" evt="onNext">
+                <p:cond evt="onNext" delay="0">
                   <p:tgtEl>
                     <p:sldTgt/>
                   </p:tgtEl>
@@ -7135,7 +8926,7 @@
 </file>
 
 <file path=ppt/slides/slide6.xml><?xml version="1.0" encoding="utf-8"?>
-<p:sld xmlns:a="http://schemas.openxmlformats.org/drawingml/2006/main" xmlns:p="http://schemas.openxmlformats.org/presentationml/2006/main" xmlns:r="http://schemas.openxmlformats.org/officeDocument/2006/relationships" xmlns:p14="http://schemas.microsoft.com/office/powerpoint/2010/main" xmlns:p15="http://schemas.microsoft.com/office/powerpoint/2012/main" xmlns:mc="http://schemas.openxmlformats.org/markup-compatibility/2006">
+<p:sld xmlns:a="http://schemas.openxmlformats.org/drawingml/2006/main" xmlns:r="http://schemas.openxmlformats.org/officeDocument/2006/relationships" xmlns:p="http://schemas.openxmlformats.org/presentationml/2006/main">
   <p:cSld>
     <p:spTree>
       <p:nvGrpSpPr>
@@ -7171,13 +8962,20 @@
           </a:ln>
         </p:spPr>
         <p:style>
-          <a:lnRef idx="0"/>
-          <a:fillRef idx="0"/>
-          <a:effectRef idx="0"/>
+          <a:lnRef idx="0">
+            <a:scrgbClr r="0" g="0" b="0"/>
+          </a:lnRef>
+          <a:fillRef idx="0">
+            <a:scrgbClr r="0" g="0" b="0"/>
+          </a:fillRef>
+          <a:effectRef idx="0">
+            <a:scrgbClr r="0" g="0" b="0"/>
+          </a:effectRef>
           <a:fontRef idx="minor"/>
         </p:style>
         <p:txBody>
-          <a:bodyPr lIns="90000" rIns="90000" tIns="45000" bIns="45000"/>
+          <a:bodyPr lIns="90000" tIns="45000" rIns="90000" bIns="45000"/>
+          <a:lstStyle/>
           <a:p>
             <a:pPr algn="ctr">
               <a:lnSpc>
@@ -7185,7 +8983,7 @@
               </a:lnSpc>
             </a:pPr>
             <a:r>
-              <a:rPr b="1" lang="en-AU" sz="3600" spc="-1" strike="noStrike">
+              <a:rPr lang="en-AU" sz="3600" b="1" strike="noStrike" spc="-1">
                 <a:solidFill>
                   <a:srgbClr val="000000"/>
                 </a:solidFill>
@@ -7194,7 +8992,7 @@
               </a:rPr>
               <a:t>Technologies &amp; Services</a:t>
             </a:r>
-            <a:endParaRPr b="0" lang="en-AU" sz="3600" spc="-1" strike="noStrike">
+            <a:endParaRPr lang="en-AU" sz="3600" b="0" strike="noStrike" spc="-1">
               <a:latin typeface="Arial"/>
             </a:endParaRPr>
           </a:p>
@@ -7202,53 +9000,7 @@
       </p:sp>
       <p:pic>
         <p:nvPicPr>
-          <p:cNvPr id="113" name="Picture 2" descr=""/>
-          <p:cNvPicPr/>
-          <p:nvPr/>
-        </p:nvPicPr>
-        <p:blipFill>
-          <a:blip r:embed="rId1"/>
-          <a:stretch/>
-        </p:blipFill>
-        <p:spPr>
-          <a:xfrm>
-            <a:off x="1479240" y="1530360"/>
-            <a:ext cx="2142000" cy="2142000"/>
-          </a:xfrm>
-          <a:prstGeom prst="rect">
-            <a:avLst/>
-          </a:prstGeom>
-          <a:ln>
-            <a:noFill/>
-          </a:ln>
-        </p:spPr>
-      </p:pic>
-      <p:pic>
-        <p:nvPicPr>
-          <p:cNvPr id="114" name="Picture 6" descr=""/>
-          <p:cNvPicPr/>
-          <p:nvPr/>
-        </p:nvPicPr>
-        <p:blipFill>
-          <a:blip r:embed="rId2"/>
-          <a:stretch/>
-        </p:blipFill>
-        <p:spPr>
-          <a:xfrm>
-            <a:off x="5024520" y="1530360"/>
-            <a:ext cx="2142000" cy="2132640"/>
-          </a:xfrm>
-          <a:prstGeom prst="rect">
-            <a:avLst/>
-          </a:prstGeom>
-          <a:ln>
-            <a:noFill/>
-          </a:ln>
-        </p:spPr>
-      </p:pic>
-      <p:pic>
-        <p:nvPicPr>
-          <p:cNvPr id="115" name="Picture 8" descr=""/>
+          <p:cNvPr id="113" name="Picture 2"/>
           <p:cNvPicPr/>
           <p:nvPr/>
         </p:nvPicPr>
@@ -7258,8 +9010,8 @@
         </p:blipFill>
         <p:spPr>
           <a:xfrm>
-            <a:off x="5227200" y="2681280"/>
-            <a:ext cx="3341520" cy="1722960"/>
+            <a:off x="1479240" y="1530360"/>
+            <a:ext cx="2142000" cy="2142000"/>
           </a:xfrm>
           <a:prstGeom prst="rect">
             <a:avLst/>
@@ -7271,7 +9023,7 @@
       </p:pic>
       <p:pic>
         <p:nvPicPr>
-          <p:cNvPr id="116" name="Picture 10" descr=""/>
+          <p:cNvPr id="114" name="Picture 6"/>
           <p:cNvPicPr/>
           <p:nvPr/>
         </p:nvPicPr>
@@ -7281,8 +9033,8 @@
         </p:blipFill>
         <p:spPr>
           <a:xfrm>
-            <a:off x="9263880" y="1564920"/>
-            <a:ext cx="2231280" cy="2231280"/>
+            <a:off x="5024520" y="1530360"/>
+            <a:ext cx="2142000" cy="2132640"/>
           </a:xfrm>
           <a:prstGeom prst="rect">
             <a:avLst/>
@@ -7294,7 +9046,7 @@
       </p:pic>
       <p:pic>
         <p:nvPicPr>
-          <p:cNvPr id="117" name="Picture 12" descr=""/>
+          <p:cNvPr id="115" name="Picture 8"/>
           <p:cNvPicPr/>
           <p:nvPr/>
         </p:nvPicPr>
@@ -7304,8 +9056,8 @@
         </p:blipFill>
         <p:spPr>
           <a:xfrm>
-            <a:off x="595440" y="3809520"/>
-            <a:ext cx="2877480" cy="2877480"/>
+            <a:off x="5227200" y="2681280"/>
+            <a:ext cx="3341520" cy="1722960"/>
           </a:xfrm>
           <a:prstGeom prst="rect">
             <a:avLst/>
@@ -7317,7 +9069,7 @@
       </p:pic>
       <p:pic>
         <p:nvPicPr>
-          <p:cNvPr id="118" name="Picture 14" descr=""/>
+          <p:cNvPr id="116" name="Picture 10"/>
           <p:cNvPicPr/>
           <p:nvPr/>
         </p:nvPicPr>
@@ -7327,8 +9079,8 @@
         </p:blipFill>
         <p:spPr>
           <a:xfrm>
-            <a:off x="4276800" y="4457520"/>
-            <a:ext cx="2142000" cy="2142000"/>
+            <a:off x="9263880" y="1564920"/>
+            <a:ext cx="2231280" cy="2231280"/>
           </a:xfrm>
           <a:prstGeom prst="rect">
             <a:avLst/>
@@ -7340,7 +9092,7 @@
       </p:pic>
       <p:pic>
         <p:nvPicPr>
-          <p:cNvPr id="119" name="Picture 18" descr=""/>
+          <p:cNvPr id="117" name="Picture 12"/>
           <p:cNvPicPr/>
           <p:nvPr/>
         </p:nvPicPr>
@@ -7350,8 +9102,8 @@
         </p:blipFill>
         <p:spPr>
           <a:xfrm>
-            <a:off x="9132480" y="4190760"/>
-            <a:ext cx="2437200" cy="2437200"/>
+            <a:off x="595440" y="3809520"/>
+            <a:ext cx="2877480" cy="2877480"/>
           </a:xfrm>
           <a:prstGeom prst="rect">
             <a:avLst/>
@@ -7361,24 +9113,73 @@
           </a:ln>
         </p:spPr>
       </p:pic>
+      <p:pic>
+        <p:nvPicPr>
+          <p:cNvPr id="118" name="Picture 14"/>
+          <p:cNvPicPr/>
+          <p:nvPr/>
+        </p:nvPicPr>
+        <p:blipFill>
+          <a:blip r:embed="rId8"/>
+          <a:stretch/>
+        </p:blipFill>
+        <p:spPr>
+          <a:xfrm>
+            <a:off x="4276800" y="4457520"/>
+            <a:ext cx="2142000" cy="2142000"/>
+          </a:xfrm>
+          <a:prstGeom prst="rect">
+            <a:avLst/>
+          </a:prstGeom>
+          <a:ln>
+            <a:noFill/>
+          </a:ln>
+        </p:spPr>
+      </p:pic>
+      <p:pic>
+        <p:nvPicPr>
+          <p:cNvPr id="119" name="Picture 18"/>
+          <p:cNvPicPr/>
+          <p:nvPr/>
+        </p:nvPicPr>
+        <p:blipFill>
+          <a:blip r:embed="rId9"/>
+          <a:stretch/>
+        </p:blipFill>
+        <p:spPr>
+          <a:xfrm>
+            <a:off x="9132480" y="4190760"/>
+            <a:ext cx="2437200" cy="2437200"/>
+          </a:xfrm>
+          <a:prstGeom prst="rect">
+            <a:avLst/>
+          </a:prstGeom>
+          <a:ln>
+            <a:noFill/>
+          </a:ln>
+        </p:spPr>
+      </p:pic>
     </p:spTree>
   </p:cSld>
+  <p:clrMapOvr>
+    <a:masterClrMapping/>
+  </p:clrMapOvr>
   <p:timing>
     <p:tnLst>
       <p:par>
-        <p:cTn id="16" dur="indefinite" restart="never" nodeType="tmRoot">
+        <p:cTn id="1" dur="indefinite" restart="never" nodeType="tmRoot">
           <p:childTnLst>
             <p:seq>
-              <p:cTn id="17" dur="indefinite" nodeType="mainSeq"/>
+              <p:cTn id="2" dur="indefinite" nodeType="mainSeq"/>
               <p:prevCondLst>
-                <p:cond delay="0" evt="onPrev">
+                <p:cond evt="onPrev" delay="0">
                   <p:tgtEl>
                     <p:sldTgt/>
                   </p:tgtEl>
                 </p:cond>
               </p:prevCondLst>
               <p:nextCondLst>
-                <p:cond delay="0" evt="onNext">
+                <p:cond evt="onNext" delay="0">
                   <p:tgtEl>
                     <p:sldTgt/>
                   </p:tgtEl>
@@ -7394,7 +9195,7 @@
 </file>
 
 <file path=ppt/slides/slide7.xml><?xml version="1.0" encoding="utf-8"?>
-<p:sld xmlns:a="http://schemas.openxmlformats.org/drawingml/2006/main" xmlns:p="http://schemas.openxmlformats.org/presentationml/2006/main" xmlns:r="http://schemas.openxmlformats.org/officeDocument/2006/relationships" xmlns:p14="http://schemas.microsoft.com/office/powerpoint/2010/main" xmlns:p15="http://schemas.microsoft.com/office/powerpoint/2012/main" xmlns:mc="http://schemas.openxmlformats.org/markup-compatibility/2006">
+<p:sld xmlns:a="http://schemas.openxmlformats.org/drawingml/2006/main" xmlns:r="http://schemas.openxmlformats.org/officeDocument/2006/relationships" xmlns:p="http://schemas.openxmlformats.org/presentationml/2006/main">
   <p:cSld>
     <p:spTree>
       <p:nvGrpSpPr>
@@ -7430,13 +9231,20 @@
           </a:ln>
         </p:spPr>
         <p:style>
-          <a:lnRef idx="0"/>
-          <a:fillRef idx="0"/>
-          <a:effectRef idx="0"/>
+          <a:lnRef idx="0">
+            <a:scrgbClr r="0" g="0" b="0"/>
+          </a:lnRef>
+          <a:fillRef idx="0">
+            <a:scrgbClr r="0" g="0" b="0"/>
+          </a:fillRef>
+          <a:effectRef idx="0">
+            <a:scrgbClr r="0" g="0" b="0"/>
+          </a:effectRef>
           <a:fontRef idx="minor"/>
         </p:style>
         <p:txBody>
-          <a:bodyPr lIns="90000" rIns="90000" tIns="45000" bIns="45000"/>
+          <a:bodyPr lIns="90000" tIns="45000" rIns="90000" bIns="45000"/>
+          <a:lstStyle/>
           <a:p>
             <a:pPr algn="ctr">
               <a:lnSpc>
@@ -7444,210 +9252,193 @@
               </a:lnSpc>
             </a:pPr>
             <a:r>
-              <a:rPr b="1" lang="en-AU" sz="3600" spc="-1" strike="noStrike">
-                <a:solidFill>
-                  <a:srgbClr val="000000"/>
-                </a:solidFill>
-                <a:latin typeface="Calibri"/>
-                <a:ea typeface="DejaVu Sans"/>
+              <a:rPr lang="en-AU" sz="4800" b="0" strike="noStrike" spc="-1" dirty="0">
+                <a:latin typeface="Arial"/>
               </a:rPr>
-              <a:t>Project Management</a:t>
+              <a:t>Project Infrastructure</a:t>
             </a:r>
-            <a:endParaRPr b="0" lang="en-AU" sz="3600" spc="-1" strike="noStrike">
-              <a:latin typeface="Arial"/>
-            </a:endParaRPr>
-          </a:p>
-          <a:p>
-            <a:pPr algn="ctr">
-              <a:lnSpc>
-                <a:spcPct val="100000"/>
-              </a:lnSpc>
-            </a:pPr>
-            <a:r>
-              <a:rPr b="1" lang="en-AU" sz="2400" spc="-1" strike="noStrike">
-                <a:solidFill>
-                  <a:srgbClr val="000000"/>
-                </a:solidFill>
-                <a:latin typeface="Calibri"/>
-                <a:ea typeface="DejaVu Sans"/>
-              </a:rPr>
-              <a:t>(old method)</a:t>
-            </a:r>
-            <a:endParaRPr b="0" lang="en-AU" sz="2400" spc="-1" strike="noStrike">
-              <a:latin typeface="Arial"/>
-            </a:endParaRPr>
           </a:p>
         </p:txBody>
       </p:sp>
       <p:pic>
         <p:nvPicPr>
-          <p:cNvPr id="121" name="Picture 4" descr=""/>
-          <p:cNvPicPr/>
+          <p:cNvPr id="4" name="Picture 3">
+            <a:extLst>
+              <a:ext uri="{FF2B5EF4-FFF2-40B4-BE49-F238E27FC236}">
+                <a16:creationId xmlns:a16="http://schemas.microsoft.com/office/drawing/2014/main" id="{8BAFE132-EAF8-C04F-9BC8-D2F7CC6409E2}"/>
+              </a:ext>
+            </a:extLst>
+          </p:cNvPr>
+          <p:cNvPicPr>
+            <a:picLocks noChangeAspect="1"/>
+          </p:cNvPicPr>
           <p:nvPr/>
         </p:nvPicPr>
         <p:blipFill>
-          <a:blip r:embed="rId1"/>
-          <a:stretch/>
+          <a:blip r:embed="rId3"/>
+          <a:stretch>
+            <a:fillRect/>
+          </a:stretch>
         </p:blipFill>
         <p:spPr>
           <a:xfrm>
-            <a:off x="3422160" y="1464480"/>
-            <a:ext cx="5619240" cy="1594080"/>
-          </a:xfrm>
-          <a:prstGeom prst="rect">
-            <a:avLst/>
-          </a:prstGeom>
-          <a:ln>
-            <a:noFill/>
-          </a:ln>
+            <a:off x="8665525" y="1390986"/>
+            <a:ext cx="3810000" cy="1485900"/>
+          </a:xfrm>
+          <a:prstGeom prst="rect">
+            <a:avLst/>
+          </a:prstGeom>
         </p:spPr>
       </p:pic>
-      <p:pic>
-        <p:nvPicPr>
-          <p:cNvPr id="122" name="Picture 5" descr=""/>
-          <p:cNvPicPr/>
+      <p:sp>
+        <p:nvSpPr>
+          <p:cNvPr id="5" name="TextBox 4">
+            <a:extLst>
+              <a:ext uri="{FF2B5EF4-FFF2-40B4-BE49-F238E27FC236}">
+                <a16:creationId xmlns:a16="http://schemas.microsoft.com/office/drawing/2014/main" id="{3F99D122-6E91-D648-80CE-E6636F2A914D}"/>
+              </a:ext>
+            </a:extLst>
+          </p:cNvPr>
+          <p:cNvSpPr txBox="1"/>
           <p:nvPr/>
-        </p:nvPicPr>
-        <p:blipFill>
-          <a:blip r:embed="rId2"/>
-          <a:stretch/>
-        </p:blipFill>
-        <p:spPr>
-          <a:xfrm>
-            <a:off x="3285720" y="3767760"/>
-            <a:ext cx="5619240" cy="2611440"/>
-          </a:xfrm>
-          <a:prstGeom prst="rect">
-            <a:avLst/>
-          </a:prstGeom>
-          <a:ln>
-            <a:noFill/>
-          </a:ln>
-        </p:spPr>
-      </p:pic>
-      <p:sp>
-        <p:nvSpPr>
-          <p:cNvPr id="123" name="CustomShape 2"/>
-          <p:cNvSpPr/>
+        </p:nvSpPr>
+        <p:spPr>
+          <a:xfrm>
+            <a:off x="7075055" y="3481840"/>
+            <a:ext cx="4442691" cy="1569660"/>
+          </a:xfrm>
+          <a:prstGeom prst="rect">
+            <a:avLst/>
+          </a:prstGeom>
+          <a:noFill/>
+        </p:spPr>
+        <p:txBody>
+          <a:bodyPr wrap="square" rtlCol="0">
+            <a:spAutoFit/>
+          </a:bodyPr>
+          <a:lstStyle/>
+          <a:p>
+            <a:r>
+              <a:rPr lang="en-US" sz="2400" dirty="0"/>
+              <a:t>We rented a low spec’d VPS</a:t>
+            </a:r>
+          </a:p>
+          <a:p>
+            <a:endParaRPr lang="en-US" dirty="0"/>
+          </a:p>
+          <a:p>
+            <a:r>
+              <a:rPr lang="en-US" dirty="0"/>
+              <a:t> - Dedicated IP address</a:t>
+            </a:r>
+          </a:p>
+          <a:p>
+            <a:r>
+              <a:rPr lang="en-US" dirty="0"/>
+              <a:t> - Full root access – can run any service required</a:t>
+            </a:r>
+          </a:p>
+        </p:txBody>
+      </p:sp>
+      <p:sp>
+        <p:nvSpPr>
+          <p:cNvPr id="6" name="TextBox 5">
+            <a:extLst>
+              <a:ext uri="{FF2B5EF4-FFF2-40B4-BE49-F238E27FC236}">
+                <a16:creationId xmlns:a16="http://schemas.microsoft.com/office/drawing/2014/main" id="{C3CC43ED-0FB2-FE4E-9A5B-25EA7E1597B3}"/>
+              </a:ext>
+            </a:extLst>
+          </p:cNvPr>
+          <p:cNvSpPr txBox="1"/>
           <p:nvPr/>
         </p:nvSpPr>
         <p:spPr>
           <a:xfrm>
-            <a:off x="118440" y="-138960"/>
-            <a:ext cx="11953800" cy="7812000"/>
-          </a:xfrm>
-          <a:prstGeom prst="mathMultiply">
-            <a:avLst>
-              <a:gd name="adj1" fmla="val 23520"/>
-            </a:avLst>
-          </a:prstGeom>
-          <a:gradFill rotWithShape="0">
-            <a:gsLst>
-              <a:gs pos="0">
-                <a:srgbClr val="970000"/>
-              </a:gs>
-              <a:gs pos="50000">
-                <a:srgbClr val="d60000"/>
-              </a:gs>
-              <a:gs pos="100000">
-                <a:srgbClr val="ff0000"/>
-              </a:gs>
-            </a:gsLst>
-            <a:lin ang="0"/>
-          </a:gradFill>
-          <a:ln>
-            <a:noFill/>
-          </a:ln>
-        </p:spPr>
-        <p:style>
-          <a:lnRef idx="0"/>
-          <a:fillRef idx="0"/>
-          <a:effectRef idx="0"/>
-          <a:fontRef idx="minor"/>
-        </p:style>
+            <a:off x="1136072" y="3481840"/>
+            <a:ext cx="3408219" cy="1631216"/>
+          </a:xfrm>
+          <a:prstGeom prst="rect">
+            <a:avLst/>
+          </a:prstGeom>
+          <a:noFill/>
+        </p:spPr>
+        <p:txBody>
+          <a:bodyPr wrap="square" rtlCol="0">
+            <a:spAutoFit/>
+          </a:bodyPr>
+          <a:lstStyle/>
+          <a:p>
+            <a:r>
+              <a:rPr lang="en-US" sz="3200" dirty="0" err="1"/>
+              <a:t>NotDotCom.Fun</a:t>
+            </a:r>
+            <a:endParaRPr lang="en-US" sz="3200" dirty="0"/>
+          </a:p>
+          <a:p>
+            <a:r>
+              <a:rPr lang="en-US" sz="3200" dirty="0"/>
+              <a:t> </a:t>
+            </a:r>
+          </a:p>
+          <a:p>
+            <a:r>
+              <a:rPr lang="en-US" dirty="0"/>
+              <a:t>- Inexpensive DNS </a:t>
+            </a:r>
+          </a:p>
+          <a:p>
+            <a:r>
+              <a:rPr lang="en-US" dirty="0"/>
+              <a:t>- Easy to Remember</a:t>
+            </a:r>
+          </a:p>
+        </p:txBody>
+      </p:sp>
+      <p:sp>
+        <p:nvSpPr>
+          <p:cNvPr id="8" name="TextBox 7">
+            <a:extLst>
+              <a:ext uri="{FF2B5EF4-FFF2-40B4-BE49-F238E27FC236}">
+                <a16:creationId xmlns:a16="http://schemas.microsoft.com/office/drawing/2014/main" id="{11FD5BAA-30E6-0340-B951-A1238C90A784}"/>
+              </a:ext>
+            </a:extLst>
+          </p:cNvPr>
+          <p:cNvSpPr txBox="1"/>
+          <p:nvPr/>
+        </p:nvSpPr>
+        <p:spPr>
+          <a:xfrm>
+            <a:off x="822036" y="2045889"/>
+            <a:ext cx="4544291" cy="830997"/>
+          </a:xfrm>
+          <a:prstGeom prst="rect">
+            <a:avLst/>
+          </a:prstGeom>
+          <a:noFill/>
+        </p:spPr>
+        <p:txBody>
+          <a:bodyPr wrap="square" rtlCol="0">
+            <a:spAutoFit/>
+          </a:bodyPr>
+          <a:lstStyle/>
+          <a:p>
+            <a:r>
+              <a:rPr lang="en-US" sz="4800" dirty="0"/>
+              <a:t>137.262.34.109</a:t>
+            </a:r>
+          </a:p>
+        </p:txBody>
       </p:sp>
     </p:spTree>
   </p:cSld>
-  <p:timing>
-    <p:tnLst>
-      <p:par>
-        <p:cTn id="18" dur="indefinite" restart="never" nodeType="tmRoot">
-          <p:childTnLst>
-            <p:seq>
-              <p:cTn id="19" dur="indefinite" nodeType="mainSeq">
-                <p:childTnLst>
-                  <p:par>
-                    <p:cTn id="20" fill="hold">
-                      <p:stCondLst>
-                        <p:cond delay="indefinite"/>
-                      </p:stCondLst>
-                      <p:childTnLst>
-                        <p:par>
-                          <p:cTn id="21" fill="hold">
-                            <p:stCondLst>
-                              <p:cond delay="0"/>
-                            </p:stCondLst>
-                            <p:childTnLst>
-                              <p:par>
-                                <p:cTn id="22" nodeType="clickEffect" fill="hold" presetClass="entr" presetID="1">
-                                  <p:stCondLst>
-                                    <p:cond delay="0"/>
-                                  </p:stCondLst>
-                                  <p:childTnLst>
-                                    <p:set>
-                                      <p:cBhvr>
-                                        <p:cTn id="23" dur="1" fill="hold">
-                                          <p:stCondLst>
-                                            <p:cond delay="0"/>
-                                          </p:stCondLst>
-                                        </p:cTn>
-                                        <p:tgtEl>
-                                          <p:spTgt spid="123"/>
-                                        </p:tgtEl>
-                                        <p:attrNameLst>
-                                          <p:attrName>style.visibility</p:attrName>
-                                        </p:attrNameLst>
-                                      </p:cBhvr>
-                                      <p:to>
-                                        <p:strVal val="visible"/>
-                                      </p:to>
-                                    </p:set>
-                                  </p:childTnLst>
-                                </p:cTn>
-                              </p:par>
-                            </p:childTnLst>
-                          </p:cTn>
-                        </p:par>
-                      </p:childTnLst>
-                    </p:cTn>
-                  </p:par>
-                </p:childTnLst>
-              </p:cTn>
-              <p:prevCondLst>
-                <p:cond delay="0" evt="onPrev">
-                  <p:tgtEl>
-                    <p:sldTgt/>
-                  </p:tgtEl>
-                </p:cond>
-              </p:prevCondLst>
-              <p:nextCondLst>
-                <p:cond delay="0" evt="onNext">
-                  <p:tgtEl>
-                    <p:sldTgt/>
-                  </p:tgtEl>
-                </p:cond>
-              </p:nextCondLst>
-            </p:seq>
-          </p:childTnLst>
-        </p:cTn>
-      </p:par>
-    </p:tnLst>
-  </p:timing>
+  <p:clrMapOvr>
+    <a:masterClrMapping/>
+  </p:clrMapOvr>
 </p:sld>
 </file>
 
 <file path=ppt/slides/slide8.xml><?xml version="1.0" encoding="utf-8"?>
-<p:sld xmlns:a="http://schemas.openxmlformats.org/drawingml/2006/main" xmlns:p="http://schemas.openxmlformats.org/presentationml/2006/main" xmlns:r="http://schemas.openxmlformats.org/officeDocument/2006/relationships" xmlns:p14="http://schemas.microsoft.com/office/powerpoint/2010/main" xmlns:p15="http://schemas.microsoft.com/office/powerpoint/2012/main" xmlns:mc="http://schemas.openxmlformats.org/markup-compatibility/2006">
+<p:sld xmlns:a="http://schemas.openxmlformats.org/drawingml/2006/main" xmlns:r="http://schemas.openxmlformats.org/officeDocument/2006/relationships" xmlns:p="http://schemas.openxmlformats.org/presentationml/2006/main">
   <p:cSld>
     <p:spTree>
       <p:nvGrpSpPr>
@@ -7683,13 +9474,20 @@
           </a:ln>
         </p:spPr>
         <p:style>
-          <a:lnRef idx="0"/>
-          <a:fillRef idx="0"/>
-          <a:effectRef idx="0"/>
+          <a:lnRef idx="0">
+            <a:scrgbClr r="0" g="0" b="0"/>
+          </a:lnRef>
+          <a:fillRef idx="0">
+            <a:scrgbClr r="0" g="0" b="0"/>
+          </a:fillRef>
+          <a:effectRef idx="0">
+            <a:scrgbClr r="0" g="0" b="0"/>
+          </a:effectRef>
           <a:fontRef idx="minor"/>
         </p:style>
         <p:txBody>
-          <a:bodyPr lIns="0" rIns="0" tIns="0" bIns="0" anchor="ctr"/>
+          <a:bodyPr lIns="0" tIns="0" rIns="0" bIns="0" anchor="ctr"/>
+          <a:lstStyle/>
           <a:p>
             <a:pPr algn="ctr">
               <a:lnSpc>
@@ -7697,7 +9495,7 @@
               </a:lnSpc>
             </a:pPr>
             <a:r>
-              <a:rPr b="1" lang="en-AU" sz="3600" spc="-1" strike="noStrike">
+              <a:rPr lang="en-AU" sz="3600" b="1" strike="noStrike" spc="-1">
                 <a:solidFill>
                   <a:srgbClr val="000000"/>
                 </a:solidFill>
@@ -7706,7 +9504,7 @@
               </a:rPr>
               <a:t>Github Project Management</a:t>
             </a:r>
-            <a:endParaRPr b="0" lang="en-AU" sz="3600" spc="-1" strike="noStrike">
+            <a:endParaRPr lang="en-AU" sz="3600" b="0" strike="noStrike" spc="-1">
               <a:latin typeface="Arial"/>
             </a:endParaRPr>
           </a:p>
@@ -7728,15 +9526,21 @@
           </a:prstGeom>
           <a:ln w="72000">
             <a:solidFill>
-              <a:srgbClr val="3465a4"/>
+              <a:srgbClr val="3465A4"/>
             </a:solidFill>
             <a:round/>
           </a:ln>
         </p:spPr>
         <p:style>
-          <a:lnRef idx="0"/>
-          <a:fillRef idx="0"/>
-          <a:effectRef idx="0"/>
+          <a:lnRef idx="0">
+            <a:scrgbClr r="0" g="0" b="0"/>
+          </a:lnRef>
+          <a:fillRef idx="0">
+            <a:scrgbClr r="0" g="0" b="0"/>
+          </a:fillRef>
+          <a:effectRef idx="0">
+            <a:scrgbClr r="0" g="0" b="0"/>
+          </a:effectRef>
           <a:fontRef idx="minor"/>
         </p:style>
       </p:sp>
@@ -7756,15 +9560,21 @@
           </a:prstGeom>
           <a:ln w="72000">
             <a:solidFill>
-              <a:srgbClr val="3465a4"/>
+              <a:srgbClr val="3465A4"/>
             </a:solidFill>
             <a:round/>
           </a:ln>
         </p:spPr>
         <p:style>
-          <a:lnRef idx="0"/>
-          <a:fillRef idx="0"/>
-          <a:effectRef idx="0"/>
+          <a:lnRef idx="0">
+            <a:scrgbClr r="0" g="0" b="0"/>
+          </a:lnRef>
+          <a:fillRef idx="0">
+            <a:scrgbClr r="0" g="0" b="0"/>
+          </a:fillRef>
+          <a:effectRef idx="0">
+            <a:scrgbClr r="0" g="0" b="0"/>
+          </a:effectRef>
           <a:fontRef idx="minor"/>
         </p:style>
       </p:sp>
@@ -7784,15 +9594,21 @@
           </a:prstGeom>
           <a:ln w="72000">
             <a:solidFill>
-              <a:srgbClr val="3465a4"/>
+              <a:srgbClr val="3465A4"/>
             </a:solidFill>
             <a:round/>
           </a:ln>
         </p:spPr>
         <p:style>
-          <a:lnRef idx="0"/>
-          <a:fillRef idx="0"/>
-          <a:effectRef idx="0"/>
+          <a:lnRef idx="0">
+            <a:scrgbClr r="0" g="0" b="0"/>
+          </a:lnRef>
+          <a:fillRef idx="0">
+            <a:scrgbClr r="0" g="0" b="0"/>
+          </a:fillRef>
+          <a:effectRef idx="0">
+            <a:scrgbClr r="0" g="0" b="0"/>
+          </a:effectRef>
           <a:fontRef idx="minor"/>
         </p:style>
       </p:sp>
@@ -7815,13 +9631,19 @@
               <a:srgbClr val="000000"/>
             </a:solidFill>
             <a:round/>
-            <a:tailEnd len="med" type="triangle" w="med"/>
+            <a:tailEnd type="triangle" w="med" len="med"/>
           </a:ln>
         </p:spPr>
         <p:style>
-          <a:lnRef idx="0"/>
-          <a:fillRef idx="0"/>
-          <a:effectRef idx="0"/>
+          <a:lnRef idx="0">
+            <a:scrgbClr r="0" g="0" b="0"/>
+          </a:lnRef>
+          <a:fillRef idx="0">
+            <a:scrgbClr r="0" g="0" b="0"/>
+          </a:fillRef>
+          <a:effectRef idx="0">
+            <a:scrgbClr r="0" g="0" b="0"/>
+          </a:effectRef>
           <a:fontRef idx="minor"/>
         </p:style>
       </p:sp>
@@ -7845,13 +9667,20 @@
           </a:ln>
         </p:spPr>
         <p:style>
-          <a:lnRef idx="0"/>
-          <a:fillRef idx="0"/>
-          <a:effectRef idx="0"/>
+          <a:lnRef idx="0">
+            <a:scrgbClr r="0" g="0" b="0"/>
+          </a:lnRef>
+          <a:fillRef idx="0">
+            <a:scrgbClr r="0" g="0" b="0"/>
+          </a:fillRef>
+          <a:effectRef idx="0">
+            <a:scrgbClr r="0" g="0" b="0"/>
+          </a:effectRef>
           <a:fontRef idx="minor"/>
         </p:style>
         <p:txBody>
-          <a:bodyPr lIns="90000" rIns="90000" tIns="45000" bIns="45000"/>
+          <a:bodyPr lIns="90000" tIns="45000" rIns="90000" bIns="45000"/>
+          <a:lstStyle/>
           <a:p>
             <a:pPr>
               <a:lnSpc>
@@ -7859,7 +9688,7 @@
               </a:lnSpc>
             </a:pPr>
             <a:r>
-              <a:rPr b="1" lang="en-AU" sz="1800" spc="-1" strike="noStrike">
+              <a:rPr lang="en-AU" sz="1800" b="1" strike="noStrike" spc="-1">
                 <a:solidFill>
                   <a:srgbClr val="000000"/>
                 </a:solidFill>
@@ -7868,7 +9697,7 @@
               </a:rPr>
               <a:t>Labels</a:t>
             </a:r>
-            <a:endParaRPr b="0" lang="en-AU" sz="1800" spc="-1" strike="noStrike">
+            <a:endParaRPr lang="en-AU" sz="1800" b="0" strike="noStrike" spc="-1">
               <a:latin typeface="Arial"/>
             </a:endParaRPr>
           </a:p>
@@ -7876,12 +9705,12 @@
       </p:sp>
       <p:pic>
         <p:nvPicPr>
-          <p:cNvPr id="130" name="Picture 82" descr=""/>
+          <p:cNvPr id="130" name="Picture 82"/>
           <p:cNvPicPr/>
           <p:nvPr/>
         </p:nvPicPr>
         <p:blipFill>
-          <a:blip r:embed="rId1"/>
+          <a:blip r:embed="rId2"/>
           <a:stretch/>
         </p:blipFill>
         <p:spPr>
@@ -7894,12 +9723,12 @@
           </a:prstGeom>
           <a:ln w="190440">
             <a:solidFill>
-              <a:srgbClr val="ffffff"/>
+              <a:srgbClr val="FFFFFF"/>
             </a:solidFill>
             <a:miter/>
           </a:ln>
           <a:effectLst>
-            <a:outerShdw algn="tl" blurRad="65000" dir="12900000" dist="50800" kx="195000" ky="145000" rotWithShape="0">
+            <a:outerShdw blurRad="65000" dist="50800" dir="12900000" kx="195000" ky="145000" algn="tl" rotWithShape="0">
               <a:srgbClr val="000000">
                 <a:alpha val="30000"/>
               </a:srgbClr>
@@ -7909,7 +9738,7 @@
             <a:camera prst="orthographicFront">
               <a:rot lat="0" lon="0" rev="360000"/>
             </a:camera>
-            <a:lightRig dir="t" rig="twoPt">
+            <a:lightRig rig="twoPt" dir="t">
               <a:rot lat="0" lon="0" rev="7200000"/>
             </a:lightRig>
           </a:scene3d>
@@ -7941,13 +9770,20 @@
           </a:ln>
         </p:spPr>
         <p:style>
-          <a:lnRef idx="0"/>
-          <a:fillRef idx="0"/>
-          <a:effectRef idx="0"/>
+          <a:lnRef idx="0">
+            <a:scrgbClr r="0" g="0" b="0"/>
+          </a:lnRef>
+          <a:fillRef idx="0">
+            <a:scrgbClr r="0" g="0" b="0"/>
+          </a:fillRef>
+          <a:effectRef idx="0">
+            <a:scrgbClr r="0" g="0" b="0"/>
+          </a:effectRef>
           <a:fontRef idx="minor"/>
         </p:style>
         <p:txBody>
-          <a:bodyPr lIns="90000" rIns="90000" tIns="45000" bIns="45000"/>
+          <a:bodyPr lIns="90000" tIns="45000" rIns="90000" bIns="45000"/>
+          <a:lstStyle/>
           <a:p>
             <a:pPr>
               <a:lnSpc>
@@ -7955,7 +9791,7 @@
               </a:lnSpc>
             </a:pPr>
             <a:r>
-              <a:rPr b="1" lang="en-AU" sz="1800" spc="-1" strike="noStrike">
+              <a:rPr lang="en-AU" sz="1800" b="1" strike="noStrike" spc="-1">
                 <a:solidFill>
                   <a:srgbClr val="000000"/>
                 </a:solidFill>
@@ -7964,7 +9800,7 @@
               </a:rPr>
               <a:t>Assignees</a:t>
             </a:r>
-            <a:endParaRPr b="0" lang="en-AU" sz="1800" spc="-1" strike="noStrike">
+            <a:endParaRPr lang="en-AU" sz="1800" b="0" strike="noStrike" spc="-1">
               <a:latin typeface="Arial"/>
             </a:endParaRPr>
           </a:p>
@@ -7972,12 +9808,12 @@
       </p:sp>
       <p:pic>
         <p:nvPicPr>
-          <p:cNvPr id="132" name="Picture 21" descr=""/>
+          <p:cNvPr id="132" name="Picture 21"/>
           <p:cNvPicPr/>
           <p:nvPr/>
         </p:nvPicPr>
         <p:blipFill>
-          <a:blip r:embed="rId2"/>
+          <a:blip r:embed="rId3"/>
           <a:stretch/>
         </p:blipFill>
         <p:spPr>
@@ -7990,12 +9826,12 @@
           </a:prstGeom>
           <a:ln w="190440">
             <a:solidFill>
-              <a:srgbClr val="ffffff"/>
+              <a:srgbClr val="FFFFFF"/>
             </a:solidFill>
             <a:miter/>
           </a:ln>
           <a:effectLst>
-            <a:outerShdw algn="tl" blurRad="65000" dir="12900000" dist="50800" kx="195000" ky="145000" rotWithShape="0">
+            <a:outerShdw blurRad="65000" dist="50800" dir="12900000" kx="195000" ky="145000" algn="tl" rotWithShape="0">
               <a:srgbClr val="000000">
                 <a:alpha val="30000"/>
               </a:srgbClr>
@@ -8005,7 +9841,7 @@
             <a:camera prst="orthographicFront">
               <a:rot lat="0" lon="0" rev="360000"/>
             </a:camera>
-            <a:lightRig dir="t" rig="twoPt">
+            <a:lightRig rig="twoPt" dir="t">
               <a:rot lat="0" lon="0" rev="7200000"/>
             </a:lightRig>
           </a:scene3d>
@@ -8019,12 +9855,12 @@
       </p:pic>
       <p:pic>
         <p:nvPicPr>
-          <p:cNvPr id="133" name="Picture 11" descr=""/>
+          <p:cNvPr id="133" name="Picture 11"/>
           <p:cNvPicPr/>
           <p:nvPr/>
         </p:nvPicPr>
         <p:blipFill>
-          <a:blip r:embed="rId3"/>
+          <a:blip r:embed="rId4"/>
           <a:stretch/>
         </p:blipFill>
         <p:spPr>
@@ -8037,12 +9873,12 @@
           </a:prstGeom>
           <a:ln w="190440">
             <a:solidFill>
-              <a:srgbClr val="ffffff"/>
+              <a:srgbClr val="FFFFFF"/>
             </a:solidFill>
             <a:miter/>
           </a:ln>
           <a:effectLst>
-            <a:outerShdw algn="tl" blurRad="65000" dir="12900000" dist="50800" kx="195000" ky="145000" rotWithShape="0">
+            <a:outerShdw blurRad="65000" dist="50800" dir="12900000" kx="195000" ky="145000" algn="tl" rotWithShape="0">
               <a:srgbClr val="000000">
                 <a:alpha val="30000"/>
               </a:srgbClr>
@@ -8052,7 +9888,7 @@
             <a:camera prst="orthographicFront">
               <a:rot lat="0" lon="0" rev="360000"/>
             </a:camera>
-            <a:lightRig dir="t" rig="twoPt">
+            <a:lightRig rig="twoPt" dir="t">
               <a:rot lat="0" lon="0" rev="7200000"/>
             </a:lightRig>
           </a:scene3d>
@@ -8084,13 +9920,20 @@
           </a:ln>
         </p:spPr>
         <p:style>
-          <a:lnRef idx="0"/>
-          <a:fillRef idx="0"/>
-          <a:effectRef idx="0"/>
+          <a:lnRef idx="0">
+            <a:scrgbClr r="0" g="0" b="0"/>
+          </a:lnRef>
+          <a:fillRef idx="0">
+            <a:scrgbClr r="0" g="0" b="0"/>
+          </a:fillRef>
+          <a:effectRef idx="0">
+            <a:scrgbClr r="0" g="0" b="0"/>
+          </a:effectRef>
           <a:fontRef idx="minor"/>
         </p:style>
         <p:txBody>
-          <a:bodyPr lIns="90000" rIns="90000" tIns="45000" bIns="45000"/>
+          <a:bodyPr lIns="90000" tIns="45000" rIns="90000" bIns="45000"/>
+          <a:lstStyle/>
           <a:p>
             <a:pPr>
               <a:lnSpc>
@@ -8098,7 +9941,7 @@
               </a:lnSpc>
             </a:pPr>
             <a:r>
-              <a:rPr b="1" lang="en-AU" sz="1800" spc="-1" strike="noStrike">
+              <a:rPr lang="en-AU" sz="1800" b="1" strike="noStrike" spc="-1">
                 <a:solidFill>
                   <a:srgbClr val="000000"/>
                 </a:solidFill>
@@ -8107,7 +9950,7 @@
               </a:rPr>
               <a:t>Issues</a:t>
             </a:r>
-            <a:endParaRPr b="0" lang="en-AU" sz="1800" spc="-1" strike="noStrike">
+            <a:endParaRPr lang="en-AU" sz="1800" b="0" strike="noStrike" spc="-1">
               <a:latin typeface="Arial"/>
             </a:endParaRPr>
           </a:p>
@@ -8132,13 +9975,19 @@
               <a:srgbClr val="000000"/>
             </a:solidFill>
             <a:round/>
-            <a:tailEnd len="med" type="triangle" w="med"/>
+            <a:tailEnd type="triangle" w="med" len="med"/>
           </a:ln>
         </p:spPr>
         <p:style>
-          <a:lnRef idx="0"/>
-          <a:fillRef idx="0"/>
-          <a:effectRef idx="0"/>
+          <a:lnRef idx="0">
+            <a:scrgbClr r="0" g="0" b="0"/>
+          </a:lnRef>
+          <a:fillRef idx="0">
+            <a:scrgbClr r="0" g="0" b="0"/>
+          </a:fillRef>
+          <a:effectRef idx="0">
+            <a:scrgbClr r="0" g="0" b="0"/>
+          </a:effectRef>
           <a:fontRef idx="minor"/>
         </p:style>
       </p:sp>
@@ -8162,13 +10011,20 @@
           </a:ln>
         </p:spPr>
         <p:style>
-          <a:lnRef idx="0"/>
-          <a:fillRef idx="0"/>
-          <a:effectRef idx="0"/>
+          <a:lnRef idx="0">
+            <a:scrgbClr r="0" g="0" b="0"/>
+          </a:lnRef>
+          <a:fillRef idx="0">
+            <a:scrgbClr r="0" g="0" b="0"/>
+          </a:fillRef>
+          <a:effectRef idx="0">
+            <a:scrgbClr r="0" g="0" b="0"/>
+          </a:effectRef>
           <a:fontRef idx="minor"/>
         </p:style>
         <p:txBody>
-          <a:bodyPr lIns="90000" rIns="90000" tIns="45000" bIns="45000"/>
+          <a:bodyPr lIns="90000" tIns="45000" rIns="90000" bIns="45000"/>
+          <a:lstStyle/>
           <a:p>
             <a:pPr>
               <a:lnSpc>
@@ -8176,7 +10032,7 @@
               </a:lnSpc>
             </a:pPr>
             <a:r>
-              <a:rPr b="1" lang="en-AU" sz="1800" spc="-1" strike="noStrike">
+              <a:rPr lang="en-AU" sz="1800" b="1" strike="noStrike" spc="-1">
                 <a:solidFill>
                   <a:srgbClr val="000000"/>
                 </a:solidFill>
@@ -8185,7 +10041,7 @@
               </a:rPr>
               <a:t>Projects</a:t>
             </a:r>
-            <a:endParaRPr b="0" lang="en-AU" sz="1800" spc="-1" strike="noStrike">
+            <a:endParaRPr lang="en-AU" sz="1800" b="0" strike="noStrike" spc="-1">
               <a:latin typeface="Arial"/>
             </a:endParaRPr>
           </a:p>
@@ -8211,13 +10067,20 @@
           </a:ln>
         </p:spPr>
         <p:style>
-          <a:lnRef idx="0"/>
-          <a:fillRef idx="0"/>
-          <a:effectRef idx="0"/>
+          <a:lnRef idx="0">
+            <a:scrgbClr r="0" g="0" b="0"/>
+          </a:lnRef>
+          <a:fillRef idx="0">
+            <a:scrgbClr r="0" g="0" b="0"/>
+          </a:fillRef>
+          <a:effectRef idx="0">
+            <a:scrgbClr r="0" g="0" b="0"/>
+          </a:effectRef>
           <a:fontRef idx="minor"/>
         </p:style>
         <p:txBody>
-          <a:bodyPr lIns="90000" rIns="90000" tIns="45000" bIns="45000"/>
+          <a:bodyPr lIns="90000" tIns="45000" rIns="90000" bIns="45000"/>
+          <a:lstStyle/>
           <a:p>
             <a:pPr>
               <a:lnSpc>
@@ -8225,7 +10088,7 @@
               </a:lnSpc>
             </a:pPr>
             <a:r>
-              <a:rPr b="1" lang="en-AU" sz="1800" spc="-1" strike="noStrike">
+              <a:rPr lang="en-AU" sz="1800" b="1" strike="noStrike" spc="-1">
                 <a:solidFill>
                   <a:srgbClr val="000000"/>
                 </a:solidFill>
@@ -8234,7 +10097,7 @@
               </a:rPr>
               <a:t>Milestones</a:t>
             </a:r>
-            <a:endParaRPr b="0" lang="en-AU" sz="1800" spc="-1" strike="noStrike">
+            <a:endParaRPr lang="en-AU" sz="1800" b="0" strike="noStrike" spc="-1">
               <a:latin typeface="Arial"/>
             </a:endParaRPr>
           </a:p>
@@ -8242,12 +10105,12 @@
       </p:sp>
       <p:pic>
         <p:nvPicPr>
-          <p:cNvPr id="138" name="Picture 10" descr=""/>
+          <p:cNvPr id="138" name="Picture 10"/>
           <p:cNvPicPr/>
           <p:nvPr/>
         </p:nvPicPr>
         <p:blipFill>
-          <a:blip r:embed="rId4"/>
+          <a:blip r:embed="rId5"/>
           <a:stretch/>
         </p:blipFill>
         <p:spPr>
@@ -8260,12 +10123,12 @@
           </a:prstGeom>
           <a:ln w="101520">
             <a:solidFill>
-              <a:srgbClr val="fdfdfd"/>
+              <a:srgbClr val="FDFDFD"/>
             </a:solidFill>
             <a:miter/>
           </a:ln>
           <a:effectLst>
-            <a:outerShdw algn="tl" blurRad="57150" dir="7560000" dist="37500" kx="110000" ky="200000" rotWithShape="0" sy="98000">
+            <a:outerShdw blurRad="57150" dist="37500" dir="7560000" sy="98000" kx="110000" ky="200000" algn="tl" rotWithShape="0">
               <a:srgbClr val="000000">
                 <a:alpha val="20000"/>
               </a:srgbClr>
@@ -8275,14 +10138,14 @@
             <a:camera prst="perspectiveRelaxed">
               <a:rot lat="18960000" lon="0" rev="0"/>
             </a:camera>
-            <a:lightRig dir="t" rig="twoPt">
+            <a:lightRig rig="twoPt" dir="t">
               <a:rot lat="0" lon="0" rev="7200000"/>
             </a:lightRig>
           </a:scene3d>
           <a:sp3d prstMaterial="matte">
             <a:bevelT w="22860" h="12700"/>
             <a:contourClr>
-              <a:srgbClr val="ffffff"/>
+              <a:srgbClr val="FFFFFF"/>
             </a:contourClr>
           </a:sp3d>
         </p:spPr>
@@ -8306,24 +10169,30 @@
               <a:srgbClr val="000000"/>
             </a:solidFill>
             <a:round/>
-            <a:tailEnd len="med" type="triangle" w="med"/>
+            <a:tailEnd type="triangle" w="med" len="med"/>
           </a:ln>
         </p:spPr>
         <p:style>
-          <a:lnRef idx="0"/>
-          <a:fillRef idx="0"/>
-          <a:effectRef idx="0"/>
+          <a:lnRef idx="0">
+            <a:scrgbClr r="0" g="0" b="0"/>
+          </a:lnRef>
+          <a:fillRef idx="0">
+            <a:scrgbClr r="0" g="0" b="0"/>
+          </a:fillRef>
+          <a:effectRef idx="0">
+            <a:scrgbClr r="0" g="0" b="0"/>
+          </a:effectRef>
           <a:fontRef idx="minor"/>
         </p:style>
       </p:sp>
       <p:pic>
         <p:nvPicPr>
-          <p:cNvPr id="140" name="Picture 30" descr=""/>
+          <p:cNvPr id="140" name="Picture 30"/>
           <p:cNvPicPr/>
           <p:nvPr/>
         </p:nvPicPr>
         <p:blipFill>
-          <a:blip r:embed="rId5"/>
+          <a:blip r:embed="rId6"/>
           <a:stretch/>
         </p:blipFill>
         <p:spPr>
@@ -8336,12 +10205,12 @@
           </a:prstGeom>
           <a:ln w="101520">
             <a:solidFill>
-              <a:srgbClr val="fdfdfd"/>
+              <a:srgbClr val="FDFDFD"/>
             </a:solidFill>
             <a:miter/>
           </a:ln>
           <a:effectLst>
-            <a:outerShdw algn="tl" blurRad="57150" dir="7560000" dist="37500" kx="110000" ky="200000" rotWithShape="0" sy="98000">
+            <a:outerShdw blurRad="57150" dist="37500" dir="7560000" sy="98000" kx="110000" ky="200000" algn="tl" rotWithShape="0">
               <a:srgbClr val="000000">
                 <a:alpha val="20000"/>
               </a:srgbClr>
@@ -8351,14 +10220,14 @@
             <a:camera prst="perspectiveRelaxed">
               <a:rot lat="18960000" lon="0" rev="0"/>
             </a:camera>
-            <a:lightRig dir="t" rig="twoPt">
+            <a:lightRig rig="twoPt" dir="t">
               <a:rot lat="0" lon="0" rev="7200000"/>
             </a:lightRig>
           </a:scene3d>
           <a:sp3d prstMaterial="matte">
             <a:bevelT w="22860" h="12700"/>
             <a:contourClr>
-              <a:srgbClr val="ffffff"/>
+              <a:srgbClr val="FFFFFF"/>
             </a:contourClr>
           </a:sp3d>
         </p:spPr>
@@ -8382,13 +10251,19 @@
               <a:srgbClr val="000000"/>
             </a:solidFill>
             <a:round/>
-            <a:tailEnd len="med" type="triangle" w="med"/>
+            <a:tailEnd type="triangle" w="med" len="med"/>
           </a:ln>
         </p:spPr>
         <p:style>
-          <a:lnRef idx="0"/>
-          <a:fillRef idx="0"/>
-          <a:effectRef idx="0"/>
+          <a:lnRef idx="0">
+            <a:scrgbClr r="0" g="0" b="0"/>
+          </a:lnRef>
+          <a:fillRef idx="0">
+            <a:scrgbClr r="0" g="0" b="0"/>
+          </a:fillRef>
+          <a:effectRef idx="0">
+            <a:scrgbClr r="0" g="0" b="0"/>
+          </a:effectRef>
           <a:fontRef idx="minor"/>
         </p:style>
       </p:sp>
@@ -8412,13 +10287,20 @@
           </a:ln>
         </p:spPr>
         <p:style>
-          <a:lnRef idx="0"/>
-          <a:fillRef idx="0"/>
-          <a:effectRef idx="0"/>
+          <a:lnRef idx="0">
+            <a:scrgbClr r="0" g="0" b="0"/>
+          </a:lnRef>
+          <a:fillRef idx="0">
+            <a:scrgbClr r="0" g="0" b="0"/>
+          </a:fillRef>
+          <a:effectRef idx="0">
+            <a:scrgbClr r="0" g="0" b="0"/>
+          </a:effectRef>
           <a:fontRef idx="minor"/>
         </p:style>
         <p:txBody>
-          <a:bodyPr lIns="90000" rIns="90000" tIns="45000" bIns="45000"/>
+          <a:bodyPr lIns="90000" tIns="45000" rIns="90000" bIns="45000"/>
+          <a:lstStyle/>
           <a:p>
             <a:pPr>
               <a:lnSpc>
@@ -8426,7 +10308,7 @@
               </a:lnSpc>
             </a:pPr>
             <a:r>
-              <a:rPr b="1" lang="en-AU" sz="1800" spc="-1" strike="noStrike">
+              <a:rPr lang="en-AU" sz="1800" b="1" strike="noStrike" spc="-1">
                 <a:solidFill>
                   <a:srgbClr val="000000"/>
                 </a:solidFill>
@@ -8435,7 +10317,7 @@
               </a:rPr>
               <a:t>Kanban + Cards</a:t>
             </a:r>
-            <a:endParaRPr b="0" lang="en-AU" sz="1800" spc="-1" strike="noStrike">
+            <a:endParaRPr lang="en-AU" sz="1800" b="0" strike="noStrike" spc="-1">
               <a:latin typeface="Arial"/>
             </a:endParaRPr>
           </a:p>
@@ -8460,24 +10342,30 @@
               <a:srgbClr val="000000"/>
             </a:solidFill>
             <a:round/>
-            <a:tailEnd len="med" type="triangle" w="med"/>
+            <a:tailEnd type="triangle" w="med" len="med"/>
           </a:ln>
         </p:spPr>
         <p:style>
-          <a:lnRef idx="0"/>
-          <a:fillRef idx="0"/>
-          <a:effectRef idx="0"/>
+          <a:lnRef idx="0">
+            <a:scrgbClr r="0" g="0" b="0"/>
+          </a:lnRef>
+          <a:fillRef idx="0">
+            <a:scrgbClr r="0" g="0" b="0"/>
+          </a:fillRef>
+          <a:effectRef idx="0">
+            <a:scrgbClr r="0" g="0" b="0"/>
+          </a:effectRef>
           <a:fontRef idx="minor"/>
         </p:style>
       </p:sp>
       <p:pic>
         <p:nvPicPr>
-          <p:cNvPr id="144" name="Picture 53" descr=""/>
+          <p:cNvPr id="144" name="Picture 53"/>
           <p:cNvPicPr/>
           <p:nvPr/>
         </p:nvPicPr>
         <p:blipFill>
-          <a:blip r:embed="rId6"/>
+          <a:blip r:embed="rId7"/>
           <a:stretch/>
         </p:blipFill>
         <p:spPr>
@@ -8490,12 +10378,12 @@
           </a:prstGeom>
           <a:ln w="190440">
             <a:solidFill>
-              <a:srgbClr val="ffffff"/>
+              <a:srgbClr val="FFFFFF"/>
             </a:solidFill>
             <a:miter/>
           </a:ln>
           <a:effectLst>
-            <a:outerShdw algn="tl" blurRad="65000" dir="12900000" dist="50800" kx="195000" ky="145000" rotWithShape="0">
+            <a:outerShdw blurRad="65000" dist="50800" dir="12900000" kx="195000" ky="145000" algn="tl" rotWithShape="0">
               <a:srgbClr val="000000">
                 <a:alpha val="30000"/>
               </a:srgbClr>
@@ -8505,7 +10393,7 @@
             <a:camera prst="orthographicFront">
               <a:rot lat="0" lon="0" rev="360000"/>
             </a:camera>
-            <a:lightRig dir="t" rig="twoPt">
+            <a:lightRig rig="twoPt" dir="t">
               <a:rot lat="0" lon="0" rev="7200000"/>
             </a:lightRig>
           </a:scene3d>
@@ -8533,7 +10421,7 @@
           </a:prstGeom>
           <a:ln w="36000">
             <a:solidFill>
-              <a:srgbClr val="3465a4"/>
+              <a:srgbClr val="3465A4"/>
             </a:solidFill>
             <a:round/>
           </a:ln>
@@ -8555,7 +10443,7 @@
           </a:prstGeom>
           <a:ln w="36000">
             <a:solidFill>
-              <a:srgbClr val="3465a4"/>
+              <a:srgbClr val="3465A4"/>
             </a:solidFill>
             <a:round/>
           </a:ln>
@@ -8577,10 +10465,10 @@
           </a:prstGeom>
           <a:ln w="36000">
             <a:solidFill>
-              <a:srgbClr val="3465a4"/>
+              <a:srgbClr val="3465A4"/>
             </a:solidFill>
             <a:round/>
-            <a:tailEnd len="med" type="triangle" w="med"/>
+            <a:tailEnd type="triangle" w="med" len="med"/>
           </a:ln>
         </p:spPr>
       </p:cxnSp>
@@ -8600,10 +10488,10 @@
           </a:prstGeom>
           <a:ln w="36000">
             <a:solidFill>
-              <a:srgbClr val="3465a4"/>
+              <a:srgbClr val="3465A4"/>
             </a:solidFill>
             <a:round/>
-            <a:tailEnd len="med" type="triangle" w="med"/>
+            <a:tailEnd type="triangle" w="med" len="med"/>
           </a:ln>
         </p:spPr>
       </p:cxnSp>
@@ -8623,31 +10511,34 @@
           </a:prstGeom>
           <a:ln w="36000">
             <a:solidFill>
-              <a:srgbClr val="3465a4"/>
+              <a:srgbClr val="3465A4"/>
             </a:solidFill>
             <a:round/>
-            <a:tailEnd len="med" type="triangle" w="med"/>
+            <a:tailEnd type="triangle" w="med" len="med"/>
           </a:ln>
         </p:spPr>
       </p:cxnSp>
     </p:spTree>
   </p:cSld>
+  <p:clrMapOvr>
+    <a:masterClrMapping/>
+  </p:clrMapOvr>
   <p:timing>
     <p:tnLst>
       <p:par>
-        <p:cTn id="24" dur="indefinite" restart="never" nodeType="tmRoot">
+        <p:cTn id="1" dur="indefinite" restart="never" nodeType="tmRoot">
           <p:childTnLst>
             <p:seq>
-              <p:cTn id="25" dur="indefinite" nodeType="mainSeq"/>
+              <p:cTn id="2" dur="indefinite" nodeType="mainSeq"/>
               <p:prevCondLst>
-                <p:cond delay="0" evt="onPrev">
+                <p:cond evt="onPrev" delay="0">
                   <p:tgtEl>
                     <p:sldTgt/>
                   </p:tgtEl>
                 </p:cond>
               </p:prevCondLst>
               <p:nextCondLst>
-                <p:cond delay="0" evt="onNext">
+                <p:cond evt="onNext" delay="0">
                   <p:tgtEl>
                     <p:sldTgt/>
                   </p:tgtEl>
@@ -8663,7 +10554,7 @@
 </file>
 
 <file path=ppt/slides/slide9.xml><?xml version="1.0" encoding="utf-8"?>
-<p:sld xmlns:a="http://schemas.openxmlformats.org/drawingml/2006/main" xmlns:p="http://schemas.openxmlformats.org/presentationml/2006/main" xmlns:r="http://schemas.openxmlformats.org/officeDocument/2006/relationships" xmlns:p14="http://schemas.microsoft.com/office/powerpoint/2010/main" xmlns:p15="http://schemas.microsoft.com/office/powerpoint/2012/main" xmlns:mc="http://schemas.openxmlformats.org/markup-compatibility/2006">
+<p:sld xmlns:a="http://schemas.openxmlformats.org/drawingml/2006/main" xmlns:r="http://schemas.openxmlformats.org/officeDocument/2006/relationships" xmlns:p="http://schemas.openxmlformats.org/presentationml/2006/main">
   <p:cSld>
     <p:spTree>
       <p:nvGrpSpPr>
@@ -8679,616 +10570,113 @@
           <a:chExt cx="0" cy="0"/>
         </a:xfrm>
       </p:grpSpPr>
-      <p:pic>
-        <p:nvPicPr>
-          <p:cNvPr id="150" name="Picture 3" descr=""/>
-          <p:cNvPicPr/>
-          <p:nvPr/>
-        </p:nvPicPr>
-        <p:blipFill>
-          <a:blip r:embed="rId1"/>
-          <a:stretch/>
-        </p:blipFill>
-        <p:spPr>
-          <a:xfrm>
-            <a:off x="1622880" y="5211720"/>
-            <a:ext cx="1312200" cy="762480"/>
-          </a:xfrm>
-          <a:prstGeom prst="rect">
-            <a:avLst/>
-          </a:prstGeom>
-          <a:ln>
-            <a:noFill/>
-          </a:ln>
-        </p:spPr>
-      </p:pic>
-      <p:sp>
-        <p:nvSpPr>
-          <p:cNvPr id="151" name="CustomShape 1"/>
-          <p:cNvSpPr/>
-          <p:nvPr/>
-        </p:nvSpPr>
-        <p:spPr>
-          <a:xfrm>
-            <a:off x="0" y="169920"/>
-            <a:ext cx="12191040" cy="1004040"/>
-          </a:xfrm>
-          <a:prstGeom prst="rect">
-            <a:avLst/>
-          </a:prstGeom>
-          <a:noFill/>
-          <a:ln>
-            <a:noFill/>
-          </a:ln>
-        </p:spPr>
-        <p:style>
-          <a:lnRef idx="0"/>
-          <a:fillRef idx="0"/>
-          <a:effectRef idx="0"/>
-          <a:fontRef idx="minor"/>
-        </p:style>
-        <p:txBody>
-          <a:bodyPr lIns="90000" rIns="90000" tIns="45000" bIns="45000"/>
-          <a:p>
-            <a:pPr algn="ctr">
-              <a:lnSpc>
-                <a:spcPct val="100000"/>
-              </a:lnSpc>
-            </a:pPr>
+      <p:sp>
+        <p:nvSpPr>
+          <p:cNvPr id="2" name="Title 1">
+            <a:extLst>
+              <a:ext uri="{FF2B5EF4-FFF2-40B4-BE49-F238E27FC236}">
+                <a16:creationId xmlns:a16="http://schemas.microsoft.com/office/drawing/2014/main" id="{A1848501-653D-F04E-98D5-FD020EBA8C3F}"/>
+              </a:ext>
+            </a:extLst>
+          </p:cNvPr>
+          <p:cNvSpPr>
+            <a:spLocks noGrp="1"/>
+          </p:cNvSpPr>
+          <p:nvPr>
+            <p:ph type="title"/>
+          </p:nvPr>
+        </p:nvSpPr>
+        <p:spPr/>
+        <p:txBody>
+          <a:bodyPr/>
+          <a:lstStyle/>
+          <a:p>
+            <a:pPr algn="ctr"/>
             <a:r>
-              <a:rPr b="1" lang="en-AU" sz="3600" spc="-1" strike="noStrike">
-                <a:solidFill>
-                  <a:srgbClr val="000000"/>
-                </a:solidFill>
-                <a:latin typeface="Calibri"/>
-                <a:ea typeface="DejaVu Sans"/>
-              </a:rPr>
-              <a:t>Database Migration</a:t>
+              <a:rPr lang="en-US" dirty="0"/>
+              <a:t>Known Security Issues</a:t>
             </a:r>
-            <a:endParaRPr b="0" lang="en-AU" sz="3600" spc="-1" strike="noStrike">
-              <a:latin typeface="Arial"/>
-            </a:endParaRPr>
-          </a:p>
-          <a:p>
-            <a:pPr algn="ctr">
-              <a:lnSpc>
-                <a:spcPct val="100000"/>
-              </a:lnSpc>
-            </a:pPr>
+          </a:p>
+        </p:txBody>
+      </p:sp>
+      <p:sp>
+        <p:nvSpPr>
+          <p:cNvPr id="3" name="Subtitle 2">
+            <a:extLst>
+              <a:ext uri="{FF2B5EF4-FFF2-40B4-BE49-F238E27FC236}">
+                <a16:creationId xmlns:a16="http://schemas.microsoft.com/office/drawing/2014/main" id="{AD3474A6-F3EA-CC4C-9A2C-9CEE03A13913}"/>
+              </a:ext>
+            </a:extLst>
+          </p:cNvPr>
+          <p:cNvSpPr>
+            <a:spLocks noGrp="1"/>
+          </p:cNvSpPr>
+          <p:nvPr>
+            <p:ph type="subTitle"/>
+          </p:nvPr>
+        </p:nvSpPr>
+        <p:spPr/>
+        <p:txBody>
+          <a:bodyPr/>
+          <a:lstStyle/>
+          <a:p>
             <a:r>
-              <a:rPr b="1" lang="en-AU" sz="2400" spc="-1" strike="noStrike">
-                <a:solidFill>
-                  <a:srgbClr val="000000"/>
-                </a:solidFill>
-                <a:latin typeface="Calibri"/>
-                <a:ea typeface="DejaVu Sans"/>
-              </a:rPr>
-              <a:t>(old method)</a:t>
+              <a:rPr lang="en-US" dirty="0"/>
+              <a:t>Initial security intentionally lax for collaboration</a:t>
             </a:r>
-            <a:endParaRPr b="0" lang="en-AU" sz="2400" spc="-1" strike="noStrike">
-              <a:latin typeface="Arial"/>
-            </a:endParaRPr>
-          </a:p>
-        </p:txBody>
-      </p:sp>
-      <p:pic>
-        <p:nvPicPr>
-          <p:cNvPr id="152" name="Picture 26" descr=""/>
-          <p:cNvPicPr/>
-          <p:nvPr/>
-        </p:nvPicPr>
-        <p:blipFill>
-          <a:blip r:embed="rId2"/>
-          <a:stretch/>
-        </p:blipFill>
-        <p:spPr>
-          <a:xfrm>
-            <a:off x="1551600" y="4165200"/>
-            <a:ext cx="1461600" cy="825480"/>
-          </a:xfrm>
-          <a:prstGeom prst="rect">
-            <a:avLst/>
-          </a:prstGeom>
-          <a:ln>
-            <a:noFill/>
-          </a:ln>
-        </p:spPr>
-      </p:pic>
-      <p:sp>
-        <p:nvSpPr>
-          <p:cNvPr id="153" name="CustomShape 2"/>
-          <p:cNvSpPr/>
-          <p:nvPr/>
-        </p:nvSpPr>
-        <p:spPr>
-          <a:xfrm>
-            <a:off x="1015560" y="3867840"/>
-            <a:ext cx="2467800" cy="2467800"/>
-          </a:xfrm>
-          <a:prstGeom prst="ellipse">
-            <a:avLst/>
-          </a:prstGeom>
-          <a:noFill/>
-          <a:ln w="57240">
-            <a:solidFill>
-              <a:schemeClr val="tx1"/>
-            </a:solidFill>
-            <a:round/>
-          </a:ln>
-        </p:spPr>
-        <p:style>
-          <a:lnRef idx="2">
-            <a:schemeClr val="accent1">
-              <a:shade val="50000"/>
-            </a:schemeClr>
-          </a:lnRef>
-          <a:fillRef idx="1">
-            <a:schemeClr val="accent1"/>
-          </a:fillRef>
-          <a:effectRef idx="0">
-            <a:schemeClr val="accent1"/>
-          </a:effectRef>
-          <a:fontRef idx="minor"/>
-        </p:style>
-      </p:sp>
-      <p:sp>
-        <p:nvSpPr>
-          <p:cNvPr id="154" name="Line 3"/>
-          <p:cNvSpPr/>
-          <p:nvPr/>
-        </p:nvSpPr>
-        <p:spPr>
-          <a:xfrm>
-            <a:off x="1041840" y="5102280"/>
-            <a:ext cx="2468880" cy="360"/>
-          </a:xfrm>
-          <a:prstGeom prst="line">
-            <a:avLst/>
-          </a:prstGeom>
-          <a:ln cap="rnd" w="9360">
-            <a:solidFill>
-              <a:schemeClr val="dk1"/>
-            </a:solidFill>
-            <a:custDash>
-              <a:ds d="800000" sp="600000"/>
-            </a:custDash>
-            <a:round/>
-          </a:ln>
-        </p:spPr>
-        <p:style>
-          <a:lnRef idx="0"/>
-          <a:fillRef idx="0"/>
-          <a:effectRef idx="0"/>
-          <a:fontRef idx="minor"/>
-        </p:style>
-      </p:sp>
-      <p:sp>
-        <p:nvSpPr>
-          <p:cNvPr id="155" name="CustomShape 4"/>
-          <p:cNvSpPr/>
-          <p:nvPr/>
-        </p:nvSpPr>
-        <p:spPr>
-          <a:xfrm>
-            <a:off x="72000" y="3531240"/>
-            <a:ext cx="1797480" cy="363960"/>
-          </a:xfrm>
-          <a:prstGeom prst="rect">
-            <a:avLst/>
-          </a:prstGeom>
-          <a:noFill/>
-          <a:ln>
-            <a:noFill/>
-          </a:ln>
-        </p:spPr>
-        <p:style>
-          <a:lnRef idx="0"/>
-          <a:fillRef idx="0"/>
-          <a:effectRef idx="0"/>
-          <a:fontRef idx="minor"/>
-        </p:style>
-        <p:txBody>
-          <a:bodyPr wrap="none" lIns="90000" rIns="90000" tIns="45000" bIns="45000"/>
-          <a:p>
-            <a:pPr>
-              <a:lnSpc>
-                <a:spcPct val="100000"/>
-              </a:lnSpc>
-            </a:pPr>
+          </a:p>
+          <a:p>
             <a:r>
-              <a:rPr b="1" lang="en-AU" sz="1800" spc="-1" strike="noStrike">
-                <a:solidFill>
-                  <a:srgbClr val="000000"/>
-                </a:solidFill>
-                <a:latin typeface="Calibri"/>
-                <a:ea typeface="DejaVu Sans"/>
-              </a:rPr>
-              <a:t>Interface (1)</a:t>
+              <a:rPr lang="en-US" dirty="0"/>
+              <a:t>Common database user across all copies of database</a:t>
             </a:r>
-            <a:endParaRPr b="0" lang="en-AU" sz="1800" spc="-1" strike="noStrike">
-              <a:latin typeface="Arial"/>
-            </a:endParaRPr>
-          </a:p>
-        </p:txBody>
-      </p:sp>
-      <p:pic>
-        <p:nvPicPr>
-          <p:cNvPr id="156" name="Picture 59" descr=""/>
-          <p:cNvPicPr/>
-          <p:nvPr/>
-        </p:nvPicPr>
-        <p:blipFill>
-          <a:blip r:embed="rId3"/>
-          <a:stretch/>
-        </p:blipFill>
-        <p:spPr>
-          <a:xfrm>
-            <a:off x="260280" y="4462200"/>
-            <a:ext cx="1111320" cy="1279080"/>
-          </a:xfrm>
-          <a:prstGeom prst="rect">
-            <a:avLst/>
-          </a:prstGeom>
-          <a:ln>
-            <a:noFill/>
-          </a:ln>
-        </p:spPr>
-      </p:pic>
-      <p:pic>
-        <p:nvPicPr>
-          <p:cNvPr id="157" name="Picture 61" descr=""/>
-          <p:cNvPicPr/>
-          <p:nvPr/>
-        </p:nvPicPr>
-        <p:blipFill>
-          <a:blip r:embed="rId4"/>
-          <a:stretch/>
-        </p:blipFill>
-        <p:spPr>
-          <a:xfrm>
-            <a:off x="5187240" y="1389960"/>
-            <a:ext cx="1436400" cy="1849680"/>
-          </a:xfrm>
-          <a:prstGeom prst="rect">
-            <a:avLst/>
-          </a:prstGeom>
-          <a:ln>
-            <a:noFill/>
-          </a:ln>
-        </p:spPr>
-      </p:pic>
-      <p:sp>
-        <p:nvSpPr>
-          <p:cNvPr id="158" name="CustomShape 5"/>
-          <p:cNvSpPr/>
-          <p:nvPr/>
-        </p:nvSpPr>
-        <p:spPr>
-          <a:xfrm>
-            <a:off x="8114760" y="3744000"/>
-            <a:ext cx="1797480" cy="363960"/>
-          </a:xfrm>
-          <a:prstGeom prst="rect">
-            <a:avLst/>
-          </a:prstGeom>
-          <a:noFill/>
-          <a:ln>
-            <a:noFill/>
-          </a:ln>
-        </p:spPr>
-        <p:style>
-          <a:lnRef idx="0"/>
-          <a:fillRef idx="0"/>
-          <a:effectRef idx="0"/>
-          <a:fontRef idx="minor"/>
-        </p:style>
-        <p:txBody>
-          <a:bodyPr wrap="none" lIns="90000" rIns="90000" tIns="45000" bIns="45000"/>
-          <a:p>
-            <a:pPr>
-              <a:lnSpc>
-                <a:spcPct val="100000"/>
-              </a:lnSpc>
-            </a:pPr>
+          </a:p>
+          <a:p>
             <a:r>
-              <a:rPr b="1" lang="en-AU" sz="1800" spc="-1" strike="noStrike">
-                <a:solidFill>
-                  <a:srgbClr val="000000"/>
-                </a:solidFill>
-                <a:latin typeface="Calibri"/>
-                <a:ea typeface="DejaVu Sans"/>
-              </a:rPr>
-              <a:t>Interface (2)</a:t>
+              <a:rPr lang="en-US" dirty="0"/>
+              <a:t>Passwords stored in files in repository (</a:t>
             </a:r>
-            <a:endParaRPr b="0" lang="en-AU" sz="1800" spc="-1" strike="noStrike">
-              <a:latin typeface="Arial"/>
-            </a:endParaRPr>
-          </a:p>
-        </p:txBody>
-      </p:sp>
-      <p:sp>
-        <p:nvSpPr>
-          <p:cNvPr id="159" name="CustomShape 6"/>
-          <p:cNvSpPr/>
-          <p:nvPr/>
-        </p:nvSpPr>
-        <p:spPr>
-          <a:xfrm>
-            <a:off x="9248760" y="3982320"/>
-            <a:ext cx="2467800" cy="2467800"/>
-          </a:xfrm>
-          <a:prstGeom prst="ellipse">
-            <a:avLst/>
-          </a:prstGeom>
-          <a:noFill/>
-          <a:ln w="57240">
-            <a:solidFill>
-              <a:schemeClr val="tx1"/>
-            </a:solidFill>
-            <a:round/>
-          </a:ln>
-        </p:spPr>
-        <p:style>
-          <a:lnRef idx="2">
-            <a:schemeClr val="accent1">
-              <a:shade val="50000"/>
-            </a:schemeClr>
-          </a:lnRef>
-          <a:fillRef idx="1">
-            <a:schemeClr val="accent1"/>
-          </a:fillRef>
-          <a:effectRef idx="0">
-            <a:schemeClr val="accent1"/>
-          </a:effectRef>
-          <a:fontRef idx="minor"/>
-        </p:style>
-      </p:sp>
-      <p:pic>
-        <p:nvPicPr>
-          <p:cNvPr id="160" name="Picture 66" descr=""/>
-          <p:cNvPicPr/>
-          <p:nvPr/>
-        </p:nvPicPr>
-        <p:blipFill>
-          <a:blip r:embed="rId5"/>
-          <a:stretch/>
-        </p:blipFill>
-        <p:spPr>
-          <a:xfrm>
-            <a:off x="8526960" y="4582800"/>
-            <a:ext cx="1111320" cy="1279080"/>
-          </a:xfrm>
-          <a:prstGeom prst="rect">
-            <a:avLst/>
-          </a:prstGeom>
-          <a:ln>
-            <a:noFill/>
-          </a:ln>
-        </p:spPr>
-      </p:pic>
-      <p:sp>
-        <p:nvSpPr>
-          <p:cNvPr id="161" name="CustomShape 7"/>
-          <p:cNvSpPr/>
-          <p:nvPr/>
-        </p:nvSpPr>
-        <p:spPr>
-          <a:xfrm>
-            <a:off x="5259240" y="1967040"/>
-            <a:ext cx="1248120" cy="912600"/>
-          </a:xfrm>
-          <a:prstGeom prst="rect">
-            <a:avLst/>
-          </a:prstGeom>
-          <a:noFill/>
-          <a:ln>
-            <a:noFill/>
-          </a:ln>
-        </p:spPr>
-        <p:style>
-          <a:lnRef idx="0"/>
-          <a:fillRef idx="0"/>
-          <a:effectRef idx="0"/>
-          <a:fontRef idx="minor"/>
-        </p:style>
-        <p:txBody>
-          <a:bodyPr lIns="90000" rIns="90000" tIns="45000" bIns="45000"/>
-          <a:p>
-            <a:pPr algn="ctr">
-              <a:lnSpc>
-                <a:spcPct val="100000"/>
-              </a:lnSpc>
-            </a:pPr>
             <a:r>
-              <a:rPr b="1" lang="en-AU" sz="1800" spc="-1" strike="noStrike">
-                <a:solidFill>
-                  <a:srgbClr val="000000"/>
-                </a:solidFill>
-                <a:latin typeface="Calibri"/>
-                <a:ea typeface="DejaVu Sans"/>
-              </a:rPr>
-              <a:t>SQL</a:t>
+              <a:rPr lang="en-US" dirty="0" err="1"/>
+              <a:t>wp-config.php</a:t>
             </a:r>
-            <a:endParaRPr b="0" lang="en-AU" sz="1800" spc="-1" strike="noStrike">
-              <a:latin typeface="Arial"/>
-            </a:endParaRPr>
-          </a:p>
-          <a:p>
-            <a:pPr algn="ctr">
-              <a:lnSpc>
-                <a:spcPct val="100000"/>
-              </a:lnSpc>
-            </a:pPr>
             <a:r>
-              <a:rPr b="1" lang="en-AU" sz="1800" spc="-1" strike="noStrike">
-                <a:solidFill>
-                  <a:srgbClr val="000000"/>
-                </a:solidFill>
-                <a:latin typeface="Calibri"/>
-                <a:ea typeface="DejaVu Sans"/>
-              </a:rPr>
-              <a:t>Dump</a:t>
+              <a:rPr lang="en-US" dirty="0"/>
+              <a:t> &amp; </a:t>
             </a:r>
-            <a:endParaRPr b="0" lang="en-AU" sz="1800" spc="-1" strike="noStrike">
-              <a:latin typeface="Arial"/>
-            </a:endParaRPr>
-          </a:p>
-          <a:p>
-            <a:pPr algn="ctr">
-              <a:lnSpc>
-                <a:spcPct val="100000"/>
-              </a:lnSpc>
-            </a:pPr>
             <a:r>
-              <a:rPr b="1" lang="en-AU" sz="1800" spc="-1" strike="noStrike">
-                <a:solidFill>
-                  <a:srgbClr val="000000"/>
-                </a:solidFill>
-                <a:latin typeface="Calibri"/>
-                <a:ea typeface="DejaVu Sans"/>
-              </a:rPr>
-              <a:t>File</a:t>
+              <a:rPr lang="en-US" dirty="0" err="1"/>
+              <a:t>configs.ini</a:t>
             </a:r>
-            <a:endParaRPr b="0" lang="en-AU" sz="1800" spc="-1" strike="noStrike">
-              <a:latin typeface="Arial"/>
-            </a:endParaRPr>
-          </a:p>
-        </p:txBody>
-      </p:sp>
-      <p:sp>
-        <p:nvSpPr>
-          <p:cNvPr id="162" name="Line 8"/>
-          <p:cNvSpPr/>
-          <p:nvPr/>
-        </p:nvSpPr>
-        <p:spPr>
-          <a:xfrm>
-            <a:off x="0" y="0"/>
-            <a:ext cx="360" cy="360"/>
-          </a:xfrm>
-          <a:prstGeom prst="line">
-            <a:avLst/>
-          </a:prstGeom>
-          <a:ln w="36000">
-            <a:solidFill>
-              <a:srgbClr val="000000"/>
-            </a:solidFill>
-            <a:round/>
-            <a:headEnd len="med" type="triangle" w="med"/>
-            <a:tailEnd len="med" type="triangle" w="med"/>
-          </a:ln>
-        </p:spPr>
-        <p:style>
-          <a:lnRef idx="0"/>
-          <a:fillRef idx="0"/>
-          <a:effectRef idx="0"/>
-          <a:fontRef idx="minor"/>
-        </p:style>
-      </p:sp>
-      <p:sp>
-        <p:nvSpPr>
-          <p:cNvPr id="163" name="Line 9"/>
-          <p:cNvSpPr/>
-          <p:nvPr/>
-        </p:nvSpPr>
-        <p:spPr>
-          <a:xfrm>
-            <a:off x="0" y="0"/>
-            <a:ext cx="360" cy="360"/>
-          </a:xfrm>
-          <a:prstGeom prst="line">
-            <a:avLst/>
-          </a:prstGeom>
-          <a:ln w="36000">
-            <a:solidFill>
-              <a:srgbClr val="000000"/>
-            </a:solidFill>
-            <a:round/>
-            <a:headEnd len="med" type="triangle" w="med"/>
-            <a:tailEnd len="med" type="triangle" w="med"/>
-          </a:ln>
-        </p:spPr>
-        <p:style>
-          <a:lnRef idx="0"/>
-          <a:fillRef idx="0"/>
-          <a:effectRef idx="0"/>
-          <a:fontRef idx="minor"/>
-        </p:style>
-      </p:sp>
-      <p:sp>
-        <p:nvSpPr>
-          <p:cNvPr id="164" name="CustomShape 10"/>
-          <p:cNvSpPr/>
-          <p:nvPr/>
-        </p:nvSpPr>
-        <p:spPr>
-          <a:xfrm>
-            <a:off x="4320000" y="4869720"/>
-            <a:ext cx="3311640" cy="673920"/>
-          </a:xfrm>
-          <a:prstGeom prst="rect">
-            <a:avLst/>
-          </a:prstGeom>
-          <a:noFill/>
-          <a:ln>
-            <a:noFill/>
-          </a:ln>
-        </p:spPr>
-        <p:style>
-          <a:lnRef idx="0"/>
-          <a:fillRef idx="0"/>
-          <a:effectRef idx="0"/>
-          <a:fontRef idx="minor"/>
-        </p:style>
-        <p:txBody>
-          <a:bodyPr lIns="90000" rIns="90000" tIns="45000" bIns="45000"/>
-          <a:p>
-            <a:pPr algn="ctr">
-              <a:lnSpc>
-                <a:spcPct val="100000"/>
-              </a:lnSpc>
-            </a:pPr>
             <a:r>
-              <a:rPr b="1" lang="en-AU" sz="1800" spc="-1" strike="noStrike">
-                <a:latin typeface="Arial"/>
-              </a:rPr>
-              <a:t>(Database imports &amp; exports may go in either direction)</a:t>
+              <a:rPr lang="en-US" dirty="0"/>
+              <a:t>)</a:t>
             </a:r>
-            <a:endParaRPr b="0" lang="en-AU" sz="1800" spc="-1" strike="noStrike">
-              <a:latin typeface="Arial"/>
-            </a:endParaRPr>
+          </a:p>
+          <a:p>
+            <a:r>
+              <a:rPr lang="en-US" dirty="0"/>
+              <a:t>Use git filter-branch to expunge all password-containing files</a:t>
+            </a:r>
+          </a:p>
+          <a:p>
+            <a:r>
+              <a:rPr lang="en-US" dirty="0"/>
+              <a:t>Shell commands to clean up file ownership/permissions </a:t>
+            </a:r>
           </a:p>
         </p:txBody>
       </p:sp>
     </p:spTree>
+    <p:extLst>
+      <p:ext uri="{BB962C8B-B14F-4D97-AF65-F5344CB8AC3E}">
+        <p14:creationId xmlns:p14="http://schemas.microsoft.com/office/powerpoint/2010/main" val="475767033"/>
+      </p:ext>
+    </p:extLst>
   </p:cSld>
-  <p:timing>
-    <p:tnLst>
-      <p:par>
-        <p:cTn id="26" dur="indefinite" restart="never" nodeType="tmRoot">
-          <p:childTnLst>
-            <p:seq>
-              <p:cTn id="27" dur="indefinite" nodeType="mainSeq"/>
-              <p:prevCondLst>
-                <p:cond delay="0" evt="onPrev">
-                  <p:tgtEl>
-                    <p:sldTgt/>
-                  </p:tgtEl>
-                </p:cond>
-              </p:prevCondLst>
-              <p:nextCondLst>
-                <p:cond delay="0" evt="onNext">
-                  <p:tgtEl>
-                    <p:sldTgt/>
-                  </p:tgtEl>
-                </p:cond>
-              </p:nextCondLst>
-            </p:seq>
-          </p:childTnLst>
-        </p:cTn>
-      </p:par>
-    </p:tnLst>
-  </p:timing>
+  <p:clrMapOvr>
+    <a:masterClrMapping/>
+  </p:clrMapOvr>
 </p:sld>
 </file>
 
@@ -9303,34 +10691,34 @@
         <a:sysClr val="window" lastClr="FFFFFF"/>
       </a:lt1>
       <a:dk2>
-        <a:srgbClr val="44546a"/>
+        <a:srgbClr val="44546A"/>
       </a:dk2>
       <a:lt2>
-        <a:srgbClr val="e7e6e6"/>
+        <a:srgbClr val="E7E6E6"/>
       </a:lt2>
       <a:accent1>
-        <a:srgbClr val="4472c4"/>
+        <a:srgbClr val="4472C4"/>
       </a:accent1>
       <a:accent2>
-        <a:srgbClr val="ed7d31"/>
+        <a:srgbClr val="ED7D31"/>
       </a:accent2>
       <a:accent3>
-        <a:srgbClr val="a5a5a5"/>
+        <a:srgbClr val="A5A5A5"/>
       </a:accent3>
       <a:accent4>
-        <a:srgbClr val="ffc000"/>
+        <a:srgbClr val="FFC000"/>
       </a:accent4>
       <a:accent5>
-        <a:srgbClr val="5b9bd5"/>
+        <a:srgbClr val="5B9BD5"/>
       </a:accent5>
       <a:accent6>
-        <a:srgbClr val="70ad47"/>
+        <a:srgbClr val="70AD47"/>
       </a:accent6>
       <a:hlink>
-        <a:srgbClr val="0563c1"/>
+        <a:srgbClr val="0563C1"/>
       </a:hlink>
       <a:folHlink>
-        <a:srgbClr val="954f72"/>
+        <a:srgbClr val="954F72"/>
       </a:folHlink>
     </a:clrScheme>
     <a:fontScheme name="Office">
@@ -9512,6 +10900,8 @@
       </a:bgFillStyleLst>
     </a:fmtScheme>
   </a:themeElements>
+  <a:objectDefaults/>
+  <a:extraClrSchemeLst/>
 </a:theme>
 </file>
 
@@ -9526,34 +10916,34 @@
         <a:sysClr val="window" lastClr="FFFFFF"/>
       </a:lt1>
       <a:dk2>
-        <a:srgbClr val="44546a"/>
+        <a:srgbClr val="44546A"/>
       </a:dk2>
       <a:lt2>
-        <a:srgbClr val="e7e6e6"/>
+        <a:srgbClr val="E7E6E6"/>
       </a:lt2>
       <a:accent1>
-        <a:srgbClr val="4472c4"/>
+        <a:srgbClr val="4472C4"/>
       </a:accent1>
       <a:accent2>
-        <a:srgbClr val="ed7d31"/>
+        <a:srgbClr val="ED7D31"/>
       </a:accent2>
       <a:accent3>
-        <a:srgbClr val="a5a5a5"/>
+        <a:srgbClr val="A5A5A5"/>
       </a:accent3>
       <a:accent4>
-        <a:srgbClr val="ffc000"/>
+        <a:srgbClr val="FFC000"/>
       </a:accent4>
       <a:accent5>
-        <a:srgbClr val="5b9bd5"/>
+        <a:srgbClr val="5B9BD5"/>
       </a:accent5>
       <a:accent6>
-        <a:srgbClr val="70ad47"/>
+        <a:srgbClr val="70AD47"/>
       </a:accent6>
       <a:hlink>
-        <a:srgbClr val="0563c1"/>
+        <a:srgbClr val="0563C1"/>
       </a:hlink>
       <a:folHlink>
-        <a:srgbClr val="954f72"/>
+        <a:srgbClr val="954F72"/>
       </a:folHlink>
     </a:clrScheme>
     <a:fontScheme name="Office">
@@ -9735,6 +11125,8 @@
       </a:bgFillStyleLst>
     </a:fmtScheme>
   </a:themeElements>
+  <a:objectDefaults/>
+  <a:extraClrSchemeLst/>
 </a:theme>
 </file>
 
@@ -9749,34 +11141,34 @@
         <a:sysClr val="window" lastClr="FFFFFF"/>
       </a:lt1>
       <a:dk2>
-        <a:srgbClr val="44546a"/>
+        <a:srgbClr val="44546A"/>
       </a:dk2>
       <a:lt2>
-        <a:srgbClr val="e7e6e6"/>
+        <a:srgbClr val="E7E6E6"/>
       </a:lt2>
       <a:accent1>
-        <a:srgbClr val="4472c4"/>
+        <a:srgbClr val="4472C4"/>
       </a:accent1>
       <a:accent2>
-        <a:srgbClr val="ed7d31"/>
+        <a:srgbClr val="ED7D31"/>
       </a:accent2>
       <a:accent3>
-        <a:srgbClr val="a5a5a5"/>
+        <a:srgbClr val="A5A5A5"/>
       </a:accent3>
       <a:accent4>
-        <a:srgbClr val="ffc000"/>
+        <a:srgbClr val="FFC000"/>
       </a:accent4>
       <a:accent5>
-        <a:srgbClr val="5b9bd5"/>
+        <a:srgbClr val="5B9BD5"/>
       </a:accent5>
       <a:accent6>
-        <a:srgbClr val="70ad47"/>
+        <a:srgbClr val="70AD47"/>
       </a:accent6>
       <a:hlink>
-        <a:srgbClr val="0563c1"/>
+        <a:srgbClr val="0563C1"/>
       </a:hlink>
       <a:folHlink>
-        <a:srgbClr val="954f72"/>
+        <a:srgbClr val="954F72"/>
       </a:folHlink>
     </a:clrScheme>
     <a:fontScheme name="Office">
@@ -9958,5 +11350,7 @@
       </a:bgFillStyleLst>
     </a:fmtScheme>
   </a:themeElements>
+  <a:objectDefaults/>
+  <a:extraClrSchemeLst/>
 </a:theme>
 </file>
--- a/work/presentation/CP3402 Group 10.pptx
+++ b/work/presentation/CP3402 Group 10.pptx
@@ -10620,50 +10620,122 @@
           <a:bodyPr/>
           <a:lstStyle/>
           <a:p>
+            <a:endParaRPr lang="en-US" sz="2400" dirty="0"/>
+          </a:p>
+          <a:p>
+            <a:endParaRPr lang="en-US" sz="2400" dirty="0"/>
+          </a:p>
+          <a:p>
+            <a:endParaRPr lang="en-US" sz="2400" dirty="0"/>
+          </a:p>
+          <a:p>
+            <a:endParaRPr lang="en-US" sz="2400" dirty="0"/>
+          </a:p>
+          <a:p>
+            <a:endParaRPr lang="en-US" sz="2400" dirty="0"/>
+          </a:p>
+          <a:p>
+            <a:endParaRPr lang="en-US" sz="2400" dirty="0"/>
+          </a:p>
+        </p:txBody>
+      </p:sp>
+      <p:sp>
+        <p:nvSpPr>
+          <p:cNvPr id="4" name="TextBox 3">
+            <a:extLst>
+              <a:ext uri="{FF2B5EF4-FFF2-40B4-BE49-F238E27FC236}">
+                <a16:creationId xmlns:a16="http://schemas.microsoft.com/office/drawing/2014/main" id="{2B297888-EE8D-0045-A532-ACD694ABF7B6}"/>
+              </a:ext>
+            </a:extLst>
+          </p:cNvPr>
+          <p:cNvSpPr txBox="1"/>
+          <p:nvPr/>
+        </p:nvSpPr>
+        <p:spPr>
+          <a:xfrm>
+            <a:off x="867266" y="1630837"/>
+            <a:ext cx="10893763" cy="5078313"/>
+          </a:xfrm>
+          <a:prstGeom prst="rect">
+            <a:avLst/>
+          </a:prstGeom>
+          <a:noFill/>
+        </p:spPr>
+        <p:txBody>
+          <a:bodyPr wrap="square" rtlCol="0">
+            <a:spAutoFit/>
+          </a:bodyPr>
+          <a:lstStyle/>
+          <a:p>
+            <a:pPr marL="285750" indent="-285750">
+              <a:buFont typeface="Arial" panose="020B0604020202020204" pitchFamily="34" charset="0"/>
+              <a:buChar char="•"/>
+            </a:pPr>
             <a:r>
-              <a:rPr lang="en-US" dirty="0"/>
-              <a:t>Initial security intentionally lax for collaboration</a:t>
+              <a:rPr lang="en-US" sz="3600" dirty="0"/>
+              <a:t>Initial security intentionally lax to ease collaboration</a:t>
             </a:r>
           </a:p>
           <a:p>
+            <a:pPr marL="285750" indent="-285750">
+              <a:buFont typeface="Arial" panose="020B0604020202020204" pitchFamily="34" charset="0"/>
+              <a:buChar char="•"/>
+            </a:pPr>
             <a:r>
-              <a:rPr lang="en-US" dirty="0"/>
+              <a:rPr lang="en-US" sz="3600" dirty="0"/>
               <a:t>Common database user across all copies of database</a:t>
             </a:r>
           </a:p>
           <a:p>
+            <a:pPr marL="285750" indent="-285750">
+              <a:buFont typeface="Arial" panose="020B0604020202020204" pitchFamily="34" charset="0"/>
+              <a:buChar char="•"/>
+            </a:pPr>
             <a:r>
-              <a:rPr lang="en-US" dirty="0"/>
+              <a:rPr lang="en-US" sz="3600" dirty="0"/>
               <a:t>Passwords stored in files in repository (</a:t>
             </a:r>
             <a:r>
-              <a:rPr lang="en-US" dirty="0" err="1"/>
+              <a:rPr lang="en-US" sz="3600" dirty="0" err="1"/>
               <a:t>wp-config.php</a:t>
             </a:r>
             <a:r>
-              <a:rPr lang="en-US" dirty="0"/>
+              <a:rPr lang="en-US" sz="3600" dirty="0"/>
               <a:t> &amp; </a:t>
             </a:r>
             <a:r>
-              <a:rPr lang="en-US" dirty="0" err="1"/>
+              <a:rPr lang="en-US" sz="3600" dirty="0" err="1"/>
               <a:t>configs.ini</a:t>
             </a:r>
             <a:r>
-              <a:rPr lang="en-US" dirty="0"/>
+              <a:rPr lang="en-US" sz="3600" dirty="0"/>
               <a:t>)</a:t>
             </a:r>
           </a:p>
           <a:p>
+            <a:pPr marL="285750" indent="-285750">
+              <a:buFont typeface="Arial" panose="020B0604020202020204" pitchFamily="34" charset="0"/>
+              <a:buChar char="•"/>
+            </a:pPr>
             <a:r>
-              <a:rPr lang="en-US" dirty="0"/>
+              <a:rPr lang="en-US" sz="3600" dirty="0"/>
               <a:t>Use git filter-branch to expunge all password-containing files</a:t>
             </a:r>
           </a:p>
           <a:p>
+            <a:pPr marL="285750" indent="-285750">
+              <a:buFont typeface="Arial" panose="020B0604020202020204" pitchFamily="34" charset="0"/>
+              <a:buChar char="•"/>
+            </a:pPr>
             <a:r>
-              <a:rPr lang="en-US" dirty="0"/>
-              <a:t>Shell commands to clean up file ownership/permissions </a:t>
+              <a:rPr lang="en-US" sz="3600" dirty="0"/>
+              <a:t>Shell commands to clean up file ownership/</a:t>
             </a:r>
+            <a:r>
+              <a:rPr lang="en-US" sz="3600"/>
+              <a:t>permissions prior to delivery</a:t>
+            </a:r>
+            <a:endParaRPr lang="en-US" sz="3600" dirty="0"/>
           </a:p>
         </p:txBody>
       </p:sp>

--- a/work/presentation/CP3402 Group 10.pptx
+++ b/work/presentation/CP3402 Group 10.pptx
@@ -120,6 +120,11 @@
       </a:defRPr>
     </a:lvl9pPr>
   </p:defaultTextStyle>
+  <p:extLst>
+    <p:ext uri="{EFAFB233-063F-42B5-8137-9DF3F51BA10A}">
+      <p15:sldGuideLst xmlns:p15="http://schemas.microsoft.com/office/powerpoint/2012/main"/>
+    </p:ext>
+  </p:extLst>
 </p:presentation>
 </file>
 
@@ -9240,31 +9245,34 @@
           <a:prstGeom prst="rect">
             <a:avLst/>
           </a:prstGeom>
-          <a:ln w="190440">
+          <a:solidFill>
+            <a:srgbClr val="FFFFFF">
+              <a:shade val="85000"/>
+            </a:srgbClr>
+          </a:solidFill>
+          <a:ln w="88900" cap="sq">
             <a:solidFill>
               <a:srgbClr val="FFFFFF"/>
             </a:solidFill>
-            <a:miter/>
+            <a:miter lim="800000"/>
           </a:ln>
           <a:effectLst>
-            <a:outerShdw blurRad="65000" dist="50800" dir="12900000" kx="195000" ky="145000" algn="tl" rotWithShape="0">
+            <a:outerShdw blurRad="55000" dist="18000" dir="5400000" algn="tl" rotWithShape="0">
               <a:srgbClr val="000000">
-                <a:alpha val="30000"/>
+                <a:alpha val="40000"/>
               </a:srgbClr>
             </a:outerShdw>
           </a:effectLst>
           <a:scene3d>
-            <a:camera prst="orthographicFront">
-              <a:rot lat="0" lon="0" rev="360000"/>
-            </a:camera>
+            <a:camera prst="orthographicFront"/>
             <a:lightRig rig="twoPt" dir="t">
               <a:rot lat="0" lon="0" rev="7200000"/>
             </a:lightRig>
           </a:scene3d>
-          <a:sp3d contourW="12700">
+          <a:sp3d>
             <a:bevelT w="25400" h="19050"/>
             <a:contourClr>
-              <a:srgbClr val="969696"/>
+              <a:srgbClr val="FFFFFF"/>
             </a:contourClr>
           </a:sp3d>
         </p:spPr>
@@ -9343,31 +9351,34 @@
           <a:prstGeom prst="rect">
             <a:avLst/>
           </a:prstGeom>
-          <a:ln w="190440">
+          <a:solidFill>
+            <a:srgbClr val="FFFFFF">
+              <a:shade val="85000"/>
+            </a:srgbClr>
+          </a:solidFill>
+          <a:ln w="88900" cap="sq">
             <a:solidFill>
               <a:srgbClr val="FFFFFF"/>
             </a:solidFill>
-            <a:miter/>
+            <a:miter lim="800000"/>
           </a:ln>
           <a:effectLst>
-            <a:outerShdw blurRad="65000" dist="50800" dir="12900000" kx="195000" ky="145000" algn="tl" rotWithShape="0">
+            <a:outerShdw blurRad="55000" dist="18000" dir="5400000" algn="tl" rotWithShape="0">
               <a:srgbClr val="000000">
-                <a:alpha val="30000"/>
+                <a:alpha val="40000"/>
               </a:srgbClr>
             </a:outerShdw>
           </a:effectLst>
           <a:scene3d>
-            <a:camera prst="orthographicFront">
-              <a:rot lat="0" lon="0" rev="360000"/>
-            </a:camera>
+            <a:camera prst="orthographicFront"/>
             <a:lightRig rig="twoPt" dir="t">
               <a:rot lat="0" lon="0" rev="7200000"/>
             </a:lightRig>
           </a:scene3d>
-          <a:sp3d contourW="12700">
+          <a:sp3d>
             <a:bevelT w="25400" h="19050"/>
             <a:contourClr>
-              <a:srgbClr val="969696"/>
+              <a:srgbClr val="FFFFFF"/>
             </a:contourClr>
           </a:sp3d>
         </p:spPr>
@@ -9390,31 +9401,34 @@
           <a:prstGeom prst="rect">
             <a:avLst/>
           </a:prstGeom>
-          <a:ln w="190440">
+          <a:solidFill>
+            <a:srgbClr val="FFFFFF">
+              <a:shade val="85000"/>
+            </a:srgbClr>
+          </a:solidFill>
+          <a:ln w="88900" cap="sq">
             <a:solidFill>
               <a:srgbClr val="FFFFFF"/>
             </a:solidFill>
-            <a:miter/>
+            <a:miter lim="800000"/>
           </a:ln>
           <a:effectLst>
-            <a:outerShdw blurRad="65000" dist="50800" dir="12900000" kx="195000" ky="145000" algn="tl" rotWithShape="0">
+            <a:outerShdw blurRad="55000" dist="18000" dir="5400000" algn="tl" rotWithShape="0">
               <a:srgbClr val="000000">
-                <a:alpha val="30000"/>
+                <a:alpha val="40000"/>
               </a:srgbClr>
             </a:outerShdw>
           </a:effectLst>
           <a:scene3d>
-            <a:camera prst="orthographicFront">
-              <a:rot lat="0" lon="0" rev="360000"/>
-            </a:camera>
+            <a:camera prst="orthographicFront"/>
             <a:lightRig rig="twoPt" dir="t">
               <a:rot lat="0" lon="0" rev="7200000"/>
             </a:lightRig>
           </a:scene3d>
-          <a:sp3d contourW="12700">
+          <a:sp3d>
             <a:bevelT w="25400" h="19050"/>
             <a:contourClr>
-              <a:srgbClr val="969696"/>
+              <a:srgbClr val="FFFFFF"/>
             </a:contourClr>
           </a:sp3d>
         </p:spPr>
@@ -9640,29 +9654,32 @@
           <a:prstGeom prst="rect">
             <a:avLst/>
           </a:prstGeom>
-          <a:ln w="101520">
+          <a:solidFill>
+            <a:srgbClr val="FFFFFF">
+              <a:shade val="85000"/>
+            </a:srgbClr>
+          </a:solidFill>
+          <a:ln w="88900" cap="sq">
             <a:solidFill>
-              <a:srgbClr val="FDFDFD"/>
+              <a:srgbClr val="FFFFFF"/>
             </a:solidFill>
-            <a:miter/>
+            <a:miter lim="800000"/>
           </a:ln>
           <a:effectLst>
-            <a:outerShdw blurRad="57150" dist="37500" dir="7560000" sy="98000" kx="110000" ky="200000" algn="tl" rotWithShape="0">
+            <a:outerShdw blurRad="55000" dist="18000" dir="5400000" algn="tl" rotWithShape="0">
               <a:srgbClr val="000000">
-                <a:alpha val="20000"/>
+                <a:alpha val="40000"/>
               </a:srgbClr>
             </a:outerShdw>
           </a:effectLst>
           <a:scene3d>
-            <a:camera prst="perspectiveRelaxed">
-              <a:rot lat="18960000" lon="0" rev="0"/>
-            </a:camera>
+            <a:camera prst="orthographicFront"/>
             <a:lightRig rig="twoPt" dir="t">
               <a:rot lat="0" lon="0" rev="7200000"/>
             </a:lightRig>
           </a:scene3d>
-          <a:sp3d prstMaterial="matte">
-            <a:bevelT w="22860" h="12700"/>
+          <a:sp3d>
+            <a:bevelT w="25400" h="19050"/>
             <a:contourClr>
               <a:srgbClr val="FFFFFF"/>
             </a:contourClr>
@@ -9722,29 +9739,32 @@
           <a:prstGeom prst="rect">
             <a:avLst/>
           </a:prstGeom>
-          <a:ln w="101520">
+          <a:solidFill>
+            <a:srgbClr val="FFFFFF">
+              <a:shade val="85000"/>
+            </a:srgbClr>
+          </a:solidFill>
+          <a:ln w="88900" cap="sq">
             <a:solidFill>
-              <a:srgbClr val="FDFDFD"/>
+              <a:srgbClr val="FFFFFF"/>
             </a:solidFill>
-            <a:miter/>
+            <a:miter lim="800000"/>
           </a:ln>
           <a:effectLst>
-            <a:outerShdw blurRad="57150" dist="37500" dir="7560000" sy="98000" kx="110000" ky="200000" algn="tl" rotWithShape="0">
+            <a:outerShdw blurRad="55000" dist="18000" dir="5400000" algn="tl" rotWithShape="0">
               <a:srgbClr val="000000">
-                <a:alpha val="20000"/>
+                <a:alpha val="40000"/>
               </a:srgbClr>
             </a:outerShdw>
           </a:effectLst>
           <a:scene3d>
-            <a:camera prst="perspectiveRelaxed">
-              <a:rot lat="18960000" lon="0" rev="0"/>
-            </a:camera>
+            <a:camera prst="orthographicFront"/>
             <a:lightRig rig="twoPt" dir="t">
               <a:rot lat="0" lon="0" rev="7200000"/>
             </a:lightRig>
           </a:scene3d>
-          <a:sp3d prstMaterial="matte">
-            <a:bevelT w="22860" h="12700"/>
+          <a:sp3d>
+            <a:bevelT w="25400" h="19050"/>
             <a:contourClr>
               <a:srgbClr val="FFFFFF"/>
             </a:contourClr>
@@ -9895,31 +9915,34 @@
           <a:prstGeom prst="rect">
             <a:avLst/>
           </a:prstGeom>
-          <a:ln w="190440">
+          <a:solidFill>
+            <a:srgbClr val="FFFFFF">
+              <a:shade val="85000"/>
+            </a:srgbClr>
+          </a:solidFill>
+          <a:ln w="88900" cap="sq">
             <a:solidFill>
               <a:srgbClr val="FFFFFF"/>
             </a:solidFill>
-            <a:miter/>
+            <a:miter lim="800000"/>
           </a:ln>
           <a:effectLst>
-            <a:outerShdw blurRad="65000" dist="50800" dir="12900000" kx="195000" ky="145000" algn="tl" rotWithShape="0">
+            <a:outerShdw blurRad="55000" dist="18000" dir="5400000" algn="tl" rotWithShape="0">
               <a:srgbClr val="000000">
-                <a:alpha val="30000"/>
+                <a:alpha val="40000"/>
               </a:srgbClr>
             </a:outerShdw>
           </a:effectLst>
           <a:scene3d>
-            <a:camera prst="orthographicFront">
-              <a:rot lat="0" lon="0" rev="360000"/>
-            </a:camera>
+            <a:camera prst="orthographicFront"/>
             <a:lightRig rig="twoPt" dir="t">
               <a:rot lat="0" lon="0" rev="7200000"/>
             </a:lightRig>
           </a:scene3d>
-          <a:sp3d contourW="12700">
+          <a:sp3d>
             <a:bevelT w="25400" h="19050"/>
             <a:contourClr>
-              <a:srgbClr val="969696"/>
+              <a:srgbClr val="FFFFFF"/>
             </a:contourClr>
           </a:sp3d>
         </p:spPr>
@@ -10209,8 +10232,8 @@
         </p:blipFill>
         <p:spPr>
           <a:xfrm>
-            <a:off x="4258917" y="2016720"/>
-            <a:ext cx="3314880" cy="2824560"/>
+            <a:off x="3872619" y="3923346"/>
+            <a:ext cx="2348654" cy="2001253"/>
           </a:xfrm>
           <a:prstGeom prst="rect">
             <a:avLst/>
@@ -10281,8 +10304,8 @@
         </p:blipFill>
         <p:spPr>
           <a:xfrm>
-            <a:off x="476566" y="2165760"/>
-            <a:ext cx="2276640" cy="2526480"/>
+            <a:off x="505594" y="1708811"/>
+            <a:ext cx="1018405" cy="1130165"/>
           </a:xfrm>
           <a:prstGeom prst="rect">
             <a:avLst/>
@@ -10310,8 +10333,8 @@
         </p:blipFill>
         <p:spPr>
           <a:xfrm>
-            <a:off x="8052768" y="1449000"/>
-            <a:ext cx="3954600" cy="3960000"/>
+            <a:off x="8932438" y="4004729"/>
+            <a:ext cx="1835979" cy="1838486"/>
           </a:xfrm>
           <a:prstGeom prst="rect">
             <a:avLst/>
@@ -10321,6 +10344,1179 @@
           </a:ln>
         </p:spPr>
       </p:pic>
+      <p:sp>
+        <p:nvSpPr>
+          <p:cNvPr id="2" name="Oval 1">
+            <a:extLst>
+              <a:ext uri="{FF2B5EF4-FFF2-40B4-BE49-F238E27FC236}">
+                <a16:creationId xmlns:a16="http://schemas.microsoft.com/office/drawing/2014/main" id="{49AE7089-F12D-462C-9958-82A270777BF9}"/>
+              </a:ext>
+            </a:extLst>
+          </p:cNvPr>
+          <p:cNvSpPr/>
+          <p:nvPr/>
+        </p:nvSpPr>
+        <p:spPr>
+          <a:xfrm>
+            <a:off x="3537460" y="3414486"/>
+            <a:ext cx="3018971" cy="3018971"/>
+          </a:xfrm>
+          <a:prstGeom prst="ellipse">
+            <a:avLst/>
+          </a:prstGeom>
+          <a:noFill/>
+          <a:ln>
+            <a:solidFill>
+              <a:schemeClr val="tx1"/>
+            </a:solidFill>
+          </a:ln>
+        </p:spPr>
+        <p:style>
+          <a:lnRef idx="2">
+            <a:schemeClr val="accent1">
+              <a:shade val="50000"/>
+            </a:schemeClr>
+          </a:lnRef>
+          <a:fillRef idx="1">
+            <a:schemeClr val="accent1"/>
+          </a:fillRef>
+          <a:effectRef idx="0">
+            <a:schemeClr val="accent1"/>
+          </a:effectRef>
+          <a:fontRef idx="minor">
+            <a:schemeClr val="lt1"/>
+          </a:fontRef>
+        </p:style>
+        <p:txBody>
+          <a:bodyPr rtlCol="0" anchor="ctr"/>
+          <a:lstStyle/>
+          <a:p>
+            <a:pPr algn="ctr"/>
+            <a:endParaRPr lang="en-GB"/>
+          </a:p>
+        </p:txBody>
+      </p:sp>
+      <p:sp>
+        <p:nvSpPr>
+          <p:cNvPr id="7" name="Oval 6">
+            <a:extLst>
+              <a:ext uri="{FF2B5EF4-FFF2-40B4-BE49-F238E27FC236}">
+                <a16:creationId xmlns:a16="http://schemas.microsoft.com/office/drawing/2014/main" id="{B4E00E38-3B93-4A97-B5C6-25FC51353B6B}"/>
+              </a:ext>
+            </a:extLst>
+          </p:cNvPr>
+          <p:cNvSpPr/>
+          <p:nvPr/>
+        </p:nvSpPr>
+        <p:spPr>
+          <a:xfrm>
+            <a:off x="8340941" y="3414486"/>
+            <a:ext cx="3018971" cy="3018971"/>
+          </a:xfrm>
+          <a:prstGeom prst="ellipse">
+            <a:avLst/>
+          </a:prstGeom>
+          <a:noFill/>
+          <a:ln>
+            <a:solidFill>
+              <a:schemeClr val="tx1"/>
+            </a:solidFill>
+          </a:ln>
+        </p:spPr>
+        <p:style>
+          <a:lnRef idx="2">
+            <a:schemeClr val="accent1">
+              <a:shade val="50000"/>
+            </a:schemeClr>
+          </a:lnRef>
+          <a:fillRef idx="1">
+            <a:schemeClr val="accent1"/>
+          </a:fillRef>
+          <a:effectRef idx="0">
+            <a:schemeClr val="accent1"/>
+          </a:effectRef>
+          <a:fontRef idx="minor">
+            <a:schemeClr val="lt1"/>
+          </a:fontRef>
+        </p:style>
+        <p:txBody>
+          <a:bodyPr rtlCol="0" anchor="ctr"/>
+          <a:lstStyle/>
+          <a:p>
+            <a:pPr algn="ctr"/>
+            <a:endParaRPr lang="en-GB"/>
+          </a:p>
+        </p:txBody>
+      </p:sp>
+      <p:sp>
+        <p:nvSpPr>
+          <p:cNvPr id="8" name="Oval 7">
+            <a:extLst>
+              <a:ext uri="{FF2B5EF4-FFF2-40B4-BE49-F238E27FC236}">
+                <a16:creationId xmlns:a16="http://schemas.microsoft.com/office/drawing/2014/main" id="{0D1026D5-5F6F-4D96-8A5E-89E7E2127B95}"/>
+              </a:ext>
+            </a:extLst>
+          </p:cNvPr>
+          <p:cNvSpPr/>
+          <p:nvPr/>
+        </p:nvSpPr>
+        <p:spPr>
+          <a:xfrm>
+            <a:off x="8932438" y="2228617"/>
+            <a:ext cx="1835979" cy="1152555"/>
+          </a:xfrm>
+          <a:prstGeom prst="ellipse">
+            <a:avLst/>
+          </a:prstGeom>
+          <a:noFill/>
+          <a:ln>
+            <a:solidFill>
+              <a:schemeClr val="tx1"/>
+            </a:solidFill>
+          </a:ln>
+        </p:spPr>
+        <p:style>
+          <a:lnRef idx="2">
+            <a:schemeClr val="accent1">
+              <a:shade val="50000"/>
+            </a:schemeClr>
+          </a:lnRef>
+          <a:fillRef idx="1">
+            <a:schemeClr val="accent1"/>
+          </a:fillRef>
+          <a:effectRef idx="0">
+            <a:schemeClr val="accent1"/>
+          </a:effectRef>
+          <a:fontRef idx="minor">
+            <a:schemeClr val="lt1"/>
+          </a:fontRef>
+        </p:style>
+        <p:txBody>
+          <a:bodyPr rtlCol="0" anchor="ctr"/>
+          <a:lstStyle/>
+          <a:p>
+            <a:pPr algn="ctr"/>
+            <a:endParaRPr lang="en-GB"/>
+          </a:p>
+        </p:txBody>
+      </p:sp>
+      <p:sp>
+        <p:nvSpPr>
+          <p:cNvPr id="3" name="TextBox 2">
+            <a:extLst>
+              <a:ext uri="{FF2B5EF4-FFF2-40B4-BE49-F238E27FC236}">
+                <a16:creationId xmlns:a16="http://schemas.microsoft.com/office/drawing/2014/main" id="{4E9D674B-0047-4E37-AA88-63591D54CD1C}"/>
+              </a:ext>
+            </a:extLst>
+          </p:cNvPr>
+          <p:cNvSpPr txBox="1"/>
+          <p:nvPr/>
+        </p:nvSpPr>
+        <p:spPr>
+          <a:xfrm>
+            <a:off x="9318021" y="2620229"/>
+            <a:ext cx="966931" cy="369332"/>
+          </a:xfrm>
+          <a:prstGeom prst="rect">
+            <a:avLst/>
+          </a:prstGeom>
+          <a:noFill/>
+        </p:spPr>
+        <p:txBody>
+          <a:bodyPr wrap="none" rtlCol="0">
+            <a:spAutoFit/>
+          </a:bodyPr>
+          <a:lstStyle/>
+          <a:p>
+            <a:r>
+              <a:rPr lang="en-AU" dirty="0"/>
+              <a:t>Staging</a:t>
+            </a:r>
+            <a:endParaRPr lang="en-GB" dirty="0"/>
+          </a:p>
+        </p:txBody>
+      </p:sp>
+      <p:sp>
+        <p:nvSpPr>
+          <p:cNvPr id="10" name="Oval 9">
+            <a:extLst>
+              <a:ext uri="{FF2B5EF4-FFF2-40B4-BE49-F238E27FC236}">
+                <a16:creationId xmlns:a16="http://schemas.microsoft.com/office/drawing/2014/main" id="{F15DE408-931E-4A16-A813-6029C017006E}"/>
+              </a:ext>
+            </a:extLst>
+          </p:cNvPr>
+          <p:cNvSpPr/>
+          <p:nvPr/>
+        </p:nvSpPr>
+        <p:spPr>
+          <a:xfrm>
+            <a:off x="8932438" y="1065076"/>
+            <a:ext cx="1835979" cy="1152555"/>
+          </a:xfrm>
+          <a:prstGeom prst="ellipse">
+            <a:avLst/>
+          </a:prstGeom>
+          <a:noFill/>
+          <a:ln>
+            <a:solidFill>
+              <a:schemeClr val="tx1"/>
+            </a:solidFill>
+          </a:ln>
+        </p:spPr>
+        <p:style>
+          <a:lnRef idx="2">
+            <a:schemeClr val="accent1">
+              <a:shade val="50000"/>
+            </a:schemeClr>
+          </a:lnRef>
+          <a:fillRef idx="1">
+            <a:schemeClr val="accent1"/>
+          </a:fillRef>
+          <a:effectRef idx="0">
+            <a:schemeClr val="accent1"/>
+          </a:effectRef>
+          <a:fontRef idx="minor">
+            <a:schemeClr val="lt1"/>
+          </a:fontRef>
+        </p:style>
+        <p:txBody>
+          <a:bodyPr rtlCol="0" anchor="ctr"/>
+          <a:lstStyle/>
+          <a:p>
+            <a:pPr algn="ctr"/>
+            <a:endParaRPr lang="en-GB"/>
+          </a:p>
+        </p:txBody>
+      </p:sp>
+      <p:sp>
+        <p:nvSpPr>
+          <p:cNvPr id="11" name="TextBox 10">
+            <a:extLst>
+              <a:ext uri="{FF2B5EF4-FFF2-40B4-BE49-F238E27FC236}">
+                <a16:creationId xmlns:a16="http://schemas.microsoft.com/office/drawing/2014/main" id="{C9D2E2F2-4A54-4C95-91A1-EC272A5EBFC4}"/>
+              </a:ext>
+            </a:extLst>
+          </p:cNvPr>
+          <p:cNvSpPr txBox="1"/>
+          <p:nvPr/>
+        </p:nvSpPr>
+        <p:spPr>
+          <a:xfrm>
+            <a:off x="9206661" y="1456687"/>
+            <a:ext cx="1287532" cy="369332"/>
+          </a:xfrm>
+          <a:prstGeom prst="rect">
+            <a:avLst/>
+          </a:prstGeom>
+          <a:noFill/>
+        </p:spPr>
+        <p:txBody>
+          <a:bodyPr wrap="none" rtlCol="0">
+            <a:spAutoFit/>
+          </a:bodyPr>
+          <a:lstStyle/>
+          <a:p>
+            <a:r>
+              <a:rPr lang="en-AU" dirty="0"/>
+              <a:t>Production</a:t>
+            </a:r>
+            <a:endParaRPr lang="en-GB" dirty="0"/>
+          </a:p>
+        </p:txBody>
+      </p:sp>
+      <p:sp>
+        <p:nvSpPr>
+          <p:cNvPr id="12" name="Oval 11">
+            <a:extLst>
+              <a:ext uri="{FF2B5EF4-FFF2-40B4-BE49-F238E27FC236}">
+                <a16:creationId xmlns:a16="http://schemas.microsoft.com/office/drawing/2014/main" id="{E5C5F799-120A-4AC8-96A2-393D66130D2C}"/>
+              </a:ext>
+            </a:extLst>
+          </p:cNvPr>
+          <p:cNvSpPr/>
+          <p:nvPr/>
+        </p:nvSpPr>
+        <p:spPr>
+          <a:xfrm>
+            <a:off x="4210501" y="2228617"/>
+            <a:ext cx="1835979" cy="1152555"/>
+          </a:xfrm>
+          <a:prstGeom prst="ellipse">
+            <a:avLst/>
+          </a:prstGeom>
+          <a:noFill/>
+          <a:ln>
+            <a:solidFill>
+              <a:schemeClr val="tx1"/>
+            </a:solidFill>
+          </a:ln>
+        </p:spPr>
+        <p:style>
+          <a:lnRef idx="2">
+            <a:schemeClr val="accent1">
+              <a:shade val="50000"/>
+            </a:schemeClr>
+          </a:lnRef>
+          <a:fillRef idx="1">
+            <a:schemeClr val="accent1"/>
+          </a:fillRef>
+          <a:effectRef idx="0">
+            <a:schemeClr val="accent1"/>
+          </a:effectRef>
+          <a:fontRef idx="minor">
+            <a:schemeClr val="lt1"/>
+          </a:fontRef>
+        </p:style>
+        <p:txBody>
+          <a:bodyPr rtlCol="0" anchor="ctr"/>
+          <a:lstStyle/>
+          <a:p>
+            <a:pPr algn="ctr"/>
+            <a:endParaRPr lang="en-GB"/>
+          </a:p>
+        </p:txBody>
+      </p:sp>
+      <p:sp>
+        <p:nvSpPr>
+          <p:cNvPr id="13" name="TextBox 12">
+            <a:extLst>
+              <a:ext uri="{FF2B5EF4-FFF2-40B4-BE49-F238E27FC236}">
+                <a16:creationId xmlns:a16="http://schemas.microsoft.com/office/drawing/2014/main" id="{EFC554A6-DDB7-4932-BA9A-96B3CAD2A972}"/>
+              </a:ext>
+            </a:extLst>
+          </p:cNvPr>
+          <p:cNvSpPr txBox="1"/>
+          <p:nvPr/>
+        </p:nvSpPr>
+        <p:spPr>
+          <a:xfrm>
+            <a:off x="4596084" y="2620229"/>
+            <a:ext cx="966931" cy="369332"/>
+          </a:xfrm>
+          <a:prstGeom prst="rect">
+            <a:avLst/>
+          </a:prstGeom>
+          <a:noFill/>
+        </p:spPr>
+        <p:txBody>
+          <a:bodyPr wrap="none" rtlCol="0">
+            <a:spAutoFit/>
+          </a:bodyPr>
+          <a:lstStyle/>
+          <a:p>
+            <a:r>
+              <a:rPr lang="en-AU" dirty="0"/>
+              <a:t>Staging</a:t>
+            </a:r>
+            <a:endParaRPr lang="en-GB" dirty="0"/>
+          </a:p>
+        </p:txBody>
+      </p:sp>
+      <p:sp>
+        <p:nvSpPr>
+          <p:cNvPr id="14" name="Oval 13">
+            <a:extLst>
+              <a:ext uri="{FF2B5EF4-FFF2-40B4-BE49-F238E27FC236}">
+                <a16:creationId xmlns:a16="http://schemas.microsoft.com/office/drawing/2014/main" id="{27946086-D338-4F7E-BDE2-C0C5A5BCE7F8}"/>
+              </a:ext>
+            </a:extLst>
+          </p:cNvPr>
+          <p:cNvSpPr/>
+          <p:nvPr/>
+        </p:nvSpPr>
+        <p:spPr>
+          <a:xfrm>
+            <a:off x="4210501" y="1064028"/>
+            <a:ext cx="1835979" cy="1152555"/>
+          </a:xfrm>
+          <a:prstGeom prst="ellipse">
+            <a:avLst/>
+          </a:prstGeom>
+          <a:noFill/>
+          <a:ln>
+            <a:solidFill>
+              <a:schemeClr val="tx1"/>
+            </a:solidFill>
+          </a:ln>
+        </p:spPr>
+        <p:style>
+          <a:lnRef idx="2">
+            <a:schemeClr val="accent1">
+              <a:shade val="50000"/>
+            </a:schemeClr>
+          </a:lnRef>
+          <a:fillRef idx="1">
+            <a:schemeClr val="accent1"/>
+          </a:fillRef>
+          <a:effectRef idx="0">
+            <a:schemeClr val="accent1"/>
+          </a:effectRef>
+          <a:fontRef idx="minor">
+            <a:schemeClr val="lt1"/>
+          </a:fontRef>
+        </p:style>
+        <p:txBody>
+          <a:bodyPr rtlCol="0" anchor="ctr"/>
+          <a:lstStyle/>
+          <a:p>
+            <a:pPr algn="ctr"/>
+            <a:endParaRPr lang="en-GB"/>
+          </a:p>
+        </p:txBody>
+      </p:sp>
+      <p:sp>
+        <p:nvSpPr>
+          <p:cNvPr id="15" name="TextBox 14">
+            <a:extLst>
+              <a:ext uri="{FF2B5EF4-FFF2-40B4-BE49-F238E27FC236}">
+                <a16:creationId xmlns:a16="http://schemas.microsoft.com/office/drawing/2014/main" id="{FE70B1AB-6472-4BF8-9ED8-404CEA7C48EC}"/>
+              </a:ext>
+            </a:extLst>
+          </p:cNvPr>
+          <p:cNvSpPr txBox="1"/>
+          <p:nvPr/>
+        </p:nvSpPr>
+        <p:spPr>
+          <a:xfrm>
+            <a:off x="4669672" y="1455640"/>
+            <a:ext cx="889987" cy="369332"/>
+          </a:xfrm>
+          <a:prstGeom prst="rect">
+            <a:avLst/>
+          </a:prstGeom>
+          <a:noFill/>
+        </p:spPr>
+        <p:txBody>
+          <a:bodyPr wrap="none" rtlCol="0">
+            <a:spAutoFit/>
+          </a:bodyPr>
+          <a:lstStyle/>
+          <a:p>
+            <a:r>
+              <a:rPr lang="en-AU" dirty="0"/>
+              <a:t>Master</a:t>
+            </a:r>
+            <a:endParaRPr lang="en-GB" dirty="0"/>
+          </a:p>
+        </p:txBody>
+      </p:sp>
+      <p:cxnSp>
+        <p:nvCxnSpPr>
+          <p:cNvPr id="16" name="Connector: Curved 15">
+            <a:extLst>
+              <a:ext uri="{FF2B5EF4-FFF2-40B4-BE49-F238E27FC236}">
+                <a16:creationId xmlns:a16="http://schemas.microsoft.com/office/drawing/2014/main" id="{CE34314D-6629-4976-AED8-1311D78F04F2}"/>
+              </a:ext>
+            </a:extLst>
+          </p:cNvPr>
+          <p:cNvCxnSpPr>
+            <a:cxnSpLocks/>
+            <a:stCxn id="2" idx="7"/>
+            <a:endCxn id="7" idx="1"/>
+          </p:cNvCxnSpPr>
+          <p:nvPr/>
+        </p:nvCxnSpPr>
+        <p:spPr>
+          <a:xfrm rot="5400000" flipH="1" flipV="1">
+            <a:off x="7448686" y="2522231"/>
+            <a:ext cx="12700" cy="2668746"/>
+          </a:xfrm>
+          <a:prstGeom prst="curvedConnector3">
+            <a:avLst>
+              <a:gd name="adj1" fmla="val 1738394"/>
+            </a:avLst>
+          </a:prstGeom>
+          <a:ln w="38100">
+            <a:solidFill>
+              <a:srgbClr val="FF0000"/>
+            </a:solidFill>
+            <a:prstDash val="dash"/>
+            <a:headEnd type="oval" w="med" len="med"/>
+            <a:tailEnd type="oval" w="med" len="med"/>
+          </a:ln>
+        </p:spPr>
+        <p:style>
+          <a:lnRef idx="1">
+            <a:schemeClr val="accent1"/>
+          </a:lnRef>
+          <a:fillRef idx="0">
+            <a:schemeClr val="accent1"/>
+          </a:fillRef>
+          <a:effectRef idx="0">
+            <a:schemeClr val="accent1"/>
+          </a:effectRef>
+          <a:fontRef idx="minor">
+            <a:schemeClr val="tx1"/>
+          </a:fontRef>
+        </p:style>
+      </p:cxnSp>
+      <p:sp>
+        <p:nvSpPr>
+          <p:cNvPr id="21" name="TextBox 20">
+            <a:extLst>
+              <a:ext uri="{FF2B5EF4-FFF2-40B4-BE49-F238E27FC236}">
+                <a16:creationId xmlns:a16="http://schemas.microsoft.com/office/drawing/2014/main" id="{8FA0DEEC-2B2B-4208-8D6D-EBE656B8096C}"/>
+              </a:ext>
+            </a:extLst>
+          </p:cNvPr>
+          <p:cNvSpPr txBox="1"/>
+          <p:nvPr/>
+        </p:nvSpPr>
+        <p:spPr>
+          <a:xfrm>
+            <a:off x="6871124" y="3862954"/>
+            <a:ext cx="1155124" cy="369332"/>
+          </a:xfrm>
+          <a:prstGeom prst="rect">
+            <a:avLst/>
+          </a:prstGeom>
+          <a:noFill/>
+        </p:spPr>
+        <p:txBody>
+          <a:bodyPr wrap="none" rtlCol="0">
+            <a:spAutoFit/>
+          </a:bodyPr>
+          <a:lstStyle/>
+          <a:p>
+            <a:r>
+              <a:rPr lang="en-AU" dirty="0"/>
+              <a:t>Webhook</a:t>
+            </a:r>
+            <a:endParaRPr lang="en-GB" dirty="0"/>
+          </a:p>
+        </p:txBody>
+      </p:sp>
+      <p:sp>
+        <p:nvSpPr>
+          <p:cNvPr id="18" name="TextBox 17">
+            <a:extLst>
+              <a:ext uri="{FF2B5EF4-FFF2-40B4-BE49-F238E27FC236}">
+                <a16:creationId xmlns:a16="http://schemas.microsoft.com/office/drawing/2014/main" id="{6B75D4D3-C9C7-402A-9CAF-18F83F326CC8}"/>
+              </a:ext>
+            </a:extLst>
+          </p:cNvPr>
+          <p:cNvSpPr txBox="1"/>
+          <p:nvPr/>
+        </p:nvSpPr>
+        <p:spPr>
+          <a:xfrm>
+            <a:off x="1000866" y="2059241"/>
+            <a:ext cx="312906" cy="369332"/>
+          </a:xfrm>
+          <a:prstGeom prst="rect">
+            <a:avLst/>
+          </a:prstGeom>
+          <a:noFill/>
+        </p:spPr>
+        <p:txBody>
+          <a:bodyPr wrap="none" rtlCol="0">
+            <a:spAutoFit/>
+          </a:bodyPr>
+          <a:lstStyle/>
+          <a:p>
+            <a:r>
+              <a:rPr lang="en-AU" b="1" dirty="0"/>
+              <a:t>1</a:t>
+            </a:r>
+            <a:endParaRPr lang="en-GB" b="1" dirty="0"/>
+          </a:p>
+        </p:txBody>
+      </p:sp>
+      <p:pic>
+        <p:nvPicPr>
+          <p:cNvPr id="23" name="Picture 9">
+            <a:extLst>
+              <a:ext uri="{FF2B5EF4-FFF2-40B4-BE49-F238E27FC236}">
+                <a16:creationId xmlns:a16="http://schemas.microsoft.com/office/drawing/2014/main" id="{9BDDA4CA-A34C-4883-9311-9AA8DA662193}"/>
+              </a:ext>
+            </a:extLst>
+          </p:cNvPr>
+          <p:cNvPicPr/>
+          <p:nvPr/>
+        </p:nvPicPr>
+        <p:blipFill>
+          <a:blip r:embed="rId3"/>
+          <a:stretch/>
+        </p:blipFill>
+        <p:spPr>
+          <a:xfrm>
+            <a:off x="505594" y="3102121"/>
+            <a:ext cx="1018405" cy="1130165"/>
+          </a:xfrm>
+          <a:prstGeom prst="rect">
+            <a:avLst/>
+          </a:prstGeom>
+          <a:ln>
+            <a:noFill/>
+          </a:ln>
+        </p:spPr>
+      </p:pic>
+      <p:sp>
+        <p:nvSpPr>
+          <p:cNvPr id="24" name="TextBox 23">
+            <a:extLst>
+              <a:ext uri="{FF2B5EF4-FFF2-40B4-BE49-F238E27FC236}">
+                <a16:creationId xmlns:a16="http://schemas.microsoft.com/office/drawing/2014/main" id="{636F77CE-E871-4DAE-A1F8-F8D562349BF1}"/>
+              </a:ext>
+            </a:extLst>
+          </p:cNvPr>
+          <p:cNvSpPr txBox="1"/>
+          <p:nvPr/>
+        </p:nvSpPr>
+        <p:spPr>
+          <a:xfrm>
+            <a:off x="1000866" y="3452551"/>
+            <a:ext cx="312906" cy="369332"/>
+          </a:xfrm>
+          <a:prstGeom prst="rect">
+            <a:avLst/>
+          </a:prstGeom>
+          <a:noFill/>
+        </p:spPr>
+        <p:txBody>
+          <a:bodyPr wrap="none" rtlCol="0">
+            <a:spAutoFit/>
+          </a:bodyPr>
+          <a:lstStyle/>
+          <a:p>
+            <a:r>
+              <a:rPr lang="en-AU" b="1" dirty="0"/>
+              <a:t>2</a:t>
+            </a:r>
+            <a:endParaRPr lang="en-GB" b="1" dirty="0"/>
+          </a:p>
+        </p:txBody>
+      </p:sp>
+      <p:pic>
+        <p:nvPicPr>
+          <p:cNvPr id="25" name="Picture 9">
+            <a:extLst>
+              <a:ext uri="{FF2B5EF4-FFF2-40B4-BE49-F238E27FC236}">
+                <a16:creationId xmlns:a16="http://schemas.microsoft.com/office/drawing/2014/main" id="{FFB92C93-2FA6-46CD-9DE8-838E392894FA}"/>
+              </a:ext>
+            </a:extLst>
+          </p:cNvPr>
+          <p:cNvPicPr/>
+          <p:nvPr/>
+        </p:nvPicPr>
+        <p:blipFill>
+          <a:blip r:embed="rId3"/>
+          <a:stretch/>
+        </p:blipFill>
+        <p:spPr>
+          <a:xfrm>
+            <a:off x="505594" y="4495431"/>
+            <a:ext cx="1018405" cy="1130165"/>
+          </a:xfrm>
+          <a:prstGeom prst="rect">
+            <a:avLst/>
+          </a:prstGeom>
+          <a:ln>
+            <a:noFill/>
+          </a:ln>
+        </p:spPr>
+      </p:pic>
+      <p:sp>
+        <p:nvSpPr>
+          <p:cNvPr id="26" name="TextBox 25">
+            <a:extLst>
+              <a:ext uri="{FF2B5EF4-FFF2-40B4-BE49-F238E27FC236}">
+                <a16:creationId xmlns:a16="http://schemas.microsoft.com/office/drawing/2014/main" id="{A0CA9EE1-0C17-4880-978E-1F24D20975E6}"/>
+              </a:ext>
+            </a:extLst>
+          </p:cNvPr>
+          <p:cNvSpPr txBox="1"/>
+          <p:nvPr/>
+        </p:nvSpPr>
+        <p:spPr>
+          <a:xfrm>
+            <a:off x="1000866" y="4845861"/>
+            <a:ext cx="312906" cy="369332"/>
+          </a:xfrm>
+          <a:prstGeom prst="rect">
+            <a:avLst/>
+          </a:prstGeom>
+          <a:noFill/>
+        </p:spPr>
+        <p:txBody>
+          <a:bodyPr wrap="none" rtlCol="0">
+            <a:spAutoFit/>
+          </a:bodyPr>
+          <a:lstStyle/>
+          <a:p>
+            <a:r>
+              <a:rPr lang="en-AU" b="1" dirty="0"/>
+              <a:t>3</a:t>
+            </a:r>
+            <a:endParaRPr lang="en-GB" b="1" dirty="0"/>
+          </a:p>
+        </p:txBody>
+      </p:sp>
+      <p:cxnSp>
+        <p:nvCxnSpPr>
+          <p:cNvPr id="40" name="Straight Arrow Connector 39">
+            <a:extLst>
+              <a:ext uri="{FF2B5EF4-FFF2-40B4-BE49-F238E27FC236}">
+                <a16:creationId xmlns:a16="http://schemas.microsoft.com/office/drawing/2014/main" id="{2265E5BA-5F4F-4C62-9D9B-BF701744E292}"/>
+              </a:ext>
+            </a:extLst>
+          </p:cNvPr>
+          <p:cNvCxnSpPr>
+            <a:cxnSpLocks/>
+            <a:stCxn id="14" idx="6"/>
+            <a:endCxn id="10" idx="2"/>
+          </p:cNvCxnSpPr>
+          <p:nvPr/>
+        </p:nvCxnSpPr>
+        <p:spPr>
+          <a:xfrm>
+            <a:off x="6046480" y="1640306"/>
+            <a:ext cx="2885958" cy="1048"/>
+          </a:xfrm>
+          <a:prstGeom prst="straightConnector1">
+            <a:avLst/>
+          </a:prstGeom>
+          <a:ln w="38100">
+            <a:solidFill>
+              <a:srgbClr val="00B050"/>
+            </a:solidFill>
+            <a:prstDash val="lgDashDotDot"/>
+            <a:tailEnd type="triangle"/>
+          </a:ln>
+        </p:spPr>
+        <p:style>
+          <a:lnRef idx="1">
+            <a:schemeClr val="accent1"/>
+          </a:lnRef>
+          <a:fillRef idx="0">
+            <a:schemeClr val="accent1"/>
+          </a:fillRef>
+          <a:effectRef idx="0">
+            <a:schemeClr val="accent1"/>
+          </a:effectRef>
+          <a:fontRef idx="minor">
+            <a:schemeClr val="tx1"/>
+          </a:fontRef>
+        </p:style>
+      </p:cxnSp>
+      <p:cxnSp>
+        <p:nvCxnSpPr>
+          <p:cNvPr id="43" name="Straight Arrow Connector 42">
+            <a:extLst>
+              <a:ext uri="{FF2B5EF4-FFF2-40B4-BE49-F238E27FC236}">
+                <a16:creationId xmlns:a16="http://schemas.microsoft.com/office/drawing/2014/main" id="{F4A336E8-D01A-4B3D-9BC9-E5C8080A5063}"/>
+              </a:ext>
+            </a:extLst>
+          </p:cNvPr>
+          <p:cNvCxnSpPr>
+            <a:cxnSpLocks/>
+            <a:stCxn id="12" idx="6"/>
+            <a:endCxn id="8" idx="2"/>
+          </p:cNvCxnSpPr>
+          <p:nvPr/>
+        </p:nvCxnSpPr>
+        <p:spPr>
+          <a:xfrm>
+            <a:off x="6046480" y="2804895"/>
+            <a:ext cx="2885958" cy="0"/>
+          </a:xfrm>
+          <a:prstGeom prst="straightConnector1">
+            <a:avLst/>
+          </a:prstGeom>
+          <a:ln w="38100">
+            <a:solidFill>
+              <a:srgbClr val="00B050"/>
+            </a:solidFill>
+            <a:prstDash val="lgDashDotDot"/>
+            <a:tailEnd type="triangle"/>
+          </a:ln>
+        </p:spPr>
+        <p:style>
+          <a:lnRef idx="1">
+            <a:schemeClr val="accent1"/>
+          </a:lnRef>
+          <a:fillRef idx="0">
+            <a:schemeClr val="accent1"/>
+          </a:fillRef>
+          <a:effectRef idx="0">
+            <a:schemeClr val="accent1"/>
+          </a:effectRef>
+          <a:fontRef idx="minor">
+            <a:schemeClr val="tx1"/>
+          </a:fontRef>
+        </p:style>
+      </p:cxnSp>
+      <p:cxnSp>
+        <p:nvCxnSpPr>
+          <p:cNvPr id="47" name="Connector: Curved 46">
+            <a:extLst>
+              <a:ext uri="{FF2B5EF4-FFF2-40B4-BE49-F238E27FC236}">
+                <a16:creationId xmlns:a16="http://schemas.microsoft.com/office/drawing/2014/main" id="{F581906B-E8F2-4B97-83CF-760FDA87AA2D}"/>
+              </a:ext>
+            </a:extLst>
+          </p:cNvPr>
+          <p:cNvCxnSpPr>
+            <a:cxnSpLocks/>
+            <a:stCxn id="105" idx="3"/>
+            <a:endCxn id="2" idx="1"/>
+          </p:cNvCxnSpPr>
+          <p:nvPr/>
+        </p:nvCxnSpPr>
+        <p:spPr>
+          <a:xfrm>
+            <a:off x="1523999" y="2273894"/>
+            <a:ext cx="2455579" cy="1582710"/>
+          </a:xfrm>
+          <a:prstGeom prst="curvedConnector2">
+            <a:avLst/>
+          </a:prstGeom>
+          <a:ln w="38100">
+            <a:headEnd type="triangle" w="med" len="med"/>
+            <a:tailEnd type="triangle" w="med" len="med"/>
+          </a:ln>
+        </p:spPr>
+        <p:style>
+          <a:lnRef idx="1">
+            <a:schemeClr val="accent1"/>
+          </a:lnRef>
+          <a:fillRef idx="0">
+            <a:schemeClr val="accent1"/>
+          </a:fillRef>
+          <a:effectRef idx="0">
+            <a:schemeClr val="accent1"/>
+          </a:effectRef>
+          <a:fontRef idx="minor">
+            <a:schemeClr val="tx1"/>
+          </a:fontRef>
+        </p:style>
+      </p:cxnSp>
+      <p:cxnSp>
+        <p:nvCxnSpPr>
+          <p:cNvPr id="50" name="Connector: Curved 49">
+            <a:extLst>
+              <a:ext uri="{FF2B5EF4-FFF2-40B4-BE49-F238E27FC236}">
+                <a16:creationId xmlns:a16="http://schemas.microsoft.com/office/drawing/2014/main" id="{36656ACB-1B94-4099-B3A9-CF60FAFA2B97}"/>
+              </a:ext>
+            </a:extLst>
+          </p:cNvPr>
+          <p:cNvCxnSpPr>
+            <a:cxnSpLocks/>
+            <a:stCxn id="23" idx="3"/>
+            <a:endCxn id="2" idx="2"/>
+          </p:cNvCxnSpPr>
+          <p:nvPr/>
+        </p:nvCxnSpPr>
+        <p:spPr>
+          <a:xfrm>
+            <a:off x="1523999" y="3667204"/>
+            <a:ext cx="2013461" cy="1256768"/>
+          </a:xfrm>
+          <a:prstGeom prst="curvedConnector3">
+            <a:avLst/>
+          </a:prstGeom>
+          <a:ln w="38100">
+            <a:headEnd type="triangle" w="med" len="med"/>
+            <a:tailEnd type="triangle" w="med" len="med"/>
+          </a:ln>
+        </p:spPr>
+        <p:style>
+          <a:lnRef idx="1">
+            <a:schemeClr val="accent1"/>
+          </a:lnRef>
+          <a:fillRef idx="0">
+            <a:schemeClr val="accent1"/>
+          </a:fillRef>
+          <a:effectRef idx="0">
+            <a:schemeClr val="accent1"/>
+          </a:effectRef>
+          <a:fontRef idx="minor">
+            <a:schemeClr val="tx1"/>
+          </a:fontRef>
+        </p:style>
+      </p:cxnSp>
+      <p:cxnSp>
+        <p:nvCxnSpPr>
+          <p:cNvPr id="53" name="Connector: Curved 52">
+            <a:extLst>
+              <a:ext uri="{FF2B5EF4-FFF2-40B4-BE49-F238E27FC236}">
+                <a16:creationId xmlns:a16="http://schemas.microsoft.com/office/drawing/2014/main" id="{96B13DE9-24B0-4630-96FB-3D8C3317CF03}"/>
+              </a:ext>
+            </a:extLst>
+          </p:cNvPr>
+          <p:cNvCxnSpPr>
+            <a:cxnSpLocks/>
+            <a:stCxn id="25" idx="3"/>
+            <a:endCxn id="2" idx="3"/>
+          </p:cNvCxnSpPr>
+          <p:nvPr/>
+        </p:nvCxnSpPr>
+        <p:spPr>
+          <a:xfrm>
+            <a:off x="1523999" y="5060514"/>
+            <a:ext cx="2455579" cy="930825"/>
+          </a:xfrm>
+          <a:prstGeom prst="curvedConnector4">
+            <a:avLst>
+              <a:gd name="adj1" fmla="val 40998"/>
+              <a:gd name="adj2" fmla="val 124559"/>
+            </a:avLst>
+          </a:prstGeom>
+          <a:ln w="38100">
+            <a:headEnd type="triangle" w="med" len="med"/>
+            <a:tailEnd type="triangle" w="med" len="med"/>
+          </a:ln>
+        </p:spPr>
+        <p:style>
+          <a:lnRef idx="1">
+            <a:schemeClr val="accent1"/>
+          </a:lnRef>
+          <a:fillRef idx="0">
+            <a:schemeClr val="accent1"/>
+          </a:fillRef>
+          <a:effectRef idx="0">
+            <a:schemeClr val="accent1"/>
+          </a:effectRef>
+          <a:fontRef idx="minor">
+            <a:schemeClr val="tx1"/>
+          </a:fontRef>
+        </p:style>
+      </p:cxnSp>
+      <p:sp>
+        <p:nvSpPr>
+          <p:cNvPr id="61" name="TextBox 60">
+            <a:extLst>
+              <a:ext uri="{FF2B5EF4-FFF2-40B4-BE49-F238E27FC236}">
+                <a16:creationId xmlns:a16="http://schemas.microsoft.com/office/drawing/2014/main" id="{B6B8605D-F984-407E-8B12-8714DCE499BD}"/>
+              </a:ext>
+            </a:extLst>
+          </p:cNvPr>
+          <p:cNvSpPr txBox="1"/>
+          <p:nvPr/>
+        </p:nvSpPr>
+        <p:spPr>
+          <a:xfrm>
+            <a:off x="455845" y="1090519"/>
+            <a:ext cx="1402948" cy="369332"/>
+          </a:xfrm>
+          <a:prstGeom prst="rect">
+            <a:avLst/>
+          </a:prstGeom>
+          <a:noFill/>
+        </p:spPr>
+        <p:txBody>
+          <a:bodyPr wrap="none" rtlCol="0">
+            <a:spAutoFit/>
+          </a:bodyPr>
+          <a:lstStyle/>
+          <a:p>
+            <a:r>
+              <a:rPr lang="en-AU" b="1" dirty="0"/>
+              <a:t>Local </a:t>
+            </a:r>
+            <a:r>
+              <a:rPr lang="en-AU" b="1" dirty="0" err="1"/>
+              <a:t>Devs</a:t>
+            </a:r>
+            <a:endParaRPr lang="en-GB" b="1" dirty="0"/>
+          </a:p>
+        </p:txBody>
+      </p:sp>
+      <p:sp>
+        <p:nvSpPr>
+          <p:cNvPr id="63" name="TextBox 62">
+            <a:extLst>
+              <a:ext uri="{FF2B5EF4-FFF2-40B4-BE49-F238E27FC236}">
+                <a16:creationId xmlns:a16="http://schemas.microsoft.com/office/drawing/2014/main" id="{30334277-47CB-4CDE-BA2F-1E5AE9EFAB66}"/>
+              </a:ext>
+            </a:extLst>
+          </p:cNvPr>
+          <p:cNvSpPr txBox="1"/>
+          <p:nvPr/>
+        </p:nvSpPr>
+        <p:spPr>
+          <a:xfrm>
+            <a:off x="4582715" y="6433457"/>
+            <a:ext cx="928459" cy="369332"/>
+          </a:xfrm>
+          <a:prstGeom prst="rect">
+            <a:avLst/>
+          </a:prstGeom>
+          <a:noFill/>
+        </p:spPr>
+        <p:txBody>
+          <a:bodyPr wrap="none" rtlCol="0">
+            <a:spAutoFit/>
+          </a:bodyPr>
+          <a:lstStyle/>
+          <a:p>
+            <a:r>
+              <a:rPr lang="en-AU" b="1" dirty="0" err="1"/>
+              <a:t>Github</a:t>
+            </a:r>
+            <a:endParaRPr lang="en-GB" b="1" dirty="0"/>
+          </a:p>
+        </p:txBody>
+      </p:sp>
+      <p:sp>
+        <p:nvSpPr>
+          <p:cNvPr id="64" name="TextBox 63">
+            <a:extLst>
+              <a:ext uri="{FF2B5EF4-FFF2-40B4-BE49-F238E27FC236}">
+                <a16:creationId xmlns:a16="http://schemas.microsoft.com/office/drawing/2014/main" id="{E069F002-DCC5-444E-8D43-B4CD87A4A1E6}"/>
+              </a:ext>
+            </a:extLst>
+          </p:cNvPr>
+          <p:cNvSpPr txBox="1"/>
+          <p:nvPr/>
+        </p:nvSpPr>
+        <p:spPr>
+          <a:xfrm>
+            <a:off x="9399020" y="6433457"/>
+            <a:ext cx="902811" cy="369332"/>
+          </a:xfrm>
+          <a:prstGeom prst="rect">
+            <a:avLst/>
+          </a:prstGeom>
+          <a:noFill/>
+        </p:spPr>
+        <p:txBody>
+          <a:bodyPr wrap="none" rtlCol="0">
+            <a:spAutoFit/>
+          </a:bodyPr>
+          <a:lstStyle/>
+          <a:p>
+            <a:r>
+              <a:rPr lang="en-AU" b="1" dirty="0"/>
+              <a:t>Server</a:t>
+            </a:r>
+            <a:endParaRPr lang="en-GB" b="1" dirty="0"/>
+          </a:p>
+        </p:txBody>
+      </p:sp>
+      <p:sp>
+        <p:nvSpPr>
+          <p:cNvPr id="65" name="TextBox 64">
+            <a:extLst>
+              <a:ext uri="{FF2B5EF4-FFF2-40B4-BE49-F238E27FC236}">
+                <a16:creationId xmlns:a16="http://schemas.microsoft.com/office/drawing/2014/main" id="{453AF165-55A3-4438-A264-F20F26E8E0F7}"/>
+              </a:ext>
+            </a:extLst>
+          </p:cNvPr>
+          <p:cNvSpPr txBox="1"/>
+          <p:nvPr/>
+        </p:nvSpPr>
+        <p:spPr>
+          <a:xfrm>
+            <a:off x="8281576" y="2011808"/>
+            <a:ext cx="1018227" cy="369332"/>
+          </a:xfrm>
+          <a:prstGeom prst="rect">
+            <a:avLst/>
+          </a:prstGeom>
+          <a:noFill/>
+        </p:spPr>
+        <p:txBody>
+          <a:bodyPr wrap="none" rtlCol="0">
+            <a:spAutoFit/>
+          </a:bodyPr>
+          <a:lstStyle/>
+          <a:p>
+            <a:r>
+              <a:rPr lang="en-AU" b="1" dirty="0"/>
+              <a:t>Publish</a:t>
+            </a:r>
+            <a:endParaRPr lang="en-GB" b="1" dirty="0"/>
+          </a:p>
+        </p:txBody>
+      </p:sp>
+      <p:sp>
+        <p:nvSpPr>
+          <p:cNvPr id="66" name="TextBox 65">
+            <a:extLst>
+              <a:ext uri="{FF2B5EF4-FFF2-40B4-BE49-F238E27FC236}">
+                <a16:creationId xmlns:a16="http://schemas.microsoft.com/office/drawing/2014/main" id="{36BAA381-7B86-407D-BF9F-A3B8EB1C5DF4}"/>
+              </a:ext>
+            </a:extLst>
+          </p:cNvPr>
+          <p:cNvSpPr txBox="1"/>
+          <p:nvPr/>
+        </p:nvSpPr>
+        <p:spPr>
+          <a:xfrm>
+            <a:off x="5847309" y="2048574"/>
+            <a:ext cx="979755" cy="369332"/>
+          </a:xfrm>
+          <a:prstGeom prst="rect">
+            <a:avLst/>
+          </a:prstGeom>
+          <a:noFill/>
+        </p:spPr>
+        <p:txBody>
+          <a:bodyPr wrap="none" rtlCol="0">
+            <a:spAutoFit/>
+          </a:bodyPr>
+          <a:lstStyle/>
+          <a:p>
+            <a:r>
+              <a:rPr lang="en-AU" b="1" dirty="0"/>
+              <a:t>Branch</a:t>
+            </a:r>
+            <a:endParaRPr lang="en-GB" b="1" dirty="0"/>
+          </a:p>
+        </p:txBody>
+      </p:sp>
+      <p:sp>
+        <p:nvSpPr>
+          <p:cNvPr id="67" name="TextBox 66">
+            <a:extLst>
+              <a:ext uri="{FF2B5EF4-FFF2-40B4-BE49-F238E27FC236}">
+                <a16:creationId xmlns:a16="http://schemas.microsoft.com/office/drawing/2014/main" id="{3CD623CA-3082-43A2-9E6D-67AAEABA88E3}"/>
+              </a:ext>
+            </a:extLst>
+          </p:cNvPr>
+          <p:cNvSpPr txBox="1"/>
+          <p:nvPr/>
+        </p:nvSpPr>
+        <p:spPr>
+          <a:xfrm rot="1902497">
+            <a:off x="2249859" y="2802149"/>
+            <a:ext cx="1377300" cy="646331"/>
+          </a:xfrm>
+          <a:prstGeom prst="rect">
+            <a:avLst/>
+          </a:prstGeom>
+          <a:noFill/>
+        </p:spPr>
+        <p:txBody>
+          <a:bodyPr wrap="none" rtlCol="0">
+            <a:spAutoFit/>
+          </a:bodyPr>
+          <a:lstStyle/>
+          <a:p>
+            <a:pPr algn="ctr"/>
+            <a:r>
+              <a:rPr lang="en-AU" dirty="0"/>
+              <a:t>Push &amp; Pull</a:t>
+            </a:r>
+          </a:p>
+          <a:p>
+            <a:pPr algn="ctr"/>
+            <a:r>
+              <a:rPr lang="en-AU" dirty="0"/>
+              <a:t>(</a:t>
+            </a:r>
+            <a:r>
+              <a:rPr lang="en-AU" dirty="0" err="1"/>
+              <a:t>inc.</a:t>
+            </a:r>
+            <a:r>
+              <a:rPr lang="en-AU" dirty="0"/>
+              <a:t> DB)</a:t>
+            </a:r>
+            <a:endParaRPr lang="en-GB" dirty="0"/>
+          </a:p>
+        </p:txBody>
+      </p:sp>
     </p:spTree>
   </p:cSld>
   <p:clrMapOvr>

--- a/work/presentation/CP3402 Group 10.pptx
+++ b/work/presentation/CP3402 Group 10.pptx
@@ -14,9 +14,9 @@
     <p:sldId id="258" r:id="rId5"/>
     <p:sldId id="261" r:id="rId6"/>
     <p:sldId id="260" r:id="rId7"/>
-    <p:sldId id="262" r:id="rId8"/>
+    <p:sldId id="270" r:id="rId8"/>
     <p:sldId id="263" r:id="rId9"/>
-    <p:sldId id="268" r:id="rId10"/>
+    <p:sldId id="271" r:id="rId10"/>
     <p:sldId id="259" r:id="rId11"/>
     <p:sldId id="264" r:id="rId12"/>
     <p:sldId id="265" r:id="rId13"/>
@@ -930,10 +930,10 @@
               <a:buChar char="•"/>
             </a:pPr>
             <a:r>
-              <a:rPr lang="en-AU" sz="2000" b="0" strike="noStrike" spc="-1">
+              <a:rPr lang="en-AU" sz="2000" b="0" strike="noStrike" spc="-1" dirty="0">
                 <a:latin typeface="Arial"/>
               </a:rPr>
-              <a:t>Trello was a single Kanban project board.</a:t>
+              <a:t>VPS instead of a limited hosting provider</a:t>
             </a:r>
           </a:p>
           <a:p>
@@ -948,11 +948,26 @@
               <a:buChar char="•"/>
             </a:pPr>
             <a:r>
-              <a:rPr lang="en-AU" sz="2000" b="0" strike="noStrike" spc="-1">
+              <a:rPr lang="en-AU" sz="2000" b="0" strike="noStrike" spc="-1" dirty="0">
                 <a:latin typeface="Arial"/>
               </a:rPr>
-              <a:t>Trello was too distant to our communication and collaboration means.</a:t>
+              <a:t>Inexpensive DNS used for convenience</a:t>
             </a:r>
+          </a:p>
+          <a:p>
+            <a:pPr marL="171360" indent="-170280">
+              <a:lnSpc>
+                <a:spcPct val="100000"/>
+              </a:lnSpc>
+              <a:buClr>
+                <a:srgbClr val="000000"/>
+              </a:buClr>
+              <a:buFont typeface="Arial"/>
+              <a:buChar char="•"/>
+            </a:pPr>
+            <a:endParaRPr lang="en-AU" sz="2000" b="0" strike="noStrike" spc="-1" dirty="0">
+              <a:latin typeface="Arial"/>
+            </a:endParaRPr>
           </a:p>
         </p:txBody>
       </p:sp>
@@ -1012,6 +1027,11 @@
         </p:txBody>
       </p:sp>
     </p:spTree>
+    <p:extLst>
+      <p:ext uri="{BB962C8B-B14F-4D97-AF65-F5344CB8AC3E}">
+        <p14:creationId xmlns:p14="http://schemas.microsoft.com/office/powerpoint/2010/main" val="921273572"/>
+      </p:ext>
+    </p:extLst>
   </p:cSld>
   <p:clrMapOvr>
     <a:masterClrMapping/>
@@ -7525,7 +7545,7 @@
               </a:lnSpc>
             </a:pPr>
             <a:r>
-              <a:rPr lang="en-AU" sz="3200" b="1" strike="noStrike" spc="-1" dirty="0">
+              <a:rPr lang="en-AU" sz="3600" b="1" strike="noStrike" spc="-1" dirty="0">
                 <a:solidFill>
                   <a:srgbClr val="000000"/>
                 </a:solidFill>
@@ -7534,7 +7554,7 @@
               </a:rPr>
               <a:t>Let us cover our workflow.</a:t>
             </a:r>
-            <a:endParaRPr lang="en-AU" sz="3200" b="0" strike="noStrike" spc="-1" dirty="0">
+            <a:endParaRPr lang="en-AU" sz="3600" b="0" strike="noStrike" spc="-1" dirty="0">
               <a:latin typeface="Arial"/>
             </a:endParaRPr>
           </a:p>
@@ -7544,7 +7564,7 @@
                 <a:spcPct val="100000"/>
               </a:lnSpc>
             </a:pPr>
-            <a:endParaRPr lang="en-AU" sz="3200" b="0" strike="noStrike" spc="-1" dirty="0">
+            <a:endParaRPr lang="en-AU" sz="3600" b="0" strike="noStrike" spc="-1" dirty="0">
               <a:latin typeface="Arial"/>
             </a:endParaRPr>
           </a:p>
@@ -7555,7 +7575,7 @@
               </a:lnSpc>
             </a:pPr>
             <a:r>
-              <a:rPr lang="en-AU" sz="3200" b="1" strike="noStrike" spc="-1" dirty="0">
+              <a:rPr lang="en-AU" sz="3600" b="1" strike="noStrike" spc="-1" dirty="0">
                 <a:solidFill>
                   <a:srgbClr val="000000"/>
                 </a:solidFill>
@@ -7564,7 +7584,7 @@
               </a:rPr>
               <a:t>Let us reflect on what we did.</a:t>
             </a:r>
-            <a:endParaRPr lang="en-AU" sz="3200" b="0" strike="noStrike" spc="-1" dirty="0">
+            <a:endParaRPr lang="en-AU" sz="3600" b="0" strike="noStrike" spc="-1" dirty="0">
               <a:latin typeface="Arial"/>
             </a:endParaRPr>
           </a:p>
@@ -7574,7 +7594,7 @@
                 <a:spcPct val="100000"/>
               </a:lnSpc>
             </a:pPr>
-            <a:endParaRPr lang="en-AU" sz="3200" b="0" strike="noStrike" spc="-1" dirty="0">
+            <a:endParaRPr lang="en-AU" sz="3600" b="0" strike="noStrike" spc="-1" dirty="0">
               <a:latin typeface="Arial"/>
             </a:endParaRPr>
           </a:p>
@@ -7585,7 +7605,7 @@
               </a:lnSpc>
             </a:pPr>
             <a:r>
-              <a:rPr lang="en-AU" sz="3200" b="1" strike="noStrike" spc="-1" dirty="0">
+              <a:rPr lang="en-AU" sz="3600" b="1" strike="noStrike" spc="-1" dirty="0">
                 <a:solidFill>
                   <a:srgbClr val="000000"/>
                 </a:solidFill>
@@ -7594,7 +7614,7 @@
               </a:rPr>
               <a:t>Let us suggest any improvements.</a:t>
             </a:r>
-            <a:endParaRPr lang="en-AU" sz="3200" b="0" strike="noStrike" spc="-1" dirty="0">
+            <a:endParaRPr lang="en-AU" sz="3600" b="0" strike="noStrike" spc="-1" dirty="0">
               <a:latin typeface="Arial"/>
             </a:endParaRPr>
           </a:p>
@@ -8693,7 +8713,7 @@
 </file>
 
 <file path=ppt/slides/slide6.xml><?xml version="1.0" encoding="utf-8"?>
-<p:sld xmlns:a="http://schemas.openxmlformats.org/drawingml/2006/main" xmlns:r="http://schemas.openxmlformats.org/officeDocument/2006/relationships" xmlns:p="http://schemas.openxmlformats.org/presentationml/2006/main" show="0">
+<p:sld xmlns:a="http://schemas.openxmlformats.org/drawingml/2006/main" xmlns:r="http://schemas.openxmlformats.org/officeDocument/2006/relationships" xmlns:p="http://schemas.openxmlformats.org/presentationml/2006/main">
   <p:cSld>
     <p:spTree>
       <p:nvGrpSpPr>
@@ -8750,214 +8770,193 @@
               </a:lnSpc>
             </a:pPr>
             <a:r>
-              <a:rPr lang="en-AU" sz="3600" b="1" strike="noStrike" spc="-1">
-                <a:solidFill>
-                  <a:srgbClr val="000000"/>
-                </a:solidFill>
-                <a:latin typeface="Calibri"/>
-                <a:ea typeface="DejaVu Sans"/>
+              <a:rPr lang="en-AU" sz="4800" b="0" strike="noStrike" spc="-1" dirty="0">
+                <a:latin typeface="Arial"/>
               </a:rPr>
-              <a:t>Project Management</a:t>
+              <a:t>Project Infrastructure</a:t>
             </a:r>
-            <a:endParaRPr lang="en-AU" sz="3600" b="0" strike="noStrike" spc="-1">
-              <a:latin typeface="Arial"/>
-            </a:endParaRPr>
-          </a:p>
-          <a:p>
-            <a:pPr algn="ctr">
-              <a:lnSpc>
-                <a:spcPct val="100000"/>
-              </a:lnSpc>
-            </a:pPr>
-            <a:r>
-              <a:rPr lang="en-AU" sz="2400" b="1" strike="noStrike" spc="-1">
-                <a:solidFill>
-                  <a:srgbClr val="000000"/>
-                </a:solidFill>
-                <a:latin typeface="Calibri"/>
-                <a:ea typeface="DejaVu Sans"/>
-              </a:rPr>
-              <a:t>(old method)</a:t>
-            </a:r>
-            <a:endParaRPr lang="en-AU" sz="2400" b="0" strike="noStrike" spc="-1">
-              <a:latin typeface="Arial"/>
-            </a:endParaRPr>
           </a:p>
         </p:txBody>
       </p:sp>
       <p:pic>
         <p:nvPicPr>
-          <p:cNvPr id="121" name="Picture 4"/>
-          <p:cNvPicPr/>
+          <p:cNvPr id="4" name="Picture 3">
+            <a:extLst>
+              <a:ext uri="{FF2B5EF4-FFF2-40B4-BE49-F238E27FC236}">
+                <a16:creationId xmlns:a16="http://schemas.microsoft.com/office/drawing/2014/main" id="{8BAFE132-EAF8-C04F-9BC8-D2F7CC6409E2}"/>
+              </a:ext>
+            </a:extLst>
+          </p:cNvPr>
+          <p:cNvPicPr>
+            <a:picLocks noChangeAspect="1"/>
+          </p:cNvPicPr>
           <p:nvPr/>
         </p:nvPicPr>
         <p:blipFill>
           <a:blip r:embed="rId3"/>
-          <a:stretch/>
+          <a:stretch>
+            <a:fillRect/>
+          </a:stretch>
         </p:blipFill>
         <p:spPr>
           <a:xfrm>
-            <a:off x="7411224" y="4855581"/>
-            <a:ext cx="1493736" cy="508392"/>
-          </a:xfrm>
-          <a:prstGeom prst="rect">
-            <a:avLst/>
-          </a:prstGeom>
-          <a:ln>
-            <a:noFill/>
-          </a:ln>
+            <a:off x="8665525" y="1390986"/>
+            <a:ext cx="3810000" cy="1485900"/>
+          </a:xfrm>
+          <a:prstGeom prst="rect">
+            <a:avLst/>
+          </a:prstGeom>
         </p:spPr>
       </p:pic>
-      <p:pic>
-        <p:nvPicPr>
-          <p:cNvPr id="122" name="Picture 5"/>
-          <p:cNvPicPr/>
+      <p:sp>
+        <p:nvSpPr>
+          <p:cNvPr id="5" name="TextBox 4">
+            <a:extLst>
+              <a:ext uri="{FF2B5EF4-FFF2-40B4-BE49-F238E27FC236}">
+                <a16:creationId xmlns:a16="http://schemas.microsoft.com/office/drawing/2014/main" id="{3F99D122-6E91-D648-80CE-E6636F2A914D}"/>
+              </a:ext>
+            </a:extLst>
+          </p:cNvPr>
+          <p:cNvSpPr txBox="1"/>
           <p:nvPr/>
-        </p:nvPicPr>
-        <p:blipFill>
-          <a:blip r:embed="rId4"/>
-          <a:stretch/>
-        </p:blipFill>
-        <p:spPr>
-          <a:xfrm>
-            <a:off x="7411224" y="5546346"/>
-            <a:ext cx="1493736" cy="832853"/>
-          </a:xfrm>
-          <a:prstGeom prst="rect">
-            <a:avLst/>
-          </a:prstGeom>
-          <a:ln>
-            <a:noFill/>
-          </a:ln>
-        </p:spPr>
-      </p:pic>
-      <p:sp>
-        <p:nvSpPr>
-          <p:cNvPr id="123" name="CustomShape 2"/>
-          <p:cNvSpPr/>
+        </p:nvSpPr>
+        <p:spPr>
+          <a:xfrm>
+            <a:off x="7075055" y="3481840"/>
+            <a:ext cx="4442691" cy="1569660"/>
+          </a:xfrm>
+          <a:prstGeom prst="rect">
+            <a:avLst/>
+          </a:prstGeom>
+          <a:noFill/>
+        </p:spPr>
+        <p:txBody>
+          <a:bodyPr wrap="square" rtlCol="0">
+            <a:spAutoFit/>
+          </a:bodyPr>
+          <a:lstStyle/>
+          <a:p>
+            <a:r>
+              <a:rPr lang="en-US" sz="2400" dirty="0"/>
+              <a:t>We rented a low spec’d VPS</a:t>
+            </a:r>
+          </a:p>
+          <a:p>
+            <a:endParaRPr lang="en-US" dirty="0"/>
+          </a:p>
+          <a:p>
+            <a:r>
+              <a:rPr lang="en-US" dirty="0"/>
+              <a:t> - Dedicated IP address</a:t>
+            </a:r>
+          </a:p>
+          <a:p>
+            <a:r>
+              <a:rPr lang="en-US" dirty="0"/>
+              <a:t> - Full root access – can run any service required</a:t>
+            </a:r>
+          </a:p>
+        </p:txBody>
+      </p:sp>
+      <p:sp>
+        <p:nvSpPr>
+          <p:cNvPr id="6" name="TextBox 5">
+            <a:extLst>
+              <a:ext uri="{FF2B5EF4-FFF2-40B4-BE49-F238E27FC236}">
+                <a16:creationId xmlns:a16="http://schemas.microsoft.com/office/drawing/2014/main" id="{C3CC43ED-0FB2-FE4E-9A5B-25EA7E1597B3}"/>
+              </a:ext>
+            </a:extLst>
+          </p:cNvPr>
+          <p:cNvSpPr txBox="1"/>
           <p:nvPr/>
         </p:nvSpPr>
         <p:spPr>
           <a:xfrm>
-            <a:off x="6569281" y="4428086"/>
-            <a:ext cx="3177622" cy="2491440"/>
-          </a:xfrm>
-          <a:prstGeom prst="mathMultiply">
-            <a:avLst>
-              <a:gd name="adj1" fmla="val 23520"/>
-            </a:avLst>
-          </a:prstGeom>
-          <a:gradFill rotWithShape="0">
-            <a:gsLst>
-              <a:gs pos="0">
-                <a:srgbClr val="970000"/>
-              </a:gs>
-              <a:gs pos="50000">
-                <a:srgbClr val="D60000"/>
-              </a:gs>
-              <a:gs pos="100000">
-                <a:srgbClr val="FF0000"/>
-              </a:gs>
-            </a:gsLst>
-            <a:lin ang="0"/>
-          </a:gradFill>
-          <a:ln>
-            <a:noFill/>
-          </a:ln>
-        </p:spPr>
-        <p:style>
-          <a:lnRef idx="0">
-            <a:scrgbClr r="0" g="0" b="0"/>
-          </a:lnRef>
-          <a:fillRef idx="0">
-            <a:scrgbClr r="0" g="0" b="0"/>
-          </a:fillRef>
-          <a:effectRef idx="0">
-            <a:scrgbClr r="0" g="0" b="0"/>
-          </a:effectRef>
-          <a:fontRef idx="minor"/>
-        </p:style>
+            <a:off x="1136072" y="3481840"/>
+            <a:ext cx="3408219" cy="1631216"/>
+          </a:xfrm>
+          <a:prstGeom prst="rect">
+            <a:avLst/>
+          </a:prstGeom>
+          <a:noFill/>
+        </p:spPr>
+        <p:txBody>
+          <a:bodyPr wrap="square" rtlCol="0">
+            <a:spAutoFit/>
+          </a:bodyPr>
+          <a:lstStyle/>
+          <a:p>
+            <a:r>
+              <a:rPr lang="en-US" sz="3200" dirty="0" err="1"/>
+              <a:t>NotDotCom.Fun</a:t>
+            </a:r>
+            <a:endParaRPr lang="en-US" sz="3200" dirty="0"/>
+          </a:p>
+          <a:p>
+            <a:r>
+              <a:rPr lang="en-US" sz="3200" dirty="0"/>
+              <a:t> </a:t>
+            </a:r>
+          </a:p>
+          <a:p>
+            <a:r>
+              <a:rPr lang="en-US" dirty="0"/>
+              <a:t>- Inexpensive DNS </a:t>
+            </a:r>
+          </a:p>
+          <a:p>
+            <a:r>
+              <a:rPr lang="en-US" dirty="0"/>
+              <a:t>- Easy to Remember</a:t>
+            </a:r>
+          </a:p>
+        </p:txBody>
+      </p:sp>
+      <p:sp>
+        <p:nvSpPr>
+          <p:cNvPr id="8" name="TextBox 7">
+            <a:extLst>
+              <a:ext uri="{FF2B5EF4-FFF2-40B4-BE49-F238E27FC236}">
+                <a16:creationId xmlns:a16="http://schemas.microsoft.com/office/drawing/2014/main" id="{11FD5BAA-30E6-0340-B951-A1238C90A784}"/>
+              </a:ext>
+            </a:extLst>
+          </p:cNvPr>
+          <p:cNvSpPr txBox="1"/>
+          <p:nvPr/>
+        </p:nvSpPr>
+        <p:spPr>
+          <a:xfrm>
+            <a:off x="822036" y="2045889"/>
+            <a:ext cx="4544291" cy="830997"/>
+          </a:xfrm>
+          <a:prstGeom prst="rect">
+            <a:avLst/>
+          </a:prstGeom>
+          <a:noFill/>
+        </p:spPr>
+        <p:txBody>
+          <a:bodyPr wrap="square" rtlCol="0">
+            <a:spAutoFit/>
+          </a:bodyPr>
+          <a:lstStyle/>
+          <a:p>
+            <a:r>
+              <a:rPr lang="en-US" sz="4800" dirty="0"/>
+              <a:t>137.262.34.109</a:t>
+            </a:r>
+          </a:p>
+        </p:txBody>
       </p:sp>
     </p:spTree>
+    <p:extLst>
+      <p:ext uri="{BB962C8B-B14F-4D97-AF65-F5344CB8AC3E}">
+        <p14:creationId xmlns:p14="http://schemas.microsoft.com/office/powerpoint/2010/main" val="2636681706"/>
+      </p:ext>
+    </p:extLst>
   </p:cSld>
   <p:clrMapOvr>
     <a:masterClrMapping/>
   </p:clrMapOvr>
-  <p:timing>
-    <p:tnLst>
-      <p:par>
-        <p:cTn id="1" dur="indefinite" restart="never" nodeType="tmRoot">
-          <p:childTnLst>
-            <p:seq>
-              <p:cTn id="2" dur="indefinite" nodeType="mainSeq">
-                <p:childTnLst>
-                  <p:par>
-                    <p:cTn id="3" fill="hold">
-                      <p:stCondLst>
-                        <p:cond delay="indefinite"/>
-                      </p:stCondLst>
-                      <p:childTnLst>
-                        <p:par>
-                          <p:cTn id="4" fill="hold">
-                            <p:stCondLst>
-                              <p:cond delay="0"/>
-                            </p:stCondLst>
-                            <p:childTnLst>
-                              <p:par>
-                                <p:cTn id="5" presetID="1" presetClass="entr" fill="hold" nodeType="clickEffect">
-                                  <p:stCondLst>
-                                    <p:cond delay="0"/>
-                                  </p:stCondLst>
-                                  <p:childTnLst>
-                                    <p:set>
-                                      <p:cBhvr>
-                                        <p:cTn id="6" dur="1" fill="hold">
-                                          <p:stCondLst>
-                                            <p:cond delay="0"/>
-                                          </p:stCondLst>
-                                        </p:cTn>
-                                        <p:tgtEl>
-                                          <p:spTgt spid="123"/>
-                                        </p:tgtEl>
-                                        <p:attrNameLst>
-                                          <p:attrName>style.visibility</p:attrName>
-                                        </p:attrNameLst>
-                                      </p:cBhvr>
-                                      <p:to>
-                                        <p:strVal val="visible"/>
-                                      </p:to>
-                                    </p:set>
-                                  </p:childTnLst>
-                                </p:cTn>
-                              </p:par>
-                            </p:childTnLst>
-                          </p:cTn>
-                        </p:par>
-                      </p:childTnLst>
-                    </p:cTn>
-                  </p:par>
-                </p:childTnLst>
-              </p:cTn>
-              <p:prevCondLst>
-                <p:cond evt="onPrev" delay="0">
-                  <p:tgtEl>
-                    <p:sldTgt/>
-                  </p:tgtEl>
-                </p:cond>
-              </p:prevCondLst>
-              <p:nextCondLst>
-                <p:cond evt="onNext" delay="0">
-                  <p:tgtEl>
-                    <p:sldTgt/>
-                  </p:tgtEl>
-                </p:cond>
-              </p:nextCondLst>
-            </p:seq>
-          </p:childTnLst>
-        </p:cTn>
-      </p:par>
-    </p:tnLst>
-  </p:timing>
 </p:sld>
 </file>
 
@@ -10114,92 +10113,183 @@
       </p:grpSpPr>
       <p:sp>
         <p:nvSpPr>
-          <p:cNvPr id="178" name="CustomShape 1"/>
-          <p:cNvSpPr/>
+          <p:cNvPr id="2" name="Title 1">
+            <a:extLst>
+              <a:ext uri="{FF2B5EF4-FFF2-40B4-BE49-F238E27FC236}">
+                <a16:creationId xmlns:a16="http://schemas.microsoft.com/office/drawing/2014/main" id="{A1848501-653D-F04E-98D5-FD020EBA8C3F}"/>
+              </a:ext>
+            </a:extLst>
+          </p:cNvPr>
+          <p:cNvSpPr>
+            <a:spLocks noGrp="1"/>
+          </p:cNvSpPr>
+          <p:nvPr>
+            <p:ph type="title"/>
+          </p:nvPr>
+        </p:nvSpPr>
+        <p:spPr/>
+        <p:txBody>
+          <a:bodyPr/>
+          <a:lstStyle/>
+          <a:p>
+            <a:pPr algn="ctr"/>
+            <a:r>
+              <a:rPr lang="en-US" dirty="0"/>
+              <a:t>Known Security Issues</a:t>
+            </a:r>
+          </a:p>
+        </p:txBody>
+      </p:sp>
+      <p:sp>
+        <p:nvSpPr>
+          <p:cNvPr id="3" name="Subtitle 2">
+            <a:extLst>
+              <a:ext uri="{FF2B5EF4-FFF2-40B4-BE49-F238E27FC236}">
+                <a16:creationId xmlns:a16="http://schemas.microsoft.com/office/drawing/2014/main" id="{AD3474A6-F3EA-CC4C-9A2C-9CEE03A13913}"/>
+              </a:ext>
+            </a:extLst>
+          </p:cNvPr>
+          <p:cNvSpPr>
+            <a:spLocks noGrp="1"/>
+          </p:cNvSpPr>
+          <p:nvPr>
+            <p:ph type="subTitle"/>
+          </p:nvPr>
+        </p:nvSpPr>
+        <p:spPr/>
+        <p:txBody>
+          <a:bodyPr/>
+          <a:lstStyle/>
+          <a:p>
+            <a:endParaRPr lang="en-US" sz="2400" dirty="0"/>
+          </a:p>
+          <a:p>
+            <a:endParaRPr lang="en-US" sz="2400" dirty="0"/>
+          </a:p>
+          <a:p>
+            <a:endParaRPr lang="en-US" sz="2400" dirty="0"/>
+          </a:p>
+          <a:p>
+            <a:endParaRPr lang="en-US" sz="2400" dirty="0"/>
+          </a:p>
+          <a:p>
+            <a:endParaRPr lang="en-US" sz="2400" dirty="0"/>
+          </a:p>
+          <a:p>
+            <a:endParaRPr lang="en-US" sz="2400" dirty="0"/>
+          </a:p>
+        </p:txBody>
+      </p:sp>
+      <p:sp>
+        <p:nvSpPr>
+          <p:cNvPr id="4" name="TextBox 3">
+            <a:extLst>
+              <a:ext uri="{FF2B5EF4-FFF2-40B4-BE49-F238E27FC236}">
+                <a16:creationId xmlns:a16="http://schemas.microsoft.com/office/drawing/2014/main" id="{2B297888-EE8D-0045-A532-ACD694ABF7B6}"/>
+              </a:ext>
+            </a:extLst>
+          </p:cNvPr>
+          <p:cNvSpPr txBox="1"/>
           <p:nvPr/>
         </p:nvSpPr>
         <p:spPr>
           <a:xfrm>
-            <a:off x="0" y="169920"/>
-            <a:ext cx="12191040" cy="638280"/>
+            <a:off x="867266" y="1630837"/>
+            <a:ext cx="10893763" cy="5078313"/>
           </a:xfrm>
           <a:prstGeom prst="rect">
             <a:avLst/>
           </a:prstGeom>
           <a:noFill/>
-          <a:ln>
-            <a:noFill/>
-          </a:ln>
-        </p:spPr>
-        <p:style>
-          <a:lnRef idx="0">
-            <a:scrgbClr r="0" g="0" b="0"/>
-          </a:lnRef>
-          <a:fillRef idx="0">
-            <a:scrgbClr r="0" g="0" b="0"/>
-          </a:fillRef>
-          <a:effectRef idx="0">
-            <a:scrgbClr r="0" g="0" b="0"/>
-          </a:effectRef>
-          <a:fontRef idx="minor"/>
-        </p:style>
-        <p:txBody>
-          <a:bodyPr lIns="90000" tIns="45000" rIns="90000" bIns="45000"/>
-          <a:lstStyle/>
-          <a:p>
-            <a:pPr algn="ctr">
-              <a:lnSpc>
-                <a:spcPct val="100000"/>
-              </a:lnSpc>
+        </p:spPr>
+        <p:txBody>
+          <a:bodyPr wrap="square" rtlCol="0">
+            <a:spAutoFit/>
+          </a:bodyPr>
+          <a:lstStyle/>
+          <a:p>
+            <a:pPr marL="285750" indent="-285750">
+              <a:buFont typeface="Arial" panose="020B0604020202020204" pitchFamily="34" charset="0"/>
+              <a:buChar char="•"/>
             </a:pPr>
             <a:r>
-              <a:rPr lang="en-AU" sz="3600" b="1" strike="noStrike" spc="-1">
-                <a:solidFill>
-                  <a:srgbClr val="000000"/>
-                </a:solidFill>
-                <a:latin typeface="Calibri"/>
-                <a:ea typeface="DejaVu Sans"/>
-              </a:rPr>
-              <a:t>Security</a:t>
+              <a:rPr lang="en-US" sz="3600" dirty="0"/>
+              <a:t>Initial security intentionally lax to ease collaboration</a:t>
             </a:r>
-            <a:endParaRPr lang="en-AU" sz="3600" b="0" strike="noStrike" spc="-1">
-              <a:latin typeface="Arial"/>
-            </a:endParaRPr>
+          </a:p>
+          <a:p>
+            <a:pPr marL="285750" indent="-285750">
+              <a:buFont typeface="Arial" panose="020B0604020202020204" pitchFamily="34" charset="0"/>
+              <a:buChar char="•"/>
+            </a:pPr>
+            <a:r>
+              <a:rPr lang="en-US" sz="3600" dirty="0"/>
+              <a:t>Common database user across all copies of database</a:t>
+            </a:r>
+          </a:p>
+          <a:p>
+            <a:pPr marL="285750" indent="-285750">
+              <a:buFont typeface="Arial" panose="020B0604020202020204" pitchFamily="34" charset="0"/>
+              <a:buChar char="•"/>
+            </a:pPr>
+            <a:r>
+              <a:rPr lang="en-US" sz="3600" dirty="0"/>
+              <a:t>Passwords stored in files in repository (</a:t>
+            </a:r>
+            <a:r>
+              <a:rPr lang="en-US" sz="3600" dirty="0" err="1"/>
+              <a:t>wp-config.php</a:t>
+            </a:r>
+            <a:r>
+              <a:rPr lang="en-US" sz="3600" dirty="0"/>
+              <a:t> &amp; </a:t>
+            </a:r>
+            <a:r>
+              <a:rPr lang="en-US" sz="3600" dirty="0" err="1"/>
+              <a:t>configs.ini</a:t>
+            </a:r>
+            <a:r>
+              <a:rPr lang="en-US" sz="3600" dirty="0"/>
+              <a:t>)</a:t>
+            </a:r>
+          </a:p>
+          <a:p>
+            <a:pPr marL="285750" indent="-285750">
+              <a:buFont typeface="Arial" panose="020B0604020202020204" pitchFamily="34" charset="0"/>
+              <a:buChar char="•"/>
+            </a:pPr>
+            <a:r>
+              <a:rPr lang="en-US" sz="3600" dirty="0"/>
+              <a:t>Use git filter-branch to expunge all password-containing files</a:t>
+            </a:r>
+          </a:p>
+          <a:p>
+            <a:pPr marL="285750" indent="-285750">
+              <a:buFont typeface="Arial" panose="020B0604020202020204" pitchFamily="34" charset="0"/>
+              <a:buChar char="•"/>
+            </a:pPr>
+            <a:r>
+              <a:rPr lang="en-US" sz="3600" dirty="0"/>
+              <a:t>Shell commands to clean up file ownership/</a:t>
+            </a:r>
+            <a:r>
+              <a:rPr lang="en-US" sz="3600"/>
+              <a:t>permissions prior to delivery</a:t>
+            </a:r>
+            <a:endParaRPr lang="en-US" sz="3600" dirty="0"/>
           </a:p>
         </p:txBody>
       </p:sp>
     </p:spTree>
+    <p:extLst>
+      <p:ext uri="{BB962C8B-B14F-4D97-AF65-F5344CB8AC3E}">
+        <p14:creationId xmlns:p14="http://schemas.microsoft.com/office/powerpoint/2010/main" val="3985461418"/>
+      </p:ext>
+    </p:extLst>
   </p:cSld>
   <p:clrMapOvr>
     <a:masterClrMapping/>
   </p:clrMapOvr>
-  <p:timing>
-    <p:tnLst>
-      <p:par>
-        <p:cTn id="1" dur="indefinite" restart="never" nodeType="tmRoot">
-          <p:childTnLst>
-            <p:seq>
-              <p:cTn id="2" dur="indefinite" nodeType="mainSeq"/>
-              <p:prevCondLst>
-                <p:cond evt="onPrev" delay="0">
-                  <p:tgtEl>
-                    <p:sldTgt/>
-                  </p:tgtEl>
-                </p:cond>
-              </p:prevCondLst>
-              <p:nextCondLst>
-                <p:cond evt="onNext" delay="0">
-                  <p:tgtEl>
-                    <p:sldTgt/>
-                  </p:tgtEl>
-                </p:cond>
-              </p:nextCondLst>
-            </p:seq>
-          </p:childTnLst>
-        </p:cTn>
-      </p:par>
-    </p:tnLst>
-  </p:timing>
 </p:sld>
 </file>
 
